--- a/チュートリアルなど.pptx
+++ b/チュートリアルなど.pptx
@@ -316,7 +316,7 @@
                 <a:latin typeface="ＭＳ Ｐゴシック" panose="020B0600070205080204" pitchFamily="50" charset="-128"/>
                 <a:ea typeface="ＭＳ Ｐゴシック" panose="020B0600070205080204" pitchFamily="50" charset="-128"/>
               </a:rPr>
-              <a:t>2018/4/15</a:t>
+              <a:t>2018/4/21</a:t>
             </a:fld>
             <a:endParaRPr lang="ja-JP" altLang="en-US" dirty="0">
               <a:latin typeface="ＭＳ Ｐゴシック" panose="020B0600070205080204" pitchFamily="50" charset="-128"/>
@@ -503,7 +503,7 @@
             <a:fld id="{37165343-859F-4143-8972-D138C517BA87}" type="datetime1">
               <a:rPr lang="ja-JP" altLang="en-US" smtClean="0"/>
               <a:pPr/>
-              <a:t>2018/4/15</a:t>
+              <a:t>2018/4/21</a:t>
             </a:fld>
             <a:endParaRPr lang="ja-JP" altLang="en-US" dirty="0"/>
           </a:p>
@@ -2538,7 +2538,7 @@
             <a:fld id="{8B8BDBCF-2245-4FCB-9DDE-432CD8FA8E0A}" type="datetime1">
               <a:rPr lang="ja-JP" altLang="en-US" smtClean="0"/>
               <a:pPr/>
-              <a:t>2018/4/15</a:t>
+              <a:t>2018/4/21</a:t>
             </a:fld>
             <a:endParaRPr lang="ja-JP" altLang="en-US" dirty="0"/>
           </a:p>
@@ -2780,7 +2780,7 @@
             <a:fld id="{0E2695C8-689F-41E2-801C-EC2626087B1A}" type="datetime1">
               <a:rPr lang="ja-JP" altLang="en-US" smtClean="0"/>
               <a:pPr/>
-              <a:t>2018/4/15</a:t>
+              <a:t>2018/4/21</a:t>
             </a:fld>
             <a:endParaRPr lang="ja-JP" altLang="en-US" dirty="0"/>
           </a:p>
@@ -3032,7 +3032,7 @@
             <a:fld id="{061217A4-CAA8-44F2-8FF7-C615B184E281}" type="datetime1">
               <a:rPr lang="ja-JP" altLang="en-US" smtClean="0"/>
               <a:pPr/>
-              <a:t>2018/4/15</a:t>
+              <a:t>2018/4/21</a:t>
             </a:fld>
             <a:endParaRPr lang="ja-JP" altLang="en-US" dirty="0"/>
           </a:p>
@@ -3271,7 +3271,7 @@
             <a:fld id="{CCBF1506-F1B8-4806-9D73-EF91A452CC85}" type="datetime1">
               <a:rPr lang="ja-JP" altLang="en-US" smtClean="0"/>
               <a:pPr/>
-              <a:t>2018/4/15</a:t>
+              <a:t>2018/4/21</a:t>
             </a:fld>
             <a:endParaRPr lang="ja-JP" altLang="en-US" dirty="0"/>
           </a:p>
@@ -3712,7 +3712,7 @@
             <a:fld id="{2428F437-7555-47DD-B668-A6054E2B6526}" type="datetime1">
               <a:rPr lang="ja-JP" altLang="en-US" smtClean="0"/>
               <a:pPr/>
-              <a:t>2018/4/15</a:t>
+              <a:t>2018/4/21</a:t>
             </a:fld>
             <a:endParaRPr lang="ja-JP" altLang="en-US" dirty="0"/>
           </a:p>
@@ -4089,7 +4089,7 @@
             <a:fld id="{BAFA1F1E-07BA-4BD1-9D0B-52CCAAB6E57E}" type="datetime1">
               <a:rPr lang="ja-JP" altLang="en-US" smtClean="0"/>
               <a:pPr/>
-              <a:t>2018/4/15</a:t>
+              <a:t>2018/4/21</a:t>
             </a:fld>
             <a:endParaRPr lang="ja-JP" altLang="en-US" dirty="0"/>
           </a:p>
@@ -4618,7 +4618,7 @@
             <a:fld id="{427E2E48-3F71-4060-AD47-6D35A162C236}" type="datetime1">
               <a:rPr lang="ja-JP" altLang="en-US" smtClean="0"/>
               <a:pPr/>
-              <a:t>2018/4/15</a:t>
+              <a:t>2018/4/21</a:t>
             </a:fld>
             <a:endParaRPr lang="ja-JP" altLang="en-US" dirty="0"/>
           </a:p>
@@ -4757,7 +4757,7 @@
             <a:fld id="{46800D23-6458-42C6-B818-E75CC448B4DB}" type="datetime1">
               <a:rPr lang="ja-JP" altLang="en-US" smtClean="0"/>
               <a:pPr/>
-              <a:t>2018/4/15</a:t>
+              <a:t>2018/4/21</a:t>
             </a:fld>
             <a:endParaRPr lang="ja-JP" altLang="en-US" dirty="0"/>
           </a:p>
@@ -4872,7 +4872,7 @@
             <a:fld id="{C89347AB-B18F-4EC7-9B2B-0B9F65F4923C}" type="datetime1">
               <a:rPr lang="ja-JP" altLang="en-US" smtClean="0"/>
               <a:pPr/>
-              <a:t>2018/4/15</a:t>
+              <a:t>2018/4/21</a:t>
             </a:fld>
             <a:endParaRPr lang="ja-JP" altLang="en-US" dirty="0"/>
           </a:p>
@@ -5212,7 +5212,7 @@
             <a:fld id="{F746CB98-8F1C-469F-A210-693DC87B2CEB}" type="datetime1">
               <a:rPr lang="ja-JP" altLang="en-US" smtClean="0"/>
               <a:pPr/>
-              <a:t>2018/4/15</a:t>
+              <a:t>2018/4/21</a:t>
             </a:fld>
             <a:endParaRPr lang="ja-JP" altLang="en-US" dirty="0"/>
           </a:p>
@@ -5510,7 +5510,7 @@
             <a:fld id="{4A88E3EC-CE02-4F26-BBD8-264DBE926D7A}" type="datetime1">
               <a:rPr lang="ja-JP" altLang="en-US" smtClean="0"/>
               <a:pPr/>
-              <a:t>2018/4/15</a:t>
+              <a:t>2018/4/21</a:t>
             </a:fld>
             <a:endParaRPr lang="ja-JP" altLang="en-US" dirty="0"/>
           </a:p>
@@ -6181,7 +6181,7 @@
             <a:fld id="{5F1C1D98-9737-459D-9F09-105F0595AFC8}" type="datetime1">
               <a:rPr lang="ja-JP" altLang="en-US" smtClean="0"/>
               <a:pPr/>
-              <a:t>2018/4/15</a:t>
+              <a:t>2018/4/21</a:t>
             </a:fld>
             <a:endParaRPr lang="ja-JP" altLang="en-US" dirty="0"/>
           </a:p>
@@ -9809,7 +9809,7 @@
           <a:p>
             <a:r>
               <a:rPr lang="en-US" altLang="ja-JP" dirty="0"/>
-              <a:t>Storage</a:t>
+              <a:t>Blob Storage</a:t>
             </a:r>
             <a:r>
               <a:rPr lang="ja-JP" altLang="en-US" dirty="0"/>
@@ -9820,7 +9820,7 @@
           <a:p>
             <a:r>
               <a:rPr kumimoji="1" lang="en-US" altLang="ja-JP" dirty="0"/>
-              <a:t>Storage</a:t>
+              <a:t>Blob Storage</a:t>
             </a:r>
             <a:r>
               <a:rPr kumimoji="1" lang="ja-JP" altLang="en-US" dirty="0" err="1"/>
@@ -9835,7 +9835,7 @@
           <a:p>
             <a:r>
               <a:rPr lang="en-US" altLang="ja-JP" dirty="0"/>
-              <a:t>Storage</a:t>
+              <a:t>Blob Storage</a:t>
             </a:r>
             <a:r>
               <a:rPr lang="ja-JP" altLang="en-US" dirty="0"/>
@@ -13140,151 +13140,6 @@
 </file>
 
 <file path=customXml/item1.xml><?xml version="1.0" encoding="utf-8"?>
-<?mso-contentType ?>
-<FormTemplates xmlns="http://schemas.microsoft.com/sharepoint/v3/contenttype/forms">
-  <Display>DocumentLibraryForm</Display>
-  <Edit>AssetEditForm</Edit>
-  <New>DocumentLibraryForm</New>
-</FormTemplates>
-</file>
-
-<file path=customXml/item2.xml><?xml version="1.0" encoding="utf-8"?>
-<p:properties xmlns:p="http://schemas.microsoft.com/office/2006/metadata/properties" xmlns:xsi="http://www.w3.org/2001/XMLSchema-instance" xmlns:pc="http://schemas.microsoft.com/office/infopath/2007/PartnerControls">
-  <documentManagement>
-    <LocPublishedLinkedAssetsLookup xmlns="4873beb7-5857-4685-be1f-d57550cc96cc" xsi:nil="true"/>
-    <ApprovalStatus xmlns="4873beb7-5857-4685-be1f-d57550cc96cc">InProgress</ApprovalStatus>
-    <MarketSpecific xmlns="4873beb7-5857-4685-be1f-d57550cc96cc">false</MarketSpecific>
-    <LocComments xmlns="4873beb7-5857-4685-be1f-d57550cc96cc" xsi:nil="true"/>
-    <LocLastLocAttemptVersionTypeLookup xmlns="4873beb7-5857-4685-be1f-d57550cc96cc" xsi:nil="true"/>
-    <DirectSourceMarket xmlns="4873beb7-5857-4685-be1f-d57550cc96cc" xsi:nil="true"/>
-    <ThumbnailAssetId xmlns="4873beb7-5857-4685-be1f-d57550cc96cc" xsi:nil="true"/>
-    <PrimaryImageGen xmlns="4873beb7-5857-4685-be1f-d57550cc96cc">false</PrimaryImageGen>
-    <LocNewPublishedVersionLookup xmlns="4873beb7-5857-4685-be1f-d57550cc96cc" xsi:nil="true"/>
-    <LegacyData xmlns="4873beb7-5857-4685-be1f-d57550cc96cc" xsi:nil="true"/>
-    <LocRecommendedHandoff xmlns="4873beb7-5857-4685-be1f-d57550cc96cc" xsi:nil="true"/>
-    <BusinessGroup xmlns="4873beb7-5857-4685-be1f-d57550cc96cc" xsi:nil="true"/>
-    <BlockPublish xmlns="4873beb7-5857-4685-be1f-d57550cc96cc">false</BlockPublish>
-    <TPFriendlyName xmlns="4873beb7-5857-4685-be1f-d57550cc96cc" xsi:nil="true"/>
-    <LocOverallPublishStatusLookup xmlns="4873beb7-5857-4685-be1f-d57550cc96cc" xsi:nil="true"/>
-    <NumericId xmlns="4873beb7-5857-4685-be1f-d57550cc96cc" xsi:nil="true"/>
-    <APEditor xmlns="4873beb7-5857-4685-be1f-d57550cc96cc">
-      <UserInfo>
-        <DisplayName/>
-        <AccountId xsi:nil="true"/>
-        <AccountType/>
-      </UserInfo>
-    </APEditor>
-    <SourceTitle xmlns="4873beb7-5857-4685-be1f-d57550cc96cc" xsi:nil="true"/>
-    <OpenTemplate xmlns="4873beb7-5857-4685-be1f-d57550cc96cc">true</OpenTemplate>
-    <LocOverallLocStatusLookup xmlns="4873beb7-5857-4685-be1f-d57550cc96cc" xsi:nil="true"/>
-    <UALocComments xmlns="4873beb7-5857-4685-be1f-d57550cc96cc" xsi:nil="true"/>
-    <ParentAssetId xmlns="4873beb7-5857-4685-be1f-d57550cc96cc" xsi:nil="true"/>
-    <IntlLangReviewDate xmlns="4873beb7-5857-4685-be1f-d57550cc96cc" xsi:nil="true"/>
-    <FeatureTagsTaxHTField0 xmlns="4873beb7-5857-4685-be1f-d57550cc96cc">
-      <Terms xmlns="http://schemas.microsoft.com/office/infopath/2007/PartnerControls"/>
-    </FeatureTagsTaxHTField0>
-    <PublishStatusLookup xmlns="4873beb7-5857-4685-be1f-d57550cc96cc">
-      <Value>1345093</Value>
-    </PublishStatusLookup>
-    <Providers xmlns="4873beb7-5857-4685-be1f-d57550cc96cc" xsi:nil="true"/>
-    <MachineTranslated xmlns="4873beb7-5857-4685-be1f-d57550cc96cc">false</MachineTranslated>
-    <OriginalSourceMarket xmlns="4873beb7-5857-4685-be1f-d57550cc96cc" xsi:nil="true"/>
-    <APDescription xmlns="4873beb7-5857-4685-be1f-d57550cc96cc">This simple template design works for technology and  businesses, but it's versatile enough to use in other contexts.  It features multiple slide layouts designed for widescreen (16x9 resolution) and includes a sample SmartArt list and chart that are easily editable.</APDescription>
-    <ClipArtFilename xmlns="4873beb7-5857-4685-be1f-d57550cc96cc" xsi:nil="true"/>
-    <ContentItem xmlns="4873beb7-5857-4685-be1f-d57550cc96cc" xsi:nil="true"/>
-    <TPInstallLocation xmlns="4873beb7-5857-4685-be1f-d57550cc96cc" xsi:nil="true"/>
-    <PublishTargets xmlns="4873beb7-5857-4685-be1f-d57550cc96cc">OfficeOnlineVNext</PublishTargets>
-    <TimesCloned xmlns="4873beb7-5857-4685-be1f-d57550cc96cc" xsi:nil="true"/>
-    <AssetStart xmlns="4873beb7-5857-4685-be1f-d57550cc96cc">2011-11-26T00:30:00+00:00</AssetStart>
-    <Provider xmlns="4873beb7-5857-4685-be1f-d57550cc96cc" xsi:nil="true"/>
-    <AcquiredFrom xmlns="4873beb7-5857-4685-be1f-d57550cc96cc">Internal MS</AcquiredFrom>
-    <FriendlyTitle xmlns="4873beb7-5857-4685-be1f-d57550cc96cc" xsi:nil="true"/>
-    <LastHandOff xmlns="4873beb7-5857-4685-be1f-d57550cc96cc" xsi:nil="true"/>
-    <TPClientViewer xmlns="4873beb7-5857-4685-be1f-d57550cc96cc" xsi:nil="true"/>
-    <TemplateStatus xmlns="4873beb7-5857-4685-be1f-d57550cc96cc">Complete</TemplateStatus>
-    <Downloads xmlns="4873beb7-5857-4685-be1f-d57550cc96cc">0</Downloads>
-    <OOCacheId xmlns="4873beb7-5857-4685-be1f-d57550cc96cc" xsi:nil="true"/>
-    <IsDeleted xmlns="4873beb7-5857-4685-be1f-d57550cc96cc">false</IsDeleted>
-    <LocPublishedDependentAssetsLookup xmlns="4873beb7-5857-4685-be1f-d57550cc96cc" xsi:nil="true"/>
-    <TPExecutable xmlns="4873beb7-5857-4685-be1f-d57550cc96cc" xsi:nil="true"/>
-    <EditorialTags xmlns="4873beb7-5857-4685-be1f-d57550cc96cc" xsi:nil="true"/>
-    <SubmitterId xmlns="4873beb7-5857-4685-be1f-d57550cc96cc" xsi:nil="true"/>
-    <ApprovalLog xmlns="4873beb7-5857-4685-be1f-d57550cc96cc" xsi:nil="true"/>
-    <AssetType xmlns="4873beb7-5857-4685-be1f-d57550cc96cc">TP</AssetType>
-    <BugNumber xmlns="4873beb7-5857-4685-be1f-d57550cc96cc" xsi:nil="true"/>
-    <CSXSubmissionDate xmlns="4873beb7-5857-4685-be1f-d57550cc96cc" xsi:nil="true"/>
-    <CSXUpdate xmlns="4873beb7-5857-4685-be1f-d57550cc96cc">false</CSXUpdate>
-    <Milestone xmlns="4873beb7-5857-4685-be1f-d57550cc96cc" xsi:nil="true"/>
-    <RecommendationsModifier xmlns="4873beb7-5857-4685-be1f-d57550cc96cc" xsi:nil="true"/>
-    <OriginAsset xmlns="4873beb7-5857-4685-be1f-d57550cc96cc" xsi:nil="true"/>
-    <TPComponent xmlns="4873beb7-5857-4685-be1f-d57550cc96cc" xsi:nil="true"/>
-    <AssetId xmlns="4873beb7-5857-4685-be1f-d57550cc96cc">TP102787989</AssetId>
-    <IntlLocPriority xmlns="4873beb7-5857-4685-be1f-d57550cc96cc" xsi:nil="true"/>
-    <PolicheckWords xmlns="4873beb7-5857-4685-be1f-d57550cc96cc" xsi:nil="true"/>
-    <TPLaunchHelpLink xmlns="4873beb7-5857-4685-be1f-d57550cc96cc" xsi:nil="true"/>
-    <TPApplication xmlns="4873beb7-5857-4685-be1f-d57550cc96cc" xsi:nil="true"/>
-    <CrawlForDependencies xmlns="4873beb7-5857-4685-be1f-d57550cc96cc">false</CrawlForDependencies>
-    <HandoffToMSDN xmlns="4873beb7-5857-4685-be1f-d57550cc96cc" xsi:nil="true"/>
-    <PlannedPubDate xmlns="4873beb7-5857-4685-be1f-d57550cc96cc" xsi:nil="true"/>
-    <IntlLangReviewer xmlns="4873beb7-5857-4685-be1f-d57550cc96cc" xsi:nil="true"/>
-    <TrustLevel xmlns="4873beb7-5857-4685-be1f-d57550cc96cc">1 Microsoft Managed Content</TrustLevel>
-    <LocLastLocAttemptVersionLookup xmlns="4873beb7-5857-4685-be1f-d57550cc96cc">694266</LocLastLocAttemptVersionLookup>
-    <LocProcessedForHandoffsLookup xmlns="4873beb7-5857-4685-be1f-d57550cc96cc" xsi:nil="true"/>
-    <IsSearchable xmlns="4873beb7-5857-4685-be1f-d57550cc96cc">true</IsSearchable>
-    <TemplateTemplateType xmlns="4873beb7-5857-4685-be1f-d57550cc96cc">PowerPoint Presentation Template</TemplateTemplateType>
-    <CampaignTagsTaxHTField0 xmlns="4873beb7-5857-4685-be1f-d57550cc96cc">
-      <Terms xmlns="http://schemas.microsoft.com/office/infopath/2007/PartnerControls"/>
-    </CampaignTagsTaxHTField0>
-    <TPNamespace xmlns="4873beb7-5857-4685-be1f-d57550cc96cc" xsi:nil="true"/>
-    <LocOverallPreviewStatusLookup xmlns="4873beb7-5857-4685-be1f-d57550cc96cc" xsi:nil="true"/>
-    <TaxCatchAll xmlns="4873beb7-5857-4685-be1f-d57550cc96cc"/>
-    <Markets xmlns="4873beb7-5857-4685-be1f-d57550cc96cc"/>
-    <UAProjectedTotalWords xmlns="4873beb7-5857-4685-be1f-d57550cc96cc" xsi:nil="true"/>
-    <IntlLangReview xmlns="4873beb7-5857-4685-be1f-d57550cc96cc" xsi:nil="true"/>
-    <OutputCachingOn xmlns="4873beb7-5857-4685-be1f-d57550cc96cc">false</OutputCachingOn>
-    <AverageRating xmlns="4873beb7-5857-4685-be1f-d57550cc96cc" xsi:nil="true"/>
-    <APAuthor xmlns="4873beb7-5857-4685-be1f-d57550cc96cc">
-      <UserInfo>
-        <DisplayName>REDMOND\kristaa</DisplayName>
-        <AccountId>136</AccountId>
-        <AccountType/>
-      </UserInfo>
-    </APAuthor>
-    <LocManualTestRequired xmlns="4873beb7-5857-4685-be1f-d57550cc96cc">false</LocManualTestRequired>
-    <TPCommandLine xmlns="4873beb7-5857-4685-be1f-d57550cc96cc" xsi:nil="true"/>
-    <TPAppVersion xmlns="4873beb7-5857-4685-be1f-d57550cc96cc" xsi:nil="true"/>
-    <EditorialStatus xmlns="4873beb7-5857-4685-be1f-d57550cc96cc">Complete</EditorialStatus>
-    <LastModifiedDateTime xmlns="4873beb7-5857-4685-be1f-d57550cc96cc" xsi:nil="true"/>
-    <ScenarioTagsTaxHTField0 xmlns="4873beb7-5857-4685-be1f-d57550cc96cc">
-      <Terms xmlns="http://schemas.microsoft.com/office/infopath/2007/PartnerControls"/>
-    </ScenarioTagsTaxHTField0>
-    <LocProcessedForMarketsLookup xmlns="4873beb7-5857-4685-be1f-d57550cc96cc" xsi:nil="true"/>
-    <TPLaunchHelpLinkType xmlns="4873beb7-5857-4685-be1f-d57550cc96cc">Template</TPLaunchHelpLinkType>
-    <OriginalRelease xmlns="4873beb7-5857-4685-be1f-d57550cc96cc">15</OriginalRelease>
-    <LocalizationTagsTaxHTField0 xmlns="4873beb7-5857-4685-be1f-d57550cc96cc">
-      <Terms xmlns="http://schemas.microsoft.com/office/infopath/2007/PartnerControls"/>
-    </LocalizationTagsTaxHTField0>
-    <UACurrentWords xmlns="4873beb7-5857-4685-be1f-d57550cc96cc" xsi:nil="true"/>
-    <ArtSampleDocs xmlns="4873beb7-5857-4685-be1f-d57550cc96cc" xsi:nil="true"/>
-    <UALocRecommendation xmlns="4873beb7-5857-4685-be1f-d57550cc96cc">Localize</UALocRecommendation>
-    <Manager xmlns="4873beb7-5857-4685-be1f-d57550cc96cc" xsi:nil="true"/>
-    <LocOverallHandbackStatusLookup xmlns="4873beb7-5857-4685-be1f-d57550cc96cc" xsi:nil="true"/>
-    <ShowIn xmlns="4873beb7-5857-4685-be1f-d57550cc96cc">Show everywhere</ShowIn>
-    <UANotes xmlns="4873beb7-5857-4685-be1f-d57550cc96cc" xsi:nil="true"/>
-    <InternalTagsTaxHTField0 xmlns="4873beb7-5857-4685-be1f-d57550cc96cc">
-      <Terms xmlns="http://schemas.microsoft.com/office/infopath/2007/PartnerControls"/>
-    </InternalTagsTaxHTField0>
-    <CSXHash xmlns="4873beb7-5857-4685-be1f-d57550cc96cc" xsi:nil="true"/>
-    <VoteCount xmlns="4873beb7-5857-4685-be1f-d57550cc96cc" xsi:nil="true"/>
-    <AssetExpire xmlns="4873beb7-5857-4685-be1f-d57550cc96cc">2029-05-12T07:00:00+00:00</AssetExpire>
-    <DSATActionTaken xmlns="4873beb7-5857-4685-be1f-d57550cc96cc" xsi:nil="true"/>
-    <CSXSubmissionMarket xmlns="4873beb7-5857-4685-be1f-d57550cc96cc" xsi:nil="true"/>
-    <LocMarketGroupTiers2 xmlns="4873beb7-5857-4685-be1f-d57550cc96cc" xsi:nil="true"/>
-  </documentManagement>
-</p:properties>
-</file>
-
-<file path=customXml/item3.xml><?xml version="1.0" encoding="utf-8"?>
 <ct:contentTypeSchema xmlns:ct="http://schemas.microsoft.com/office/2006/metadata/contentType" xmlns:ma="http://schemas.microsoft.com/office/2006/metadata/properties/metaAttributes" ct:_="" ma:_="" ma:contentTypeName="TemplateFile" ma:contentTypeID="0x0101006EDDDB5EE6D98C44930B742096920B300400F5B6D36B3EF94B4E9A635CDF2A18F5B8" ma:contentTypeVersion="72" ma:contentTypeDescription="Create a new document." ma:contentTypeScope="" ma:versionID="a23e56308344d904b51738559c3d67c9">
   <xsd:schema xmlns:xsd="http://www.w3.org/2001/XMLSchema" xmlns:xs="http://www.w3.org/2001/XMLSchema" xmlns:p="http://schemas.microsoft.com/office/2006/metadata/properties" xmlns:ns2="4873beb7-5857-4685-be1f-d57550cc96cc" targetNamespace="http://schemas.microsoft.com/office/2006/metadata/properties" ma:root="true" ma:fieldsID="cd0908cc4600e77bf5da051303e00c8d" ns2:_="">
     <xsd:import namespace="4873beb7-5857-4685-be1f-d57550cc96cc"/>
@@ -14324,10 +14179,165 @@
 </ct:contentTypeSchema>
 </file>
 
+<file path=customXml/item2.xml><?xml version="1.0" encoding="utf-8"?>
+<p:properties xmlns:p="http://schemas.microsoft.com/office/2006/metadata/properties" xmlns:xsi="http://www.w3.org/2001/XMLSchema-instance" xmlns:pc="http://schemas.microsoft.com/office/infopath/2007/PartnerControls">
+  <documentManagement>
+    <LocPublishedLinkedAssetsLookup xmlns="4873beb7-5857-4685-be1f-d57550cc96cc" xsi:nil="true"/>
+    <ApprovalStatus xmlns="4873beb7-5857-4685-be1f-d57550cc96cc">InProgress</ApprovalStatus>
+    <MarketSpecific xmlns="4873beb7-5857-4685-be1f-d57550cc96cc">false</MarketSpecific>
+    <LocComments xmlns="4873beb7-5857-4685-be1f-d57550cc96cc" xsi:nil="true"/>
+    <LocLastLocAttemptVersionTypeLookup xmlns="4873beb7-5857-4685-be1f-d57550cc96cc" xsi:nil="true"/>
+    <DirectSourceMarket xmlns="4873beb7-5857-4685-be1f-d57550cc96cc" xsi:nil="true"/>
+    <ThumbnailAssetId xmlns="4873beb7-5857-4685-be1f-d57550cc96cc" xsi:nil="true"/>
+    <PrimaryImageGen xmlns="4873beb7-5857-4685-be1f-d57550cc96cc">false</PrimaryImageGen>
+    <LocNewPublishedVersionLookup xmlns="4873beb7-5857-4685-be1f-d57550cc96cc" xsi:nil="true"/>
+    <LegacyData xmlns="4873beb7-5857-4685-be1f-d57550cc96cc" xsi:nil="true"/>
+    <LocRecommendedHandoff xmlns="4873beb7-5857-4685-be1f-d57550cc96cc" xsi:nil="true"/>
+    <BusinessGroup xmlns="4873beb7-5857-4685-be1f-d57550cc96cc" xsi:nil="true"/>
+    <BlockPublish xmlns="4873beb7-5857-4685-be1f-d57550cc96cc">false</BlockPublish>
+    <TPFriendlyName xmlns="4873beb7-5857-4685-be1f-d57550cc96cc" xsi:nil="true"/>
+    <LocOverallPublishStatusLookup xmlns="4873beb7-5857-4685-be1f-d57550cc96cc" xsi:nil="true"/>
+    <NumericId xmlns="4873beb7-5857-4685-be1f-d57550cc96cc" xsi:nil="true"/>
+    <APEditor xmlns="4873beb7-5857-4685-be1f-d57550cc96cc">
+      <UserInfo>
+        <DisplayName/>
+        <AccountId xsi:nil="true"/>
+        <AccountType/>
+      </UserInfo>
+    </APEditor>
+    <SourceTitle xmlns="4873beb7-5857-4685-be1f-d57550cc96cc" xsi:nil="true"/>
+    <OpenTemplate xmlns="4873beb7-5857-4685-be1f-d57550cc96cc">true</OpenTemplate>
+    <LocOverallLocStatusLookup xmlns="4873beb7-5857-4685-be1f-d57550cc96cc" xsi:nil="true"/>
+    <UALocComments xmlns="4873beb7-5857-4685-be1f-d57550cc96cc" xsi:nil="true"/>
+    <ParentAssetId xmlns="4873beb7-5857-4685-be1f-d57550cc96cc" xsi:nil="true"/>
+    <IntlLangReviewDate xmlns="4873beb7-5857-4685-be1f-d57550cc96cc" xsi:nil="true"/>
+    <FeatureTagsTaxHTField0 xmlns="4873beb7-5857-4685-be1f-d57550cc96cc">
+      <Terms xmlns="http://schemas.microsoft.com/office/infopath/2007/PartnerControls"/>
+    </FeatureTagsTaxHTField0>
+    <PublishStatusLookup xmlns="4873beb7-5857-4685-be1f-d57550cc96cc">
+      <Value>1345093</Value>
+    </PublishStatusLookup>
+    <Providers xmlns="4873beb7-5857-4685-be1f-d57550cc96cc" xsi:nil="true"/>
+    <MachineTranslated xmlns="4873beb7-5857-4685-be1f-d57550cc96cc">false</MachineTranslated>
+    <OriginalSourceMarket xmlns="4873beb7-5857-4685-be1f-d57550cc96cc" xsi:nil="true"/>
+    <APDescription xmlns="4873beb7-5857-4685-be1f-d57550cc96cc">This simple template design works for technology and  businesses, but it's versatile enough to use in other contexts.  It features multiple slide layouts designed for widescreen (16x9 resolution) and includes a sample SmartArt list and chart that are easily editable.</APDescription>
+    <ClipArtFilename xmlns="4873beb7-5857-4685-be1f-d57550cc96cc" xsi:nil="true"/>
+    <ContentItem xmlns="4873beb7-5857-4685-be1f-d57550cc96cc" xsi:nil="true"/>
+    <TPInstallLocation xmlns="4873beb7-5857-4685-be1f-d57550cc96cc" xsi:nil="true"/>
+    <PublishTargets xmlns="4873beb7-5857-4685-be1f-d57550cc96cc">OfficeOnlineVNext</PublishTargets>
+    <TimesCloned xmlns="4873beb7-5857-4685-be1f-d57550cc96cc" xsi:nil="true"/>
+    <AssetStart xmlns="4873beb7-5857-4685-be1f-d57550cc96cc">2011-11-26T00:30:00+00:00</AssetStart>
+    <Provider xmlns="4873beb7-5857-4685-be1f-d57550cc96cc" xsi:nil="true"/>
+    <AcquiredFrom xmlns="4873beb7-5857-4685-be1f-d57550cc96cc">Internal MS</AcquiredFrom>
+    <FriendlyTitle xmlns="4873beb7-5857-4685-be1f-d57550cc96cc" xsi:nil="true"/>
+    <LastHandOff xmlns="4873beb7-5857-4685-be1f-d57550cc96cc" xsi:nil="true"/>
+    <TPClientViewer xmlns="4873beb7-5857-4685-be1f-d57550cc96cc" xsi:nil="true"/>
+    <TemplateStatus xmlns="4873beb7-5857-4685-be1f-d57550cc96cc">Complete</TemplateStatus>
+    <Downloads xmlns="4873beb7-5857-4685-be1f-d57550cc96cc">0</Downloads>
+    <OOCacheId xmlns="4873beb7-5857-4685-be1f-d57550cc96cc" xsi:nil="true"/>
+    <IsDeleted xmlns="4873beb7-5857-4685-be1f-d57550cc96cc">false</IsDeleted>
+    <LocPublishedDependentAssetsLookup xmlns="4873beb7-5857-4685-be1f-d57550cc96cc" xsi:nil="true"/>
+    <TPExecutable xmlns="4873beb7-5857-4685-be1f-d57550cc96cc" xsi:nil="true"/>
+    <EditorialTags xmlns="4873beb7-5857-4685-be1f-d57550cc96cc" xsi:nil="true"/>
+    <SubmitterId xmlns="4873beb7-5857-4685-be1f-d57550cc96cc" xsi:nil="true"/>
+    <ApprovalLog xmlns="4873beb7-5857-4685-be1f-d57550cc96cc" xsi:nil="true"/>
+    <AssetType xmlns="4873beb7-5857-4685-be1f-d57550cc96cc">TP</AssetType>
+    <BugNumber xmlns="4873beb7-5857-4685-be1f-d57550cc96cc" xsi:nil="true"/>
+    <CSXSubmissionDate xmlns="4873beb7-5857-4685-be1f-d57550cc96cc" xsi:nil="true"/>
+    <CSXUpdate xmlns="4873beb7-5857-4685-be1f-d57550cc96cc">false</CSXUpdate>
+    <Milestone xmlns="4873beb7-5857-4685-be1f-d57550cc96cc" xsi:nil="true"/>
+    <RecommendationsModifier xmlns="4873beb7-5857-4685-be1f-d57550cc96cc" xsi:nil="true"/>
+    <OriginAsset xmlns="4873beb7-5857-4685-be1f-d57550cc96cc" xsi:nil="true"/>
+    <TPComponent xmlns="4873beb7-5857-4685-be1f-d57550cc96cc" xsi:nil="true"/>
+    <AssetId xmlns="4873beb7-5857-4685-be1f-d57550cc96cc">TP102787989</AssetId>
+    <IntlLocPriority xmlns="4873beb7-5857-4685-be1f-d57550cc96cc" xsi:nil="true"/>
+    <PolicheckWords xmlns="4873beb7-5857-4685-be1f-d57550cc96cc" xsi:nil="true"/>
+    <TPLaunchHelpLink xmlns="4873beb7-5857-4685-be1f-d57550cc96cc" xsi:nil="true"/>
+    <TPApplication xmlns="4873beb7-5857-4685-be1f-d57550cc96cc" xsi:nil="true"/>
+    <CrawlForDependencies xmlns="4873beb7-5857-4685-be1f-d57550cc96cc">false</CrawlForDependencies>
+    <HandoffToMSDN xmlns="4873beb7-5857-4685-be1f-d57550cc96cc" xsi:nil="true"/>
+    <PlannedPubDate xmlns="4873beb7-5857-4685-be1f-d57550cc96cc" xsi:nil="true"/>
+    <IntlLangReviewer xmlns="4873beb7-5857-4685-be1f-d57550cc96cc" xsi:nil="true"/>
+    <TrustLevel xmlns="4873beb7-5857-4685-be1f-d57550cc96cc">1 Microsoft Managed Content</TrustLevel>
+    <LocLastLocAttemptVersionLookup xmlns="4873beb7-5857-4685-be1f-d57550cc96cc">694266</LocLastLocAttemptVersionLookup>
+    <LocProcessedForHandoffsLookup xmlns="4873beb7-5857-4685-be1f-d57550cc96cc" xsi:nil="true"/>
+    <IsSearchable xmlns="4873beb7-5857-4685-be1f-d57550cc96cc">true</IsSearchable>
+    <TemplateTemplateType xmlns="4873beb7-5857-4685-be1f-d57550cc96cc">PowerPoint Presentation Template</TemplateTemplateType>
+    <CampaignTagsTaxHTField0 xmlns="4873beb7-5857-4685-be1f-d57550cc96cc">
+      <Terms xmlns="http://schemas.microsoft.com/office/infopath/2007/PartnerControls"/>
+    </CampaignTagsTaxHTField0>
+    <TPNamespace xmlns="4873beb7-5857-4685-be1f-d57550cc96cc" xsi:nil="true"/>
+    <LocOverallPreviewStatusLookup xmlns="4873beb7-5857-4685-be1f-d57550cc96cc" xsi:nil="true"/>
+    <TaxCatchAll xmlns="4873beb7-5857-4685-be1f-d57550cc96cc"/>
+    <Markets xmlns="4873beb7-5857-4685-be1f-d57550cc96cc"/>
+    <UAProjectedTotalWords xmlns="4873beb7-5857-4685-be1f-d57550cc96cc" xsi:nil="true"/>
+    <IntlLangReview xmlns="4873beb7-5857-4685-be1f-d57550cc96cc" xsi:nil="true"/>
+    <OutputCachingOn xmlns="4873beb7-5857-4685-be1f-d57550cc96cc">false</OutputCachingOn>
+    <AverageRating xmlns="4873beb7-5857-4685-be1f-d57550cc96cc" xsi:nil="true"/>
+    <APAuthor xmlns="4873beb7-5857-4685-be1f-d57550cc96cc">
+      <UserInfo>
+        <DisplayName>REDMOND\kristaa</DisplayName>
+        <AccountId>136</AccountId>
+        <AccountType/>
+      </UserInfo>
+    </APAuthor>
+    <LocManualTestRequired xmlns="4873beb7-5857-4685-be1f-d57550cc96cc">false</LocManualTestRequired>
+    <TPCommandLine xmlns="4873beb7-5857-4685-be1f-d57550cc96cc" xsi:nil="true"/>
+    <TPAppVersion xmlns="4873beb7-5857-4685-be1f-d57550cc96cc" xsi:nil="true"/>
+    <EditorialStatus xmlns="4873beb7-5857-4685-be1f-d57550cc96cc">Complete</EditorialStatus>
+    <LastModifiedDateTime xmlns="4873beb7-5857-4685-be1f-d57550cc96cc" xsi:nil="true"/>
+    <ScenarioTagsTaxHTField0 xmlns="4873beb7-5857-4685-be1f-d57550cc96cc">
+      <Terms xmlns="http://schemas.microsoft.com/office/infopath/2007/PartnerControls"/>
+    </ScenarioTagsTaxHTField0>
+    <LocProcessedForMarketsLookup xmlns="4873beb7-5857-4685-be1f-d57550cc96cc" xsi:nil="true"/>
+    <TPLaunchHelpLinkType xmlns="4873beb7-5857-4685-be1f-d57550cc96cc">Template</TPLaunchHelpLinkType>
+    <OriginalRelease xmlns="4873beb7-5857-4685-be1f-d57550cc96cc">15</OriginalRelease>
+    <LocalizationTagsTaxHTField0 xmlns="4873beb7-5857-4685-be1f-d57550cc96cc">
+      <Terms xmlns="http://schemas.microsoft.com/office/infopath/2007/PartnerControls"/>
+    </LocalizationTagsTaxHTField0>
+    <UACurrentWords xmlns="4873beb7-5857-4685-be1f-d57550cc96cc" xsi:nil="true"/>
+    <ArtSampleDocs xmlns="4873beb7-5857-4685-be1f-d57550cc96cc" xsi:nil="true"/>
+    <UALocRecommendation xmlns="4873beb7-5857-4685-be1f-d57550cc96cc">Localize</UALocRecommendation>
+    <Manager xmlns="4873beb7-5857-4685-be1f-d57550cc96cc" xsi:nil="true"/>
+    <LocOverallHandbackStatusLookup xmlns="4873beb7-5857-4685-be1f-d57550cc96cc" xsi:nil="true"/>
+    <ShowIn xmlns="4873beb7-5857-4685-be1f-d57550cc96cc">Show everywhere</ShowIn>
+    <UANotes xmlns="4873beb7-5857-4685-be1f-d57550cc96cc" xsi:nil="true"/>
+    <InternalTagsTaxHTField0 xmlns="4873beb7-5857-4685-be1f-d57550cc96cc">
+      <Terms xmlns="http://schemas.microsoft.com/office/infopath/2007/PartnerControls"/>
+    </InternalTagsTaxHTField0>
+    <CSXHash xmlns="4873beb7-5857-4685-be1f-d57550cc96cc" xsi:nil="true"/>
+    <VoteCount xmlns="4873beb7-5857-4685-be1f-d57550cc96cc" xsi:nil="true"/>
+    <AssetExpire xmlns="4873beb7-5857-4685-be1f-d57550cc96cc">2029-05-12T07:00:00+00:00</AssetExpire>
+    <DSATActionTaken xmlns="4873beb7-5857-4685-be1f-d57550cc96cc" xsi:nil="true"/>
+    <CSXSubmissionMarket xmlns="4873beb7-5857-4685-be1f-d57550cc96cc" xsi:nil="true"/>
+    <LocMarketGroupTiers2 xmlns="4873beb7-5857-4685-be1f-d57550cc96cc" xsi:nil="true"/>
+  </documentManagement>
+</p:properties>
+</file>
+
+<file path=customXml/item3.xml><?xml version="1.0" encoding="utf-8"?>
+<?mso-contentType ?>
+<FormTemplates xmlns="http://schemas.microsoft.com/sharepoint/v3/contenttype/forms">
+  <Display>DocumentLibraryForm</Display>
+  <Edit>AssetEditForm</Edit>
+  <New>DocumentLibraryForm</New>
+</FormTemplates>
+</file>
+
 <file path=customXml/itemProps1.xml><?xml version="1.0" encoding="utf-8"?>
-<ds:datastoreItem xmlns:ds="http://schemas.openxmlformats.org/officeDocument/2006/customXml" ds:itemID="{3836F65B-1B07-41EE-A0E8-BC6EF3855225}">
+<ds:datastoreItem xmlns:ds="http://schemas.openxmlformats.org/officeDocument/2006/customXml" ds:itemID="{A09BF4D4-EF60-4196-BFC3-9462D607978C}">
   <ds:schemaRefs>
-    <ds:schemaRef ds:uri="http://schemas.microsoft.com/sharepoint/v3/contenttype/forms"/>
+    <ds:schemaRef ds:uri="http://schemas.microsoft.com/office/2006/metadata/contentType"/>
+    <ds:schemaRef ds:uri="http://schemas.microsoft.com/office/2006/metadata/properties/metaAttributes"/>
+    <ds:schemaRef ds:uri="http://www.w3.org/2001/XMLSchema"/>
+    <ds:schemaRef ds:uri="http://schemas.microsoft.com/office/2006/metadata/properties"/>
+    <ds:schemaRef ds:uri="4873beb7-5857-4685-be1f-d57550cc96cc"/>
+    <ds:schemaRef ds:uri="http://schemas.microsoft.com/office/2006/documentManagement/types"/>
+    <ds:schemaRef ds:uri="http://schemas.microsoft.com/office/infopath/2007/PartnerControls"/>
+    <ds:schemaRef ds:uri="http://schemas.openxmlformats.org/package/2006/metadata/core-properties"/>
+    <ds:schemaRef ds:uri="http://purl.org/dc/elements/1.1/"/>
+    <ds:schemaRef ds:uri="http://purl.org/dc/terms/"/>
+    <ds:schemaRef ds:uri="http://schemas.microsoft.com/internal/obd"/>
   </ds:schemaRefs>
 </ds:datastoreItem>
 </file>
@@ -14349,19 +14359,9 @@
 </file>
 
 <file path=customXml/itemProps3.xml><?xml version="1.0" encoding="utf-8"?>
-<ds:datastoreItem xmlns:ds="http://schemas.openxmlformats.org/officeDocument/2006/customXml" ds:itemID="{A09BF4D4-EF60-4196-BFC3-9462D607978C}">
+<ds:datastoreItem xmlns:ds="http://schemas.openxmlformats.org/officeDocument/2006/customXml" ds:itemID="{3836F65B-1B07-41EE-A0E8-BC6EF3855225}">
   <ds:schemaRefs>
-    <ds:schemaRef ds:uri="http://schemas.microsoft.com/office/2006/metadata/contentType"/>
-    <ds:schemaRef ds:uri="http://schemas.microsoft.com/office/2006/metadata/properties/metaAttributes"/>
-    <ds:schemaRef ds:uri="http://www.w3.org/2001/XMLSchema"/>
-    <ds:schemaRef ds:uri="http://schemas.microsoft.com/office/2006/metadata/properties"/>
-    <ds:schemaRef ds:uri="4873beb7-5857-4685-be1f-d57550cc96cc"/>
-    <ds:schemaRef ds:uri="http://schemas.microsoft.com/office/2006/documentManagement/types"/>
-    <ds:schemaRef ds:uri="http://schemas.microsoft.com/office/infopath/2007/PartnerControls"/>
-    <ds:schemaRef ds:uri="http://schemas.openxmlformats.org/package/2006/metadata/core-properties"/>
-    <ds:schemaRef ds:uri="http://purl.org/dc/elements/1.1/"/>
-    <ds:schemaRef ds:uri="http://purl.org/dc/terms/"/>
-    <ds:schemaRef ds:uri="http://schemas.microsoft.com/internal/obd"/>
+    <ds:schemaRef ds:uri="http://schemas.microsoft.com/sharepoint/v3/contenttype/forms"/>
   </ds:schemaRefs>
 </ds:datastoreItem>
 </file>
--- a/チュートリアルなど.pptx
+++ b/チュートリアルなど.pptx
@@ -5,10 +5,10 @@
     <p:sldMasterId id="2147483660" r:id="rId4"/>
   </p:sldMasterIdLst>
   <p:notesMasterIdLst>
-    <p:notesMasterId r:id="rId33"/>
+    <p:notesMasterId r:id="rId34"/>
   </p:notesMasterIdLst>
   <p:handoutMasterIdLst>
-    <p:handoutMasterId r:id="rId34"/>
+    <p:handoutMasterId r:id="rId35"/>
   </p:handoutMasterIdLst>
   <p:sldIdLst>
     <p:sldId id="257" r:id="rId5"/>
@@ -27,18 +27,19 @@
     <p:sldId id="281" r:id="rId18"/>
     <p:sldId id="283" r:id="rId19"/>
     <p:sldId id="288" r:id="rId20"/>
-    <p:sldId id="286" r:id="rId21"/>
-    <p:sldId id="287" r:id="rId22"/>
-    <p:sldId id="289" r:id="rId23"/>
-    <p:sldId id="290" r:id="rId24"/>
-    <p:sldId id="291" r:id="rId25"/>
-    <p:sldId id="292" r:id="rId26"/>
-    <p:sldId id="293" r:id="rId27"/>
-    <p:sldId id="294" r:id="rId28"/>
-    <p:sldId id="295" r:id="rId29"/>
-    <p:sldId id="296" r:id="rId30"/>
-    <p:sldId id="297" r:id="rId31"/>
-    <p:sldId id="298" r:id="rId32"/>
+    <p:sldId id="289" r:id="rId21"/>
+    <p:sldId id="286" r:id="rId22"/>
+    <p:sldId id="287" r:id="rId23"/>
+    <p:sldId id="299" r:id="rId24"/>
+    <p:sldId id="290" r:id="rId25"/>
+    <p:sldId id="291" r:id="rId26"/>
+    <p:sldId id="292" r:id="rId27"/>
+    <p:sldId id="293" r:id="rId28"/>
+    <p:sldId id="294" r:id="rId29"/>
+    <p:sldId id="295" r:id="rId30"/>
+    <p:sldId id="296" r:id="rId31"/>
+    <p:sldId id="297" r:id="rId32"/>
+    <p:sldId id="298" r:id="rId33"/>
   </p:sldIdLst>
   <p:sldSz cx="12188825" cy="6858000"/>
   <p:notesSz cx="6858000" cy="9144000"/>
@@ -170,9 +171,10 @@
         <p14:section name="開発" id="{9A06E40E-7676-4F19-9961-1C4982164B16}">
           <p14:sldIdLst>
             <p14:sldId id="288"/>
+            <p14:sldId id="289"/>
             <p14:sldId id="286"/>
             <p14:sldId id="287"/>
-            <p14:sldId id="289"/>
+            <p14:sldId id="299"/>
             <p14:sldId id="290"/>
             <p14:sldId id="291"/>
             <p14:sldId id="292"/>
@@ -971,7 +973,7 @@
             <a:fld id="{3EBA5BD7-F043-4D1B-AA17-CD412FC534DE}" type="slidenum">
               <a:rPr lang="en-US" altLang="ja-JP" smtClean="0"/>
               <a:pPr/>
-              <a:t>17</a:t>
+              <a:t>18</a:t>
             </a:fld>
             <a:endParaRPr lang="en-US" altLang="ja-JP" dirty="0"/>
           </a:p>
@@ -1056,7 +1058,7 @@
             <a:fld id="{3EBA5BD7-F043-4D1B-AA17-CD412FC534DE}" type="slidenum">
               <a:rPr lang="en-US" altLang="ja-JP" smtClean="0"/>
               <a:pPr/>
-              <a:t>18</a:t>
+              <a:t>19</a:t>
             </a:fld>
             <a:endParaRPr lang="en-US" altLang="ja-JP" dirty="0"/>
           </a:p>
@@ -6864,7 +6866,7 @@
         <p:spPr>
           <a:xfrm>
             <a:off x="4193556" y="2492896"/>
-            <a:ext cx="5040560" cy="369332"/>
+            <a:ext cx="5040560" cy="646331"/>
           </a:xfrm>
           <a:prstGeom prst="rect">
             <a:avLst/>
@@ -6879,6 +6881,14 @@
           </a:bodyPr>
           <a:lstStyle/>
           <a:p>
+            <a:r>
+              <a:rPr kumimoji="1" lang="ja-JP" altLang="en-US" sz="1800" dirty="0">
+                <a:solidFill>
+                  <a:schemeClr val="bg1"/>
+                </a:solidFill>
+              </a:rPr>
+              <a:t>今後を考えて、</a:t>
+            </a:r>
             <a:r>
               <a:rPr kumimoji="1" lang="en-US" altLang="ja-JP" sz="1800" dirty="0" err="1">
                 <a:solidFill>
@@ -9399,6 +9409,135 @@
           <p:cNvPr id="2" name="タイトル 1">
             <a:extLst>
               <a:ext uri="{FF2B5EF4-FFF2-40B4-BE49-F238E27FC236}">
+                <a16:creationId xmlns:a16="http://schemas.microsoft.com/office/drawing/2014/main" id="{C6AD1C6F-48B6-42A4-B39B-95E89B70118F}"/>
+              </a:ext>
+            </a:extLst>
+          </p:cNvPr>
+          <p:cNvSpPr>
+            <a:spLocks noGrp="1"/>
+          </p:cNvSpPr>
+          <p:nvPr>
+            <p:ph type="title"/>
+          </p:nvPr>
+        </p:nvSpPr>
+        <p:spPr/>
+        <p:txBody>
+          <a:bodyPr/>
+          <a:lstStyle/>
+          <a:p>
+            <a:r>
+              <a:rPr kumimoji="1" lang="ja-JP" altLang="en-US" dirty="0"/>
+              <a:t>今回作る機能</a:t>
+            </a:r>
+          </a:p>
+        </p:txBody>
+      </p:sp>
+      <p:sp>
+        <p:nvSpPr>
+          <p:cNvPr id="3" name="コンテンツ プレースホルダー 2">
+            <a:extLst>
+              <a:ext uri="{FF2B5EF4-FFF2-40B4-BE49-F238E27FC236}">
+                <a16:creationId xmlns:a16="http://schemas.microsoft.com/office/drawing/2014/main" id="{B2A08850-722E-4DE1-AA3A-6CF245B11389}"/>
+              </a:ext>
+            </a:extLst>
+          </p:cNvPr>
+          <p:cNvSpPr>
+            <a:spLocks noGrp="1"/>
+          </p:cNvSpPr>
+          <p:nvPr>
+            <p:ph idx="1"/>
+          </p:nvPr>
+        </p:nvSpPr>
+        <p:spPr/>
+        <p:txBody>
+          <a:bodyPr/>
+          <a:lstStyle/>
+          <a:p>
+            <a:r>
+              <a:rPr lang="en-US" altLang="ja-JP" dirty="0"/>
+              <a:t>Blob Storage</a:t>
+            </a:r>
+            <a:r>
+              <a:rPr lang="ja-JP" altLang="en-US" dirty="0"/>
+              <a:t>の一覧取得</a:t>
+            </a:r>
+            <a:endParaRPr lang="en-US" altLang="ja-JP" dirty="0"/>
+          </a:p>
+          <a:p>
+            <a:r>
+              <a:rPr kumimoji="1" lang="en-US" altLang="ja-JP" dirty="0"/>
+              <a:t>Blob Storage</a:t>
+            </a:r>
+            <a:r>
+              <a:rPr kumimoji="1" lang="ja-JP" altLang="en-US" dirty="0" err="1"/>
+              <a:t>への</a:t>
+            </a:r>
+            <a:r>
+              <a:rPr kumimoji="1" lang="ja-JP" altLang="en-US" dirty="0"/>
+              <a:t>アップロード機能</a:t>
+            </a:r>
+            <a:endParaRPr kumimoji="1" lang="en-US" altLang="ja-JP" dirty="0"/>
+          </a:p>
+          <a:p>
+            <a:r>
+              <a:rPr lang="en-US" altLang="ja-JP" dirty="0"/>
+              <a:t>Blob Storage</a:t>
+            </a:r>
+            <a:r>
+              <a:rPr lang="ja-JP" altLang="en-US" dirty="0"/>
+              <a:t>からのダウンロード機能</a:t>
+            </a:r>
+            <a:endParaRPr kumimoji="1" lang="ja-JP" altLang="en-US" dirty="0"/>
+          </a:p>
+        </p:txBody>
+      </p:sp>
+    </p:spTree>
+    <p:extLst>
+      <p:ext uri="{BB962C8B-B14F-4D97-AF65-F5344CB8AC3E}">
+        <p14:creationId xmlns:p14="http://schemas.microsoft.com/office/powerpoint/2010/main" val="3233582914"/>
+      </p:ext>
+    </p:extLst>
+  </p:cSld>
+  <p:clrMapOvr>
+    <a:masterClrMapping/>
+  </p:clrMapOvr>
+  <mc:AlternateContent xmlns:mc="http://schemas.openxmlformats.org/markup-compatibility/2006" xmlns:p14="http://schemas.microsoft.com/office/powerpoint/2010/main">
+    <mc:Choice Requires="p14">
+      <p:transition spd="med" p14:dur="700">
+        <p:fade/>
+      </p:transition>
+    </mc:Choice>
+    <mc:Fallback xmlns="">
+      <p:transition spd="med">
+        <p:fade/>
+      </p:transition>
+    </mc:Fallback>
+  </mc:AlternateContent>
+</p:sld>
+</file>
+
+<file path=ppt/slides/slide18.xml><?xml version="1.0" encoding="utf-8"?>
+<p:sld xmlns:a="http://schemas.openxmlformats.org/drawingml/2006/main" xmlns:r="http://schemas.openxmlformats.org/officeDocument/2006/relationships" xmlns:p="http://schemas.openxmlformats.org/presentationml/2006/main">
+  <p:cSld>
+    <p:spTree>
+      <p:nvGrpSpPr>
+        <p:cNvPr id="1" name=""/>
+        <p:cNvGrpSpPr/>
+        <p:nvPr/>
+      </p:nvGrpSpPr>
+      <p:grpSpPr>
+        <a:xfrm>
+          <a:off x="0" y="0"/>
+          <a:ext cx="0" cy="0"/>
+          <a:chOff x="0" y="0"/>
+          <a:chExt cx="0" cy="0"/>
+        </a:xfrm>
+      </p:grpSpPr>
+      <p:sp>
+        <p:nvSpPr>
+          <p:cNvPr id="2" name="タイトル 1">
+            <a:extLst>
+              <a:ext uri="{FF2B5EF4-FFF2-40B4-BE49-F238E27FC236}">
                 <a16:creationId xmlns:a16="http://schemas.microsoft.com/office/drawing/2014/main" id="{3A32A84C-A1DD-4680-BAC3-0EADE3B24197}"/>
               </a:ext>
             </a:extLst>
@@ -9639,7 +9778,7 @@
 </p:sld>
 </file>
 
-<file path=ppt/slides/slide18.xml><?xml version="1.0" encoding="utf-8"?>
+<file path=ppt/slides/slide19.xml><?xml version="1.0" encoding="utf-8"?>
 <p:sld xmlns:a="http://schemas.openxmlformats.org/drawingml/2006/main" xmlns:r="http://schemas.openxmlformats.org/officeDocument/2006/relationships" xmlns:p="http://schemas.openxmlformats.org/presentationml/2006/main">
   <p:cSld>
     <p:spTree>
@@ -9741,135 +9880,6 @@
 </p:sld>
 </file>
 
-<file path=ppt/slides/slide19.xml><?xml version="1.0" encoding="utf-8"?>
-<p:sld xmlns:a="http://schemas.openxmlformats.org/drawingml/2006/main" xmlns:r="http://schemas.openxmlformats.org/officeDocument/2006/relationships" xmlns:p="http://schemas.openxmlformats.org/presentationml/2006/main">
-  <p:cSld>
-    <p:spTree>
-      <p:nvGrpSpPr>
-        <p:cNvPr id="1" name=""/>
-        <p:cNvGrpSpPr/>
-        <p:nvPr/>
-      </p:nvGrpSpPr>
-      <p:grpSpPr>
-        <a:xfrm>
-          <a:off x="0" y="0"/>
-          <a:ext cx="0" cy="0"/>
-          <a:chOff x="0" y="0"/>
-          <a:chExt cx="0" cy="0"/>
-        </a:xfrm>
-      </p:grpSpPr>
-      <p:sp>
-        <p:nvSpPr>
-          <p:cNvPr id="2" name="タイトル 1">
-            <a:extLst>
-              <a:ext uri="{FF2B5EF4-FFF2-40B4-BE49-F238E27FC236}">
-                <a16:creationId xmlns:a16="http://schemas.microsoft.com/office/drawing/2014/main" id="{C6AD1C6F-48B6-42A4-B39B-95E89B70118F}"/>
-              </a:ext>
-            </a:extLst>
-          </p:cNvPr>
-          <p:cNvSpPr>
-            <a:spLocks noGrp="1"/>
-          </p:cNvSpPr>
-          <p:nvPr>
-            <p:ph type="title"/>
-          </p:nvPr>
-        </p:nvSpPr>
-        <p:spPr/>
-        <p:txBody>
-          <a:bodyPr/>
-          <a:lstStyle/>
-          <a:p>
-            <a:r>
-              <a:rPr kumimoji="1" lang="ja-JP" altLang="en-US" dirty="0"/>
-              <a:t>今回作る機能</a:t>
-            </a:r>
-          </a:p>
-        </p:txBody>
-      </p:sp>
-      <p:sp>
-        <p:nvSpPr>
-          <p:cNvPr id="3" name="コンテンツ プレースホルダー 2">
-            <a:extLst>
-              <a:ext uri="{FF2B5EF4-FFF2-40B4-BE49-F238E27FC236}">
-                <a16:creationId xmlns:a16="http://schemas.microsoft.com/office/drawing/2014/main" id="{B2A08850-722E-4DE1-AA3A-6CF245B11389}"/>
-              </a:ext>
-            </a:extLst>
-          </p:cNvPr>
-          <p:cNvSpPr>
-            <a:spLocks noGrp="1"/>
-          </p:cNvSpPr>
-          <p:nvPr>
-            <p:ph idx="1"/>
-          </p:nvPr>
-        </p:nvSpPr>
-        <p:spPr/>
-        <p:txBody>
-          <a:bodyPr/>
-          <a:lstStyle/>
-          <a:p>
-            <a:r>
-              <a:rPr lang="en-US" altLang="ja-JP" dirty="0"/>
-              <a:t>Blob Storage</a:t>
-            </a:r>
-            <a:r>
-              <a:rPr lang="ja-JP" altLang="en-US" dirty="0"/>
-              <a:t>の一覧取得</a:t>
-            </a:r>
-            <a:endParaRPr lang="en-US" altLang="ja-JP" dirty="0"/>
-          </a:p>
-          <a:p>
-            <a:r>
-              <a:rPr kumimoji="1" lang="en-US" altLang="ja-JP" dirty="0"/>
-              <a:t>Blob Storage</a:t>
-            </a:r>
-            <a:r>
-              <a:rPr kumimoji="1" lang="ja-JP" altLang="en-US" dirty="0" err="1"/>
-              <a:t>への</a:t>
-            </a:r>
-            <a:r>
-              <a:rPr kumimoji="1" lang="ja-JP" altLang="en-US" dirty="0"/>
-              <a:t>アップロード機能</a:t>
-            </a:r>
-            <a:endParaRPr kumimoji="1" lang="en-US" altLang="ja-JP" dirty="0"/>
-          </a:p>
-          <a:p>
-            <a:r>
-              <a:rPr lang="en-US" altLang="ja-JP" dirty="0"/>
-              <a:t>Blob Storage</a:t>
-            </a:r>
-            <a:r>
-              <a:rPr lang="ja-JP" altLang="en-US" dirty="0"/>
-              <a:t>からのダウンロード機能</a:t>
-            </a:r>
-            <a:endParaRPr kumimoji="1" lang="ja-JP" altLang="en-US" dirty="0"/>
-          </a:p>
-        </p:txBody>
-      </p:sp>
-    </p:spTree>
-    <p:extLst>
-      <p:ext uri="{BB962C8B-B14F-4D97-AF65-F5344CB8AC3E}">
-        <p14:creationId xmlns:p14="http://schemas.microsoft.com/office/powerpoint/2010/main" val="3233582914"/>
-      </p:ext>
-    </p:extLst>
-  </p:cSld>
-  <p:clrMapOvr>
-    <a:masterClrMapping/>
-  </p:clrMapOvr>
-  <mc:AlternateContent xmlns:mc="http://schemas.openxmlformats.org/markup-compatibility/2006" xmlns:p14="http://schemas.microsoft.com/office/powerpoint/2010/main">
-    <mc:Choice Requires="p14">
-      <p:transition spd="med" p14:dur="700">
-        <p:fade/>
-      </p:transition>
-    </mc:Choice>
-    <mc:Fallback xmlns="">
-      <p:transition spd="med">
-        <p:fade/>
-      </p:transition>
-    </mc:Fallback>
-  </mc:AlternateContent>
-</p:sld>
-</file>
-
 <file path=ppt/slides/slide2.xml><?xml version="1.0" encoding="utf-8"?>
 <p:sld xmlns:a="http://schemas.openxmlformats.org/drawingml/2006/main" xmlns:r="http://schemas.openxmlformats.org/officeDocument/2006/relationships" xmlns:p="http://schemas.openxmlformats.org/presentationml/2006/main">
   <p:cSld>
@@ -10117,7 +10127,7 @@
           <p:cNvPr id="2" name="タイトル 1">
             <a:extLst>
               <a:ext uri="{FF2B5EF4-FFF2-40B4-BE49-F238E27FC236}">
-                <a16:creationId xmlns:a16="http://schemas.microsoft.com/office/drawing/2014/main" id="{A0CB4772-8113-4F7D-B452-3F083E85DC8A}"/>
+                <a16:creationId xmlns:a16="http://schemas.microsoft.com/office/drawing/2014/main" id="{C7BE633C-F425-4B20-9BF3-2A7D00A5DCEF}"/>
               </a:ext>
             </a:extLst>
           </p:cNvPr>
@@ -10134,10 +10144,13 @@
           <a:lstStyle/>
           <a:p>
             <a:r>
-              <a:rPr lang="ja-JP" altLang="en-US" dirty="0"/>
-              <a:t>機能を満たすための画面を作成する</a:t>
-            </a:r>
-            <a:endParaRPr kumimoji="1" lang="ja-JP" altLang="en-US" dirty="0"/>
+              <a:rPr kumimoji="1" lang="en-US" altLang="ja-JP" dirty="0"/>
+              <a:t>Azure Blob Storage </a:t>
+            </a:r>
+            <a:r>
+              <a:rPr kumimoji="1" lang="ja-JP" altLang="en-US" dirty="0"/>
+              <a:t>クラスライブラリの作成</a:t>
+            </a:r>
           </a:p>
         </p:txBody>
       </p:sp>
@@ -10146,7 +10159,7 @@
           <p:cNvPr id="3" name="コンテンツ プレースホルダー 2">
             <a:extLst>
               <a:ext uri="{FF2B5EF4-FFF2-40B4-BE49-F238E27FC236}">
-                <a16:creationId xmlns:a16="http://schemas.microsoft.com/office/drawing/2014/main" id="{ABA27857-98F6-474C-9E3B-2A47CF4CE7BD}"/>
+                <a16:creationId xmlns:a16="http://schemas.microsoft.com/office/drawing/2014/main" id="{0566F08D-DEDA-4371-8889-5E81395020CD}"/>
               </a:ext>
             </a:extLst>
           </p:cNvPr>
@@ -10159,17 +10172,144 @@
         </p:nvSpPr>
         <p:spPr/>
         <p:txBody>
-          <a:bodyPr/>
+          <a:bodyPr>
+            <a:normAutofit fontScale="92500"/>
+          </a:bodyPr>
           <a:lstStyle/>
           <a:p>
-            <a:endParaRPr kumimoji="1" lang="ja-JP" altLang="en-US"/>
+            <a:r>
+              <a:rPr kumimoji="1" lang="ja-JP" altLang="en-US" dirty="0"/>
+              <a:t>クラスライブラリを追加</a:t>
+            </a:r>
+            <a:endParaRPr kumimoji="1" lang="en-US" altLang="ja-JP" dirty="0"/>
+          </a:p>
+          <a:p>
+            <a:pPr lvl="1"/>
+            <a:r>
+              <a:rPr kumimoji="1" lang="ja-JP" altLang="en-US" dirty="0"/>
+              <a:t>ソリューションを右クリックし、プロジェクトの追加＞クラスライブライ（ユニバーサル</a:t>
+            </a:r>
+            <a:r>
+              <a:rPr kumimoji="1" lang="en-US" altLang="ja-JP" dirty="0"/>
+              <a:t>Windows</a:t>
+            </a:r>
+            <a:r>
+              <a:rPr kumimoji="1" lang="ja-JP" altLang="en-US" dirty="0"/>
+              <a:t>）を追加</a:t>
+            </a:r>
+            <a:endParaRPr kumimoji="1" lang="en-US" altLang="ja-JP" dirty="0"/>
+          </a:p>
+          <a:p>
+            <a:r>
+              <a:rPr kumimoji="1" lang="en-US" altLang="ja-JP" dirty="0"/>
+              <a:t>NuGet</a:t>
+            </a:r>
+            <a:r>
+              <a:rPr kumimoji="1" lang="ja-JP" altLang="en-US" dirty="0"/>
+              <a:t>パッケージを追加</a:t>
+            </a:r>
+            <a:endParaRPr kumimoji="1" lang="en-US" altLang="ja-JP" dirty="0"/>
+          </a:p>
+          <a:p>
+            <a:pPr lvl="1"/>
+            <a:r>
+              <a:rPr lang="ja-JP" altLang="en-US" dirty="0"/>
+              <a:t>参照を右クリック＞</a:t>
+            </a:r>
+            <a:r>
+              <a:rPr lang="en-US" altLang="ja-JP" dirty="0"/>
+              <a:t>NuGet</a:t>
+            </a:r>
+            <a:r>
+              <a:rPr lang="ja-JP" altLang="en-US" dirty="0"/>
+              <a:t>パッケージの管理＞</a:t>
+            </a:r>
+            <a:r>
+              <a:rPr lang="en-US" altLang="ja-JP" dirty="0" err="1"/>
+              <a:t>WindowsAzure.Storage</a:t>
+            </a:r>
+            <a:r>
+              <a:rPr lang="ja-JP" altLang="en-US" dirty="0"/>
+              <a:t>を追加</a:t>
+            </a:r>
+            <a:endParaRPr lang="en-US" altLang="ja-JP" dirty="0"/>
+          </a:p>
+          <a:p>
+            <a:pPr lvl="2"/>
+            <a:r>
+              <a:rPr kumimoji="1" lang="ja-JP" altLang="en-US" dirty="0"/>
+              <a:t>この参照は本体プログラムにも必要</a:t>
+            </a:r>
+            <a:endParaRPr kumimoji="1" lang="en-US" altLang="ja-JP" dirty="0"/>
+          </a:p>
+          <a:p>
+            <a:r>
+              <a:rPr lang="en-US" altLang="ja-JP" dirty="0"/>
+              <a:t>Azure Blob Storage</a:t>
+            </a:r>
+            <a:r>
+              <a:rPr lang="ja-JP" altLang="en-US" dirty="0"/>
+              <a:t>操作関数群を作成</a:t>
+            </a:r>
+            <a:endParaRPr lang="en-US" altLang="ja-JP" dirty="0"/>
+          </a:p>
+          <a:p>
+            <a:pPr lvl="1"/>
+            <a:r>
+              <a:rPr kumimoji="1" lang="ja-JP" altLang="en-US" dirty="0"/>
+              <a:t>初期化や</a:t>
+            </a:r>
+            <a:r>
+              <a:rPr kumimoji="1" lang="en-US" altLang="ja-JP" dirty="0"/>
+              <a:t>List</a:t>
+            </a:r>
+            <a:r>
+              <a:rPr kumimoji="1" lang="ja-JP" altLang="en-US" dirty="0" err="1"/>
+              <a:t>、</a:t>
+            </a:r>
+            <a:r>
+              <a:rPr kumimoji="1" lang="en-US" altLang="ja-JP" dirty="0"/>
+              <a:t>Up</a:t>
+            </a:r>
+            <a:r>
+              <a:rPr kumimoji="1" lang="ja-JP" altLang="en-US" dirty="0" err="1"/>
+              <a:t>、</a:t>
+            </a:r>
+            <a:r>
+              <a:rPr kumimoji="1" lang="en-US" altLang="ja-JP" dirty="0"/>
+              <a:t>Down</a:t>
+            </a:r>
+            <a:r>
+              <a:rPr kumimoji="1" lang="ja-JP" altLang="en-US" dirty="0"/>
+              <a:t>を関数化しておきます</a:t>
+            </a:r>
+            <a:endParaRPr kumimoji="1" lang="en-US" altLang="ja-JP" dirty="0"/>
+          </a:p>
+          <a:p>
+            <a:r>
+              <a:rPr lang="ja-JP" altLang="en-US" dirty="0"/>
+              <a:t>本体プログラムからクラスライブラリを参照</a:t>
+            </a:r>
+            <a:endParaRPr lang="en-US" altLang="ja-JP" dirty="0"/>
+          </a:p>
+          <a:p>
+            <a:pPr lvl="1"/>
+            <a:r>
+              <a:rPr kumimoji="1" lang="ja-JP" altLang="en-US" dirty="0"/>
+              <a:t>本体プログラムの参照を右クリック＞</a:t>
+            </a:r>
+            <a:r>
+              <a:rPr lang="ja-JP" altLang="en-US" dirty="0"/>
+              <a:t>参照の追加＞プロジェクト＞クラスライブラリ</a:t>
+            </a:r>
+            <a:endParaRPr kumimoji="1" lang="ja-JP" altLang="en-US" dirty="0"/>
           </a:p>
         </p:txBody>
       </p:sp>
     </p:spTree>
     <p:extLst>
       <p:ext uri="{BB962C8B-B14F-4D97-AF65-F5344CB8AC3E}">
-        <p14:creationId xmlns:p14="http://schemas.microsoft.com/office/powerpoint/2010/main" val="3633967526"/>
+        <p14:creationId xmlns:p14="http://schemas.microsoft.com/office/powerpoint/2010/main" val="3213134793"/>
       </p:ext>
     </p:extLst>
   </p:cSld>
@@ -10231,15 +10371,7 @@
           <a:p>
             <a:r>
               <a:rPr lang="ja-JP" altLang="en-US" dirty="0"/>
-              <a:t>画面とバインドする</a:t>
-            </a:r>
-            <a:r>
-              <a:rPr lang="en-US" altLang="ja-JP" dirty="0"/>
-              <a:t>Model</a:t>
-            </a:r>
-            <a:r>
-              <a:rPr lang="ja-JP" altLang="en-US" dirty="0"/>
-              <a:t>を用意する</a:t>
+              <a:t>機能を満たすための画面を作成する</a:t>
             </a:r>
             <a:endParaRPr kumimoji="1" lang="ja-JP" altLang="en-US" dirty="0"/>
           </a:p>
@@ -10273,7 +10405,7 @@
     </p:spTree>
     <p:extLst>
       <p:ext uri="{BB962C8B-B14F-4D97-AF65-F5344CB8AC3E}">
-        <p14:creationId xmlns:p14="http://schemas.microsoft.com/office/powerpoint/2010/main" val="80202090"/>
+        <p14:creationId xmlns:p14="http://schemas.microsoft.com/office/powerpoint/2010/main" val="3633967526"/>
       </p:ext>
     </p:extLst>
   </p:cSld>
@@ -10335,7 +10467,15 @@
           <a:p>
             <a:r>
               <a:rPr lang="ja-JP" altLang="en-US" dirty="0"/>
-              <a:t>各機能のクラス又はメソッドを用意する</a:t>
+              <a:t>画面とバインドする</a:t>
+            </a:r>
+            <a:r>
+              <a:rPr lang="en-US" altLang="ja-JP" dirty="0"/>
+              <a:t>Model</a:t>
+            </a:r>
+            <a:r>
+              <a:rPr lang="ja-JP" altLang="en-US" dirty="0"/>
+              <a:t>を用意する</a:t>
             </a:r>
             <a:endParaRPr kumimoji="1" lang="ja-JP" altLang="en-US" dirty="0"/>
           </a:p>
@@ -10369,7 +10509,7 @@
     </p:spTree>
     <p:extLst>
       <p:ext uri="{BB962C8B-B14F-4D97-AF65-F5344CB8AC3E}">
-        <p14:creationId xmlns:p14="http://schemas.microsoft.com/office/powerpoint/2010/main" val="2645695781"/>
+        <p14:creationId xmlns:p14="http://schemas.microsoft.com/office/powerpoint/2010/main" val="80202090"/>
       </p:ext>
     </p:extLst>
   </p:cSld>
@@ -10431,7 +10571,7 @@
           <a:p>
             <a:r>
               <a:rPr lang="ja-JP" altLang="en-US" dirty="0"/>
-              <a:t>ボタンインベントを作成し、機能を呼び出す</a:t>
+              <a:t>各機能のクラス又はメソッドを用意する</a:t>
             </a:r>
             <a:endParaRPr kumimoji="1" lang="ja-JP" altLang="en-US" dirty="0"/>
           </a:p>
@@ -10465,7 +10605,7 @@
     </p:spTree>
     <p:extLst>
       <p:ext uri="{BB962C8B-B14F-4D97-AF65-F5344CB8AC3E}">
-        <p14:creationId xmlns:p14="http://schemas.microsoft.com/office/powerpoint/2010/main" val="603394815"/>
+        <p14:creationId xmlns:p14="http://schemas.microsoft.com/office/powerpoint/2010/main" val="2645695781"/>
       </p:ext>
     </p:extLst>
   </p:cSld>
@@ -10527,11 +10667,7 @@
           <a:p>
             <a:r>
               <a:rPr lang="ja-JP" altLang="en-US" dirty="0"/>
-              <a:t>こんな表示がされれば</a:t>
-            </a:r>
-            <a:r>
-              <a:rPr lang="en-US" altLang="ja-JP" dirty="0"/>
-              <a:t>OK</a:t>
+              <a:t>ボタンインベントを作成し、機能を呼び出す</a:t>
             </a:r>
             <a:endParaRPr kumimoji="1" lang="ja-JP" altLang="en-US" dirty="0"/>
           </a:p>
@@ -10565,7 +10701,7 @@
     </p:spTree>
     <p:extLst>
       <p:ext uri="{BB962C8B-B14F-4D97-AF65-F5344CB8AC3E}">
-        <p14:creationId xmlns:p14="http://schemas.microsoft.com/office/powerpoint/2010/main" val="981613289"/>
+        <p14:creationId xmlns:p14="http://schemas.microsoft.com/office/powerpoint/2010/main" val="603394815"/>
       </p:ext>
     </p:extLst>
   </p:cSld>
@@ -10609,7 +10745,7 @@
           <p:cNvPr id="2" name="タイトル 1">
             <a:extLst>
               <a:ext uri="{FF2B5EF4-FFF2-40B4-BE49-F238E27FC236}">
-                <a16:creationId xmlns:a16="http://schemas.microsoft.com/office/drawing/2014/main" id="{FCC4B855-2159-4EEA-9D01-324BA857EB49}"/>
+                <a16:creationId xmlns:a16="http://schemas.microsoft.com/office/drawing/2014/main" id="{A0CB4772-8113-4F7D-B452-3F083E85DC8A}"/>
               </a:ext>
             </a:extLst>
           </p:cNvPr>
@@ -10626,18 +10762,23 @@
           <a:lstStyle/>
           <a:p>
             <a:r>
-              <a:rPr kumimoji="1" lang="ja-JP" altLang="en-US" dirty="0"/>
-              <a:t>作成理由</a:t>
-            </a:r>
-          </a:p>
-        </p:txBody>
-      </p:sp>
-      <p:sp>
-        <p:nvSpPr>
-          <p:cNvPr id="3" name="テキスト プレースホルダー 2">
+              <a:rPr lang="ja-JP" altLang="en-US" dirty="0"/>
+              <a:t>こんな表示がされれば</a:t>
+            </a:r>
+            <a:r>
+              <a:rPr lang="en-US" altLang="ja-JP" dirty="0"/>
+              <a:t>OK</a:t>
+            </a:r>
+            <a:endParaRPr kumimoji="1" lang="ja-JP" altLang="en-US" dirty="0"/>
+          </a:p>
+        </p:txBody>
+      </p:sp>
+      <p:sp>
+        <p:nvSpPr>
+          <p:cNvPr id="3" name="コンテンツ プレースホルダー 2">
             <a:extLst>
               <a:ext uri="{FF2B5EF4-FFF2-40B4-BE49-F238E27FC236}">
-                <a16:creationId xmlns:a16="http://schemas.microsoft.com/office/drawing/2014/main" id="{1E1DC116-99F9-49A4-9356-4DA90BF685C9}"/>
+                <a16:creationId xmlns:a16="http://schemas.microsoft.com/office/drawing/2014/main" id="{ABA27857-98F6-474C-9E3B-2A47CF4CE7BD}"/>
               </a:ext>
             </a:extLst>
           </p:cNvPr>
@@ -10645,7 +10786,7 @@
             <a:spLocks noGrp="1"/>
           </p:cNvSpPr>
           <p:nvPr>
-            <p:ph type="body" idx="1"/>
+            <p:ph idx="1"/>
           </p:nvPr>
         </p:nvSpPr>
         <p:spPr/>
@@ -10653,17 +10794,14 @@
           <a:bodyPr/>
           <a:lstStyle/>
           <a:p>
-            <a:r>
-              <a:rPr kumimoji="1" lang="ja-JP" altLang="en-US" dirty="0"/>
-              <a:t>ネタはネタとして</a:t>
-            </a:r>
+            <a:endParaRPr kumimoji="1" lang="ja-JP" altLang="en-US"/>
           </a:p>
         </p:txBody>
       </p:sp>
     </p:spTree>
     <p:extLst>
       <p:ext uri="{BB962C8B-B14F-4D97-AF65-F5344CB8AC3E}">
-        <p14:creationId xmlns:p14="http://schemas.microsoft.com/office/powerpoint/2010/main" val="855914954"/>
+        <p14:creationId xmlns:p14="http://schemas.microsoft.com/office/powerpoint/2010/main" val="981613289"/>
       </p:ext>
     </p:extLst>
   </p:cSld>
@@ -10707,7 +10845,7 @@
           <p:cNvPr id="2" name="タイトル 1">
             <a:extLst>
               <a:ext uri="{FF2B5EF4-FFF2-40B4-BE49-F238E27FC236}">
-                <a16:creationId xmlns:a16="http://schemas.microsoft.com/office/drawing/2014/main" id="{25CEFAA4-1D37-469D-97CE-A0D285E2CC85}"/>
+                <a16:creationId xmlns:a16="http://schemas.microsoft.com/office/drawing/2014/main" id="{FCC4B855-2159-4EEA-9D01-324BA857EB49}"/>
               </a:ext>
             </a:extLst>
           </p:cNvPr>
@@ -10723,16 +10861,19 @@
           <a:bodyPr/>
           <a:lstStyle/>
           <a:p>
-            <a:endParaRPr kumimoji="1" lang="ja-JP" altLang="en-US"/>
-          </a:p>
-        </p:txBody>
-      </p:sp>
-      <p:sp>
-        <p:nvSpPr>
-          <p:cNvPr id="3" name="コンテンツ プレースホルダー 2">
+            <a:r>
+              <a:rPr kumimoji="1" lang="ja-JP" altLang="en-US" dirty="0"/>
+              <a:t>作成理由</a:t>
+            </a:r>
+          </a:p>
+        </p:txBody>
+      </p:sp>
+      <p:sp>
+        <p:nvSpPr>
+          <p:cNvPr id="3" name="テキスト プレースホルダー 2">
             <a:extLst>
               <a:ext uri="{FF2B5EF4-FFF2-40B4-BE49-F238E27FC236}">
-                <a16:creationId xmlns:a16="http://schemas.microsoft.com/office/drawing/2014/main" id="{F06E8C50-4ABA-4096-A450-E322DE225C68}"/>
+                <a16:creationId xmlns:a16="http://schemas.microsoft.com/office/drawing/2014/main" id="{1E1DC116-99F9-49A4-9356-4DA90BF685C9}"/>
               </a:ext>
             </a:extLst>
           </p:cNvPr>
@@ -10740,7 +10881,7 @@
             <a:spLocks noGrp="1"/>
           </p:cNvSpPr>
           <p:nvPr>
-            <p:ph idx="1"/>
+            <p:ph type="body" idx="1"/>
           </p:nvPr>
         </p:nvSpPr>
         <p:spPr/>
@@ -10748,14 +10889,17 @@
           <a:bodyPr/>
           <a:lstStyle/>
           <a:p>
-            <a:endParaRPr kumimoji="1" lang="ja-JP" altLang="en-US"/>
+            <a:r>
+              <a:rPr kumimoji="1" lang="ja-JP" altLang="en-US" dirty="0"/>
+              <a:t>ネタはネタとして</a:t>
+            </a:r>
           </a:p>
         </p:txBody>
       </p:sp>
     </p:spTree>
     <p:extLst>
       <p:ext uri="{BB962C8B-B14F-4D97-AF65-F5344CB8AC3E}">
-        <p14:creationId xmlns:p14="http://schemas.microsoft.com/office/powerpoint/2010/main" val="782790832"/>
+        <p14:creationId xmlns:p14="http://schemas.microsoft.com/office/powerpoint/2010/main" val="855914954"/>
       </p:ext>
     </p:extLst>
   </p:cSld>
@@ -10799,6 +10943,98 @@
           <p:cNvPr id="2" name="タイトル 1">
             <a:extLst>
               <a:ext uri="{FF2B5EF4-FFF2-40B4-BE49-F238E27FC236}">
+                <a16:creationId xmlns:a16="http://schemas.microsoft.com/office/drawing/2014/main" id="{25CEFAA4-1D37-469D-97CE-A0D285E2CC85}"/>
+              </a:ext>
+            </a:extLst>
+          </p:cNvPr>
+          <p:cNvSpPr>
+            <a:spLocks noGrp="1"/>
+          </p:cNvSpPr>
+          <p:nvPr>
+            <p:ph type="title"/>
+          </p:nvPr>
+        </p:nvSpPr>
+        <p:spPr/>
+        <p:txBody>
+          <a:bodyPr/>
+          <a:lstStyle/>
+          <a:p>
+            <a:endParaRPr kumimoji="1" lang="ja-JP" altLang="en-US"/>
+          </a:p>
+        </p:txBody>
+      </p:sp>
+      <p:sp>
+        <p:nvSpPr>
+          <p:cNvPr id="3" name="コンテンツ プレースホルダー 2">
+            <a:extLst>
+              <a:ext uri="{FF2B5EF4-FFF2-40B4-BE49-F238E27FC236}">
+                <a16:creationId xmlns:a16="http://schemas.microsoft.com/office/drawing/2014/main" id="{F06E8C50-4ABA-4096-A450-E322DE225C68}"/>
+              </a:ext>
+            </a:extLst>
+          </p:cNvPr>
+          <p:cNvSpPr>
+            <a:spLocks noGrp="1"/>
+          </p:cNvSpPr>
+          <p:nvPr>
+            <p:ph idx="1"/>
+          </p:nvPr>
+        </p:nvSpPr>
+        <p:spPr/>
+        <p:txBody>
+          <a:bodyPr/>
+          <a:lstStyle/>
+          <a:p>
+            <a:endParaRPr kumimoji="1" lang="ja-JP" altLang="en-US"/>
+          </a:p>
+        </p:txBody>
+      </p:sp>
+    </p:spTree>
+    <p:extLst>
+      <p:ext uri="{BB962C8B-B14F-4D97-AF65-F5344CB8AC3E}">
+        <p14:creationId xmlns:p14="http://schemas.microsoft.com/office/powerpoint/2010/main" val="782790832"/>
+      </p:ext>
+    </p:extLst>
+  </p:cSld>
+  <p:clrMapOvr>
+    <a:masterClrMapping/>
+  </p:clrMapOvr>
+  <mc:AlternateContent xmlns:mc="http://schemas.openxmlformats.org/markup-compatibility/2006" xmlns:p14="http://schemas.microsoft.com/office/powerpoint/2010/main">
+    <mc:Choice Requires="p14">
+      <p:transition spd="med" p14:dur="700">
+        <p:fade/>
+      </p:transition>
+    </mc:Choice>
+    <mc:Fallback xmlns="">
+      <p:transition spd="med">
+        <p:fade/>
+      </p:transition>
+    </mc:Fallback>
+  </mc:AlternateContent>
+</p:sld>
+</file>
+
+<file path=ppt/slides/slide28.xml><?xml version="1.0" encoding="utf-8"?>
+<p:sld xmlns:a="http://schemas.openxmlformats.org/drawingml/2006/main" xmlns:r="http://schemas.openxmlformats.org/officeDocument/2006/relationships" xmlns:p="http://schemas.openxmlformats.org/presentationml/2006/main">
+  <p:cSld>
+    <p:spTree>
+      <p:nvGrpSpPr>
+        <p:cNvPr id="1" name=""/>
+        <p:cNvGrpSpPr/>
+        <p:nvPr/>
+      </p:nvGrpSpPr>
+      <p:grpSpPr>
+        <a:xfrm>
+          <a:off x="0" y="0"/>
+          <a:ext cx="0" cy="0"/>
+          <a:chOff x="0" y="0"/>
+          <a:chExt cx="0" cy="0"/>
+        </a:xfrm>
+      </p:grpSpPr>
+      <p:sp>
+        <p:nvSpPr>
+          <p:cNvPr id="2" name="タイトル 1">
+            <a:extLst>
+              <a:ext uri="{FF2B5EF4-FFF2-40B4-BE49-F238E27FC236}">
                 <a16:creationId xmlns:a16="http://schemas.microsoft.com/office/drawing/2014/main" id="{A7E38D46-298C-479C-9D1A-93B10F41535A}"/>
               </a:ext>
             </a:extLst>
@@ -10875,7 +11111,7 @@
 </p:sld>
 </file>
 
-<file path=ppt/slides/slide28.xml><?xml version="1.0" encoding="utf-8"?>
+<file path=ppt/slides/slide29.xml><?xml version="1.0" encoding="utf-8"?>
 <p:sld xmlns:a="http://schemas.openxmlformats.org/drawingml/2006/main" xmlns:r="http://schemas.openxmlformats.org/officeDocument/2006/relationships" xmlns:p="http://schemas.openxmlformats.org/presentationml/2006/main">
   <p:cSld>
     <p:spTree>
@@ -12160,6 +12396,113 @@
                 </a:solidFill>
               </a:rPr>
               <a:t>今回のアプリでは赤枠のものが必須となります</a:t>
+            </a:r>
+          </a:p>
+        </p:txBody>
+      </p:sp>
+      <p:sp>
+        <p:nvSpPr>
+          <p:cNvPr id="8" name="四角形: 角を丸くする 7">
+            <a:extLst>
+              <a:ext uri="{FF2B5EF4-FFF2-40B4-BE49-F238E27FC236}">
+                <a16:creationId xmlns:a16="http://schemas.microsoft.com/office/drawing/2014/main" id="{1C5A34FE-9756-4681-99FF-31D5FA89400F}"/>
+              </a:ext>
+            </a:extLst>
+          </p:cNvPr>
+          <p:cNvSpPr/>
+          <p:nvPr/>
+        </p:nvSpPr>
+        <p:spPr>
+          <a:xfrm>
+            <a:off x="1413892" y="4364112"/>
+            <a:ext cx="3744416" cy="792088"/>
+          </a:xfrm>
+          <a:prstGeom prst="roundRect">
+            <a:avLst/>
+          </a:prstGeom>
+          <a:noFill/>
+          <a:ln>
+            <a:solidFill>
+              <a:srgbClr val="92D050"/>
+            </a:solidFill>
+          </a:ln>
+        </p:spPr>
+        <p:style>
+          <a:lnRef idx="2">
+            <a:schemeClr val="accent6"/>
+          </a:lnRef>
+          <a:fillRef idx="1">
+            <a:schemeClr val="lt1"/>
+          </a:fillRef>
+          <a:effectRef idx="0">
+            <a:schemeClr val="accent6"/>
+          </a:effectRef>
+          <a:fontRef idx="minor">
+            <a:schemeClr val="dk1"/>
+          </a:fontRef>
+        </p:style>
+        <p:txBody>
+          <a:bodyPr rtlCol="0" anchor="ctr"/>
+          <a:lstStyle/>
+          <a:p>
+            <a:pPr algn="ctr"/>
+            <a:endParaRPr kumimoji="1" lang="ja-JP" altLang="en-US" sz="2800"/>
+          </a:p>
+        </p:txBody>
+      </p:sp>
+      <p:sp>
+        <p:nvSpPr>
+          <p:cNvPr id="9" name="テキスト ボックス 8">
+            <a:extLst>
+              <a:ext uri="{FF2B5EF4-FFF2-40B4-BE49-F238E27FC236}">
+                <a16:creationId xmlns:a16="http://schemas.microsoft.com/office/drawing/2014/main" id="{D420795F-17EB-4306-90F8-4997C12A6C80}"/>
+              </a:ext>
+            </a:extLst>
+          </p:cNvPr>
+          <p:cNvSpPr txBox="1"/>
+          <p:nvPr/>
+        </p:nvSpPr>
+        <p:spPr>
+          <a:xfrm>
+            <a:off x="1773932" y="5290899"/>
+            <a:ext cx="5040560" cy="646331"/>
+          </a:xfrm>
+          <a:prstGeom prst="rect">
+            <a:avLst/>
+          </a:prstGeom>
+          <a:solidFill>
+            <a:schemeClr val="tx1"/>
+          </a:solidFill>
+        </p:spPr>
+        <p:txBody>
+          <a:bodyPr wrap="square" rtlCol="0">
+            <a:spAutoFit/>
+          </a:bodyPr>
+          <a:lstStyle/>
+          <a:p>
+            <a:r>
+              <a:rPr kumimoji="1" lang="ja-JP" altLang="en-US" sz="1800" dirty="0">
+                <a:solidFill>
+                  <a:schemeClr val="bg1"/>
+                </a:solidFill>
+              </a:rPr>
+              <a:t>緑枠は</a:t>
+            </a:r>
+            <a:r>
+              <a:rPr kumimoji="1" lang="en-US" altLang="ja-JP" sz="1800" dirty="0">
+                <a:solidFill>
+                  <a:schemeClr val="bg1"/>
+                </a:solidFill>
+              </a:rPr>
+              <a:t>Azure</a:t>
+            </a:r>
+            <a:r>
+              <a:rPr kumimoji="1" lang="ja-JP" altLang="en-US" sz="1800" dirty="0">
+                <a:solidFill>
+                  <a:schemeClr val="bg1"/>
+                </a:solidFill>
+              </a:rPr>
+              <a:t>側機能を開発をする際に必要となります</a:t>
             </a:r>
           </a:p>
         </p:txBody>
@@ -13140,6 +13483,151 @@
 </file>
 
 <file path=customXml/item1.xml><?xml version="1.0" encoding="utf-8"?>
+<?mso-contentType ?>
+<FormTemplates xmlns="http://schemas.microsoft.com/sharepoint/v3/contenttype/forms">
+  <Display>DocumentLibraryForm</Display>
+  <Edit>AssetEditForm</Edit>
+  <New>DocumentLibraryForm</New>
+</FormTemplates>
+</file>
+
+<file path=customXml/item2.xml><?xml version="1.0" encoding="utf-8"?>
+<p:properties xmlns:p="http://schemas.microsoft.com/office/2006/metadata/properties" xmlns:xsi="http://www.w3.org/2001/XMLSchema-instance" xmlns:pc="http://schemas.microsoft.com/office/infopath/2007/PartnerControls">
+  <documentManagement>
+    <LocPublishedLinkedAssetsLookup xmlns="4873beb7-5857-4685-be1f-d57550cc96cc" xsi:nil="true"/>
+    <ApprovalStatus xmlns="4873beb7-5857-4685-be1f-d57550cc96cc">InProgress</ApprovalStatus>
+    <MarketSpecific xmlns="4873beb7-5857-4685-be1f-d57550cc96cc">false</MarketSpecific>
+    <LocComments xmlns="4873beb7-5857-4685-be1f-d57550cc96cc" xsi:nil="true"/>
+    <LocLastLocAttemptVersionTypeLookup xmlns="4873beb7-5857-4685-be1f-d57550cc96cc" xsi:nil="true"/>
+    <DirectSourceMarket xmlns="4873beb7-5857-4685-be1f-d57550cc96cc" xsi:nil="true"/>
+    <ThumbnailAssetId xmlns="4873beb7-5857-4685-be1f-d57550cc96cc" xsi:nil="true"/>
+    <PrimaryImageGen xmlns="4873beb7-5857-4685-be1f-d57550cc96cc">false</PrimaryImageGen>
+    <LocNewPublishedVersionLookup xmlns="4873beb7-5857-4685-be1f-d57550cc96cc" xsi:nil="true"/>
+    <LegacyData xmlns="4873beb7-5857-4685-be1f-d57550cc96cc" xsi:nil="true"/>
+    <LocRecommendedHandoff xmlns="4873beb7-5857-4685-be1f-d57550cc96cc" xsi:nil="true"/>
+    <BusinessGroup xmlns="4873beb7-5857-4685-be1f-d57550cc96cc" xsi:nil="true"/>
+    <BlockPublish xmlns="4873beb7-5857-4685-be1f-d57550cc96cc">false</BlockPublish>
+    <TPFriendlyName xmlns="4873beb7-5857-4685-be1f-d57550cc96cc" xsi:nil="true"/>
+    <LocOverallPublishStatusLookup xmlns="4873beb7-5857-4685-be1f-d57550cc96cc" xsi:nil="true"/>
+    <NumericId xmlns="4873beb7-5857-4685-be1f-d57550cc96cc" xsi:nil="true"/>
+    <APEditor xmlns="4873beb7-5857-4685-be1f-d57550cc96cc">
+      <UserInfo>
+        <DisplayName/>
+        <AccountId xsi:nil="true"/>
+        <AccountType/>
+      </UserInfo>
+    </APEditor>
+    <SourceTitle xmlns="4873beb7-5857-4685-be1f-d57550cc96cc" xsi:nil="true"/>
+    <OpenTemplate xmlns="4873beb7-5857-4685-be1f-d57550cc96cc">true</OpenTemplate>
+    <LocOverallLocStatusLookup xmlns="4873beb7-5857-4685-be1f-d57550cc96cc" xsi:nil="true"/>
+    <UALocComments xmlns="4873beb7-5857-4685-be1f-d57550cc96cc" xsi:nil="true"/>
+    <ParentAssetId xmlns="4873beb7-5857-4685-be1f-d57550cc96cc" xsi:nil="true"/>
+    <IntlLangReviewDate xmlns="4873beb7-5857-4685-be1f-d57550cc96cc" xsi:nil="true"/>
+    <FeatureTagsTaxHTField0 xmlns="4873beb7-5857-4685-be1f-d57550cc96cc">
+      <Terms xmlns="http://schemas.microsoft.com/office/infopath/2007/PartnerControls"/>
+    </FeatureTagsTaxHTField0>
+    <PublishStatusLookup xmlns="4873beb7-5857-4685-be1f-d57550cc96cc">
+      <Value>1345093</Value>
+    </PublishStatusLookup>
+    <Providers xmlns="4873beb7-5857-4685-be1f-d57550cc96cc" xsi:nil="true"/>
+    <MachineTranslated xmlns="4873beb7-5857-4685-be1f-d57550cc96cc">false</MachineTranslated>
+    <OriginalSourceMarket xmlns="4873beb7-5857-4685-be1f-d57550cc96cc" xsi:nil="true"/>
+    <APDescription xmlns="4873beb7-5857-4685-be1f-d57550cc96cc">This simple template design works for technology and  businesses, but it's versatile enough to use in other contexts.  It features multiple slide layouts designed for widescreen (16x9 resolution) and includes a sample SmartArt list and chart that are easily editable.</APDescription>
+    <ClipArtFilename xmlns="4873beb7-5857-4685-be1f-d57550cc96cc" xsi:nil="true"/>
+    <ContentItem xmlns="4873beb7-5857-4685-be1f-d57550cc96cc" xsi:nil="true"/>
+    <TPInstallLocation xmlns="4873beb7-5857-4685-be1f-d57550cc96cc" xsi:nil="true"/>
+    <PublishTargets xmlns="4873beb7-5857-4685-be1f-d57550cc96cc">OfficeOnlineVNext</PublishTargets>
+    <TimesCloned xmlns="4873beb7-5857-4685-be1f-d57550cc96cc" xsi:nil="true"/>
+    <AssetStart xmlns="4873beb7-5857-4685-be1f-d57550cc96cc">2011-11-26T00:30:00+00:00</AssetStart>
+    <Provider xmlns="4873beb7-5857-4685-be1f-d57550cc96cc" xsi:nil="true"/>
+    <AcquiredFrom xmlns="4873beb7-5857-4685-be1f-d57550cc96cc">Internal MS</AcquiredFrom>
+    <FriendlyTitle xmlns="4873beb7-5857-4685-be1f-d57550cc96cc" xsi:nil="true"/>
+    <LastHandOff xmlns="4873beb7-5857-4685-be1f-d57550cc96cc" xsi:nil="true"/>
+    <TPClientViewer xmlns="4873beb7-5857-4685-be1f-d57550cc96cc" xsi:nil="true"/>
+    <TemplateStatus xmlns="4873beb7-5857-4685-be1f-d57550cc96cc">Complete</TemplateStatus>
+    <Downloads xmlns="4873beb7-5857-4685-be1f-d57550cc96cc">0</Downloads>
+    <OOCacheId xmlns="4873beb7-5857-4685-be1f-d57550cc96cc" xsi:nil="true"/>
+    <IsDeleted xmlns="4873beb7-5857-4685-be1f-d57550cc96cc">false</IsDeleted>
+    <LocPublishedDependentAssetsLookup xmlns="4873beb7-5857-4685-be1f-d57550cc96cc" xsi:nil="true"/>
+    <TPExecutable xmlns="4873beb7-5857-4685-be1f-d57550cc96cc" xsi:nil="true"/>
+    <EditorialTags xmlns="4873beb7-5857-4685-be1f-d57550cc96cc" xsi:nil="true"/>
+    <SubmitterId xmlns="4873beb7-5857-4685-be1f-d57550cc96cc" xsi:nil="true"/>
+    <ApprovalLog xmlns="4873beb7-5857-4685-be1f-d57550cc96cc" xsi:nil="true"/>
+    <AssetType xmlns="4873beb7-5857-4685-be1f-d57550cc96cc">TP</AssetType>
+    <BugNumber xmlns="4873beb7-5857-4685-be1f-d57550cc96cc" xsi:nil="true"/>
+    <CSXSubmissionDate xmlns="4873beb7-5857-4685-be1f-d57550cc96cc" xsi:nil="true"/>
+    <CSXUpdate xmlns="4873beb7-5857-4685-be1f-d57550cc96cc">false</CSXUpdate>
+    <Milestone xmlns="4873beb7-5857-4685-be1f-d57550cc96cc" xsi:nil="true"/>
+    <RecommendationsModifier xmlns="4873beb7-5857-4685-be1f-d57550cc96cc" xsi:nil="true"/>
+    <OriginAsset xmlns="4873beb7-5857-4685-be1f-d57550cc96cc" xsi:nil="true"/>
+    <TPComponent xmlns="4873beb7-5857-4685-be1f-d57550cc96cc" xsi:nil="true"/>
+    <AssetId xmlns="4873beb7-5857-4685-be1f-d57550cc96cc">TP102787989</AssetId>
+    <IntlLocPriority xmlns="4873beb7-5857-4685-be1f-d57550cc96cc" xsi:nil="true"/>
+    <PolicheckWords xmlns="4873beb7-5857-4685-be1f-d57550cc96cc" xsi:nil="true"/>
+    <TPLaunchHelpLink xmlns="4873beb7-5857-4685-be1f-d57550cc96cc" xsi:nil="true"/>
+    <TPApplication xmlns="4873beb7-5857-4685-be1f-d57550cc96cc" xsi:nil="true"/>
+    <CrawlForDependencies xmlns="4873beb7-5857-4685-be1f-d57550cc96cc">false</CrawlForDependencies>
+    <HandoffToMSDN xmlns="4873beb7-5857-4685-be1f-d57550cc96cc" xsi:nil="true"/>
+    <PlannedPubDate xmlns="4873beb7-5857-4685-be1f-d57550cc96cc" xsi:nil="true"/>
+    <IntlLangReviewer xmlns="4873beb7-5857-4685-be1f-d57550cc96cc" xsi:nil="true"/>
+    <TrustLevel xmlns="4873beb7-5857-4685-be1f-d57550cc96cc">1 Microsoft Managed Content</TrustLevel>
+    <LocLastLocAttemptVersionLookup xmlns="4873beb7-5857-4685-be1f-d57550cc96cc">694266</LocLastLocAttemptVersionLookup>
+    <LocProcessedForHandoffsLookup xmlns="4873beb7-5857-4685-be1f-d57550cc96cc" xsi:nil="true"/>
+    <IsSearchable xmlns="4873beb7-5857-4685-be1f-d57550cc96cc">true</IsSearchable>
+    <TemplateTemplateType xmlns="4873beb7-5857-4685-be1f-d57550cc96cc">PowerPoint Presentation Template</TemplateTemplateType>
+    <CampaignTagsTaxHTField0 xmlns="4873beb7-5857-4685-be1f-d57550cc96cc">
+      <Terms xmlns="http://schemas.microsoft.com/office/infopath/2007/PartnerControls"/>
+    </CampaignTagsTaxHTField0>
+    <TPNamespace xmlns="4873beb7-5857-4685-be1f-d57550cc96cc" xsi:nil="true"/>
+    <LocOverallPreviewStatusLookup xmlns="4873beb7-5857-4685-be1f-d57550cc96cc" xsi:nil="true"/>
+    <TaxCatchAll xmlns="4873beb7-5857-4685-be1f-d57550cc96cc"/>
+    <Markets xmlns="4873beb7-5857-4685-be1f-d57550cc96cc"/>
+    <UAProjectedTotalWords xmlns="4873beb7-5857-4685-be1f-d57550cc96cc" xsi:nil="true"/>
+    <IntlLangReview xmlns="4873beb7-5857-4685-be1f-d57550cc96cc" xsi:nil="true"/>
+    <OutputCachingOn xmlns="4873beb7-5857-4685-be1f-d57550cc96cc">false</OutputCachingOn>
+    <AverageRating xmlns="4873beb7-5857-4685-be1f-d57550cc96cc" xsi:nil="true"/>
+    <APAuthor xmlns="4873beb7-5857-4685-be1f-d57550cc96cc">
+      <UserInfo>
+        <DisplayName>REDMOND\kristaa</DisplayName>
+        <AccountId>136</AccountId>
+        <AccountType/>
+      </UserInfo>
+    </APAuthor>
+    <LocManualTestRequired xmlns="4873beb7-5857-4685-be1f-d57550cc96cc">false</LocManualTestRequired>
+    <TPCommandLine xmlns="4873beb7-5857-4685-be1f-d57550cc96cc" xsi:nil="true"/>
+    <TPAppVersion xmlns="4873beb7-5857-4685-be1f-d57550cc96cc" xsi:nil="true"/>
+    <EditorialStatus xmlns="4873beb7-5857-4685-be1f-d57550cc96cc">Complete</EditorialStatus>
+    <LastModifiedDateTime xmlns="4873beb7-5857-4685-be1f-d57550cc96cc" xsi:nil="true"/>
+    <ScenarioTagsTaxHTField0 xmlns="4873beb7-5857-4685-be1f-d57550cc96cc">
+      <Terms xmlns="http://schemas.microsoft.com/office/infopath/2007/PartnerControls"/>
+    </ScenarioTagsTaxHTField0>
+    <LocProcessedForMarketsLookup xmlns="4873beb7-5857-4685-be1f-d57550cc96cc" xsi:nil="true"/>
+    <TPLaunchHelpLinkType xmlns="4873beb7-5857-4685-be1f-d57550cc96cc">Template</TPLaunchHelpLinkType>
+    <OriginalRelease xmlns="4873beb7-5857-4685-be1f-d57550cc96cc">15</OriginalRelease>
+    <LocalizationTagsTaxHTField0 xmlns="4873beb7-5857-4685-be1f-d57550cc96cc">
+      <Terms xmlns="http://schemas.microsoft.com/office/infopath/2007/PartnerControls"/>
+    </LocalizationTagsTaxHTField0>
+    <UACurrentWords xmlns="4873beb7-5857-4685-be1f-d57550cc96cc" xsi:nil="true"/>
+    <ArtSampleDocs xmlns="4873beb7-5857-4685-be1f-d57550cc96cc" xsi:nil="true"/>
+    <UALocRecommendation xmlns="4873beb7-5857-4685-be1f-d57550cc96cc">Localize</UALocRecommendation>
+    <Manager xmlns="4873beb7-5857-4685-be1f-d57550cc96cc" xsi:nil="true"/>
+    <LocOverallHandbackStatusLookup xmlns="4873beb7-5857-4685-be1f-d57550cc96cc" xsi:nil="true"/>
+    <ShowIn xmlns="4873beb7-5857-4685-be1f-d57550cc96cc">Show everywhere</ShowIn>
+    <UANotes xmlns="4873beb7-5857-4685-be1f-d57550cc96cc" xsi:nil="true"/>
+    <InternalTagsTaxHTField0 xmlns="4873beb7-5857-4685-be1f-d57550cc96cc">
+      <Terms xmlns="http://schemas.microsoft.com/office/infopath/2007/PartnerControls"/>
+    </InternalTagsTaxHTField0>
+    <CSXHash xmlns="4873beb7-5857-4685-be1f-d57550cc96cc" xsi:nil="true"/>
+    <VoteCount xmlns="4873beb7-5857-4685-be1f-d57550cc96cc" xsi:nil="true"/>
+    <AssetExpire xmlns="4873beb7-5857-4685-be1f-d57550cc96cc">2029-05-12T07:00:00+00:00</AssetExpire>
+    <DSATActionTaken xmlns="4873beb7-5857-4685-be1f-d57550cc96cc" xsi:nil="true"/>
+    <CSXSubmissionMarket xmlns="4873beb7-5857-4685-be1f-d57550cc96cc" xsi:nil="true"/>
+    <LocMarketGroupTiers2 xmlns="4873beb7-5857-4685-be1f-d57550cc96cc" xsi:nil="true"/>
+  </documentManagement>
+</p:properties>
+</file>
+
+<file path=customXml/item3.xml><?xml version="1.0" encoding="utf-8"?>
 <ct:contentTypeSchema xmlns:ct="http://schemas.microsoft.com/office/2006/metadata/contentType" xmlns:ma="http://schemas.microsoft.com/office/2006/metadata/properties/metaAttributes" ct:_="" ma:_="" ma:contentTypeName="TemplateFile" ma:contentTypeID="0x0101006EDDDB5EE6D98C44930B742096920B300400F5B6D36B3EF94B4E9A635CDF2A18F5B8" ma:contentTypeVersion="72" ma:contentTypeDescription="Create a new document." ma:contentTypeScope="" ma:versionID="a23e56308344d904b51738559c3d67c9">
   <xsd:schema xmlns:xsd="http://www.w3.org/2001/XMLSchema" xmlns:xs="http://www.w3.org/2001/XMLSchema" xmlns:p="http://schemas.microsoft.com/office/2006/metadata/properties" xmlns:ns2="4873beb7-5857-4685-be1f-d57550cc96cc" targetNamespace="http://schemas.microsoft.com/office/2006/metadata/properties" ma:root="true" ma:fieldsID="cd0908cc4600e77bf5da051303e00c8d" ns2:_="">
     <xsd:import namespace="4873beb7-5857-4685-be1f-d57550cc96cc"/>
@@ -14179,165 +14667,10 @@
 </ct:contentTypeSchema>
 </file>
 
-<file path=customXml/item2.xml><?xml version="1.0" encoding="utf-8"?>
-<p:properties xmlns:p="http://schemas.microsoft.com/office/2006/metadata/properties" xmlns:xsi="http://www.w3.org/2001/XMLSchema-instance" xmlns:pc="http://schemas.microsoft.com/office/infopath/2007/PartnerControls">
-  <documentManagement>
-    <LocPublishedLinkedAssetsLookup xmlns="4873beb7-5857-4685-be1f-d57550cc96cc" xsi:nil="true"/>
-    <ApprovalStatus xmlns="4873beb7-5857-4685-be1f-d57550cc96cc">InProgress</ApprovalStatus>
-    <MarketSpecific xmlns="4873beb7-5857-4685-be1f-d57550cc96cc">false</MarketSpecific>
-    <LocComments xmlns="4873beb7-5857-4685-be1f-d57550cc96cc" xsi:nil="true"/>
-    <LocLastLocAttemptVersionTypeLookup xmlns="4873beb7-5857-4685-be1f-d57550cc96cc" xsi:nil="true"/>
-    <DirectSourceMarket xmlns="4873beb7-5857-4685-be1f-d57550cc96cc" xsi:nil="true"/>
-    <ThumbnailAssetId xmlns="4873beb7-5857-4685-be1f-d57550cc96cc" xsi:nil="true"/>
-    <PrimaryImageGen xmlns="4873beb7-5857-4685-be1f-d57550cc96cc">false</PrimaryImageGen>
-    <LocNewPublishedVersionLookup xmlns="4873beb7-5857-4685-be1f-d57550cc96cc" xsi:nil="true"/>
-    <LegacyData xmlns="4873beb7-5857-4685-be1f-d57550cc96cc" xsi:nil="true"/>
-    <LocRecommendedHandoff xmlns="4873beb7-5857-4685-be1f-d57550cc96cc" xsi:nil="true"/>
-    <BusinessGroup xmlns="4873beb7-5857-4685-be1f-d57550cc96cc" xsi:nil="true"/>
-    <BlockPublish xmlns="4873beb7-5857-4685-be1f-d57550cc96cc">false</BlockPublish>
-    <TPFriendlyName xmlns="4873beb7-5857-4685-be1f-d57550cc96cc" xsi:nil="true"/>
-    <LocOverallPublishStatusLookup xmlns="4873beb7-5857-4685-be1f-d57550cc96cc" xsi:nil="true"/>
-    <NumericId xmlns="4873beb7-5857-4685-be1f-d57550cc96cc" xsi:nil="true"/>
-    <APEditor xmlns="4873beb7-5857-4685-be1f-d57550cc96cc">
-      <UserInfo>
-        <DisplayName/>
-        <AccountId xsi:nil="true"/>
-        <AccountType/>
-      </UserInfo>
-    </APEditor>
-    <SourceTitle xmlns="4873beb7-5857-4685-be1f-d57550cc96cc" xsi:nil="true"/>
-    <OpenTemplate xmlns="4873beb7-5857-4685-be1f-d57550cc96cc">true</OpenTemplate>
-    <LocOverallLocStatusLookup xmlns="4873beb7-5857-4685-be1f-d57550cc96cc" xsi:nil="true"/>
-    <UALocComments xmlns="4873beb7-5857-4685-be1f-d57550cc96cc" xsi:nil="true"/>
-    <ParentAssetId xmlns="4873beb7-5857-4685-be1f-d57550cc96cc" xsi:nil="true"/>
-    <IntlLangReviewDate xmlns="4873beb7-5857-4685-be1f-d57550cc96cc" xsi:nil="true"/>
-    <FeatureTagsTaxHTField0 xmlns="4873beb7-5857-4685-be1f-d57550cc96cc">
-      <Terms xmlns="http://schemas.microsoft.com/office/infopath/2007/PartnerControls"/>
-    </FeatureTagsTaxHTField0>
-    <PublishStatusLookup xmlns="4873beb7-5857-4685-be1f-d57550cc96cc">
-      <Value>1345093</Value>
-    </PublishStatusLookup>
-    <Providers xmlns="4873beb7-5857-4685-be1f-d57550cc96cc" xsi:nil="true"/>
-    <MachineTranslated xmlns="4873beb7-5857-4685-be1f-d57550cc96cc">false</MachineTranslated>
-    <OriginalSourceMarket xmlns="4873beb7-5857-4685-be1f-d57550cc96cc" xsi:nil="true"/>
-    <APDescription xmlns="4873beb7-5857-4685-be1f-d57550cc96cc">This simple template design works for technology and  businesses, but it's versatile enough to use in other contexts.  It features multiple slide layouts designed for widescreen (16x9 resolution) and includes a sample SmartArt list and chart that are easily editable.</APDescription>
-    <ClipArtFilename xmlns="4873beb7-5857-4685-be1f-d57550cc96cc" xsi:nil="true"/>
-    <ContentItem xmlns="4873beb7-5857-4685-be1f-d57550cc96cc" xsi:nil="true"/>
-    <TPInstallLocation xmlns="4873beb7-5857-4685-be1f-d57550cc96cc" xsi:nil="true"/>
-    <PublishTargets xmlns="4873beb7-5857-4685-be1f-d57550cc96cc">OfficeOnlineVNext</PublishTargets>
-    <TimesCloned xmlns="4873beb7-5857-4685-be1f-d57550cc96cc" xsi:nil="true"/>
-    <AssetStart xmlns="4873beb7-5857-4685-be1f-d57550cc96cc">2011-11-26T00:30:00+00:00</AssetStart>
-    <Provider xmlns="4873beb7-5857-4685-be1f-d57550cc96cc" xsi:nil="true"/>
-    <AcquiredFrom xmlns="4873beb7-5857-4685-be1f-d57550cc96cc">Internal MS</AcquiredFrom>
-    <FriendlyTitle xmlns="4873beb7-5857-4685-be1f-d57550cc96cc" xsi:nil="true"/>
-    <LastHandOff xmlns="4873beb7-5857-4685-be1f-d57550cc96cc" xsi:nil="true"/>
-    <TPClientViewer xmlns="4873beb7-5857-4685-be1f-d57550cc96cc" xsi:nil="true"/>
-    <TemplateStatus xmlns="4873beb7-5857-4685-be1f-d57550cc96cc">Complete</TemplateStatus>
-    <Downloads xmlns="4873beb7-5857-4685-be1f-d57550cc96cc">0</Downloads>
-    <OOCacheId xmlns="4873beb7-5857-4685-be1f-d57550cc96cc" xsi:nil="true"/>
-    <IsDeleted xmlns="4873beb7-5857-4685-be1f-d57550cc96cc">false</IsDeleted>
-    <LocPublishedDependentAssetsLookup xmlns="4873beb7-5857-4685-be1f-d57550cc96cc" xsi:nil="true"/>
-    <TPExecutable xmlns="4873beb7-5857-4685-be1f-d57550cc96cc" xsi:nil="true"/>
-    <EditorialTags xmlns="4873beb7-5857-4685-be1f-d57550cc96cc" xsi:nil="true"/>
-    <SubmitterId xmlns="4873beb7-5857-4685-be1f-d57550cc96cc" xsi:nil="true"/>
-    <ApprovalLog xmlns="4873beb7-5857-4685-be1f-d57550cc96cc" xsi:nil="true"/>
-    <AssetType xmlns="4873beb7-5857-4685-be1f-d57550cc96cc">TP</AssetType>
-    <BugNumber xmlns="4873beb7-5857-4685-be1f-d57550cc96cc" xsi:nil="true"/>
-    <CSXSubmissionDate xmlns="4873beb7-5857-4685-be1f-d57550cc96cc" xsi:nil="true"/>
-    <CSXUpdate xmlns="4873beb7-5857-4685-be1f-d57550cc96cc">false</CSXUpdate>
-    <Milestone xmlns="4873beb7-5857-4685-be1f-d57550cc96cc" xsi:nil="true"/>
-    <RecommendationsModifier xmlns="4873beb7-5857-4685-be1f-d57550cc96cc" xsi:nil="true"/>
-    <OriginAsset xmlns="4873beb7-5857-4685-be1f-d57550cc96cc" xsi:nil="true"/>
-    <TPComponent xmlns="4873beb7-5857-4685-be1f-d57550cc96cc" xsi:nil="true"/>
-    <AssetId xmlns="4873beb7-5857-4685-be1f-d57550cc96cc">TP102787989</AssetId>
-    <IntlLocPriority xmlns="4873beb7-5857-4685-be1f-d57550cc96cc" xsi:nil="true"/>
-    <PolicheckWords xmlns="4873beb7-5857-4685-be1f-d57550cc96cc" xsi:nil="true"/>
-    <TPLaunchHelpLink xmlns="4873beb7-5857-4685-be1f-d57550cc96cc" xsi:nil="true"/>
-    <TPApplication xmlns="4873beb7-5857-4685-be1f-d57550cc96cc" xsi:nil="true"/>
-    <CrawlForDependencies xmlns="4873beb7-5857-4685-be1f-d57550cc96cc">false</CrawlForDependencies>
-    <HandoffToMSDN xmlns="4873beb7-5857-4685-be1f-d57550cc96cc" xsi:nil="true"/>
-    <PlannedPubDate xmlns="4873beb7-5857-4685-be1f-d57550cc96cc" xsi:nil="true"/>
-    <IntlLangReviewer xmlns="4873beb7-5857-4685-be1f-d57550cc96cc" xsi:nil="true"/>
-    <TrustLevel xmlns="4873beb7-5857-4685-be1f-d57550cc96cc">1 Microsoft Managed Content</TrustLevel>
-    <LocLastLocAttemptVersionLookup xmlns="4873beb7-5857-4685-be1f-d57550cc96cc">694266</LocLastLocAttemptVersionLookup>
-    <LocProcessedForHandoffsLookup xmlns="4873beb7-5857-4685-be1f-d57550cc96cc" xsi:nil="true"/>
-    <IsSearchable xmlns="4873beb7-5857-4685-be1f-d57550cc96cc">true</IsSearchable>
-    <TemplateTemplateType xmlns="4873beb7-5857-4685-be1f-d57550cc96cc">PowerPoint Presentation Template</TemplateTemplateType>
-    <CampaignTagsTaxHTField0 xmlns="4873beb7-5857-4685-be1f-d57550cc96cc">
-      <Terms xmlns="http://schemas.microsoft.com/office/infopath/2007/PartnerControls"/>
-    </CampaignTagsTaxHTField0>
-    <TPNamespace xmlns="4873beb7-5857-4685-be1f-d57550cc96cc" xsi:nil="true"/>
-    <LocOverallPreviewStatusLookup xmlns="4873beb7-5857-4685-be1f-d57550cc96cc" xsi:nil="true"/>
-    <TaxCatchAll xmlns="4873beb7-5857-4685-be1f-d57550cc96cc"/>
-    <Markets xmlns="4873beb7-5857-4685-be1f-d57550cc96cc"/>
-    <UAProjectedTotalWords xmlns="4873beb7-5857-4685-be1f-d57550cc96cc" xsi:nil="true"/>
-    <IntlLangReview xmlns="4873beb7-5857-4685-be1f-d57550cc96cc" xsi:nil="true"/>
-    <OutputCachingOn xmlns="4873beb7-5857-4685-be1f-d57550cc96cc">false</OutputCachingOn>
-    <AverageRating xmlns="4873beb7-5857-4685-be1f-d57550cc96cc" xsi:nil="true"/>
-    <APAuthor xmlns="4873beb7-5857-4685-be1f-d57550cc96cc">
-      <UserInfo>
-        <DisplayName>REDMOND\kristaa</DisplayName>
-        <AccountId>136</AccountId>
-        <AccountType/>
-      </UserInfo>
-    </APAuthor>
-    <LocManualTestRequired xmlns="4873beb7-5857-4685-be1f-d57550cc96cc">false</LocManualTestRequired>
-    <TPCommandLine xmlns="4873beb7-5857-4685-be1f-d57550cc96cc" xsi:nil="true"/>
-    <TPAppVersion xmlns="4873beb7-5857-4685-be1f-d57550cc96cc" xsi:nil="true"/>
-    <EditorialStatus xmlns="4873beb7-5857-4685-be1f-d57550cc96cc">Complete</EditorialStatus>
-    <LastModifiedDateTime xmlns="4873beb7-5857-4685-be1f-d57550cc96cc" xsi:nil="true"/>
-    <ScenarioTagsTaxHTField0 xmlns="4873beb7-5857-4685-be1f-d57550cc96cc">
-      <Terms xmlns="http://schemas.microsoft.com/office/infopath/2007/PartnerControls"/>
-    </ScenarioTagsTaxHTField0>
-    <LocProcessedForMarketsLookup xmlns="4873beb7-5857-4685-be1f-d57550cc96cc" xsi:nil="true"/>
-    <TPLaunchHelpLinkType xmlns="4873beb7-5857-4685-be1f-d57550cc96cc">Template</TPLaunchHelpLinkType>
-    <OriginalRelease xmlns="4873beb7-5857-4685-be1f-d57550cc96cc">15</OriginalRelease>
-    <LocalizationTagsTaxHTField0 xmlns="4873beb7-5857-4685-be1f-d57550cc96cc">
-      <Terms xmlns="http://schemas.microsoft.com/office/infopath/2007/PartnerControls"/>
-    </LocalizationTagsTaxHTField0>
-    <UACurrentWords xmlns="4873beb7-5857-4685-be1f-d57550cc96cc" xsi:nil="true"/>
-    <ArtSampleDocs xmlns="4873beb7-5857-4685-be1f-d57550cc96cc" xsi:nil="true"/>
-    <UALocRecommendation xmlns="4873beb7-5857-4685-be1f-d57550cc96cc">Localize</UALocRecommendation>
-    <Manager xmlns="4873beb7-5857-4685-be1f-d57550cc96cc" xsi:nil="true"/>
-    <LocOverallHandbackStatusLookup xmlns="4873beb7-5857-4685-be1f-d57550cc96cc" xsi:nil="true"/>
-    <ShowIn xmlns="4873beb7-5857-4685-be1f-d57550cc96cc">Show everywhere</ShowIn>
-    <UANotes xmlns="4873beb7-5857-4685-be1f-d57550cc96cc" xsi:nil="true"/>
-    <InternalTagsTaxHTField0 xmlns="4873beb7-5857-4685-be1f-d57550cc96cc">
-      <Terms xmlns="http://schemas.microsoft.com/office/infopath/2007/PartnerControls"/>
-    </InternalTagsTaxHTField0>
-    <CSXHash xmlns="4873beb7-5857-4685-be1f-d57550cc96cc" xsi:nil="true"/>
-    <VoteCount xmlns="4873beb7-5857-4685-be1f-d57550cc96cc" xsi:nil="true"/>
-    <AssetExpire xmlns="4873beb7-5857-4685-be1f-d57550cc96cc">2029-05-12T07:00:00+00:00</AssetExpire>
-    <DSATActionTaken xmlns="4873beb7-5857-4685-be1f-d57550cc96cc" xsi:nil="true"/>
-    <CSXSubmissionMarket xmlns="4873beb7-5857-4685-be1f-d57550cc96cc" xsi:nil="true"/>
-    <LocMarketGroupTiers2 xmlns="4873beb7-5857-4685-be1f-d57550cc96cc" xsi:nil="true"/>
-  </documentManagement>
-</p:properties>
-</file>
-
-<file path=customXml/item3.xml><?xml version="1.0" encoding="utf-8"?>
-<?mso-contentType ?>
-<FormTemplates xmlns="http://schemas.microsoft.com/sharepoint/v3/contenttype/forms">
-  <Display>DocumentLibraryForm</Display>
-  <Edit>AssetEditForm</Edit>
-  <New>DocumentLibraryForm</New>
-</FormTemplates>
-</file>
-
 <file path=customXml/itemProps1.xml><?xml version="1.0" encoding="utf-8"?>
-<ds:datastoreItem xmlns:ds="http://schemas.openxmlformats.org/officeDocument/2006/customXml" ds:itemID="{A09BF4D4-EF60-4196-BFC3-9462D607978C}">
+<ds:datastoreItem xmlns:ds="http://schemas.openxmlformats.org/officeDocument/2006/customXml" ds:itemID="{3836F65B-1B07-41EE-A0E8-BC6EF3855225}">
   <ds:schemaRefs>
-    <ds:schemaRef ds:uri="http://schemas.microsoft.com/office/2006/metadata/contentType"/>
-    <ds:schemaRef ds:uri="http://schemas.microsoft.com/office/2006/metadata/properties/metaAttributes"/>
-    <ds:schemaRef ds:uri="http://www.w3.org/2001/XMLSchema"/>
-    <ds:schemaRef ds:uri="http://schemas.microsoft.com/office/2006/metadata/properties"/>
-    <ds:schemaRef ds:uri="4873beb7-5857-4685-be1f-d57550cc96cc"/>
-    <ds:schemaRef ds:uri="http://schemas.microsoft.com/office/2006/documentManagement/types"/>
-    <ds:schemaRef ds:uri="http://schemas.microsoft.com/office/infopath/2007/PartnerControls"/>
-    <ds:schemaRef ds:uri="http://schemas.openxmlformats.org/package/2006/metadata/core-properties"/>
-    <ds:schemaRef ds:uri="http://purl.org/dc/elements/1.1/"/>
-    <ds:schemaRef ds:uri="http://purl.org/dc/terms/"/>
-    <ds:schemaRef ds:uri="http://schemas.microsoft.com/internal/obd"/>
+    <ds:schemaRef ds:uri="http://schemas.microsoft.com/sharepoint/v3/contenttype/forms"/>
   </ds:schemaRefs>
 </ds:datastoreItem>
 </file>
@@ -14359,9 +14692,19 @@
 </file>
 
 <file path=customXml/itemProps3.xml><?xml version="1.0" encoding="utf-8"?>
-<ds:datastoreItem xmlns:ds="http://schemas.openxmlformats.org/officeDocument/2006/customXml" ds:itemID="{3836F65B-1B07-41EE-A0E8-BC6EF3855225}">
+<ds:datastoreItem xmlns:ds="http://schemas.openxmlformats.org/officeDocument/2006/customXml" ds:itemID="{A09BF4D4-EF60-4196-BFC3-9462D607978C}">
   <ds:schemaRefs>
-    <ds:schemaRef ds:uri="http://schemas.microsoft.com/sharepoint/v3/contenttype/forms"/>
+    <ds:schemaRef ds:uri="http://schemas.microsoft.com/office/2006/metadata/contentType"/>
+    <ds:schemaRef ds:uri="http://schemas.microsoft.com/office/2006/metadata/properties/metaAttributes"/>
+    <ds:schemaRef ds:uri="http://www.w3.org/2001/XMLSchema"/>
+    <ds:schemaRef ds:uri="http://schemas.microsoft.com/office/2006/metadata/properties"/>
+    <ds:schemaRef ds:uri="4873beb7-5857-4685-be1f-d57550cc96cc"/>
+    <ds:schemaRef ds:uri="http://schemas.microsoft.com/office/2006/documentManagement/types"/>
+    <ds:schemaRef ds:uri="http://schemas.microsoft.com/office/infopath/2007/PartnerControls"/>
+    <ds:schemaRef ds:uri="http://schemas.openxmlformats.org/package/2006/metadata/core-properties"/>
+    <ds:schemaRef ds:uri="http://purl.org/dc/elements/1.1/"/>
+    <ds:schemaRef ds:uri="http://purl.org/dc/terms/"/>
+    <ds:schemaRef ds:uri="http://schemas.microsoft.com/internal/obd"/>
   </ds:schemaRefs>
 </ds:datastoreItem>
 </file>
--- a/チュートリアルなど.pptx
+++ b/チュートリアルなど.pptx
@@ -318,7 +318,7 @@
                 <a:latin typeface="ＭＳ Ｐゴシック" panose="020B0600070205080204" pitchFamily="50" charset="-128"/>
                 <a:ea typeface="ＭＳ Ｐゴシック" panose="020B0600070205080204" pitchFamily="50" charset="-128"/>
               </a:rPr>
-              <a:t>2018/4/21</a:t>
+              <a:t>2018/4/22</a:t>
             </a:fld>
             <a:endParaRPr lang="ja-JP" altLang="en-US" dirty="0">
               <a:latin typeface="ＭＳ Ｐゴシック" panose="020B0600070205080204" pitchFamily="50" charset="-128"/>
@@ -505,7 +505,7 @@
             <a:fld id="{37165343-859F-4143-8972-D138C517BA87}" type="datetime1">
               <a:rPr lang="ja-JP" altLang="en-US" smtClean="0"/>
               <a:pPr/>
-              <a:t>2018/4/21</a:t>
+              <a:t>2018/4/22</a:t>
             </a:fld>
             <a:endParaRPr lang="ja-JP" altLang="en-US" dirty="0"/>
           </a:p>
@@ -2540,7 +2540,7 @@
             <a:fld id="{8B8BDBCF-2245-4FCB-9DDE-432CD8FA8E0A}" type="datetime1">
               <a:rPr lang="ja-JP" altLang="en-US" smtClean="0"/>
               <a:pPr/>
-              <a:t>2018/4/21</a:t>
+              <a:t>2018/4/22</a:t>
             </a:fld>
             <a:endParaRPr lang="ja-JP" altLang="en-US" dirty="0"/>
           </a:p>
@@ -2782,7 +2782,7 @@
             <a:fld id="{0E2695C8-689F-41E2-801C-EC2626087B1A}" type="datetime1">
               <a:rPr lang="ja-JP" altLang="en-US" smtClean="0"/>
               <a:pPr/>
-              <a:t>2018/4/21</a:t>
+              <a:t>2018/4/22</a:t>
             </a:fld>
             <a:endParaRPr lang="ja-JP" altLang="en-US" dirty="0"/>
           </a:p>
@@ -3034,7 +3034,7 @@
             <a:fld id="{061217A4-CAA8-44F2-8FF7-C615B184E281}" type="datetime1">
               <a:rPr lang="ja-JP" altLang="en-US" smtClean="0"/>
               <a:pPr/>
-              <a:t>2018/4/21</a:t>
+              <a:t>2018/4/22</a:t>
             </a:fld>
             <a:endParaRPr lang="ja-JP" altLang="en-US" dirty="0"/>
           </a:p>
@@ -3273,7 +3273,7 @@
             <a:fld id="{CCBF1506-F1B8-4806-9D73-EF91A452CC85}" type="datetime1">
               <a:rPr lang="ja-JP" altLang="en-US" smtClean="0"/>
               <a:pPr/>
-              <a:t>2018/4/21</a:t>
+              <a:t>2018/4/22</a:t>
             </a:fld>
             <a:endParaRPr lang="ja-JP" altLang="en-US" dirty="0"/>
           </a:p>
@@ -3714,7 +3714,7 @@
             <a:fld id="{2428F437-7555-47DD-B668-A6054E2B6526}" type="datetime1">
               <a:rPr lang="ja-JP" altLang="en-US" smtClean="0"/>
               <a:pPr/>
-              <a:t>2018/4/21</a:t>
+              <a:t>2018/4/22</a:t>
             </a:fld>
             <a:endParaRPr lang="ja-JP" altLang="en-US" dirty="0"/>
           </a:p>
@@ -4091,7 +4091,7 @@
             <a:fld id="{BAFA1F1E-07BA-4BD1-9D0B-52CCAAB6E57E}" type="datetime1">
               <a:rPr lang="ja-JP" altLang="en-US" smtClean="0"/>
               <a:pPr/>
-              <a:t>2018/4/21</a:t>
+              <a:t>2018/4/22</a:t>
             </a:fld>
             <a:endParaRPr lang="ja-JP" altLang="en-US" dirty="0"/>
           </a:p>
@@ -4620,7 +4620,7 @@
             <a:fld id="{427E2E48-3F71-4060-AD47-6D35A162C236}" type="datetime1">
               <a:rPr lang="ja-JP" altLang="en-US" smtClean="0"/>
               <a:pPr/>
-              <a:t>2018/4/21</a:t>
+              <a:t>2018/4/22</a:t>
             </a:fld>
             <a:endParaRPr lang="ja-JP" altLang="en-US" dirty="0"/>
           </a:p>
@@ -4759,7 +4759,7 @@
             <a:fld id="{46800D23-6458-42C6-B818-E75CC448B4DB}" type="datetime1">
               <a:rPr lang="ja-JP" altLang="en-US" smtClean="0"/>
               <a:pPr/>
-              <a:t>2018/4/21</a:t>
+              <a:t>2018/4/22</a:t>
             </a:fld>
             <a:endParaRPr lang="ja-JP" altLang="en-US" dirty="0"/>
           </a:p>
@@ -4874,7 +4874,7 @@
             <a:fld id="{C89347AB-B18F-4EC7-9B2B-0B9F65F4923C}" type="datetime1">
               <a:rPr lang="ja-JP" altLang="en-US" smtClean="0"/>
               <a:pPr/>
-              <a:t>2018/4/21</a:t>
+              <a:t>2018/4/22</a:t>
             </a:fld>
             <a:endParaRPr lang="ja-JP" altLang="en-US" dirty="0"/>
           </a:p>
@@ -5214,7 +5214,7 @@
             <a:fld id="{F746CB98-8F1C-469F-A210-693DC87B2CEB}" type="datetime1">
               <a:rPr lang="ja-JP" altLang="en-US" smtClean="0"/>
               <a:pPr/>
-              <a:t>2018/4/21</a:t>
+              <a:t>2018/4/22</a:t>
             </a:fld>
             <a:endParaRPr lang="ja-JP" altLang="en-US" dirty="0"/>
           </a:p>
@@ -5512,7 +5512,7 @@
             <a:fld id="{4A88E3EC-CE02-4F26-BBD8-264DBE926D7A}" type="datetime1">
               <a:rPr lang="ja-JP" altLang="en-US" smtClean="0"/>
               <a:pPr/>
-              <a:t>2018/4/21</a:t>
+              <a:t>2018/4/22</a:t>
             </a:fld>
             <a:endParaRPr lang="ja-JP" altLang="en-US" dirty="0"/>
           </a:p>
@@ -6183,7 +6183,7 @@
             <a:fld id="{5F1C1D98-9737-459D-9F09-105F0595AFC8}" type="datetime1">
               <a:rPr lang="ja-JP" altLang="en-US" smtClean="0"/>
               <a:pPr/>
-              <a:t>2018/4/21</a:t>
+              <a:t>2018/4/22</a:t>
             </a:fld>
             <a:endParaRPr lang="ja-JP" altLang="en-US" dirty="0"/>
           </a:p>
@@ -8516,7 +8516,7 @@
             <a:pPr lvl="2"/>
             <a:r>
               <a:rPr kumimoji="1" lang="ja-JP" altLang="en-US" dirty="0"/>
-              <a:t>上記の「</a:t>
+              <a:t>もしくは、上記の「</a:t>
             </a:r>
             <a:r>
               <a:rPr lang="ja-JP" altLang="en-US" b="1" dirty="0"/>
@@ -9953,6 +9953,10 @@
               <a:t>佐々木　朋志（</a:t>
             </a:r>
             <a:r>
+              <a:rPr kumimoji="1" lang="en-US" altLang="ja-JP" dirty="0"/>
+              <a:t>SASA , </a:t>
+            </a:r>
+            <a:r>
               <a:rPr lang="en-US" altLang="ja-JP" dirty="0" err="1"/>
               <a:t>CryEarth</a:t>
             </a:r>
@@ -10959,7 +10963,10 @@
           <a:bodyPr/>
           <a:lstStyle/>
           <a:p>
-            <a:endParaRPr kumimoji="1" lang="ja-JP" altLang="en-US"/>
+            <a:r>
+              <a:rPr kumimoji="1" lang="ja-JP" altLang="en-US" dirty="0"/>
+              <a:t>なぜ？</a:t>
+            </a:r>
           </a:p>
         </p:txBody>
       </p:sp>
@@ -10984,7 +10991,149 @@
           <a:bodyPr/>
           <a:lstStyle/>
           <a:p>
-            <a:endParaRPr kumimoji="1" lang="ja-JP" altLang="en-US"/>
+            <a:r>
+              <a:rPr kumimoji="1" lang="ja-JP" altLang="en-US" dirty="0"/>
+              <a:t>お金かかるんでしょ？</a:t>
+            </a:r>
+            <a:endParaRPr kumimoji="1" lang="en-US" altLang="ja-JP" dirty="0"/>
+          </a:p>
+          <a:p>
+            <a:pPr lvl="1"/>
+            <a:r>
+              <a:rPr lang="ja-JP" altLang="en-US" dirty="0"/>
+              <a:t>まあ、これがよく言われるので、「</a:t>
+            </a:r>
+            <a:r>
+              <a:rPr lang="en-US" altLang="ja-JP" dirty="0"/>
+              <a:t>PC</a:t>
+            </a:r>
+            <a:r>
+              <a:rPr lang="ja-JP" altLang="en-US" dirty="0"/>
+              <a:t>とか通信費</a:t>
+            </a:r>
+            <a:r>
+              <a:rPr lang="ja-JP" altLang="en-US"/>
+              <a:t>は除いて、無償</a:t>
+            </a:r>
+            <a:r>
+              <a:rPr lang="ja-JP" altLang="en-US" dirty="0"/>
+              <a:t>環境で学習することはできるんです」を書きたかった。</a:t>
+            </a:r>
+            <a:endParaRPr lang="en-US" altLang="ja-JP" dirty="0"/>
+          </a:p>
+          <a:p>
+            <a:r>
+              <a:rPr kumimoji="1" lang="ja-JP" altLang="en-US" dirty="0"/>
+              <a:t>なんで</a:t>
+            </a:r>
+            <a:r>
+              <a:rPr kumimoji="1" lang="en-US" altLang="ja-JP" dirty="0"/>
+              <a:t>UWP</a:t>
+            </a:r>
+          </a:p>
+          <a:p>
+            <a:pPr lvl="1"/>
+            <a:r>
+              <a:rPr lang="en-US" altLang="ja-JP" dirty="0"/>
+              <a:t>HoloLens</a:t>
+            </a:r>
+            <a:r>
+              <a:rPr lang="ja-JP" altLang="en-US" dirty="0"/>
+              <a:t>も</a:t>
+            </a:r>
+            <a:r>
+              <a:rPr lang="en-US" altLang="ja-JP" dirty="0"/>
+              <a:t>UWP</a:t>
+            </a:r>
+            <a:r>
+              <a:rPr lang="ja-JP" altLang="en-US" dirty="0"/>
+              <a:t>でいけますし、</a:t>
+            </a:r>
+            <a:r>
+              <a:rPr lang="en-US" altLang="ja-JP" dirty="0" err="1"/>
+              <a:t>Xamarin.Foam</a:t>
+            </a:r>
+            <a:r>
+              <a:rPr lang="ja-JP" altLang="en-US" dirty="0"/>
+              <a:t>につながる技術もあるので、</a:t>
+            </a:r>
+            <a:r>
+              <a:rPr lang="en-US" altLang="ja-JP" dirty="0"/>
+              <a:t>UWP</a:t>
+            </a:r>
+            <a:r>
+              <a:rPr lang="ja-JP" altLang="en-US" dirty="0"/>
+              <a:t>を選択しています。</a:t>
+            </a:r>
+            <a:endParaRPr lang="en-US" altLang="ja-JP" dirty="0"/>
+          </a:p>
+          <a:p>
+            <a:pPr lvl="2"/>
+            <a:r>
+              <a:rPr kumimoji="1" lang="en-US" altLang="ja-JP" dirty="0">
+                <a:solidFill>
+                  <a:schemeClr val="tx2">
+                    <a:lumMod val="75000"/>
+                  </a:schemeClr>
+                </a:solidFill>
+              </a:rPr>
+              <a:t>Windows10 Mobile(Windows</a:t>
+            </a:r>
+            <a:r>
+              <a:rPr lang="ja-JP" altLang="en-US" dirty="0">
+                <a:solidFill>
+                  <a:schemeClr val="tx2">
+                    <a:lumMod val="75000"/>
+                  </a:schemeClr>
+                </a:solidFill>
+              </a:rPr>
+              <a:t> </a:t>
+            </a:r>
+            <a:r>
+              <a:rPr kumimoji="1" lang="en-US" altLang="ja-JP" dirty="0">
+                <a:solidFill>
+                  <a:schemeClr val="tx2">
+                    <a:lumMod val="75000"/>
+                  </a:schemeClr>
+                </a:solidFill>
+              </a:rPr>
+              <a:t>Phone)</a:t>
+            </a:r>
+            <a:r>
+              <a:rPr kumimoji="1" lang="ja-JP" altLang="en-US" dirty="0">
+                <a:solidFill>
+                  <a:schemeClr val="tx2">
+                    <a:lumMod val="75000"/>
+                  </a:schemeClr>
+                </a:solidFill>
+              </a:rPr>
+              <a:t>という裏テーマもあったりしますがー</a:t>
+            </a:r>
+            <a:endParaRPr kumimoji="1" lang="en-US" altLang="ja-JP" dirty="0">
+              <a:solidFill>
+                <a:schemeClr val="tx2">
+                  <a:lumMod val="75000"/>
+                </a:schemeClr>
+              </a:solidFill>
+            </a:endParaRPr>
+          </a:p>
+          <a:p>
+            <a:r>
+              <a:rPr lang="en-US" altLang="ja-JP" dirty="0"/>
+              <a:t>Azure</a:t>
+            </a:r>
+            <a:r>
+              <a:rPr lang="ja-JP" altLang="en-US" dirty="0"/>
+              <a:t>必要あった？</a:t>
+            </a:r>
+            <a:endParaRPr lang="en-US" altLang="ja-JP" dirty="0"/>
+          </a:p>
+          <a:p>
+            <a:pPr lvl="1"/>
+            <a:r>
+              <a:rPr kumimoji="1" lang="ja-JP" altLang="en-US" dirty="0"/>
+              <a:t>今後ネットワークやクラウドサービスと無縁というわけにはいかないので、何かしら絡めたかったんです。</a:t>
+            </a:r>
           </a:p>
         </p:txBody>
       </p:sp>
@@ -11327,7 +11476,7 @@
                 <a:ea typeface="ＭＳ Ｐゴシック" panose="020B0600070205080204" pitchFamily="50" charset="-128"/>
                 <a:sym typeface="ＭＳ Ｐゴシック" panose="020B0600070205080204" pitchFamily="50" charset="-128"/>
               </a:rPr>
-              <a:t>なんでこんなの作った？</a:t>
+              <a:t>作成理由</a:t>
             </a:r>
             <a:endParaRPr lang="en-US" altLang="ja-JP" dirty="0">
               <a:latin typeface="ＭＳ Ｐゴシック" panose="020B0600070205080204" pitchFamily="50" charset="-128"/>
@@ -12502,7 +12651,7 @@
                   <a:schemeClr val="bg1"/>
                 </a:solidFill>
               </a:rPr>
-              <a:t>側機能を開発をする際に必要となります</a:t>
+              <a:t>側機能を開発をする際に必要なので、インストール推奨です</a:t>
             </a:r>
           </a:p>
         </p:txBody>
@@ -13483,151 +13632,6 @@
 </file>
 
 <file path=customXml/item1.xml><?xml version="1.0" encoding="utf-8"?>
-<?mso-contentType ?>
-<FormTemplates xmlns="http://schemas.microsoft.com/sharepoint/v3/contenttype/forms">
-  <Display>DocumentLibraryForm</Display>
-  <Edit>AssetEditForm</Edit>
-  <New>DocumentLibraryForm</New>
-</FormTemplates>
-</file>
-
-<file path=customXml/item2.xml><?xml version="1.0" encoding="utf-8"?>
-<p:properties xmlns:p="http://schemas.microsoft.com/office/2006/metadata/properties" xmlns:xsi="http://www.w3.org/2001/XMLSchema-instance" xmlns:pc="http://schemas.microsoft.com/office/infopath/2007/PartnerControls">
-  <documentManagement>
-    <LocPublishedLinkedAssetsLookup xmlns="4873beb7-5857-4685-be1f-d57550cc96cc" xsi:nil="true"/>
-    <ApprovalStatus xmlns="4873beb7-5857-4685-be1f-d57550cc96cc">InProgress</ApprovalStatus>
-    <MarketSpecific xmlns="4873beb7-5857-4685-be1f-d57550cc96cc">false</MarketSpecific>
-    <LocComments xmlns="4873beb7-5857-4685-be1f-d57550cc96cc" xsi:nil="true"/>
-    <LocLastLocAttemptVersionTypeLookup xmlns="4873beb7-5857-4685-be1f-d57550cc96cc" xsi:nil="true"/>
-    <DirectSourceMarket xmlns="4873beb7-5857-4685-be1f-d57550cc96cc" xsi:nil="true"/>
-    <ThumbnailAssetId xmlns="4873beb7-5857-4685-be1f-d57550cc96cc" xsi:nil="true"/>
-    <PrimaryImageGen xmlns="4873beb7-5857-4685-be1f-d57550cc96cc">false</PrimaryImageGen>
-    <LocNewPublishedVersionLookup xmlns="4873beb7-5857-4685-be1f-d57550cc96cc" xsi:nil="true"/>
-    <LegacyData xmlns="4873beb7-5857-4685-be1f-d57550cc96cc" xsi:nil="true"/>
-    <LocRecommendedHandoff xmlns="4873beb7-5857-4685-be1f-d57550cc96cc" xsi:nil="true"/>
-    <BusinessGroup xmlns="4873beb7-5857-4685-be1f-d57550cc96cc" xsi:nil="true"/>
-    <BlockPublish xmlns="4873beb7-5857-4685-be1f-d57550cc96cc">false</BlockPublish>
-    <TPFriendlyName xmlns="4873beb7-5857-4685-be1f-d57550cc96cc" xsi:nil="true"/>
-    <LocOverallPublishStatusLookup xmlns="4873beb7-5857-4685-be1f-d57550cc96cc" xsi:nil="true"/>
-    <NumericId xmlns="4873beb7-5857-4685-be1f-d57550cc96cc" xsi:nil="true"/>
-    <APEditor xmlns="4873beb7-5857-4685-be1f-d57550cc96cc">
-      <UserInfo>
-        <DisplayName/>
-        <AccountId xsi:nil="true"/>
-        <AccountType/>
-      </UserInfo>
-    </APEditor>
-    <SourceTitle xmlns="4873beb7-5857-4685-be1f-d57550cc96cc" xsi:nil="true"/>
-    <OpenTemplate xmlns="4873beb7-5857-4685-be1f-d57550cc96cc">true</OpenTemplate>
-    <LocOverallLocStatusLookup xmlns="4873beb7-5857-4685-be1f-d57550cc96cc" xsi:nil="true"/>
-    <UALocComments xmlns="4873beb7-5857-4685-be1f-d57550cc96cc" xsi:nil="true"/>
-    <ParentAssetId xmlns="4873beb7-5857-4685-be1f-d57550cc96cc" xsi:nil="true"/>
-    <IntlLangReviewDate xmlns="4873beb7-5857-4685-be1f-d57550cc96cc" xsi:nil="true"/>
-    <FeatureTagsTaxHTField0 xmlns="4873beb7-5857-4685-be1f-d57550cc96cc">
-      <Terms xmlns="http://schemas.microsoft.com/office/infopath/2007/PartnerControls"/>
-    </FeatureTagsTaxHTField0>
-    <PublishStatusLookup xmlns="4873beb7-5857-4685-be1f-d57550cc96cc">
-      <Value>1345093</Value>
-    </PublishStatusLookup>
-    <Providers xmlns="4873beb7-5857-4685-be1f-d57550cc96cc" xsi:nil="true"/>
-    <MachineTranslated xmlns="4873beb7-5857-4685-be1f-d57550cc96cc">false</MachineTranslated>
-    <OriginalSourceMarket xmlns="4873beb7-5857-4685-be1f-d57550cc96cc" xsi:nil="true"/>
-    <APDescription xmlns="4873beb7-5857-4685-be1f-d57550cc96cc">This simple template design works for technology and  businesses, but it's versatile enough to use in other contexts.  It features multiple slide layouts designed for widescreen (16x9 resolution) and includes a sample SmartArt list and chart that are easily editable.</APDescription>
-    <ClipArtFilename xmlns="4873beb7-5857-4685-be1f-d57550cc96cc" xsi:nil="true"/>
-    <ContentItem xmlns="4873beb7-5857-4685-be1f-d57550cc96cc" xsi:nil="true"/>
-    <TPInstallLocation xmlns="4873beb7-5857-4685-be1f-d57550cc96cc" xsi:nil="true"/>
-    <PublishTargets xmlns="4873beb7-5857-4685-be1f-d57550cc96cc">OfficeOnlineVNext</PublishTargets>
-    <TimesCloned xmlns="4873beb7-5857-4685-be1f-d57550cc96cc" xsi:nil="true"/>
-    <AssetStart xmlns="4873beb7-5857-4685-be1f-d57550cc96cc">2011-11-26T00:30:00+00:00</AssetStart>
-    <Provider xmlns="4873beb7-5857-4685-be1f-d57550cc96cc" xsi:nil="true"/>
-    <AcquiredFrom xmlns="4873beb7-5857-4685-be1f-d57550cc96cc">Internal MS</AcquiredFrom>
-    <FriendlyTitle xmlns="4873beb7-5857-4685-be1f-d57550cc96cc" xsi:nil="true"/>
-    <LastHandOff xmlns="4873beb7-5857-4685-be1f-d57550cc96cc" xsi:nil="true"/>
-    <TPClientViewer xmlns="4873beb7-5857-4685-be1f-d57550cc96cc" xsi:nil="true"/>
-    <TemplateStatus xmlns="4873beb7-5857-4685-be1f-d57550cc96cc">Complete</TemplateStatus>
-    <Downloads xmlns="4873beb7-5857-4685-be1f-d57550cc96cc">0</Downloads>
-    <OOCacheId xmlns="4873beb7-5857-4685-be1f-d57550cc96cc" xsi:nil="true"/>
-    <IsDeleted xmlns="4873beb7-5857-4685-be1f-d57550cc96cc">false</IsDeleted>
-    <LocPublishedDependentAssetsLookup xmlns="4873beb7-5857-4685-be1f-d57550cc96cc" xsi:nil="true"/>
-    <TPExecutable xmlns="4873beb7-5857-4685-be1f-d57550cc96cc" xsi:nil="true"/>
-    <EditorialTags xmlns="4873beb7-5857-4685-be1f-d57550cc96cc" xsi:nil="true"/>
-    <SubmitterId xmlns="4873beb7-5857-4685-be1f-d57550cc96cc" xsi:nil="true"/>
-    <ApprovalLog xmlns="4873beb7-5857-4685-be1f-d57550cc96cc" xsi:nil="true"/>
-    <AssetType xmlns="4873beb7-5857-4685-be1f-d57550cc96cc">TP</AssetType>
-    <BugNumber xmlns="4873beb7-5857-4685-be1f-d57550cc96cc" xsi:nil="true"/>
-    <CSXSubmissionDate xmlns="4873beb7-5857-4685-be1f-d57550cc96cc" xsi:nil="true"/>
-    <CSXUpdate xmlns="4873beb7-5857-4685-be1f-d57550cc96cc">false</CSXUpdate>
-    <Milestone xmlns="4873beb7-5857-4685-be1f-d57550cc96cc" xsi:nil="true"/>
-    <RecommendationsModifier xmlns="4873beb7-5857-4685-be1f-d57550cc96cc" xsi:nil="true"/>
-    <OriginAsset xmlns="4873beb7-5857-4685-be1f-d57550cc96cc" xsi:nil="true"/>
-    <TPComponent xmlns="4873beb7-5857-4685-be1f-d57550cc96cc" xsi:nil="true"/>
-    <AssetId xmlns="4873beb7-5857-4685-be1f-d57550cc96cc">TP102787989</AssetId>
-    <IntlLocPriority xmlns="4873beb7-5857-4685-be1f-d57550cc96cc" xsi:nil="true"/>
-    <PolicheckWords xmlns="4873beb7-5857-4685-be1f-d57550cc96cc" xsi:nil="true"/>
-    <TPLaunchHelpLink xmlns="4873beb7-5857-4685-be1f-d57550cc96cc" xsi:nil="true"/>
-    <TPApplication xmlns="4873beb7-5857-4685-be1f-d57550cc96cc" xsi:nil="true"/>
-    <CrawlForDependencies xmlns="4873beb7-5857-4685-be1f-d57550cc96cc">false</CrawlForDependencies>
-    <HandoffToMSDN xmlns="4873beb7-5857-4685-be1f-d57550cc96cc" xsi:nil="true"/>
-    <PlannedPubDate xmlns="4873beb7-5857-4685-be1f-d57550cc96cc" xsi:nil="true"/>
-    <IntlLangReviewer xmlns="4873beb7-5857-4685-be1f-d57550cc96cc" xsi:nil="true"/>
-    <TrustLevel xmlns="4873beb7-5857-4685-be1f-d57550cc96cc">1 Microsoft Managed Content</TrustLevel>
-    <LocLastLocAttemptVersionLookup xmlns="4873beb7-5857-4685-be1f-d57550cc96cc">694266</LocLastLocAttemptVersionLookup>
-    <LocProcessedForHandoffsLookup xmlns="4873beb7-5857-4685-be1f-d57550cc96cc" xsi:nil="true"/>
-    <IsSearchable xmlns="4873beb7-5857-4685-be1f-d57550cc96cc">true</IsSearchable>
-    <TemplateTemplateType xmlns="4873beb7-5857-4685-be1f-d57550cc96cc">PowerPoint Presentation Template</TemplateTemplateType>
-    <CampaignTagsTaxHTField0 xmlns="4873beb7-5857-4685-be1f-d57550cc96cc">
-      <Terms xmlns="http://schemas.microsoft.com/office/infopath/2007/PartnerControls"/>
-    </CampaignTagsTaxHTField0>
-    <TPNamespace xmlns="4873beb7-5857-4685-be1f-d57550cc96cc" xsi:nil="true"/>
-    <LocOverallPreviewStatusLookup xmlns="4873beb7-5857-4685-be1f-d57550cc96cc" xsi:nil="true"/>
-    <TaxCatchAll xmlns="4873beb7-5857-4685-be1f-d57550cc96cc"/>
-    <Markets xmlns="4873beb7-5857-4685-be1f-d57550cc96cc"/>
-    <UAProjectedTotalWords xmlns="4873beb7-5857-4685-be1f-d57550cc96cc" xsi:nil="true"/>
-    <IntlLangReview xmlns="4873beb7-5857-4685-be1f-d57550cc96cc" xsi:nil="true"/>
-    <OutputCachingOn xmlns="4873beb7-5857-4685-be1f-d57550cc96cc">false</OutputCachingOn>
-    <AverageRating xmlns="4873beb7-5857-4685-be1f-d57550cc96cc" xsi:nil="true"/>
-    <APAuthor xmlns="4873beb7-5857-4685-be1f-d57550cc96cc">
-      <UserInfo>
-        <DisplayName>REDMOND\kristaa</DisplayName>
-        <AccountId>136</AccountId>
-        <AccountType/>
-      </UserInfo>
-    </APAuthor>
-    <LocManualTestRequired xmlns="4873beb7-5857-4685-be1f-d57550cc96cc">false</LocManualTestRequired>
-    <TPCommandLine xmlns="4873beb7-5857-4685-be1f-d57550cc96cc" xsi:nil="true"/>
-    <TPAppVersion xmlns="4873beb7-5857-4685-be1f-d57550cc96cc" xsi:nil="true"/>
-    <EditorialStatus xmlns="4873beb7-5857-4685-be1f-d57550cc96cc">Complete</EditorialStatus>
-    <LastModifiedDateTime xmlns="4873beb7-5857-4685-be1f-d57550cc96cc" xsi:nil="true"/>
-    <ScenarioTagsTaxHTField0 xmlns="4873beb7-5857-4685-be1f-d57550cc96cc">
-      <Terms xmlns="http://schemas.microsoft.com/office/infopath/2007/PartnerControls"/>
-    </ScenarioTagsTaxHTField0>
-    <LocProcessedForMarketsLookup xmlns="4873beb7-5857-4685-be1f-d57550cc96cc" xsi:nil="true"/>
-    <TPLaunchHelpLinkType xmlns="4873beb7-5857-4685-be1f-d57550cc96cc">Template</TPLaunchHelpLinkType>
-    <OriginalRelease xmlns="4873beb7-5857-4685-be1f-d57550cc96cc">15</OriginalRelease>
-    <LocalizationTagsTaxHTField0 xmlns="4873beb7-5857-4685-be1f-d57550cc96cc">
-      <Terms xmlns="http://schemas.microsoft.com/office/infopath/2007/PartnerControls"/>
-    </LocalizationTagsTaxHTField0>
-    <UACurrentWords xmlns="4873beb7-5857-4685-be1f-d57550cc96cc" xsi:nil="true"/>
-    <ArtSampleDocs xmlns="4873beb7-5857-4685-be1f-d57550cc96cc" xsi:nil="true"/>
-    <UALocRecommendation xmlns="4873beb7-5857-4685-be1f-d57550cc96cc">Localize</UALocRecommendation>
-    <Manager xmlns="4873beb7-5857-4685-be1f-d57550cc96cc" xsi:nil="true"/>
-    <LocOverallHandbackStatusLookup xmlns="4873beb7-5857-4685-be1f-d57550cc96cc" xsi:nil="true"/>
-    <ShowIn xmlns="4873beb7-5857-4685-be1f-d57550cc96cc">Show everywhere</ShowIn>
-    <UANotes xmlns="4873beb7-5857-4685-be1f-d57550cc96cc" xsi:nil="true"/>
-    <InternalTagsTaxHTField0 xmlns="4873beb7-5857-4685-be1f-d57550cc96cc">
-      <Terms xmlns="http://schemas.microsoft.com/office/infopath/2007/PartnerControls"/>
-    </InternalTagsTaxHTField0>
-    <CSXHash xmlns="4873beb7-5857-4685-be1f-d57550cc96cc" xsi:nil="true"/>
-    <VoteCount xmlns="4873beb7-5857-4685-be1f-d57550cc96cc" xsi:nil="true"/>
-    <AssetExpire xmlns="4873beb7-5857-4685-be1f-d57550cc96cc">2029-05-12T07:00:00+00:00</AssetExpire>
-    <DSATActionTaken xmlns="4873beb7-5857-4685-be1f-d57550cc96cc" xsi:nil="true"/>
-    <CSXSubmissionMarket xmlns="4873beb7-5857-4685-be1f-d57550cc96cc" xsi:nil="true"/>
-    <LocMarketGroupTiers2 xmlns="4873beb7-5857-4685-be1f-d57550cc96cc" xsi:nil="true"/>
-  </documentManagement>
-</p:properties>
-</file>
-
-<file path=customXml/item3.xml><?xml version="1.0" encoding="utf-8"?>
 <ct:contentTypeSchema xmlns:ct="http://schemas.microsoft.com/office/2006/metadata/contentType" xmlns:ma="http://schemas.microsoft.com/office/2006/metadata/properties/metaAttributes" ct:_="" ma:_="" ma:contentTypeName="TemplateFile" ma:contentTypeID="0x0101006EDDDB5EE6D98C44930B742096920B300400F5B6D36B3EF94B4E9A635CDF2A18F5B8" ma:contentTypeVersion="72" ma:contentTypeDescription="Create a new document." ma:contentTypeScope="" ma:versionID="a23e56308344d904b51738559c3d67c9">
   <xsd:schema xmlns:xsd="http://www.w3.org/2001/XMLSchema" xmlns:xs="http://www.w3.org/2001/XMLSchema" xmlns:p="http://schemas.microsoft.com/office/2006/metadata/properties" xmlns:ns2="4873beb7-5857-4685-be1f-d57550cc96cc" targetNamespace="http://schemas.microsoft.com/office/2006/metadata/properties" ma:root="true" ma:fieldsID="cd0908cc4600e77bf5da051303e00c8d" ns2:_="">
     <xsd:import namespace="4873beb7-5857-4685-be1f-d57550cc96cc"/>
@@ -14667,10 +14671,165 @@
 </ct:contentTypeSchema>
 </file>
 
+<file path=customXml/item2.xml><?xml version="1.0" encoding="utf-8"?>
+<p:properties xmlns:p="http://schemas.microsoft.com/office/2006/metadata/properties" xmlns:xsi="http://www.w3.org/2001/XMLSchema-instance" xmlns:pc="http://schemas.microsoft.com/office/infopath/2007/PartnerControls">
+  <documentManagement>
+    <LocPublishedLinkedAssetsLookup xmlns="4873beb7-5857-4685-be1f-d57550cc96cc" xsi:nil="true"/>
+    <ApprovalStatus xmlns="4873beb7-5857-4685-be1f-d57550cc96cc">InProgress</ApprovalStatus>
+    <MarketSpecific xmlns="4873beb7-5857-4685-be1f-d57550cc96cc">false</MarketSpecific>
+    <LocComments xmlns="4873beb7-5857-4685-be1f-d57550cc96cc" xsi:nil="true"/>
+    <LocLastLocAttemptVersionTypeLookup xmlns="4873beb7-5857-4685-be1f-d57550cc96cc" xsi:nil="true"/>
+    <DirectSourceMarket xmlns="4873beb7-5857-4685-be1f-d57550cc96cc" xsi:nil="true"/>
+    <ThumbnailAssetId xmlns="4873beb7-5857-4685-be1f-d57550cc96cc" xsi:nil="true"/>
+    <PrimaryImageGen xmlns="4873beb7-5857-4685-be1f-d57550cc96cc">false</PrimaryImageGen>
+    <LocNewPublishedVersionLookup xmlns="4873beb7-5857-4685-be1f-d57550cc96cc" xsi:nil="true"/>
+    <LegacyData xmlns="4873beb7-5857-4685-be1f-d57550cc96cc" xsi:nil="true"/>
+    <LocRecommendedHandoff xmlns="4873beb7-5857-4685-be1f-d57550cc96cc" xsi:nil="true"/>
+    <BusinessGroup xmlns="4873beb7-5857-4685-be1f-d57550cc96cc" xsi:nil="true"/>
+    <BlockPublish xmlns="4873beb7-5857-4685-be1f-d57550cc96cc">false</BlockPublish>
+    <TPFriendlyName xmlns="4873beb7-5857-4685-be1f-d57550cc96cc" xsi:nil="true"/>
+    <LocOverallPublishStatusLookup xmlns="4873beb7-5857-4685-be1f-d57550cc96cc" xsi:nil="true"/>
+    <NumericId xmlns="4873beb7-5857-4685-be1f-d57550cc96cc" xsi:nil="true"/>
+    <APEditor xmlns="4873beb7-5857-4685-be1f-d57550cc96cc">
+      <UserInfo>
+        <DisplayName/>
+        <AccountId xsi:nil="true"/>
+        <AccountType/>
+      </UserInfo>
+    </APEditor>
+    <SourceTitle xmlns="4873beb7-5857-4685-be1f-d57550cc96cc" xsi:nil="true"/>
+    <OpenTemplate xmlns="4873beb7-5857-4685-be1f-d57550cc96cc">true</OpenTemplate>
+    <LocOverallLocStatusLookup xmlns="4873beb7-5857-4685-be1f-d57550cc96cc" xsi:nil="true"/>
+    <UALocComments xmlns="4873beb7-5857-4685-be1f-d57550cc96cc" xsi:nil="true"/>
+    <ParentAssetId xmlns="4873beb7-5857-4685-be1f-d57550cc96cc" xsi:nil="true"/>
+    <IntlLangReviewDate xmlns="4873beb7-5857-4685-be1f-d57550cc96cc" xsi:nil="true"/>
+    <FeatureTagsTaxHTField0 xmlns="4873beb7-5857-4685-be1f-d57550cc96cc">
+      <Terms xmlns="http://schemas.microsoft.com/office/infopath/2007/PartnerControls"/>
+    </FeatureTagsTaxHTField0>
+    <PublishStatusLookup xmlns="4873beb7-5857-4685-be1f-d57550cc96cc">
+      <Value>1345093</Value>
+    </PublishStatusLookup>
+    <Providers xmlns="4873beb7-5857-4685-be1f-d57550cc96cc" xsi:nil="true"/>
+    <MachineTranslated xmlns="4873beb7-5857-4685-be1f-d57550cc96cc">false</MachineTranslated>
+    <OriginalSourceMarket xmlns="4873beb7-5857-4685-be1f-d57550cc96cc" xsi:nil="true"/>
+    <APDescription xmlns="4873beb7-5857-4685-be1f-d57550cc96cc">This simple template design works for technology and  businesses, but it's versatile enough to use in other contexts.  It features multiple slide layouts designed for widescreen (16x9 resolution) and includes a sample SmartArt list and chart that are easily editable.</APDescription>
+    <ClipArtFilename xmlns="4873beb7-5857-4685-be1f-d57550cc96cc" xsi:nil="true"/>
+    <ContentItem xmlns="4873beb7-5857-4685-be1f-d57550cc96cc" xsi:nil="true"/>
+    <TPInstallLocation xmlns="4873beb7-5857-4685-be1f-d57550cc96cc" xsi:nil="true"/>
+    <PublishTargets xmlns="4873beb7-5857-4685-be1f-d57550cc96cc">OfficeOnlineVNext</PublishTargets>
+    <TimesCloned xmlns="4873beb7-5857-4685-be1f-d57550cc96cc" xsi:nil="true"/>
+    <AssetStart xmlns="4873beb7-5857-4685-be1f-d57550cc96cc">2011-11-26T00:30:00+00:00</AssetStart>
+    <Provider xmlns="4873beb7-5857-4685-be1f-d57550cc96cc" xsi:nil="true"/>
+    <AcquiredFrom xmlns="4873beb7-5857-4685-be1f-d57550cc96cc">Internal MS</AcquiredFrom>
+    <FriendlyTitle xmlns="4873beb7-5857-4685-be1f-d57550cc96cc" xsi:nil="true"/>
+    <LastHandOff xmlns="4873beb7-5857-4685-be1f-d57550cc96cc" xsi:nil="true"/>
+    <TPClientViewer xmlns="4873beb7-5857-4685-be1f-d57550cc96cc" xsi:nil="true"/>
+    <TemplateStatus xmlns="4873beb7-5857-4685-be1f-d57550cc96cc">Complete</TemplateStatus>
+    <Downloads xmlns="4873beb7-5857-4685-be1f-d57550cc96cc">0</Downloads>
+    <OOCacheId xmlns="4873beb7-5857-4685-be1f-d57550cc96cc" xsi:nil="true"/>
+    <IsDeleted xmlns="4873beb7-5857-4685-be1f-d57550cc96cc">false</IsDeleted>
+    <LocPublishedDependentAssetsLookup xmlns="4873beb7-5857-4685-be1f-d57550cc96cc" xsi:nil="true"/>
+    <TPExecutable xmlns="4873beb7-5857-4685-be1f-d57550cc96cc" xsi:nil="true"/>
+    <EditorialTags xmlns="4873beb7-5857-4685-be1f-d57550cc96cc" xsi:nil="true"/>
+    <SubmitterId xmlns="4873beb7-5857-4685-be1f-d57550cc96cc" xsi:nil="true"/>
+    <ApprovalLog xmlns="4873beb7-5857-4685-be1f-d57550cc96cc" xsi:nil="true"/>
+    <AssetType xmlns="4873beb7-5857-4685-be1f-d57550cc96cc">TP</AssetType>
+    <BugNumber xmlns="4873beb7-5857-4685-be1f-d57550cc96cc" xsi:nil="true"/>
+    <CSXSubmissionDate xmlns="4873beb7-5857-4685-be1f-d57550cc96cc" xsi:nil="true"/>
+    <CSXUpdate xmlns="4873beb7-5857-4685-be1f-d57550cc96cc">false</CSXUpdate>
+    <Milestone xmlns="4873beb7-5857-4685-be1f-d57550cc96cc" xsi:nil="true"/>
+    <RecommendationsModifier xmlns="4873beb7-5857-4685-be1f-d57550cc96cc" xsi:nil="true"/>
+    <OriginAsset xmlns="4873beb7-5857-4685-be1f-d57550cc96cc" xsi:nil="true"/>
+    <TPComponent xmlns="4873beb7-5857-4685-be1f-d57550cc96cc" xsi:nil="true"/>
+    <AssetId xmlns="4873beb7-5857-4685-be1f-d57550cc96cc">TP102787989</AssetId>
+    <IntlLocPriority xmlns="4873beb7-5857-4685-be1f-d57550cc96cc" xsi:nil="true"/>
+    <PolicheckWords xmlns="4873beb7-5857-4685-be1f-d57550cc96cc" xsi:nil="true"/>
+    <TPLaunchHelpLink xmlns="4873beb7-5857-4685-be1f-d57550cc96cc" xsi:nil="true"/>
+    <TPApplication xmlns="4873beb7-5857-4685-be1f-d57550cc96cc" xsi:nil="true"/>
+    <CrawlForDependencies xmlns="4873beb7-5857-4685-be1f-d57550cc96cc">false</CrawlForDependencies>
+    <HandoffToMSDN xmlns="4873beb7-5857-4685-be1f-d57550cc96cc" xsi:nil="true"/>
+    <PlannedPubDate xmlns="4873beb7-5857-4685-be1f-d57550cc96cc" xsi:nil="true"/>
+    <IntlLangReviewer xmlns="4873beb7-5857-4685-be1f-d57550cc96cc" xsi:nil="true"/>
+    <TrustLevel xmlns="4873beb7-5857-4685-be1f-d57550cc96cc">1 Microsoft Managed Content</TrustLevel>
+    <LocLastLocAttemptVersionLookup xmlns="4873beb7-5857-4685-be1f-d57550cc96cc">694266</LocLastLocAttemptVersionLookup>
+    <LocProcessedForHandoffsLookup xmlns="4873beb7-5857-4685-be1f-d57550cc96cc" xsi:nil="true"/>
+    <IsSearchable xmlns="4873beb7-5857-4685-be1f-d57550cc96cc">true</IsSearchable>
+    <TemplateTemplateType xmlns="4873beb7-5857-4685-be1f-d57550cc96cc">PowerPoint Presentation Template</TemplateTemplateType>
+    <CampaignTagsTaxHTField0 xmlns="4873beb7-5857-4685-be1f-d57550cc96cc">
+      <Terms xmlns="http://schemas.microsoft.com/office/infopath/2007/PartnerControls"/>
+    </CampaignTagsTaxHTField0>
+    <TPNamespace xmlns="4873beb7-5857-4685-be1f-d57550cc96cc" xsi:nil="true"/>
+    <LocOverallPreviewStatusLookup xmlns="4873beb7-5857-4685-be1f-d57550cc96cc" xsi:nil="true"/>
+    <TaxCatchAll xmlns="4873beb7-5857-4685-be1f-d57550cc96cc"/>
+    <Markets xmlns="4873beb7-5857-4685-be1f-d57550cc96cc"/>
+    <UAProjectedTotalWords xmlns="4873beb7-5857-4685-be1f-d57550cc96cc" xsi:nil="true"/>
+    <IntlLangReview xmlns="4873beb7-5857-4685-be1f-d57550cc96cc" xsi:nil="true"/>
+    <OutputCachingOn xmlns="4873beb7-5857-4685-be1f-d57550cc96cc">false</OutputCachingOn>
+    <AverageRating xmlns="4873beb7-5857-4685-be1f-d57550cc96cc" xsi:nil="true"/>
+    <APAuthor xmlns="4873beb7-5857-4685-be1f-d57550cc96cc">
+      <UserInfo>
+        <DisplayName>REDMOND\kristaa</DisplayName>
+        <AccountId>136</AccountId>
+        <AccountType/>
+      </UserInfo>
+    </APAuthor>
+    <LocManualTestRequired xmlns="4873beb7-5857-4685-be1f-d57550cc96cc">false</LocManualTestRequired>
+    <TPCommandLine xmlns="4873beb7-5857-4685-be1f-d57550cc96cc" xsi:nil="true"/>
+    <TPAppVersion xmlns="4873beb7-5857-4685-be1f-d57550cc96cc" xsi:nil="true"/>
+    <EditorialStatus xmlns="4873beb7-5857-4685-be1f-d57550cc96cc">Complete</EditorialStatus>
+    <LastModifiedDateTime xmlns="4873beb7-5857-4685-be1f-d57550cc96cc" xsi:nil="true"/>
+    <ScenarioTagsTaxHTField0 xmlns="4873beb7-5857-4685-be1f-d57550cc96cc">
+      <Terms xmlns="http://schemas.microsoft.com/office/infopath/2007/PartnerControls"/>
+    </ScenarioTagsTaxHTField0>
+    <LocProcessedForMarketsLookup xmlns="4873beb7-5857-4685-be1f-d57550cc96cc" xsi:nil="true"/>
+    <TPLaunchHelpLinkType xmlns="4873beb7-5857-4685-be1f-d57550cc96cc">Template</TPLaunchHelpLinkType>
+    <OriginalRelease xmlns="4873beb7-5857-4685-be1f-d57550cc96cc">15</OriginalRelease>
+    <LocalizationTagsTaxHTField0 xmlns="4873beb7-5857-4685-be1f-d57550cc96cc">
+      <Terms xmlns="http://schemas.microsoft.com/office/infopath/2007/PartnerControls"/>
+    </LocalizationTagsTaxHTField0>
+    <UACurrentWords xmlns="4873beb7-5857-4685-be1f-d57550cc96cc" xsi:nil="true"/>
+    <ArtSampleDocs xmlns="4873beb7-5857-4685-be1f-d57550cc96cc" xsi:nil="true"/>
+    <UALocRecommendation xmlns="4873beb7-5857-4685-be1f-d57550cc96cc">Localize</UALocRecommendation>
+    <Manager xmlns="4873beb7-5857-4685-be1f-d57550cc96cc" xsi:nil="true"/>
+    <LocOverallHandbackStatusLookup xmlns="4873beb7-5857-4685-be1f-d57550cc96cc" xsi:nil="true"/>
+    <ShowIn xmlns="4873beb7-5857-4685-be1f-d57550cc96cc">Show everywhere</ShowIn>
+    <UANotes xmlns="4873beb7-5857-4685-be1f-d57550cc96cc" xsi:nil="true"/>
+    <InternalTagsTaxHTField0 xmlns="4873beb7-5857-4685-be1f-d57550cc96cc">
+      <Terms xmlns="http://schemas.microsoft.com/office/infopath/2007/PartnerControls"/>
+    </InternalTagsTaxHTField0>
+    <CSXHash xmlns="4873beb7-5857-4685-be1f-d57550cc96cc" xsi:nil="true"/>
+    <VoteCount xmlns="4873beb7-5857-4685-be1f-d57550cc96cc" xsi:nil="true"/>
+    <AssetExpire xmlns="4873beb7-5857-4685-be1f-d57550cc96cc">2029-05-12T07:00:00+00:00</AssetExpire>
+    <DSATActionTaken xmlns="4873beb7-5857-4685-be1f-d57550cc96cc" xsi:nil="true"/>
+    <CSXSubmissionMarket xmlns="4873beb7-5857-4685-be1f-d57550cc96cc" xsi:nil="true"/>
+    <LocMarketGroupTiers2 xmlns="4873beb7-5857-4685-be1f-d57550cc96cc" xsi:nil="true"/>
+  </documentManagement>
+</p:properties>
+</file>
+
+<file path=customXml/item3.xml><?xml version="1.0" encoding="utf-8"?>
+<?mso-contentType ?>
+<FormTemplates xmlns="http://schemas.microsoft.com/sharepoint/v3/contenttype/forms">
+  <Display>DocumentLibraryForm</Display>
+  <Edit>AssetEditForm</Edit>
+  <New>DocumentLibraryForm</New>
+</FormTemplates>
+</file>
+
 <file path=customXml/itemProps1.xml><?xml version="1.0" encoding="utf-8"?>
-<ds:datastoreItem xmlns:ds="http://schemas.openxmlformats.org/officeDocument/2006/customXml" ds:itemID="{3836F65B-1B07-41EE-A0E8-BC6EF3855225}">
+<ds:datastoreItem xmlns:ds="http://schemas.openxmlformats.org/officeDocument/2006/customXml" ds:itemID="{A09BF4D4-EF60-4196-BFC3-9462D607978C}">
   <ds:schemaRefs>
-    <ds:schemaRef ds:uri="http://schemas.microsoft.com/sharepoint/v3/contenttype/forms"/>
+    <ds:schemaRef ds:uri="http://schemas.microsoft.com/office/2006/metadata/contentType"/>
+    <ds:schemaRef ds:uri="http://schemas.microsoft.com/office/2006/metadata/properties/metaAttributes"/>
+    <ds:schemaRef ds:uri="http://www.w3.org/2001/XMLSchema"/>
+    <ds:schemaRef ds:uri="http://schemas.microsoft.com/office/2006/metadata/properties"/>
+    <ds:schemaRef ds:uri="4873beb7-5857-4685-be1f-d57550cc96cc"/>
+    <ds:schemaRef ds:uri="http://schemas.microsoft.com/office/2006/documentManagement/types"/>
+    <ds:schemaRef ds:uri="http://schemas.microsoft.com/office/infopath/2007/PartnerControls"/>
+    <ds:schemaRef ds:uri="http://schemas.openxmlformats.org/package/2006/metadata/core-properties"/>
+    <ds:schemaRef ds:uri="http://purl.org/dc/elements/1.1/"/>
+    <ds:schemaRef ds:uri="http://purl.org/dc/terms/"/>
+    <ds:schemaRef ds:uri="http://schemas.microsoft.com/internal/obd"/>
   </ds:schemaRefs>
 </ds:datastoreItem>
 </file>
@@ -14692,19 +14851,9 @@
 </file>
 
 <file path=customXml/itemProps3.xml><?xml version="1.0" encoding="utf-8"?>
-<ds:datastoreItem xmlns:ds="http://schemas.openxmlformats.org/officeDocument/2006/customXml" ds:itemID="{A09BF4D4-EF60-4196-BFC3-9462D607978C}">
+<ds:datastoreItem xmlns:ds="http://schemas.openxmlformats.org/officeDocument/2006/customXml" ds:itemID="{3836F65B-1B07-41EE-A0E8-BC6EF3855225}">
   <ds:schemaRefs>
-    <ds:schemaRef ds:uri="http://schemas.microsoft.com/office/2006/metadata/contentType"/>
-    <ds:schemaRef ds:uri="http://schemas.microsoft.com/office/2006/metadata/properties/metaAttributes"/>
-    <ds:schemaRef ds:uri="http://www.w3.org/2001/XMLSchema"/>
-    <ds:schemaRef ds:uri="http://schemas.microsoft.com/office/2006/metadata/properties"/>
-    <ds:schemaRef ds:uri="4873beb7-5857-4685-be1f-d57550cc96cc"/>
-    <ds:schemaRef ds:uri="http://schemas.microsoft.com/office/2006/documentManagement/types"/>
-    <ds:schemaRef ds:uri="http://schemas.microsoft.com/office/infopath/2007/PartnerControls"/>
-    <ds:schemaRef ds:uri="http://schemas.openxmlformats.org/package/2006/metadata/core-properties"/>
-    <ds:schemaRef ds:uri="http://purl.org/dc/elements/1.1/"/>
-    <ds:schemaRef ds:uri="http://purl.org/dc/terms/"/>
-    <ds:schemaRef ds:uri="http://schemas.microsoft.com/internal/obd"/>
+    <ds:schemaRef ds:uri="http://schemas.microsoft.com/sharepoint/v3/contenttype/forms"/>
   </ds:schemaRefs>
 </ds:datastoreItem>
 </file>
--- a/チュートリアルなど.pptx
+++ b/チュートリアルなど.pptx
@@ -5,10 +5,10 @@
     <p:sldMasterId id="2147483660" r:id="rId4"/>
   </p:sldMasterIdLst>
   <p:notesMasterIdLst>
-    <p:notesMasterId r:id="rId34"/>
+    <p:notesMasterId r:id="rId35"/>
   </p:notesMasterIdLst>
   <p:handoutMasterIdLst>
-    <p:handoutMasterId r:id="rId35"/>
+    <p:handoutMasterId r:id="rId36"/>
   </p:handoutMasterIdLst>
   <p:sldIdLst>
     <p:sldId id="257" r:id="rId5"/>
@@ -26,20 +26,21 @@
     <p:sldId id="279" r:id="rId17"/>
     <p:sldId id="281" r:id="rId18"/>
     <p:sldId id="283" r:id="rId19"/>
-    <p:sldId id="288" r:id="rId20"/>
-    <p:sldId id="289" r:id="rId21"/>
-    <p:sldId id="286" r:id="rId22"/>
-    <p:sldId id="287" r:id="rId23"/>
-    <p:sldId id="299" r:id="rId24"/>
-    <p:sldId id="290" r:id="rId25"/>
-    <p:sldId id="291" r:id="rId26"/>
-    <p:sldId id="292" r:id="rId27"/>
-    <p:sldId id="293" r:id="rId28"/>
-    <p:sldId id="294" r:id="rId29"/>
-    <p:sldId id="295" r:id="rId30"/>
-    <p:sldId id="296" r:id="rId31"/>
-    <p:sldId id="297" r:id="rId32"/>
-    <p:sldId id="298" r:id="rId33"/>
+    <p:sldId id="300" r:id="rId20"/>
+    <p:sldId id="288" r:id="rId21"/>
+    <p:sldId id="289" r:id="rId22"/>
+    <p:sldId id="286" r:id="rId23"/>
+    <p:sldId id="287" r:id="rId24"/>
+    <p:sldId id="299" r:id="rId25"/>
+    <p:sldId id="290" r:id="rId26"/>
+    <p:sldId id="291" r:id="rId27"/>
+    <p:sldId id="292" r:id="rId28"/>
+    <p:sldId id="293" r:id="rId29"/>
+    <p:sldId id="294" r:id="rId30"/>
+    <p:sldId id="295" r:id="rId31"/>
+    <p:sldId id="296" r:id="rId32"/>
+    <p:sldId id="297" r:id="rId33"/>
+    <p:sldId id="298" r:id="rId34"/>
   </p:sldIdLst>
   <p:sldSz cx="12188825" cy="6858000"/>
   <p:notesSz cx="6858000" cy="9144000"/>
@@ -166,6 +167,7 @@
             <p14:sldId id="279"/>
             <p14:sldId id="281"/>
             <p14:sldId id="283"/>
+            <p14:sldId id="300"/>
           </p14:sldIdLst>
         </p14:section>
         <p14:section name="開発" id="{9A06E40E-7676-4F19-9961-1C4982164B16}">
@@ -973,7 +975,7 @@
             <a:fld id="{3EBA5BD7-F043-4D1B-AA17-CD412FC534DE}" type="slidenum">
               <a:rPr lang="en-US" altLang="ja-JP" smtClean="0"/>
               <a:pPr/>
-              <a:t>18</a:t>
+              <a:t>19</a:t>
             </a:fld>
             <a:endParaRPr lang="en-US" altLang="ja-JP" dirty="0"/>
           </a:p>
@@ -1058,7 +1060,7 @@
             <a:fld id="{3EBA5BD7-F043-4D1B-AA17-CD412FC534DE}" type="slidenum">
               <a:rPr lang="en-US" altLang="ja-JP" smtClean="0"/>
               <a:pPr/>
-              <a:t>19</a:t>
+              <a:t>20</a:t>
             </a:fld>
             <a:endParaRPr lang="en-US" altLang="ja-JP" dirty="0"/>
           </a:p>
@@ -1068,6 +1070,91 @@
     <p:extLst>
       <p:ext uri="{BB962C8B-B14F-4D97-AF65-F5344CB8AC3E}">
         <p14:creationId xmlns:p14="http://schemas.microsoft.com/office/powerpoint/2010/main" val="3483811893"/>
+      </p:ext>
+    </p:extLst>
+  </p:cSld>
+  <p:clrMapOvr>
+    <a:masterClrMapping/>
+  </p:clrMapOvr>
+</p:notes>
+</file>
+
+<file path=ppt/notesSlides/notesSlide12.xml><?xml version="1.0" encoding="utf-8"?>
+<p:notes xmlns:a="http://schemas.openxmlformats.org/drawingml/2006/main" xmlns:r="http://schemas.openxmlformats.org/officeDocument/2006/relationships" xmlns:p="http://schemas.openxmlformats.org/presentationml/2006/main">
+  <p:cSld>
+    <p:spTree>
+      <p:nvGrpSpPr>
+        <p:cNvPr id="1" name=""/>
+        <p:cNvGrpSpPr/>
+        <p:nvPr/>
+      </p:nvGrpSpPr>
+      <p:grpSpPr>
+        <a:xfrm>
+          <a:off x="0" y="0"/>
+          <a:ext cx="0" cy="0"/>
+          <a:chOff x="0" y="0"/>
+          <a:chExt cx="0" cy="0"/>
+        </a:xfrm>
+      </p:grpSpPr>
+      <p:sp>
+        <p:nvSpPr>
+          <p:cNvPr id="2" name="スライド イメージ プレースホルダー 1"/>
+          <p:cNvSpPr>
+            <a:spLocks noGrp="1" noRot="1" noChangeAspect="1"/>
+          </p:cNvSpPr>
+          <p:nvPr>
+            <p:ph type="sldImg"/>
+          </p:nvPr>
+        </p:nvSpPr>
+        <p:spPr/>
+      </p:sp>
+      <p:sp>
+        <p:nvSpPr>
+          <p:cNvPr id="3" name="ノート プレースホルダー 2"/>
+          <p:cNvSpPr>
+            <a:spLocks noGrp="1"/>
+          </p:cNvSpPr>
+          <p:nvPr>
+            <p:ph type="body" idx="1"/>
+          </p:nvPr>
+        </p:nvSpPr>
+        <p:spPr/>
+        <p:txBody>
+          <a:bodyPr/>
+          <a:lstStyle/>
+          <a:p>
+            <a:endParaRPr kumimoji="1" lang="ja-JP" altLang="en-US" dirty="0"/>
+          </a:p>
+        </p:txBody>
+      </p:sp>
+      <p:sp>
+        <p:nvSpPr>
+          <p:cNvPr id="4" name="スライド番号プレースホルダー 3"/>
+          <p:cNvSpPr>
+            <a:spLocks noGrp="1"/>
+          </p:cNvSpPr>
+          <p:nvPr>
+            <p:ph type="sldNum" sz="quarter" idx="10"/>
+          </p:nvPr>
+        </p:nvSpPr>
+        <p:spPr/>
+        <p:txBody>
+          <a:bodyPr/>
+          <a:lstStyle/>
+          <a:p>
+            <a:fld id="{3EBA5BD7-F043-4D1B-AA17-CD412FC534DE}" type="slidenum">
+              <a:rPr lang="en-US" altLang="ja-JP" smtClean="0"/>
+              <a:pPr/>
+              <a:t>30</a:t>
+            </a:fld>
+            <a:endParaRPr lang="en-US" altLang="ja-JP" dirty="0"/>
+          </a:p>
+        </p:txBody>
+      </p:sp>
+    </p:spTree>
+    <p:extLst>
+      <p:ext uri="{BB962C8B-B14F-4D97-AF65-F5344CB8AC3E}">
+        <p14:creationId xmlns:p14="http://schemas.microsoft.com/office/powerpoint/2010/main" val="891740967"/>
       </p:ext>
     </p:extLst>
   </p:cSld>
@@ -9311,7 +9398,7 @@
           <p:cNvPr id="2" name="タイトル 1">
             <a:extLst>
               <a:ext uri="{FF2B5EF4-FFF2-40B4-BE49-F238E27FC236}">
-                <a16:creationId xmlns:a16="http://schemas.microsoft.com/office/drawing/2014/main" id="{537B21BA-0253-494C-A659-518295496897}"/>
+                <a16:creationId xmlns:a16="http://schemas.microsoft.com/office/drawing/2014/main" id="{96377F9D-D28F-444D-94E2-ADF5E78F6C0D}"/>
               </a:ext>
             </a:extLst>
           </p:cNvPr>
@@ -9328,44 +9415,185 @@
           <a:lstStyle/>
           <a:p>
             <a:r>
+              <a:rPr lang="ja-JP" altLang="en-US" dirty="0"/>
+              <a:t>事前に</a:t>
+            </a:r>
+            <a:r>
+              <a:rPr kumimoji="1" lang="en-US" altLang="ja-JP" dirty="0"/>
+              <a:t>Blob</a:t>
+            </a:r>
+            <a:r>
               <a:rPr kumimoji="1" lang="ja-JP" altLang="en-US" dirty="0"/>
-              <a:t>開発</a:t>
-            </a:r>
-          </a:p>
-        </p:txBody>
-      </p:sp>
-      <p:sp>
-        <p:nvSpPr>
-          <p:cNvPr id="3" name="テキスト プレースホルダー 2">
+              <a:t>コンテナを用意をする</a:t>
+            </a:r>
+          </a:p>
+        </p:txBody>
+      </p:sp>
+      <p:pic>
+        <p:nvPicPr>
+          <p:cNvPr id="4" name="コンテンツ プレースホルダー 3">
             <a:extLst>
               <a:ext uri="{FF2B5EF4-FFF2-40B4-BE49-F238E27FC236}">
-                <a16:creationId xmlns:a16="http://schemas.microsoft.com/office/drawing/2014/main" id="{1082C3B4-4187-437B-AE9D-A358A61FE983}"/>
+                <a16:creationId xmlns:a16="http://schemas.microsoft.com/office/drawing/2014/main" id="{A2C04E8F-23E2-472F-9840-DF11DD882C17}"/>
               </a:ext>
             </a:extLst>
           </p:cNvPr>
-          <p:cNvSpPr>
-            <a:spLocks noGrp="1"/>
-          </p:cNvSpPr>
-          <p:nvPr>
-            <p:ph type="body" idx="1"/>
-          </p:nvPr>
-        </p:nvSpPr>
-        <p:spPr/>
-        <p:txBody>
-          <a:bodyPr/>
+          <p:cNvPicPr>
+            <a:picLocks noGrp="1" noChangeAspect="1"/>
+          </p:cNvPicPr>
+          <p:nvPr>
+            <p:ph idx="1"/>
+          </p:nvPr>
+        </p:nvPicPr>
+        <p:blipFill>
+          <a:blip r:embed="rId2"/>
+          <a:stretch>
+            <a:fillRect/>
+          </a:stretch>
+        </p:blipFill>
+        <p:spPr>
+          <a:xfrm>
+            <a:off x="1341884" y="1801713"/>
+            <a:ext cx="4829175" cy="3962400"/>
+          </a:xfrm>
+          <a:prstGeom prst="rect">
+            <a:avLst/>
+          </a:prstGeom>
+        </p:spPr>
+      </p:pic>
+      <p:pic>
+        <p:nvPicPr>
+          <p:cNvPr id="5" name="図 4">
+            <a:extLst>
+              <a:ext uri="{FF2B5EF4-FFF2-40B4-BE49-F238E27FC236}">
+                <a16:creationId xmlns:a16="http://schemas.microsoft.com/office/drawing/2014/main" id="{DCBBEC8C-8193-449D-8AE5-D8465A41C599}"/>
+              </a:ext>
+            </a:extLst>
+          </p:cNvPr>
+          <p:cNvPicPr>
+            <a:picLocks noChangeAspect="1"/>
+          </p:cNvPicPr>
+          <p:nvPr/>
+        </p:nvPicPr>
+        <p:blipFill>
+          <a:blip r:embed="rId3"/>
+          <a:stretch>
+            <a:fillRect/>
+          </a:stretch>
+        </p:blipFill>
+        <p:spPr>
+          <a:xfrm>
+            <a:off x="7030516" y="1801713"/>
+            <a:ext cx="3343275" cy="4219575"/>
+          </a:xfrm>
+          <a:prstGeom prst="rect">
+            <a:avLst/>
+          </a:prstGeom>
+        </p:spPr>
+      </p:pic>
+      <p:sp>
+        <p:nvSpPr>
+          <p:cNvPr id="6" name="テキスト ボックス 5">
+            <a:extLst>
+              <a:ext uri="{FF2B5EF4-FFF2-40B4-BE49-F238E27FC236}">
+                <a16:creationId xmlns:a16="http://schemas.microsoft.com/office/drawing/2014/main" id="{D4049FD4-5571-493E-9A6E-D14C0D5D0409}"/>
+              </a:ext>
+            </a:extLst>
+          </p:cNvPr>
+          <p:cNvSpPr txBox="1"/>
+          <p:nvPr/>
+        </p:nvSpPr>
+        <p:spPr>
+          <a:xfrm>
+            <a:off x="7390556" y="4759247"/>
+            <a:ext cx="3672408" cy="338554"/>
+          </a:xfrm>
+          <a:prstGeom prst="rect">
+            <a:avLst/>
+          </a:prstGeom>
+          <a:solidFill>
+            <a:schemeClr val="tx1"/>
+          </a:solidFill>
+        </p:spPr>
+        <p:txBody>
+          <a:bodyPr wrap="square" rtlCol="0">
+            <a:spAutoFit/>
+          </a:bodyPr>
           <a:lstStyle/>
           <a:p>
             <a:r>
-              <a:rPr kumimoji="1" lang="ja-JP" altLang="en-US" dirty="0"/>
-              <a:t>余分なことは考えずにさっくり作る</a:t>
-            </a:r>
-          </a:p>
-        </p:txBody>
-      </p:sp>
+              <a:rPr kumimoji="1" lang="ja-JP" altLang="en-US" sz="1600" dirty="0">
+                <a:solidFill>
+                  <a:schemeClr val="bg1"/>
+                </a:solidFill>
+              </a:rPr>
+              <a:t>「</a:t>
+            </a:r>
+            <a:r>
+              <a:rPr kumimoji="1" lang="en-US" altLang="ja-JP" sz="1600" dirty="0" err="1">
+                <a:solidFill>
+                  <a:schemeClr val="bg1"/>
+                </a:solidFill>
+              </a:rPr>
+              <a:t>storageuwp</a:t>
+            </a:r>
+            <a:r>
+              <a:rPr kumimoji="1" lang="ja-JP" altLang="en-US" sz="1600" dirty="0">
+                <a:solidFill>
+                  <a:schemeClr val="bg1"/>
+                </a:solidFill>
+              </a:rPr>
+              <a:t>」と設定してください</a:t>
+            </a:r>
+          </a:p>
+        </p:txBody>
+      </p:sp>
+      <p:cxnSp>
+        <p:nvCxnSpPr>
+          <p:cNvPr id="8" name="直線矢印コネクタ 7">
+            <a:extLst>
+              <a:ext uri="{FF2B5EF4-FFF2-40B4-BE49-F238E27FC236}">
+                <a16:creationId xmlns:a16="http://schemas.microsoft.com/office/drawing/2014/main" id="{DC46807C-A19C-42AC-B184-72F9AFE2C1CE}"/>
+              </a:ext>
+            </a:extLst>
+          </p:cNvPr>
+          <p:cNvCxnSpPr/>
+          <p:nvPr/>
+        </p:nvCxnSpPr>
+        <p:spPr>
+          <a:xfrm>
+            <a:off x="6094412" y="4566303"/>
+            <a:ext cx="1368152" cy="0"/>
+          </a:xfrm>
+          <a:prstGeom prst="straightConnector1">
+            <a:avLst/>
+          </a:prstGeom>
+          <a:ln w="34925">
+            <a:solidFill>
+              <a:schemeClr val="accent2"/>
+            </a:solidFill>
+            <a:tailEnd type="triangle"/>
+          </a:ln>
+        </p:spPr>
+        <p:style>
+          <a:lnRef idx="1">
+            <a:schemeClr val="accent1"/>
+          </a:lnRef>
+          <a:fillRef idx="0">
+            <a:schemeClr val="accent1"/>
+          </a:fillRef>
+          <a:effectRef idx="0">
+            <a:schemeClr val="accent1"/>
+          </a:effectRef>
+          <a:fontRef idx="minor">
+            <a:schemeClr val="tx1"/>
+          </a:fontRef>
+        </p:style>
+      </p:cxnSp>
     </p:spTree>
     <p:extLst>
       <p:ext uri="{BB962C8B-B14F-4D97-AF65-F5344CB8AC3E}">
-        <p14:creationId xmlns:p14="http://schemas.microsoft.com/office/powerpoint/2010/main" val="3913127886"/>
+        <p14:creationId xmlns:p14="http://schemas.microsoft.com/office/powerpoint/2010/main" val="3107582211"/>
       </p:ext>
     </p:extLst>
   </p:cSld>
@@ -9409,6 +9637,104 @@
           <p:cNvPr id="2" name="タイトル 1">
             <a:extLst>
               <a:ext uri="{FF2B5EF4-FFF2-40B4-BE49-F238E27FC236}">
+                <a16:creationId xmlns:a16="http://schemas.microsoft.com/office/drawing/2014/main" id="{537B21BA-0253-494C-A659-518295496897}"/>
+              </a:ext>
+            </a:extLst>
+          </p:cNvPr>
+          <p:cNvSpPr>
+            <a:spLocks noGrp="1"/>
+          </p:cNvSpPr>
+          <p:nvPr>
+            <p:ph type="title"/>
+          </p:nvPr>
+        </p:nvSpPr>
+        <p:spPr/>
+        <p:txBody>
+          <a:bodyPr/>
+          <a:lstStyle/>
+          <a:p>
+            <a:r>
+              <a:rPr kumimoji="1" lang="ja-JP" altLang="en-US" dirty="0"/>
+              <a:t>開発</a:t>
+            </a:r>
+          </a:p>
+        </p:txBody>
+      </p:sp>
+      <p:sp>
+        <p:nvSpPr>
+          <p:cNvPr id="3" name="テキスト プレースホルダー 2">
+            <a:extLst>
+              <a:ext uri="{FF2B5EF4-FFF2-40B4-BE49-F238E27FC236}">
+                <a16:creationId xmlns:a16="http://schemas.microsoft.com/office/drawing/2014/main" id="{1082C3B4-4187-437B-AE9D-A358A61FE983}"/>
+              </a:ext>
+            </a:extLst>
+          </p:cNvPr>
+          <p:cNvSpPr>
+            <a:spLocks noGrp="1"/>
+          </p:cNvSpPr>
+          <p:nvPr>
+            <p:ph type="body" idx="1"/>
+          </p:nvPr>
+        </p:nvSpPr>
+        <p:spPr/>
+        <p:txBody>
+          <a:bodyPr/>
+          <a:lstStyle/>
+          <a:p>
+            <a:r>
+              <a:rPr kumimoji="1" lang="ja-JP" altLang="en-US" dirty="0"/>
+              <a:t>余分なことは考えずにさっくり作る</a:t>
+            </a:r>
+          </a:p>
+        </p:txBody>
+      </p:sp>
+    </p:spTree>
+    <p:extLst>
+      <p:ext uri="{BB962C8B-B14F-4D97-AF65-F5344CB8AC3E}">
+        <p14:creationId xmlns:p14="http://schemas.microsoft.com/office/powerpoint/2010/main" val="3913127886"/>
+      </p:ext>
+    </p:extLst>
+  </p:cSld>
+  <p:clrMapOvr>
+    <a:masterClrMapping/>
+  </p:clrMapOvr>
+  <mc:AlternateContent xmlns:mc="http://schemas.openxmlformats.org/markup-compatibility/2006" xmlns:p14="http://schemas.microsoft.com/office/powerpoint/2010/main">
+    <mc:Choice Requires="p14">
+      <p:transition spd="med" p14:dur="700">
+        <p:fade/>
+      </p:transition>
+    </mc:Choice>
+    <mc:Fallback xmlns="">
+      <p:transition spd="med">
+        <p:fade/>
+      </p:transition>
+    </mc:Fallback>
+  </mc:AlternateContent>
+</p:sld>
+</file>
+
+<file path=ppt/slides/slide18.xml><?xml version="1.0" encoding="utf-8"?>
+<p:sld xmlns:a="http://schemas.openxmlformats.org/drawingml/2006/main" xmlns:r="http://schemas.openxmlformats.org/officeDocument/2006/relationships" xmlns:p="http://schemas.openxmlformats.org/presentationml/2006/main">
+  <p:cSld>
+    <p:spTree>
+      <p:nvGrpSpPr>
+        <p:cNvPr id="1" name=""/>
+        <p:cNvGrpSpPr/>
+        <p:nvPr/>
+      </p:nvGrpSpPr>
+      <p:grpSpPr>
+        <a:xfrm>
+          <a:off x="0" y="0"/>
+          <a:ext cx="0" cy="0"/>
+          <a:chOff x="0" y="0"/>
+          <a:chExt cx="0" cy="0"/>
+        </a:xfrm>
+      </p:grpSpPr>
+      <p:sp>
+        <p:nvSpPr>
+          <p:cNvPr id="2" name="タイトル 1">
+            <a:extLst>
+              <a:ext uri="{FF2B5EF4-FFF2-40B4-BE49-F238E27FC236}">
                 <a16:creationId xmlns:a16="http://schemas.microsoft.com/office/drawing/2014/main" id="{C6AD1C6F-48B6-42A4-B39B-95E89B70118F}"/>
               </a:ext>
             </a:extLst>
@@ -9516,7 +9842,7 @@
 </p:sld>
 </file>
 
-<file path=ppt/slides/slide18.xml><?xml version="1.0" encoding="utf-8"?>
+<file path=ppt/slides/slide19.xml><?xml version="1.0" encoding="utf-8"?>
 <p:sld xmlns:a="http://schemas.openxmlformats.org/drawingml/2006/main" xmlns:r="http://schemas.openxmlformats.org/officeDocument/2006/relationships" xmlns:p="http://schemas.openxmlformats.org/presentationml/2006/main">
   <p:cSld>
     <p:spTree>
@@ -9778,7 +10104,232 @@
 </p:sld>
 </file>
 
-<file path=ppt/slides/slide19.xml><?xml version="1.0" encoding="utf-8"?>
+<file path=ppt/slides/slide2.xml><?xml version="1.0" encoding="utf-8"?>
+<p:sld xmlns:a="http://schemas.openxmlformats.org/drawingml/2006/main" xmlns:r="http://schemas.openxmlformats.org/officeDocument/2006/relationships" xmlns:p="http://schemas.openxmlformats.org/presentationml/2006/main">
+  <p:cSld>
+    <p:spTree>
+      <p:nvGrpSpPr>
+        <p:cNvPr id="1" name=""/>
+        <p:cNvGrpSpPr/>
+        <p:nvPr/>
+      </p:nvGrpSpPr>
+      <p:grpSpPr>
+        <a:xfrm>
+          <a:off x="0" y="0"/>
+          <a:ext cx="0" cy="0"/>
+          <a:chOff x="0" y="0"/>
+          <a:chExt cx="0" cy="0"/>
+        </a:xfrm>
+      </p:grpSpPr>
+      <p:sp>
+        <p:nvSpPr>
+          <p:cNvPr id="2" name="タイトル 1">
+            <a:extLst>
+              <a:ext uri="{FF2B5EF4-FFF2-40B4-BE49-F238E27FC236}">
+                <a16:creationId xmlns:a16="http://schemas.microsoft.com/office/drawing/2014/main" id="{D9B3CF5A-66FC-4E1C-8858-9291381B4812}"/>
+              </a:ext>
+            </a:extLst>
+          </p:cNvPr>
+          <p:cNvSpPr>
+            <a:spLocks noGrp="1"/>
+          </p:cNvSpPr>
+          <p:nvPr>
+            <p:ph type="title"/>
+          </p:nvPr>
+        </p:nvSpPr>
+        <p:spPr/>
+        <p:txBody>
+          <a:bodyPr/>
+          <a:lstStyle/>
+          <a:p>
+            <a:r>
+              <a:rPr kumimoji="1" lang="ja-JP" altLang="en-US" dirty="0"/>
+              <a:t>自己紹介</a:t>
+            </a:r>
+          </a:p>
+        </p:txBody>
+      </p:sp>
+      <p:sp>
+        <p:nvSpPr>
+          <p:cNvPr id="3" name="コンテンツ プレースホルダー 2">
+            <a:extLst>
+              <a:ext uri="{FF2B5EF4-FFF2-40B4-BE49-F238E27FC236}">
+                <a16:creationId xmlns:a16="http://schemas.microsoft.com/office/drawing/2014/main" id="{BF0E05E9-D007-4B4A-941D-147E73CF7AAF}"/>
+              </a:ext>
+            </a:extLst>
+          </p:cNvPr>
+          <p:cNvSpPr>
+            <a:spLocks noGrp="1"/>
+          </p:cNvSpPr>
+          <p:nvPr>
+            <p:ph idx="1"/>
+          </p:nvPr>
+        </p:nvSpPr>
+        <p:spPr/>
+        <p:txBody>
+          <a:bodyPr>
+            <a:normAutofit fontScale="92500" lnSpcReduction="20000"/>
+          </a:bodyPr>
+          <a:lstStyle/>
+          <a:p>
+            <a:r>
+              <a:rPr kumimoji="1" lang="ja-JP" altLang="en-US" dirty="0"/>
+              <a:t>佐々木　朋志（</a:t>
+            </a:r>
+            <a:r>
+              <a:rPr kumimoji="1" lang="en-US" altLang="ja-JP" dirty="0"/>
+              <a:t>SASA , </a:t>
+            </a:r>
+            <a:r>
+              <a:rPr lang="en-US" altLang="ja-JP" dirty="0" err="1"/>
+              <a:t>CryEarth</a:t>
+            </a:r>
+            <a:r>
+              <a:rPr lang="ja-JP" altLang="en-US" dirty="0"/>
+              <a:t>）</a:t>
+            </a:r>
+            <a:endParaRPr kumimoji="1" lang="en-US" altLang="ja-JP" dirty="0"/>
+          </a:p>
+          <a:p>
+            <a:r>
+              <a:rPr lang="en-US" altLang="ja-JP" dirty="0"/>
+              <a:t>Microsoft MVP Windows Development</a:t>
+            </a:r>
+            <a:r>
+              <a:rPr lang="ja-JP" altLang="en-US" dirty="0"/>
+              <a:t> </a:t>
+            </a:r>
+            <a:r>
+              <a:rPr lang="en-US" altLang="ja-JP" dirty="0"/>
+              <a:t>4</a:t>
+            </a:r>
+            <a:r>
+              <a:rPr lang="ja-JP" altLang="en-US" dirty="0"/>
+              <a:t>期目</a:t>
+            </a:r>
+            <a:endParaRPr lang="en-US" altLang="ja-JP" dirty="0"/>
+          </a:p>
+          <a:p>
+            <a:r>
+              <a:rPr lang="en-US" altLang="ja-JP" dirty="0"/>
+              <a:t>HP</a:t>
+            </a:r>
+            <a:r>
+              <a:rPr lang="ja-JP" altLang="en-US" dirty="0"/>
+              <a:t>：</a:t>
+            </a:r>
+            <a:r>
+              <a:rPr lang="en-US" altLang="ja-JP" dirty="0"/>
+              <a:t> http://zatsugaku.info/cryearth/</a:t>
+            </a:r>
+          </a:p>
+          <a:p>
+            <a:r>
+              <a:rPr kumimoji="1" lang="en-US" altLang="ja-JP" dirty="0"/>
+              <a:t>Twitter</a:t>
+            </a:r>
+            <a:r>
+              <a:rPr kumimoji="1" lang="ja-JP" altLang="en-US" dirty="0"/>
+              <a:t>：</a:t>
+            </a:r>
+            <a:r>
+              <a:rPr lang="en-US" altLang="ja-JP" dirty="0"/>
+              <a:t>@</a:t>
+            </a:r>
+            <a:r>
+              <a:rPr lang="en-US" altLang="ja-JP" dirty="0" err="1"/>
+              <a:t>CryEarth_Sasaki</a:t>
+            </a:r>
+            <a:endParaRPr lang="en-US" altLang="ja-JP" dirty="0"/>
+          </a:p>
+          <a:p>
+            <a:r>
+              <a:rPr kumimoji="1" lang="en-US" altLang="ja-JP" dirty="0" err="1"/>
+              <a:t>facebook</a:t>
+            </a:r>
+            <a:r>
+              <a:rPr kumimoji="1" lang="ja-JP" altLang="en-US" dirty="0"/>
+              <a:t>：</a:t>
+            </a:r>
+            <a:r>
+              <a:rPr lang="en-US" altLang="ja-JP" dirty="0"/>
+              <a:t> tomoyuki.sasaki.12</a:t>
+            </a:r>
+          </a:p>
+          <a:p>
+            <a:endParaRPr kumimoji="1" lang="en-US" altLang="ja-JP" dirty="0"/>
+          </a:p>
+          <a:p>
+            <a:r>
+              <a:rPr lang="ja-JP" altLang="en-US" dirty="0"/>
+              <a:t>所属：株式会社イメージア・ソリューション</a:t>
+            </a:r>
+            <a:endParaRPr lang="en-US" altLang="ja-JP" dirty="0"/>
+          </a:p>
+          <a:p>
+            <a:pPr marL="0" indent="0">
+              <a:buNone/>
+            </a:pPr>
+            <a:br>
+              <a:rPr lang="en-US" altLang="ja-JP" dirty="0"/>
+            </a:br>
+            <a:r>
+              <a:rPr lang="ja-JP" altLang="en-US" dirty="0"/>
+              <a:t>　</a:t>
+            </a:r>
+            <a:r>
+              <a:rPr lang="en-US" altLang="ja-JP" dirty="0">
+                <a:solidFill>
+                  <a:srgbClr val="0070C0"/>
+                </a:solidFill>
+              </a:rPr>
+              <a:t>※</a:t>
+            </a:r>
+            <a:r>
+              <a:rPr lang="ja-JP" altLang="en-US" dirty="0">
+                <a:solidFill>
+                  <a:srgbClr val="0070C0"/>
+                </a:solidFill>
+              </a:rPr>
+              <a:t>発言、発表内容は個人的なものであり、所属する団体、企業を代表するものではありません。</a:t>
+            </a:r>
+            <a:endParaRPr lang="en-US" altLang="ja-JP" dirty="0">
+              <a:solidFill>
+                <a:srgbClr val="0070C0"/>
+              </a:solidFill>
+            </a:endParaRPr>
+          </a:p>
+          <a:p>
+            <a:endParaRPr kumimoji="1" lang="ja-JP" altLang="en-US" dirty="0"/>
+          </a:p>
+        </p:txBody>
+      </p:sp>
+    </p:spTree>
+    <p:extLst>
+      <p:ext uri="{BB962C8B-B14F-4D97-AF65-F5344CB8AC3E}">
+        <p14:creationId xmlns:p14="http://schemas.microsoft.com/office/powerpoint/2010/main" val="3815284632"/>
+      </p:ext>
+    </p:extLst>
+  </p:cSld>
+  <p:clrMapOvr>
+    <a:masterClrMapping/>
+  </p:clrMapOvr>
+  <mc:AlternateContent xmlns:mc="http://schemas.openxmlformats.org/markup-compatibility/2006" xmlns:p14="http://schemas.microsoft.com/office/powerpoint/2010/main">
+    <mc:Choice Requires="p14">
+      <p:transition spd="med" p14:dur="700">
+        <p:fade/>
+      </p:transition>
+    </mc:Choice>
+    <mc:Fallback xmlns="">
+      <p:transition spd="med">
+        <p:fade/>
+      </p:transition>
+    </mc:Fallback>
+  </mc:AlternateContent>
+</p:sld>
+</file>
+
+<file path=ppt/slides/slide20.xml><?xml version="1.0" encoding="utf-8"?>
 <p:sld xmlns:a="http://schemas.openxmlformats.org/drawingml/2006/main" xmlns:r="http://schemas.openxmlformats.org/officeDocument/2006/relationships" xmlns:p="http://schemas.openxmlformats.org/presentationml/2006/main">
   <p:cSld>
     <p:spTree>
@@ -9880,461 +10431,6 @@
 </p:sld>
 </file>
 
-<file path=ppt/slides/slide2.xml><?xml version="1.0" encoding="utf-8"?>
-<p:sld xmlns:a="http://schemas.openxmlformats.org/drawingml/2006/main" xmlns:r="http://schemas.openxmlformats.org/officeDocument/2006/relationships" xmlns:p="http://schemas.openxmlformats.org/presentationml/2006/main">
-  <p:cSld>
-    <p:spTree>
-      <p:nvGrpSpPr>
-        <p:cNvPr id="1" name=""/>
-        <p:cNvGrpSpPr/>
-        <p:nvPr/>
-      </p:nvGrpSpPr>
-      <p:grpSpPr>
-        <a:xfrm>
-          <a:off x="0" y="0"/>
-          <a:ext cx="0" cy="0"/>
-          <a:chOff x="0" y="0"/>
-          <a:chExt cx="0" cy="0"/>
-        </a:xfrm>
-      </p:grpSpPr>
-      <p:sp>
-        <p:nvSpPr>
-          <p:cNvPr id="2" name="タイトル 1">
-            <a:extLst>
-              <a:ext uri="{FF2B5EF4-FFF2-40B4-BE49-F238E27FC236}">
-                <a16:creationId xmlns:a16="http://schemas.microsoft.com/office/drawing/2014/main" id="{D9B3CF5A-66FC-4E1C-8858-9291381B4812}"/>
-              </a:ext>
-            </a:extLst>
-          </p:cNvPr>
-          <p:cNvSpPr>
-            <a:spLocks noGrp="1"/>
-          </p:cNvSpPr>
-          <p:nvPr>
-            <p:ph type="title"/>
-          </p:nvPr>
-        </p:nvSpPr>
-        <p:spPr/>
-        <p:txBody>
-          <a:bodyPr/>
-          <a:lstStyle/>
-          <a:p>
-            <a:r>
-              <a:rPr kumimoji="1" lang="ja-JP" altLang="en-US" dirty="0"/>
-              <a:t>自己紹介</a:t>
-            </a:r>
-          </a:p>
-        </p:txBody>
-      </p:sp>
-      <p:sp>
-        <p:nvSpPr>
-          <p:cNvPr id="3" name="コンテンツ プレースホルダー 2">
-            <a:extLst>
-              <a:ext uri="{FF2B5EF4-FFF2-40B4-BE49-F238E27FC236}">
-                <a16:creationId xmlns:a16="http://schemas.microsoft.com/office/drawing/2014/main" id="{BF0E05E9-D007-4B4A-941D-147E73CF7AAF}"/>
-              </a:ext>
-            </a:extLst>
-          </p:cNvPr>
-          <p:cNvSpPr>
-            <a:spLocks noGrp="1"/>
-          </p:cNvSpPr>
-          <p:nvPr>
-            <p:ph idx="1"/>
-          </p:nvPr>
-        </p:nvSpPr>
-        <p:spPr/>
-        <p:txBody>
-          <a:bodyPr>
-            <a:normAutofit fontScale="92500" lnSpcReduction="20000"/>
-          </a:bodyPr>
-          <a:lstStyle/>
-          <a:p>
-            <a:r>
-              <a:rPr kumimoji="1" lang="ja-JP" altLang="en-US" dirty="0"/>
-              <a:t>佐々木　朋志（</a:t>
-            </a:r>
-            <a:r>
-              <a:rPr kumimoji="1" lang="en-US" altLang="ja-JP" dirty="0"/>
-              <a:t>SASA , </a:t>
-            </a:r>
-            <a:r>
-              <a:rPr lang="en-US" altLang="ja-JP" dirty="0" err="1"/>
-              <a:t>CryEarth</a:t>
-            </a:r>
-            <a:r>
-              <a:rPr lang="ja-JP" altLang="en-US" dirty="0"/>
-              <a:t>）</a:t>
-            </a:r>
-            <a:endParaRPr kumimoji="1" lang="en-US" altLang="ja-JP" dirty="0"/>
-          </a:p>
-          <a:p>
-            <a:r>
-              <a:rPr lang="en-US" altLang="ja-JP" dirty="0"/>
-              <a:t>Microsoft MVP Windows Development</a:t>
-            </a:r>
-            <a:r>
-              <a:rPr lang="ja-JP" altLang="en-US" dirty="0"/>
-              <a:t> </a:t>
-            </a:r>
-            <a:r>
-              <a:rPr lang="en-US" altLang="ja-JP" dirty="0"/>
-              <a:t>4</a:t>
-            </a:r>
-            <a:r>
-              <a:rPr lang="ja-JP" altLang="en-US" dirty="0"/>
-              <a:t>期目</a:t>
-            </a:r>
-            <a:endParaRPr lang="en-US" altLang="ja-JP" dirty="0"/>
-          </a:p>
-          <a:p>
-            <a:r>
-              <a:rPr lang="en-US" altLang="ja-JP" dirty="0"/>
-              <a:t>HP</a:t>
-            </a:r>
-            <a:r>
-              <a:rPr lang="ja-JP" altLang="en-US" dirty="0"/>
-              <a:t>：</a:t>
-            </a:r>
-            <a:r>
-              <a:rPr lang="en-US" altLang="ja-JP" dirty="0"/>
-              <a:t> http://zatsugaku.info/cryearth/</a:t>
-            </a:r>
-          </a:p>
-          <a:p>
-            <a:r>
-              <a:rPr kumimoji="1" lang="en-US" altLang="ja-JP" dirty="0"/>
-              <a:t>Twitter</a:t>
-            </a:r>
-            <a:r>
-              <a:rPr kumimoji="1" lang="ja-JP" altLang="en-US" dirty="0"/>
-              <a:t>：</a:t>
-            </a:r>
-            <a:r>
-              <a:rPr lang="en-US" altLang="ja-JP" dirty="0"/>
-              <a:t>@</a:t>
-            </a:r>
-            <a:r>
-              <a:rPr lang="en-US" altLang="ja-JP" dirty="0" err="1"/>
-              <a:t>CryEarth_Sasaki</a:t>
-            </a:r>
-            <a:endParaRPr lang="en-US" altLang="ja-JP" dirty="0"/>
-          </a:p>
-          <a:p>
-            <a:r>
-              <a:rPr kumimoji="1" lang="en-US" altLang="ja-JP" dirty="0" err="1"/>
-              <a:t>facebook</a:t>
-            </a:r>
-            <a:r>
-              <a:rPr kumimoji="1" lang="ja-JP" altLang="en-US" dirty="0"/>
-              <a:t>：</a:t>
-            </a:r>
-            <a:r>
-              <a:rPr lang="en-US" altLang="ja-JP" dirty="0"/>
-              <a:t> tomoyuki.sasaki.12</a:t>
-            </a:r>
-            <a:endParaRPr kumimoji="1" lang="en-US" altLang="ja-JP" dirty="0"/>
-          </a:p>
-          <a:p>
-            <a:pPr marL="0" indent="0">
-              <a:buNone/>
-            </a:pPr>
-            <a:endParaRPr kumimoji="1" lang="en-US" altLang="ja-JP" dirty="0"/>
-          </a:p>
-          <a:p>
-            <a:r>
-              <a:rPr lang="ja-JP" altLang="en-US" dirty="0"/>
-              <a:t>所属：株式会社イメージア・ソリューション</a:t>
-            </a:r>
-            <a:endParaRPr lang="en-US" altLang="ja-JP" dirty="0"/>
-          </a:p>
-          <a:p>
-            <a:pPr marL="0" indent="0">
-              <a:buNone/>
-            </a:pPr>
-            <a:br>
-              <a:rPr lang="en-US" altLang="ja-JP" dirty="0"/>
-            </a:br>
-            <a:r>
-              <a:rPr lang="ja-JP" altLang="en-US" dirty="0"/>
-              <a:t>　</a:t>
-            </a:r>
-            <a:r>
-              <a:rPr lang="en-US" altLang="ja-JP" dirty="0">
-                <a:solidFill>
-                  <a:srgbClr val="0070C0"/>
-                </a:solidFill>
-              </a:rPr>
-              <a:t>※</a:t>
-            </a:r>
-            <a:r>
-              <a:rPr lang="ja-JP" altLang="en-US" dirty="0">
-                <a:solidFill>
-                  <a:srgbClr val="0070C0"/>
-                </a:solidFill>
-              </a:rPr>
-              <a:t>発言、発表内容は個人的なものであり、所属する団体、企業を代表するものではありません。</a:t>
-            </a:r>
-            <a:endParaRPr lang="en-US" altLang="ja-JP" dirty="0">
-              <a:solidFill>
-                <a:srgbClr val="0070C0"/>
-              </a:solidFill>
-            </a:endParaRPr>
-          </a:p>
-          <a:p>
-            <a:endParaRPr kumimoji="1" lang="ja-JP" altLang="en-US" dirty="0"/>
-          </a:p>
-        </p:txBody>
-      </p:sp>
-    </p:spTree>
-    <p:extLst>
-      <p:ext uri="{BB962C8B-B14F-4D97-AF65-F5344CB8AC3E}">
-        <p14:creationId xmlns:p14="http://schemas.microsoft.com/office/powerpoint/2010/main" val="3815284632"/>
-      </p:ext>
-    </p:extLst>
-  </p:cSld>
-  <p:clrMapOvr>
-    <a:masterClrMapping/>
-  </p:clrMapOvr>
-  <mc:AlternateContent xmlns:mc="http://schemas.openxmlformats.org/markup-compatibility/2006" xmlns:p14="http://schemas.microsoft.com/office/powerpoint/2010/main">
-    <mc:Choice Requires="p14">
-      <p:transition spd="med" p14:dur="700">
-        <p:fade/>
-      </p:transition>
-    </mc:Choice>
-    <mc:Fallback xmlns="">
-      <p:transition spd="med">
-        <p:fade/>
-      </p:transition>
-    </mc:Fallback>
-  </mc:AlternateContent>
-</p:sld>
-</file>
-
-<file path=ppt/slides/slide20.xml><?xml version="1.0" encoding="utf-8"?>
-<p:sld xmlns:a="http://schemas.openxmlformats.org/drawingml/2006/main" xmlns:r="http://schemas.openxmlformats.org/officeDocument/2006/relationships" xmlns:p="http://schemas.openxmlformats.org/presentationml/2006/main">
-  <p:cSld>
-    <p:spTree>
-      <p:nvGrpSpPr>
-        <p:cNvPr id="1" name=""/>
-        <p:cNvGrpSpPr/>
-        <p:nvPr/>
-      </p:nvGrpSpPr>
-      <p:grpSpPr>
-        <a:xfrm>
-          <a:off x="0" y="0"/>
-          <a:ext cx="0" cy="0"/>
-          <a:chOff x="0" y="0"/>
-          <a:chExt cx="0" cy="0"/>
-        </a:xfrm>
-      </p:grpSpPr>
-      <p:sp>
-        <p:nvSpPr>
-          <p:cNvPr id="2" name="タイトル 1">
-            <a:extLst>
-              <a:ext uri="{FF2B5EF4-FFF2-40B4-BE49-F238E27FC236}">
-                <a16:creationId xmlns:a16="http://schemas.microsoft.com/office/drawing/2014/main" id="{C7BE633C-F425-4B20-9BF3-2A7D00A5DCEF}"/>
-              </a:ext>
-            </a:extLst>
-          </p:cNvPr>
-          <p:cNvSpPr>
-            <a:spLocks noGrp="1"/>
-          </p:cNvSpPr>
-          <p:nvPr>
-            <p:ph type="title"/>
-          </p:nvPr>
-        </p:nvSpPr>
-        <p:spPr/>
-        <p:txBody>
-          <a:bodyPr/>
-          <a:lstStyle/>
-          <a:p>
-            <a:r>
-              <a:rPr kumimoji="1" lang="en-US" altLang="ja-JP" dirty="0"/>
-              <a:t>Azure Blob Storage </a:t>
-            </a:r>
-            <a:r>
-              <a:rPr kumimoji="1" lang="ja-JP" altLang="en-US" dirty="0"/>
-              <a:t>クラスライブラリの作成</a:t>
-            </a:r>
-          </a:p>
-        </p:txBody>
-      </p:sp>
-      <p:sp>
-        <p:nvSpPr>
-          <p:cNvPr id="3" name="コンテンツ プレースホルダー 2">
-            <a:extLst>
-              <a:ext uri="{FF2B5EF4-FFF2-40B4-BE49-F238E27FC236}">
-                <a16:creationId xmlns:a16="http://schemas.microsoft.com/office/drawing/2014/main" id="{0566F08D-DEDA-4371-8889-5E81395020CD}"/>
-              </a:ext>
-            </a:extLst>
-          </p:cNvPr>
-          <p:cNvSpPr>
-            <a:spLocks noGrp="1"/>
-          </p:cNvSpPr>
-          <p:nvPr>
-            <p:ph idx="1"/>
-          </p:nvPr>
-        </p:nvSpPr>
-        <p:spPr/>
-        <p:txBody>
-          <a:bodyPr>
-            <a:normAutofit fontScale="92500"/>
-          </a:bodyPr>
-          <a:lstStyle/>
-          <a:p>
-            <a:r>
-              <a:rPr kumimoji="1" lang="ja-JP" altLang="en-US" dirty="0"/>
-              <a:t>クラスライブラリを追加</a:t>
-            </a:r>
-            <a:endParaRPr kumimoji="1" lang="en-US" altLang="ja-JP" dirty="0"/>
-          </a:p>
-          <a:p>
-            <a:pPr lvl="1"/>
-            <a:r>
-              <a:rPr kumimoji="1" lang="ja-JP" altLang="en-US" dirty="0"/>
-              <a:t>ソリューションを右クリックし、プロジェクトの追加＞クラスライブライ（ユニバーサル</a:t>
-            </a:r>
-            <a:r>
-              <a:rPr kumimoji="1" lang="en-US" altLang="ja-JP" dirty="0"/>
-              <a:t>Windows</a:t>
-            </a:r>
-            <a:r>
-              <a:rPr kumimoji="1" lang="ja-JP" altLang="en-US" dirty="0"/>
-              <a:t>）を追加</a:t>
-            </a:r>
-            <a:endParaRPr kumimoji="1" lang="en-US" altLang="ja-JP" dirty="0"/>
-          </a:p>
-          <a:p>
-            <a:r>
-              <a:rPr kumimoji="1" lang="en-US" altLang="ja-JP" dirty="0"/>
-              <a:t>NuGet</a:t>
-            </a:r>
-            <a:r>
-              <a:rPr kumimoji="1" lang="ja-JP" altLang="en-US" dirty="0"/>
-              <a:t>パッケージを追加</a:t>
-            </a:r>
-            <a:endParaRPr kumimoji="1" lang="en-US" altLang="ja-JP" dirty="0"/>
-          </a:p>
-          <a:p>
-            <a:pPr lvl="1"/>
-            <a:r>
-              <a:rPr lang="ja-JP" altLang="en-US" dirty="0"/>
-              <a:t>参照を右クリック＞</a:t>
-            </a:r>
-            <a:r>
-              <a:rPr lang="en-US" altLang="ja-JP" dirty="0"/>
-              <a:t>NuGet</a:t>
-            </a:r>
-            <a:r>
-              <a:rPr lang="ja-JP" altLang="en-US" dirty="0"/>
-              <a:t>パッケージの管理＞</a:t>
-            </a:r>
-            <a:r>
-              <a:rPr lang="en-US" altLang="ja-JP" dirty="0" err="1"/>
-              <a:t>WindowsAzure.Storage</a:t>
-            </a:r>
-            <a:r>
-              <a:rPr lang="ja-JP" altLang="en-US" dirty="0"/>
-              <a:t>を追加</a:t>
-            </a:r>
-            <a:endParaRPr lang="en-US" altLang="ja-JP" dirty="0"/>
-          </a:p>
-          <a:p>
-            <a:pPr lvl="2"/>
-            <a:r>
-              <a:rPr kumimoji="1" lang="ja-JP" altLang="en-US" dirty="0"/>
-              <a:t>この参照は本体プログラムにも必要</a:t>
-            </a:r>
-            <a:endParaRPr kumimoji="1" lang="en-US" altLang="ja-JP" dirty="0"/>
-          </a:p>
-          <a:p>
-            <a:r>
-              <a:rPr lang="en-US" altLang="ja-JP" dirty="0"/>
-              <a:t>Azure Blob Storage</a:t>
-            </a:r>
-            <a:r>
-              <a:rPr lang="ja-JP" altLang="en-US" dirty="0"/>
-              <a:t>操作関数群を作成</a:t>
-            </a:r>
-            <a:endParaRPr lang="en-US" altLang="ja-JP" dirty="0"/>
-          </a:p>
-          <a:p>
-            <a:pPr lvl="1"/>
-            <a:r>
-              <a:rPr kumimoji="1" lang="ja-JP" altLang="en-US" dirty="0"/>
-              <a:t>初期化や</a:t>
-            </a:r>
-            <a:r>
-              <a:rPr kumimoji="1" lang="en-US" altLang="ja-JP" dirty="0"/>
-              <a:t>List</a:t>
-            </a:r>
-            <a:r>
-              <a:rPr kumimoji="1" lang="ja-JP" altLang="en-US" dirty="0" err="1"/>
-              <a:t>、</a:t>
-            </a:r>
-            <a:r>
-              <a:rPr kumimoji="1" lang="en-US" altLang="ja-JP" dirty="0"/>
-              <a:t>Up</a:t>
-            </a:r>
-            <a:r>
-              <a:rPr kumimoji="1" lang="ja-JP" altLang="en-US" dirty="0" err="1"/>
-              <a:t>、</a:t>
-            </a:r>
-            <a:r>
-              <a:rPr kumimoji="1" lang="en-US" altLang="ja-JP" dirty="0"/>
-              <a:t>Down</a:t>
-            </a:r>
-            <a:r>
-              <a:rPr kumimoji="1" lang="ja-JP" altLang="en-US" dirty="0"/>
-              <a:t>を関数化しておきます</a:t>
-            </a:r>
-            <a:endParaRPr kumimoji="1" lang="en-US" altLang="ja-JP" dirty="0"/>
-          </a:p>
-          <a:p>
-            <a:r>
-              <a:rPr lang="ja-JP" altLang="en-US" dirty="0"/>
-              <a:t>本体プログラムからクラスライブラリを参照</a:t>
-            </a:r>
-            <a:endParaRPr lang="en-US" altLang="ja-JP" dirty="0"/>
-          </a:p>
-          <a:p>
-            <a:pPr lvl="1"/>
-            <a:r>
-              <a:rPr kumimoji="1" lang="ja-JP" altLang="en-US" dirty="0"/>
-              <a:t>本体プログラムの参照を右クリック＞</a:t>
-            </a:r>
-            <a:r>
-              <a:rPr lang="ja-JP" altLang="en-US" dirty="0"/>
-              <a:t>参照の追加＞プロジェクト＞クラスライブラリ</a:t>
-            </a:r>
-            <a:endParaRPr kumimoji="1" lang="ja-JP" altLang="en-US" dirty="0"/>
-          </a:p>
-        </p:txBody>
-      </p:sp>
-    </p:spTree>
-    <p:extLst>
-      <p:ext uri="{BB962C8B-B14F-4D97-AF65-F5344CB8AC3E}">
-        <p14:creationId xmlns:p14="http://schemas.microsoft.com/office/powerpoint/2010/main" val="3213134793"/>
-      </p:ext>
-    </p:extLst>
-  </p:cSld>
-  <p:clrMapOvr>
-    <a:masterClrMapping/>
-  </p:clrMapOvr>
-  <mc:AlternateContent xmlns:mc="http://schemas.openxmlformats.org/markup-compatibility/2006" xmlns:p14="http://schemas.microsoft.com/office/powerpoint/2010/main">
-    <mc:Choice Requires="p14">
-      <p:transition spd="med" p14:dur="700">
-        <p:fade/>
-      </p:transition>
-    </mc:Choice>
-    <mc:Fallback xmlns="">
-      <p:transition spd="med">
-        <p:fade/>
-      </p:transition>
-    </mc:Fallback>
-  </mc:AlternateContent>
-</p:sld>
-</file>
-
 <file path=ppt/slides/slide21.xml><?xml version="1.0" encoding="utf-8"?>
 <p:sld xmlns:a="http://schemas.openxmlformats.org/drawingml/2006/main" xmlns:r="http://schemas.openxmlformats.org/officeDocument/2006/relationships" xmlns:p="http://schemas.openxmlformats.org/presentationml/2006/main">
   <p:cSld>
@@ -10357,7 +10453,7 @@
           <p:cNvPr id="2" name="タイトル 1">
             <a:extLst>
               <a:ext uri="{FF2B5EF4-FFF2-40B4-BE49-F238E27FC236}">
-                <a16:creationId xmlns:a16="http://schemas.microsoft.com/office/drawing/2014/main" id="{A0CB4772-8113-4F7D-B452-3F083E85DC8A}"/>
+                <a16:creationId xmlns:a16="http://schemas.microsoft.com/office/drawing/2014/main" id="{C7BE633C-F425-4B20-9BF3-2A7D00A5DCEF}"/>
               </a:ext>
             </a:extLst>
           </p:cNvPr>
@@ -10374,10 +10470,13 @@
           <a:lstStyle/>
           <a:p>
             <a:r>
-              <a:rPr lang="ja-JP" altLang="en-US" dirty="0"/>
-              <a:t>機能を満たすための画面を作成する</a:t>
-            </a:r>
-            <a:endParaRPr kumimoji="1" lang="ja-JP" altLang="en-US" dirty="0"/>
+              <a:rPr kumimoji="1" lang="en-US" altLang="ja-JP" dirty="0"/>
+              <a:t>Azure Blob Storage </a:t>
+            </a:r>
+            <a:r>
+              <a:rPr kumimoji="1" lang="ja-JP" altLang="en-US" dirty="0"/>
+              <a:t>クラスライブラリの作成</a:t>
+            </a:r>
           </a:p>
         </p:txBody>
       </p:sp>
@@ -10386,7 +10485,7 @@
           <p:cNvPr id="3" name="コンテンツ プレースホルダー 2">
             <a:extLst>
               <a:ext uri="{FF2B5EF4-FFF2-40B4-BE49-F238E27FC236}">
-                <a16:creationId xmlns:a16="http://schemas.microsoft.com/office/drawing/2014/main" id="{ABA27857-98F6-474C-9E3B-2A47CF4CE7BD}"/>
+                <a16:creationId xmlns:a16="http://schemas.microsoft.com/office/drawing/2014/main" id="{0566F08D-DEDA-4371-8889-5E81395020CD}"/>
               </a:ext>
             </a:extLst>
           </p:cNvPr>
@@ -10399,17 +10498,144 @@
         </p:nvSpPr>
         <p:spPr/>
         <p:txBody>
-          <a:bodyPr/>
+          <a:bodyPr>
+            <a:normAutofit fontScale="92500"/>
+          </a:bodyPr>
           <a:lstStyle/>
           <a:p>
-            <a:endParaRPr kumimoji="1" lang="ja-JP" altLang="en-US"/>
+            <a:r>
+              <a:rPr kumimoji="1" lang="ja-JP" altLang="en-US" dirty="0"/>
+              <a:t>クラスライブラリを追加</a:t>
+            </a:r>
+            <a:endParaRPr kumimoji="1" lang="en-US" altLang="ja-JP" dirty="0"/>
+          </a:p>
+          <a:p>
+            <a:pPr lvl="1"/>
+            <a:r>
+              <a:rPr kumimoji="1" lang="ja-JP" altLang="en-US" dirty="0"/>
+              <a:t>ソリューションを右クリックし、プロジェクトの追加＞クラスライブライ（ユニバーサル</a:t>
+            </a:r>
+            <a:r>
+              <a:rPr kumimoji="1" lang="en-US" altLang="ja-JP" dirty="0"/>
+              <a:t>Windows</a:t>
+            </a:r>
+            <a:r>
+              <a:rPr kumimoji="1" lang="ja-JP" altLang="en-US" dirty="0"/>
+              <a:t>）を追加</a:t>
+            </a:r>
+            <a:endParaRPr kumimoji="1" lang="en-US" altLang="ja-JP" dirty="0"/>
+          </a:p>
+          <a:p>
+            <a:r>
+              <a:rPr kumimoji="1" lang="en-US" altLang="ja-JP" dirty="0"/>
+              <a:t>NuGet</a:t>
+            </a:r>
+            <a:r>
+              <a:rPr kumimoji="1" lang="ja-JP" altLang="en-US" dirty="0"/>
+              <a:t>パッケージを追加</a:t>
+            </a:r>
+            <a:endParaRPr kumimoji="1" lang="en-US" altLang="ja-JP" dirty="0"/>
+          </a:p>
+          <a:p>
+            <a:pPr lvl="1"/>
+            <a:r>
+              <a:rPr lang="ja-JP" altLang="en-US" dirty="0"/>
+              <a:t>参照を右クリック＞</a:t>
+            </a:r>
+            <a:r>
+              <a:rPr lang="en-US" altLang="ja-JP" dirty="0"/>
+              <a:t>NuGet</a:t>
+            </a:r>
+            <a:r>
+              <a:rPr lang="ja-JP" altLang="en-US" dirty="0"/>
+              <a:t>パッケージの管理＞</a:t>
+            </a:r>
+            <a:r>
+              <a:rPr lang="en-US" altLang="ja-JP" dirty="0" err="1"/>
+              <a:t>WindowsAzure.Storage</a:t>
+            </a:r>
+            <a:r>
+              <a:rPr lang="ja-JP" altLang="en-US" dirty="0"/>
+              <a:t>を追加</a:t>
+            </a:r>
+            <a:endParaRPr lang="en-US" altLang="ja-JP" dirty="0"/>
+          </a:p>
+          <a:p>
+            <a:pPr lvl="2"/>
+            <a:r>
+              <a:rPr kumimoji="1" lang="ja-JP" altLang="en-US" dirty="0"/>
+              <a:t>この参照は本体プログラムにも必要</a:t>
+            </a:r>
+            <a:endParaRPr kumimoji="1" lang="en-US" altLang="ja-JP" dirty="0"/>
+          </a:p>
+          <a:p>
+            <a:r>
+              <a:rPr lang="en-US" altLang="ja-JP" dirty="0"/>
+              <a:t>Azure Blob Storage</a:t>
+            </a:r>
+            <a:r>
+              <a:rPr lang="ja-JP" altLang="en-US" dirty="0"/>
+              <a:t>操作関数群を作成</a:t>
+            </a:r>
+            <a:endParaRPr lang="en-US" altLang="ja-JP" dirty="0"/>
+          </a:p>
+          <a:p>
+            <a:pPr lvl="1"/>
+            <a:r>
+              <a:rPr kumimoji="1" lang="ja-JP" altLang="en-US" dirty="0"/>
+              <a:t>初期化や</a:t>
+            </a:r>
+            <a:r>
+              <a:rPr kumimoji="1" lang="en-US" altLang="ja-JP" dirty="0"/>
+              <a:t>List</a:t>
+            </a:r>
+            <a:r>
+              <a:rPr kumimoji="1" lang="ja-JP" altLang="en-US" dirty="0" err="1"/>
+              <a:t>、</a:t>
+            </a:r>
+            <a:r>
+              <a:rPr kumimoji="1" lang="en-US" altLang="ja-JP" dirty="0"/>
+              <a:t>Up</a:t>
+            </a:r>
+            <a:r>
+              <a:rPr kumimoji="1" lang="ja-JP" altLang="en-US" dirty="0" err="1"/>
+              <a:t>、</a:t>
+            </a:r>
+            <a:r>
+              <a:rPr kumimoji="1" lang="en-US" altLang="ja-JP" dirty="0"/>
+              <a:t>Down</a:t>
+            </a:r>
+            <a:r>
+              <a:rPr kumimoji="1" lang="ja-JP" altLang="en-US" dirty="0"/>
+              <a:t>を関数化しておきます</a:t>
+            </a:r>
+            <a:endParaRPr kumimoji="1" lang="en-US" altLang="ja-JP" dirty="0"/>
+          </a:p>
+          <a:p>
+            <a:r>
+              <a:rPr lang="ja-JP" altLang="en-US" dirty="0"/>
+              <a:t>本体プログラムからクラスライブラリを参照</a:t>
+            </a:r>
+            <a:endParaRPr lang="en-US" altLang="ja-JP" dirty="0"/>
+          </a:p>
+          <a:p>
+            <a:pPr lvl="1"/>
+            <a:r>
+              <a:rPr kumimoji="1" lang="ja-JP" altLang="en-US" dirty="0"/>
+              <a:t>本体プログラムの参照を右クリック＞</a:t>
+            </a:r>
+            <a:r>
+              <a:rPr lang="ja-JP" altLang="en-US" dirty="0"/>
+              <a:t>参照の追加＞プロジェクト＞クラスライブラリ</a:t>
+            </a:r>
+            <a:endParaRPr kumimoji="1" lang="ja-JP" altLang="en-US" dirty="0"/>
           </a:p>
         </p:txBody>
       </p:sp>
     </p:spTree>
     <p:extLst>
       <p:ext uri="{BB962C8B-B14F-4D97-AF65-F5344CB8AC3E}">
-        <p14:creationId xmlns:p14="http://schemas.microsoft.com/office/powerpoint/2010/main" val="3633967526"/>
+        <p14:creationId xmlns:p14="http://schemas.microsoft.com/office/powerpoint/2010/main" val="3213134793"/>
       </p:ext>
     </p:extLst>
   </p:cSld>
@@ -10471,15 +10697,7 @@
           <a:p>
             <a:r>
               <a:rPr lang="ja-JP" altLang="en-US" dirty="0"/>
-              <a:t>画面とバインドする</a:t>
-            </a:r>
-            <a:r>
-              <a:rPr lang="en-US" altLang="ja-JP" dirty="0"/>
-              <a:t>Model</a:t>
-            </a:r>
-            <a:r>
-              <a:rPr lang="ja-JP" altLang="en-US" dirty="0"/>
-              <a:t>を用意する</a:t>
+              <a:t>機能を満たすための画面を作成する</a:t>
             </a:r>
             <a:endParaRPr kumimoji="1" lang="ja-JP" altLang="en-US" dirty="0"/>
           </a:p>
@@ -10513,7 +10731,7 @@
     </p:spTree>
     <p:extLst>
       <p:ext uri="{BB962C8B-B14F-4D97-AF65-F5344CB8AC3E}">
-        <p14:creationId xmlns:p14="http://schemas.microsoft.com/office/powerpoint/2010/main" val="80202090"/>
+        <p14:creationId xmlns:p14="http://schemas.microsoft.com/office/powerpoint/2010/main" val="3633967526"/>
       </p:ext>
     </p:extLst>
   </p:cSld>
@@ -10575,7 +10793,15 @@
           <a:p>
             <a:r>
               <a:rPr lang="ja-JP" altLang="en-US" dirty="0"/>
-              <a:t>各機能のクラス又はメソッドを用意する</a:t>
+              <a:t>画面とバインドする</a:t>
+            </a:r>
+            <a:r>
+              <a:rPr lang="en-US" altLang="ja-JP" dirty="0"/>
+              <a:t>Model</a:t>
+            </a:r>
+            <a:r>
+              <a:rPr lang="ja-JP" altLang="en-US" dirty="0"/>
+              <a:t>を用意する</a:t>
             </a:r>
             <a:endParaRPr kumimoji="1" lang="ja-JP" altLang="en-US" dirty="0"/>
           </a:p>
@@ -10609,7 +10835,7 @@
     </p:spTree>
     <p:extLst>
       <p:ext uri="{BB962C8B-B14F-4D97-AF65-F5344CB8AC3E}">
-        <p14:creationId xmlns:p14="http://schemas.microsoft.com/office/powerpoint/2010/main" val="2645695781"/>
+        <p14:creationId xmlns:p14="http://schemas.microsoft.com/office/powerpoint/2010/main" val="80202090"/>
       </p:ext>
     </p:extLst>
   </p:cSld>
@@ -10671,7 +10897,7 @@
           <a:p>
             <a:r>
               <a:rPr lang="ja-JP" altLang="en-US" dirty="0"/>
-              <a:t>ボタンインベントを作成し、機能を呼び出す</a:t>
+              <a:t>各機能のクラス又はメソッドを用意する</a:t>
             </a:r>
             <a:endParaRPr kumimoji="1" lang="ja-JP" altLang="en-US" dirty="0"/>
           </a:p>
@@ -10705,7 +10931,7 @@
     </p:spTree>
     <p:extLst>
       <p:ext uri="{BB962C8B-B14F-4D97-AF65-F5344CB8AC3E}">
-        <p14:creationId xmlns:p14="http://schemas.microsoft.com/office/powerpoint/2010/main" val="603394815"/>
+        <p14:creationId xmlns:p14="http://schemas.microsoft.com/office/powerpoint/2010/main" val="2645695781"/>
       </p:ext>
     </p:extLst>
   </p:cSld>
@@ -10767,11 +10993,7 @@
           <a:p>
             <a:r>
               <a:rPr lang="ja-JP" altLang="en-US" dirty="0"/>
-              <a:t>こんな表示がされれば</a:t>
-            </a:r>
-            <a:r>
-              <a:rPr lang="en-US" altLang="ja-JP" dirty="0"/>
-              <a:t>OK</a:t>
+              <a:t>ボタンインベントを作成し、機能を呼び出す</a:t>
             </a:r>
             <a:endParaRPr kumimoji="1" lang="ja-JP" altLang="en-US" dirty="0"/>
           </a:p>
@@ -10805,7 +11027,7 @@
     </p:spTree>
     <p:extLst>
       <p:ext uri="{BB962C8B-B14F-4D97-AF65-F5344CB8AC3E}">
-        <p14:creationId xmlns:p14="http://schemas.microsoft.com/office/powerpoint/2010/main" val="981613289"/>
+        <p14:creationId xmlns:p14="http://schemas.microsoft.com/office/powerpoint/2010/main" val="603394815"/>
       </p:ext>
     </p:extLst>
   </p:cSld>
@@ -10849,7 +11071,7 @@
           <p:cNvPr id="2" name="タイトル 1">
             <a:extLst>
               <a:ext uri="{FF2B5EF4-FFF2-40B4-BE49-F238E27FC236}">
-                <a16:creationId xmlns:a16="http://schemas.microsoft.com/office/drawing/2014/main" id="{FCC4B855-2159-4EEA-9D01-324BA857EB49}"/>
+                <a16:creationId xmlns:a16="http://schemas.microsoft.com/office/drawing/2014/main" id="{A0CB4772-8113-4F7D-B452-3F083E85DC8A}"/>
               </a:ext>
             </a:extLst>
           </p:cNvPr>
@@ -10866,18 +11088,23 @@
           <a:lstStyle/>
           <a:p>
             <a:r>
-              <a:rPr kumimoji="1" lang="ja-JP" altLang="en-US" dirty="0"/>
-              <a:t>作成理由</a:t>
-            </a:r>
-          </a:p>
-        </p:txBody>
-      </p:sp>
-      <p:sp>
-        <p:nvSpPr>
-          <p:cNvPr id="3" name="テキスト プレースホルダー 2">
+              <a:rPr lang="ja-JP" altLang="en-US" dirty="0"/>
+              <a:t>こんな表示がされれば</a:t>
+            </a:r>
+            <a:r>
+              <a:rPr lang="en-US" altLang="ja-JP" dirty="0"/>
+              <a:t>OK</a:t>
+            </a:r>
+            <a:endParaRPr kumimoji="1" lang="ja-JP" altLang="en-US" dirty="0"/>
+          </a:p>
+        </p:txBody>
+      </p:sp>
+      <p:sp>
+        <p:nvSpPr>
+          <p:cNvPr id="3" name="コンテンツ プレースホルダー 2">
             <a:extLst>
               <a:ext uri="{FF2B5EF4-FFF2-40B4-BE49-F238E27FC236}">
-                <a16:creationId xmlns:a16="http://schemas.microsoft.com/office/drawing/2014/main" id="{1E1DC116-99F9-49A4-9356-4DA90BF685C9}"/>
+                <a16:creationId xmlns:a16="http://schemas.microsoft.com/office/drawing/2014/main" id="{ABA27857-98F6-474C-9E3B-2A47CF4CE7BD}"/>
               </a:ext>
             </a:extLst>
           </p:cNvPr>
@@ -10885,7 +11112,7 @@
             <a:spLocks noGrp="1"/>
           </p:cNvSpPr>
           <p:nvPr>
-            <p:ph type="body" idx="1"/>
+            <p:ph idx="1"/>
           </p:nvPr>
         </p:nvSpPr>
         <p:spPr/>
@@ -10893,17 +11120,14 @@
           <a:bodyPr/>
           <a:lstStyle/>
           <a:p>
-            <a:r>
-              <a:rPr kumimoji="1" lang="ja-JP" altLang="en-US" dirty="0"/>
-              <a:t>ネタはネタとして</a:t>
-            </a:r>
+            <a:endParaRPr kumimoji="1" lang="ja-JP" altLang="en-US"/>
           </a:p>
         </p:txBody>
       </p:sp>
     </p:spTree>
     <p:extLst>
       <p:ext uri="{BB962C8B-B14F-4D97-AF65-F5344CB8AC3E}">
-        <p14:creationId xmlns:p14="http://schemas.microsoft.com/office/powerpoint/2010/main" val="855914954"/>
+        <p14:creationId xmlns:p14="http://schemas.microsoft.com/office/powerpoint/2010/main" val="981613289"/>
       </p:ext>
     </p:extLst>
   </p:cSld>
@@ -10947,7 +11171,7 @@
           <p:cNvPr id="2" name="タイトル 1">
             <a:extLst>
               <a:ext uri="{FF2B5EF4-FFF2-40B4-BE49-F238E27FC236}">
-                <a16:creationId xmlns:a16="http://schemas.microsoft.com/office/drawing/2014/main" id="{25CEFAA4-1D37-469D-97CE-A0D285E2CC85}"/>
+                <a16:creationId xmlns:a16="http://schemas.microsoft.com/office/drawing/2014/main" id="{FCC4B855-2159-4EEA-9D01-324BA857EB49}"/>
               </a:ext>
             </a:extLst>
           </p:cNvPr>
@@ -10965,17 +11189,17 @@
           <a:p>
             <a:r>
               <a:rPr kumimoji="1" lang="ja-JP" altLang="en-US" dirty="0"/>
-              <a:t>なぜ？</a:t>
-            </a:r>
-          </a:p>
-        </p:txBody>
-      </p:sp>
-      <p:sp>
-        <p:nvSpPr>
-          <p:cNvPr id="3" name="コンテンツ プレースホルダー 2">
+              <a:t>作成理由</a:t>
+            </a:r>
+          </a:p>
+        </p:txBody>
+      </p:sp>
+      <p:sp>
+        <p:nvSpPr>
+          <p:cNvPr id="3" name="テキスト プレースホルダー 2">
             <a:extLst>
               <a:ext uri="{FF2B5EF4-FFF2-40B4-BE49-F238E27FC236}">
-                <a16:creationId xmlns:a16="http://schemas.microsoft.com/office/drawing/2014/main" id="{F06E8C50-4ABA-4096-A450-E322DE225C68}"/>
+                <a16:creationId xmlns:a16="http://schemas.microsoft.com/office/drawing/2014/main" id="{1E1DC116-99F9-49A4-9356-4DA90BF685C9}"/>
               </a:ext>
             </a:extLst>
           </p:cNvPr>
@@ -10983,7 +11207,7 @@
             <a:spLocks noGrp="1"/>
           </p:cNvSpPr>
           <p:nvPr>
-            <p:ph idx="1"/>
+            <p:ph type="body" idx="1"/>
           </p:nvPr>
         </p:nvSpPr>
         <p:spPr/>
@@ -10993,146 +11217,7 @@
           <a:p>
             <a:r>
               <a:rPr kumimoji="1" lang="ja-JP" altLang="en-US" dirty="0"/>
-              <a:t>お金かかるんでしょ？</a:t>
-            </a:r>
-            <a:endParaRPr kumimoji="1" lang="en-US" altLang="ja-JP" dirty="0"/>
-          </a:p>
-          <a:p>
-            <a:pPr lvl="1"/>
-            <a:r>
-              <a:rPr lang="ja-JP" altLang="en-US" dirty="0"/>
-              <a:t>まあ、これがよく言われるので、「</a:t>
-            </a:r>
-            <a:r>
-              <a:rPr lang="en-US" altLang="ja-JP" dirty="0"/>
-              <a:t>PC</a:t>
-            </a:r>
-            <a:r>
-              <a:rPr lang="ja-JP" altLang="en-US" dirty="0"/>
-              <a:t>とか通信費</a:t>
-            </a:r>
-            <a:r>
-              <a:rPr lang="ja-JP" altLang="en-US"/>
-              <a:t>は除いて、無償</a:t>
-            </a:r>
-            <a:r>
-              <a:rPr lang="ja-JP" altLang="en-US" dirty="0"/>
-              <a:t>環境で学習することはできるんです」を書きたかった。</a:t>
-            </a:r>
-            <a:endParaRPr lang="en-US" altLang="ja-JP" dirty="0"/>
-          </a:p>
-          <a:p>
-            <a:r>
-              <a:rPr kumimoji="1" lang="ja-JP" altLang="en-US" dirty="0"/>
-              <a:t>なんで</a:t>
-            </a:r>
-            <a:r>
-              <a:rPr kumimoji="1" lang="en-US" altLang="ja-JP" dirty="0"/>
-              <a:t>UWP</a:t>
-            </a:r>
-          </a:p>
-          <a:p>
-            <a:pPr lvl="1"/>
-            <a:r>
-              <a:rPr lang="en-US" altLang="ja-JP" dirty="0"/>
-              <a:t>HoloLens</a:t>
-            </a:r>
-            <a:r>
-              <a:rPr lang="ja-JP" altLang="en-US" dirty="0"/>
-              <a:t>も</a:t>
-            </a:r>
-            <a:r>
-              <a:rPr lang="en-US" altLang="ja-JP" dirty="0"/>
-              <a:t>UWP</a:t>
-            </a:r>
-            <a:r>
-              <a:rPr lang="ja-JP" altLang="en-US" dirty="0"/>
-              <a:t>でいけますし、</a:t>
-            </a:r>
-            <a:r>
-              <a:rPr lang="en-US" altLang="ja-JP" dirty="0" err="1"/>
-              <a:t>Xamarin.Foam</a:t>
-            </a:r>
-            <a:r>
-              <a:rPr lang="ja-JP" altLang="en-US" dirty="0"/>
-              <a:t>につながる技術もあるので、</a:t>
-            </a:r>
-            <a:r>
-              <a:rPr lang="en-US" altLang="ja-JP" dirty="0"/>
-              <a:t>UWP</a:t>
-            </a:r>
-            <a:r>
-              <a:rPr lang="ja-JP" altLang="en-US" dirty="0"/>
-              <a:t>を選択しています。</a:t>
-            </a:r>
-            <a:endParaRPr lang="en-US" altLang="ja-JP" dirty="0"/>
-          </a:p>
-          <a:p>
-            <a:pPr lvl="2"/>
-            <a:r>
-              <a:rPr kumimoji="1" lang="en-US" altLang="ja-JP" dirty="0">
-                <a:solidFill>
-                  <a:schemeClr val="tx2">
-                    <a:lumMod val="75000"/>
-                  </a:schemeClr>
-                </a:solidFill>
-              </a:rPr>
-              <a:t>Windows10 Mobile(Windows</a:t>
-            </a:r>
-            <a:r>
-              <a:rPr lang="ja-JP" altLang="en-US" dirty="0">
-                <a:solidFill>
-                  <a:schemeClr val="tx2">
-                    <a:lumMod val="75000"/>
-                  </a:schemeClr>
-                </a:solidFill>
-              </a:rPr>
-              <a:t> </a:t>
-            </a:r>
-            <a:r>
-              <a:rPr kumimoji="1" lang="en-US" altLang="ja-JP" dirty="0">
-                <a:solidFill>
-                  <a:schemeClr val="tx2">
-                    <a:lumMod val="75000"/>
-                  </a:schemeClr>
-                </a:solidFill>
-              </a:rPr>
-              <a:t>Phone)</a:t>
-            </a:r>
-            <a:r>
-              <a:rPr kumimoji="1" lang="ja-JP" altLang="en-US" dirty="0">
-                <a:solidFill>
-                  <a:schemeClr val="tx2">
-                    <a:lumMod val="75000"/>
-                  </a:schemeClr>
-                </a:solidFill>
-              </a:rPr>
-              <a:t>という裏テーマもあったりしますがー</a:t>
-            </a:r>
-            <a:endParaRPr kumimoji="1" lang="en-US" altLang="ja-JP" dirty="0">
-              <a:solidFill>
-                <a:schemeClr val="tx2">
-                  <a:lumMod val="75000"/>
-                </a:schemeClr>
-              </a:solidFill>
-            </a:endParaRPr>
-          </a:p>
-          <a:p>
-            <a:r>
-              <a:rPr lang="en-US" altLang="ja-JP" dirty="0"/>
-              <a:t>Azure</a:t>
-            </a:r>
-            <a:r>
-              <a:rPr lang="ja-JP" altLang="en-US" dirty="0"/>
-              <a:t>必要あった？</a:t>
-            </a:r>
-            <a:endParaRPr lang="en-US" altLang="ja-JP" dirty="0"/>
-          </a:p>
-          <a:p>
-            <a:pPr lvl="1"/>
-            <a:r>
-              <a:rPr kumimoji="1" lang="ja-JP" altLang="en-US" dirty="0"/>
-              <a:t>今後ネットワークやクラウドサービスと無縁というわけにはいかないので、何かしら絡めたかったんです。</a:t>
+              <a:t>ネタはネタとして</a:t>
             </a:r>
           </a:p>
         </p:txBody>
@@ -11140,7 +11225,7 @@
     </p:spTree>
     <p:extLst>
       <p:ext uri="{BB962C8B-B14F-4D97-AF65-F5344CB8AC3E}">
-        <p14:creationId xmlns:p14="http://schemas.microsoft.com/office/powerpoint/2010/main" val="782790832"/>
+        <p14:creationId xmlns:p14="http://schemas.microsoft.com/office/powerpoint/2010/main" val="855914954"/>
       </p:ext>
     </p:extLst>
   </p:cSld>
@@ -11184,7 +11269,7 @@
           <p:cNvPr id="2" name="タイトル 1">
             <a:extLst>
               <a:ext uri="{FF2B5EF4-FFF2-40B4-BE49-F238E27FC236}">
-                <a16:creationId xmlns:a16="http://schemas.microsoft.com/office/drawing/2014/main" id="{A7E38D46-298C-479C-9D1A-93B10F41535A}"/>
+                <a16:creationId xmlns:a16="http://schemas.microsoft.com/office/drawing/2014/main" id="{25CEFAA4-1D37-469D-97CE-A0D285E2CC85}"/>
               </a:ext>
             </a:extLst>
           </p:cNvPr>
@@ -11202,17 +11287,17 @@
           <a:p>
             <a:r>
               <a:rPr kumimoji="1" lang="ja-JP" altLang="en-US" dirty="0"/>
-              <a:t>補足</a:t>
-            </a:r>
-          </a:p>
-        </p:txBody>
-      </p:sp>
-      <p:sp>
-        <p:nvSpPr>
-          <p:cNvPr id="3" name="テキスト プレースホルダー 2">
+              <a:t>なぜ？</a:t>
+            </a:r>
+          </a:p>
+        </p:txBody>
+      </p:sp>
+      <p:sp>
+        <p:nvSpPr>
+          <p:cNvPr id="3" name="コンテンツ プレースホルダー 2">
             <a:extLst>
               <a:ext uri="{FF2B5EF4-FFF2-40B4-BE49-F238E27FC236}">
-                <a16:creationId xmlns:a16="http://schemas.microsoft.com/office/drawing/2014/main" id="{5B28D3D4-8EE0-4145-BBE0-EDF710BBEB3E}"/>
+                <a16:creationId xmlns:a16="http://schemas.microsoft.com/office/drawing/2014/main" id="{F06E8C50-4ABA-4096-A450-E322DE225C68}"/>
               </a:ext>
             </a:extLst>
           </p:cNvPr>
@@ -11220,7 +11305,7 @@
             <a:spLocks noGrp="1"/>
           </p:cNvSpPr>
           <p:nvPr>
-            <p:ph type="body" idx="1"/>
+            <p:ph idx="1"/>
           </p:nvPr>
         </p:nvSpPr>
         <p:spPr/>
@@ -11230,7 +11315,138 @@
           <a:p>
             <a:r>
               <a:rPr kumimoji="1" lang="ja-JP" altLang="en-US" dirty="0"/>
-              <a:t>細々したことあったかな？</a:t>
+              <a:t>お金かかるんでしょ？</a:t>
+            </a:r>
+            <a:endParaRPr kumimoji="1" lang="en-US" altLang="ja-JP" dirty="0"/>
+          </a:p>
+          <a:p>
+            <a:pPr lvl="1"/>
+            <a:r>
+              <a:rPr lang="ja-JP" altLang="en-US" dirty="0"/>
+              <a:t>まあ、これがよく言われるので、「</a:t>
+            </a:r>
+            <a:r>
+              <a:rPr lang="en-US" altLang="ja-JP" dirty="0"/>
+              <a:t>PC</a:t>
+            </a:r>
+            <a:r>
+              <a:rPr lang="ja-JP" altLang="en-US" dirty="0"/>
+              <a:t>とか通信費は除いて、無償環境で学習することはできるんです」を書きたかった。</a:t>
+            </a:r>
+            <a:endParaRPr lang="en-US" altLang="ja-JP" dirty="0"/>
+          </a:p>
+          <a:p>
+            <a:r>
+              <a:rPr kumimoji="1" lang="ja-JP" altLang="en-US" dirty="0"/>
+              <a:t>なんで</a:t>
+            </a:r>
+            <a:r>
+              <a:rPr kumimoji="1" lang="en-US" altLang="ja-JP" dirty="0"/>
+              <a:t>UWP</a:t>
+            </a:r>
+          </a:p>
+          <a:p>
+            <a:pPr lvl="1"/>
+            <a:r>
+              <a:rPr lang="en-US" altLang="ja-JP" dirty="0"/>
+              <a:t>HoloLens</a:t>
+            </a:r>
+            <a:r>
+              <a:rPr lang="ja-JP" altLang="en-US" dirty="0"/>
+              <a:t>も</a:t>
+            </a:r>
+            <a:r>
+              <a:rPr lang="en-US" altLang="ja-JP" dirty="0"/>
+              <a:t>UWP</a:t>
+            </a:r>
+            <a:r>
+              <a:rPr lang="ja-JP" altLang="en-US" dirty="0"/>
+              <a:t>でいけますし、</a:t>
+            </a:r>
+            <a:r>
+              <a:rPr lang="en-US" altLang="ja-JP" dirty="0" err="1"/>
+              <a:t>Xamarin.Foam</a:t>
+            </a:r>
+            <a:r>
+              <a:rPr lang="ja-JP" altLang="en-US" dirty="0"/>
+              <a:t>につながる技術もあるので、</a:t>
+            </a:r>
+            <a:r>
+              <a:rPr lang="en-US" altLang="ja-JP" dirty="0"/>
+              <a:t>UWP</a:t>
+            </a:r>
+            <a:r>
+              <a:rPr lang="ja-JP" altLang="en-US" dirty="0"/>
+              <a:t>を選択しています。</a:t>
+            </a:r>
+            <a:endParaRPr lang="en-US" altLang="ja-JP" dirty="0"/>
+          </a:p>
+          <a:p>
+            <a:pPr lvl="2"/>
+            <a:r>
+              <a:rPr kumimoji="1" lang="en-US" altLang="ja-JP" dirty="0">
+                <a:solidFill>
+                  <a:schemeClr val="tx2">
+                    <a:lumMod val="75000"/>
+                  </a:schemeClr>
+                </a:solidFill>
+              </a:rPr>
+              <a:t>Windows10 Mobile(Windows</a:t>
+            </a:r>
+            <a:r>
+              <a:rPr lang="ja-JP" altLang="en-US" dirty="0">
+                <a:solidFill>
+                  <a:schemeClr val="tx2">
+                    <a:lumMod val="75000"/>
+                  </a:schemeClr>
+                </a:solidFill>
+              </a:rPr>
+              <a:t> </a:t>
+            </a:r>
+            <a:r>
+              <a:rPr kumimoji="1" lang="en-US" altLang="ja-JP" dirty="0">
+                <a:solidFill>
+                  <a:schemeClr val="tx2">
+                    <a:lumMod val="75000"/>
+                  </a:schemeClr>
+                </a:solidFill>
+              </a:rPr>
+              <a:t>Phone)</a:t>
+            </a:r>
+            <a:r>
+              <a:rPr kumimoji="1" lang="ja-JP" altLang="en-US" dirty="0">
+                <a:solidFill>
+                  <a:schemeClr val="tx2">
+                    <a:lumMod val="75000"/>
+                  </a:schemeClr>
+                </a:solidFill>
+              </a:rPr>
+              <a:t>という裏テーマもあったりしますがー</a:t>
+            </a:r>
+            <a:endParaRPr kumimoji="1" lang="en-US" altLang="ja-JP" dirty="0">
+              <a:solidFill>
+                <a:schemeClr val="tx2">
+                  <a:lumMod val="75000"/>
+                </a:schemeClr>
+              </a:solidFill>
+            </a:endParaRPr>
+          </a:p>
+          <a:p>
+            <a:r>
+              <a:rPr lang="en-US" altLang="ja-JP" dirty="0"/>
+              <a:t>Azure</a:t>
+            </a:r>
+            <a:r>
+              <a:rPr lang="ja-JP" altLang="en-US" dirty="0"/>
+              <a:t>必要あった？</a:t>
+            </a:r>
+            <a:endParaRPr lang="en-US" altLang="ja-JP" dirty="0"/>
+          </a:p>
+          <a:p>
+            <a:pPr lvl="1"/>
+            <a:r>
+              <a:rPr kumimoji="1" lang="ja-JP" altLang="en-US" dirty="0"/>
+              <a:t>今後ネットワークやクラウドサービスと無縁というわけにはいかないので、何かしら絡めたかったんです。</a:t>
             </a:r>
           </a:p>
         </p:txBody>
@@ -11238,7 +11454,7 @@
     </p:spTree>
     <p:extLst>
       <p:ext uri="{BB962C8B-B14F-4D97-AF65-F5344CB8AC3E}">
-        <p14:creationId xmlns:p14="http://schemas.microsoft.com/office/powerpoint/2010/main" val="1187447335"/>
+        <p14:creationId xmlns:p14="http://schemas.microsoft.com/office/powerpoint/2010/main" val="782790832"/>
       </p:ext>
     </p:extLst>
   </p:cSld>
@@ -11282,7 +11498,7 @@
           <p:cNvPr id="2" name="タイトル 1">
             <a:extLst>
               <a:ext uri="{FF2B5EF4-FFF2-40B4-BE49-F238E27FC236}">
-                <a16:creationId xmlns:a16="http://schemas.microsoft.com/office/drawing/2014/main" id="{05771605-499F-4872-AD81-4BEE9BF86D7B}"/>
+                <a16:creationId xmlns:a16="http://schemas.microsoft.com/office/drawing/2014/main" id="{A7E38D46-298C-479C-9D1A-93B10F41535A}"/>
               </a:ext>
             </a:extLst>
           </p:cNvPr>
@@ -11307,10 +11523,10 @@
       </p:sp>
       <p:sp>
         <p:nvSpPr>
-          <p:cNvPr id="3" name="コンテンツ プレースホルダー 2">
+          <p:cNvPr id="3" name="テキスト プレースホルダー 2">
             <a:extLst>
               <a:ext uri="{FF2B5EF4-FFF2-40B4-BE49-F238E27FC236}">
-                <a16:creationId xmlns:a16="http://schemas.microsoft.com/office/drawing/2014/main" id="{0CBCA956-F80F-48D4-8F0D-DE36E38D0A84}"/>
+                <a16:creationId xmlns:a16="http://schemas.microsoft.com/office/drawing/2014/main" id="{5B28D3D4-8EE0-4145-BBE0-EDF710BBEB3E}"/>
               </a:ext>
             </a:extLst>
           </p:cNvPr>
@@ -11318,7 +11534,7 @@
             <a:spLocks noGrp="1"/>
           </p:cNvSpPr>
           <p:nvPr>
-            <p:ph idx="1"/>
+            <p:ph type="body" idx="1"/>
           </p:nvPr>
         </p:nvSpPr>
         <p:spPr/>
@@ -11326,14 +11542,17 @@
           <a:bodyPr/>
           <a:lstStyle/>
           <a:p>
-            <a:endParaRPr kumimoji="1" lang="ja-JP" altLang="en-US"/>
+            <a:r>
+              <a:rPr kumimoji="1" lang="ja-JP" altLang="en-US" dirty="0"/>
+              <a:t>細々したことあったかな？</a:t>
+            </a:r>
           </a:p>
         </p:txBody>
       </p:sp>
     </p:spTree>
     <p:extLst>
       <p:ext uri="{BB962C8B-B14F-4D97-AF65-F5344CB8AC3E}">
-        <p14:creationId xmlns:p14="http://schemas.microsoft.com/office/powerpoint/2010/main" val="3203733170"/>
+        <p14:creationId xmlns:p14="http://schemas.microsoft.com/office/powerpoint/2010/main" val="1187447335"/>
       </p:ext>
     </p:extLst>
   </p:cSld>
@@ -11501,6 +11720,123 @@
     <p:extLst>
       <p:ext uri="{BB962C8B-B14F-4D97-AF65-F5344CB8AC3E}">
         <p14:creationId xmlns:p14="http://schemas.microsoft.com/office/powerpoint/2010/main" val="3529114326"/>
+      </p:ext>
+    </p:extLst>
+  </p:cSld>
+  <p:clrMapOvr>
+    <a:masterClrMapping/>
+  </p:clrMapOvr>
+  <mc:AlternateContent xmlns:mc="http://schemas.openxmlformats.org/markup-compatibility/2006" xmlns:p14="http://schemas.microsoft.com/office/powerpoint/2010/main">
+    <mc:Choice Requires="p14">
+      <p:transition spd="med" p14:dur="700">
+        <p:fade/>
+      </p:transition>
+    </mc:Choice>
+    <mc:Fallback xmlns="">
+      <p:transition spd="med">
+        <p:fade/>
+      </p:transition>
+    </mc:Fallback>
+  </mc:AlternateContent>
+</p:sld>
+</file>
+
+<file path=ppt/slides/slide30.xml><?xml version="1.0" encoding="utf-8"?>
+<p:sld xmlns:a="http://schemas.openxmlformats.org/drawingml/2006/main" xmlns:r="http://schemas.openxmlformats.org/officeDocument/2006/relationships" xmlns:p="http://schemas.openxmlformats.org/presentationml/2006/main">
+  <p:cSld>
+    <p:spTree>
+      <p:nvGrpSpPr>
+        <p:cNvPr id="1" name=""/>
+        <p:cNvGrpSpPr/>
+        <p:nvPr/>
+      </p:nvGrpSpPr>
+      <p:grpSpPr>
+        <a:xfrm>
+          <a:off x="0" y="0"/>
+          <a:ext cx="0" cy="0"/>
+          <a:chOff x="0" y="0"/>
+          <a:chExt cx="0" cy="0"/>
+        </a:xfrm>
+      </p:grpSpPr>
+      <p:sp>
+        <p:nvSpPr>
+          <p:cNvPr id="2" name="タイトル 1">
+            <a:extLst>
+              <a:ext uri="{FF2B5EF4-FFF2-40B4-BE49-F238E27FC236}">
+                <a16:creationId xmlns:a16="http://schemas.microsoft.com/office/drawing/2014/main" id="{05771605-499F-4872-AD81-4BEE9BF86D7B}"/>
+              </a:ext>
+            </a:extLst>
+          </p:cNvPr>
+          <p:cNvSpPr>
+            <a:spLocks noGrp="1"/>
+          </p:cNvSpPr>
+          <p:nvPr>
+            <p:ph type="title"/>
+          </p:nvPr>
+        </p:nvSpPr>
+        <p:spPr/>
+        <p:txBody>
+          <a:bodyPr/>
+          <a:lstStyle/>
+          <a:p>
+            <a:r>
+              <a:rPr kumimoji="1" lang="ja-JP" altLang="en-US" dirty="0"/>
+              <a:t>補足</a:t>
+            </a:r>
+          </a:p>
+        </p:txBody>
+      </p:sp>
+      <p:sp>
+        <p:nvSpPr>
+          <p:cNvPr id="3" name="コンテンツ プレースホルダー 2">
+            <a:extLst>
+              <a:ext uri="{FF2B5EF4-FFF2-40B4-BE49-F238E27FC236}">
+                <a16:creationId xmlns:a16="http://schemas.microsoft.com/office/drawing/2014/main" id="{0CBCA956-F80F-48D4-8F0D-DE36E38D0A84}"/>
+              </a:ext>
+            </a:extLst>
+          </p:cNvPr>
+          <p:cNvSpPr>
+            <a:spLocks noGrp="1"/>
+          </p:cNvSpPr>
+          <p:nvPr>
+            <p:ph idx="1"/>
+          </p:nvPr>
+        </p:nvSpPr>
+        <p:spPr/>
+        <p:txBody>
+          <a:bodyPr/>
+          <a:lstStyle/>
+          <a:p>
+            <a:r>
+              <a:rPr lang="en-US" altLang="ja-JP" dirty="0"/>
+              <a:t>© 2018 Tomoyuki Sasaki</a:t>
+            </a:r>
+            <a:r>
+              <a:rPr lang="ja-JP" altLang="en-US" dirty="0"/>
+              <a:t> </a:t>
+            </a:r>
+            <a:r>
+              <a:rPr lang="en-US" altLang="ja-JP" dirty="0"/>
+              <a:t>All rights reserved.</a:t>
+            </a:r>
+            <a:br>
+              <a:rPr lang="en-US" altLang="ja-JP" dirty="0"/>
+            </a:br>
+            <a:r>
+              <a:rPr lang="ja-JP" altLang="en-US" dirty="0"/>
+              <a:t>本コンテンツの著作権、および本コンテンツ中に出てくる商標権、団体名、ロゴ、製品、サービスなどはそれぞれ、各権利保有者に帰属します。</a:t>
+            </a:r>
+            <a:endParaRPr lang="en-US" altLang="ja-JP" dirty="0"/>
+          </a:p>
+          <a:p>
+            <a:endParaRPr kumimoji="1" lang="ja-JP" altLang="en-US" dirty="0"/>
+          </a:p>
+        </p:txBody>
+      </p:sp>
+    </p:spTree>
+    <p:extLst>
+      <p:ext uri="{BB962C8B-B14F-4D97-AF65-F5344CB8AC3E}">
+        <p14:creationId xmlns:p14="http://schemas.microsoft.com/office/powerpoint/2010/main" val="3203733170"/>
       </p:ext>
     </p:extLst>
   </p:cSld>

--- a/チュートリアルなど.pptx
+++ b/チュートリアルなど.pptx
@@ -5,10 +5,10 @@
     <p:sldMasterId id="2147483660" r:id="rId4"/>
   </p:sldMasterIdLst>
   <p:notesMasterIdLst>
-    <p:notesMasterId r:id="rId35"/>
+    <p:notesMasterId r:id="rId37"/>
   </p:notesMasterIdLst>
   <p:handoutMasterIdLst>
-    <p:handoutMasterId r:id="rId36"/>
+    <p:handoutMasterId r:id="rId38"/>
   </p:handoutMasterIdLst>
   <p:sldIdLst>
     <p:sldId id="257" r:id="rId5"/>
@@ -32,15 +32,17 @@
     <p:sldId id="286" r:id="rId23"/>
     <p:sldId id="287" r:id="rId24"/>
     <p:sldId id="299" r:id="rId25"/>
-    <p:sldId id="290" r:id="rId26"/>
-    <p:sldId id="291" r:id="rId27"/>
-    <p:sldId id="292" r:id="rId28"/>
-    <p:sldId id="293" r:id="rId29"/>
-    <p:sldId id="294" r:id="rId30"/>
-    <p:sldId id="295" r:id="rId31"/>
-    <p:sldId id="296" r:id="rId32"/>
-    <p:sldId id="297" r:id="rId33"/>
-    <p:sldId id="298" r:id="rId34"/>
+    <p:sldId id="301" r:id="rId26"/>
+    <p:sldId id="302" r:id="rId27"/>
+    <p:sldId id="290" r:id="rId28"/>
+    <p:sldId id="291" r:id="rId29"/>
+    <p:sldId id="293" r:id="rId30"/>
+    <p:sldId id="292" r:id="rId31"/>
+    <p:sldId id="294" r:id="rId32"/>
+    <p:sldId id="295" r:id="rId33"/>
+    <p:sldId id="296" r:id="rId34"/>
+    <p:sldId id="297" r:id="rId35"/>
+    <p:sldId id="298" r:id="rId36"/>
   </p:sldIdLst>
   <p:sldSz cx="12188825" cy="6858000"/>
   <p:notesSz cx="6858000" cy="9144000"/>
@@ -177,10 +179,12 @@
             <p14:sldId id="286"/>
             <p14:sldId id="287"/>
             <p14:sldId id="299"/>
+            <p14:sldId id="301"/>
+            <p14:sldId id="302"/>
             <p14:sldId id="290"/>
             <p14:sldId id="291"/>
+            <p14:sldId id="293"/>
             <p14:sldId id="292"/>
-            <p14:sldId id="293"/>
             <p14:sldId id="294"/>
           </p14:sldIdLst>
         </p14:section>
@@ -320,7 +324,7 @@
                 <a:latin typeface="ＭＳ Ｐゴシック" panose="020B0600070205080204" pitchFamily="50" charset="-128"/>
                 <a:ea typeface="ＭＳ Ｐゴシック" panose="020B0600070205080204" pitchFamily="50" charset="-128"/>
               </a:rPr>
-              <a:t>2018/4/22</a:t>
+              <a:t>2018/4/28</a:t>
             </a:fld>
             <a:endParaRPr lang="ja-JP" altLang="en-US" dirty="0">
               <a:latin typeface="ＭＳ Ｐゴシック" panose="020B0600070205080204" pitchFamily="50" charset="-128"/>
@@ -507,7 +511,7 @@
             <a:fld id="{37165343-859F-4143-8972-D138C517BA87}" type="datetime1">
               <a:rPr lang="ja-JP" altLang="en-US" smtClean="0"/>
               <a:pPr/>
-              <a:t>2018/4/22</a:t>
+              <a:t>2018/4/28</a:t>
             </a:fld>
             <a:endParaRPr lang="ja-JP" altLang="en-US" dirty="0"/>
           </a:p>
@@ -1145,7 +1149,92 @@
             <a:fld id="{3EBA5BD7-F043-4D1B-AA17-CD412FC534DE}" type="slidenum">
               <a:rPr lang="en-US" altLang="ja-JP" smtClean="0"/>
               <a:pPr/>
-              <a:t>30</a:t>
+              <a:t>24</a:t>
+            </a:fld>
+            <a:endParaRPr lang="en-US" altLang="ja-JP" dirty="0"/>
+          </a:p>
+        </p:txBody>
+      </p:sp>
+    </p:spTree>
+    <p:extLst>
+      <p:ext uri="{BB962C8B-B14F-4D97-AF65-F5344CB8AC3E}">
+        <p14:creationId xmlns:p14="http://schemas.microsoft.com/office/powerpoint/2010/main" val="2203710678"/>
+      </p:ext>
+    </p:extLst>
+  </p:cSld>
+  <p:clrMapOvr>
+    <a:masterClrMapping/>
+  </p:clrMapOvr>
+</p:notes>
+</file>
+
+<file path=ppt/notesSlides/notesSlide13.xml><?xml version="1.0" encoding="utf-8"?>
+<p:notes xmlns:a="http://schemas.openxmlformats.org/drawingml/2006/main" xmlns:r="http://schemas.openxmlformats.org/officeDocument/2006/relationships" xmlns:p="http://schemas.openxmlformats.org/presentationml/2006/main">
+  <p:cSld>
+    <p:spTree>
+      <p:nvGrpSpPr>
+        <p:cNvPr id="1" name=""/>
+        <p:cNvGrpSpPr/>
+        <p:nvPr/>
+      </p:nvGrpSpPr>
+      <p:grpSpPr>
+        <a:xfrm>
+          <a:off x="0" y="0"/>
+          <a:ext cx="0" cy="0"/>
+          <a:chOff x="0" y="0"/>
+          <a:chExt cx="0" cy="0"/>
+        </a:xfrm>
+      </p:grpSpPr>
+      <p:sp>
+        <p:nvSpPr>
+          <p:cNvPr id="2" name="スライド イメージ プレースホルダー 1"/>
+          <p:cNvSpPr>
+            <a:spLocks noGrp="1" noRot="1" noChangeAspect="1"/>
+          </p:cNvSpPr>
+          <p:nvPr>
+            <p:ph type="sldImg"/>
+          </p:nvPr>
+        </p:nvSpPr>
+        <p:spPr/>
+      </p:sp>
+      <p:sp>
+        <p:nvSpPr>
+          <p:cNvPr id="3" name="ノート プレースホルダー 2"/>
+          <p:cNvSpPr>
+            <a:spLocks noGrp="1"/>
+          </p:cNvSpPr>
+          <p:nvPr>
+            <p:ph type="body" idx="1"/>
+          </p:nvPr>
+        </p:nvSpPr>
+        <p:spPr/>
+        <p:txBody>
+          <a:bodyPr/>
+          <a:lstStyle/>
+          <a:p>
+            <a:endParaRPr kumimoji="1" lang="ja-JP" altLang="en-US" dirty="0"/>
+          </a:p>
+        </p:txBody>
+      </p:sp>
+      <p:sp>
+        <p:nvSpPr>
+          <p:cNvPr id="4" name="スライド番号プレースホルダー 3"/>
+          <p:cNvSpPr>
+            <a:spLocks noGrp="1"/>
+          </p:cNvSpPr>
+          <p:nvPr>
+            <p:ph type="sldNum" sz="quarter" idx="10"/>
+          </p:nvPr>
+        </p:nvSpPr>
+        <p:spPr/>
+        <p:txBody>
+          <a:bodyPr/>
+          <a:lstStyle/>
+          <a:p>
+            <a:fld id="{3EBA5BD7-F043-4D1B-AA17-CD412FC534DE}" type="slidenum">
+              <a:rPr lang="en-US" altLang="ja-JP" smtClean="0"/>
+              <a:pPr/>
+              <a:t>32</a:t>
             </a:fld>
             <a:endParaRPr lang="en-US" altLang="ja-JP" dirty="0"/>
           </a:p>
@@ -2627,7 +2716,7 @@
             <a:fld id="{8B8BDBCF-2245-4FCB-9DDE-432CD8FA8E0A}" type="datetime1">
               <a:rPr lang="ja-JP" altLang="en-US" smtClean="0"/>
               <a:pPr/>
-              <a:t>2018/4/22</a:t>
+              <a:t>2018/4/28</a:t>
             </a:fld>
             <a:endParaRPr lang="ja-JP" altLang="en-US" dirty="0"/>
           </a:p>
@@ -2869,7 +2958,7 @@
             <a:fld id="{0E2695C8-689F-41E2-801C-EC2626087B1A}" type="datetime1">
               <a:rPr lang="ja-JP" altLang="en-US" smtClean="0"/>
               <a:pPr/>
-              <a:t>2018/4/22</a:t>
+              <a:t>2018/4/28</a:t>
             </a:fld>
             <a:endParaRPr lang="ja-JP" altLang="en-US" dirty="0"/>
           </a:p>
@@ -3121,7 +3210,7 @@
             <a:fld id="{061217A4-CAA8-44F2-8FF7-C615B184E281}" type="datetime1">
               <a:rPr lang="ja-JP" altLang="en-US" smtClean="0"/>
               <a:pPr/>
-              <a:t>2018/4/22</a:t>
+              <a:t>2018/4/28</a:t>
             </a:fld>
             <a:endParaRPr lang="ja-JP" altLang="en-US" dirty="0"/>
           </a:p>
@@ -3360,7 +3449,7 @@
             <a:fld id="{CCBF1506-F1B8-4806-9D73-EF91A452CC85}" type="datetime1">
               <a:rPr lang="ja-JP" altLang="en-US" smtClean="0"/>
               <a:pPr/>
-              <a:t>2018/4/22</a:t>
+              <a:t>2018/4/28</a:t>
             </a:fld>
             <a:endParaRPr lang="ja-JP" altLang="en-US" dirty="0"/>
           </a:p>
@@ -3801,7 +3890,7 @@
             <a:fld id="{2428F437-7555-47DD-B668-A6054E2B6526}" type="datetime1">
               <a:rPr lang="ja-JP" altLang="en-US" smtClean="0"/>
               <a:pPr/>
-              <a:t>2018/4/22</a:t>
+              <a:t>2018/4/28</a:t>
             </a:fld>
             <a:endParaRPr lang="ja-JP" altLang="en-US" dirty="0"/>
           </a:p>
@@ -4178,7 +4267,7 @@
             <a:fld id="{BAFA1F1E-07BA-4BD1-9D0B-52CCAAB6E57E}" type="datetime1">
               <a:rPr lang="ja-JP" altLang="en-US" smtClean="0"/>
               <a:pPr/>
-              <a:t>2018/4/22</a:t>
+              <a:t>2018/4/28</a:t>
             </a:fld>
             <a:endParaRPr lang="ja-JP" altLang="en-US" dirty="0"/>
           </a:p>
@@ -4707,7 +4796,7 @@
             <a:fld id="{427E2E48-3F71-4060-AD47-6D35A162C236}" type="datetime1">
               <a:rPr lang="ja-JP" altLang="en-US" smtClean="0"/>
               <a:pPr/>
-              <a:t>2018/4/22</a:t>
+              <a:t>2018/4/28</a:t>
             </a:fld>
             <a:endParaRPr lang="ja-JP" altLang="en-US" dirty="0"/>
           </a:p>
@@ -4846,7 +4935,7 @@
             <a:fld id="{46800D23-6458-42C6-B818-E75CC448B4DB}" type="datetime1">
               <a:rPr lang="ja-JP" altLang="en-US" smtClean="0"/>
               <a:pPr/>
-              <a:t>2018/4/22</a:t>
+              <a:t>2018/4/28</a:t>
             </a:fld>
             <a:endParaRPr lang="ja-JP" altLang="en-US" dirty="0"/>
           </a:p>
@@ -4961,7 +5050,7 @@
             <a:fld id="{C89347AB-B18F-4EC7-9B2B-0B9F65F4923C}" type="datetime1">
               <a:rPr lang="ja-JP" altLang="en-US" smtClean="0"/>
               <a:pPr/>
-              <a:t>2018/4/22</a:t>
+              <a:t>2018/4/28</a:t>
             </a:fld>
             <a:endParaRPr lang="ja-JP" altLang="en-US" dirty="0"/>
           </a:p>
@@ -5301,7 +5390,7 @@
             <a:fld id="{F746CB98-8F1C-469F-A210-693DC87B2CEB}" type="datetime1">
               <a:rPr lang="ja-JP" altLang="en-US" smtClean="0"/>
               <a:pPr/>
-              <a:t>2018/4/22</a:t>
+              <a:t>2018/4/28</a:t>
             </a:fld>
             <a:endParaRPr lang="ja-JP" altLang="en-US" dirty="0"/>
           </a:p>
@@ -5599,7 +5688,7 @@
             <a:fld id="{4A88E3EC-CE02-4F26-BBD8-264DBE926D7A}" type="datetime1">
               <a:rPr lang="ja-JP" altLang="en-US" smtClean="0"/>
               <a:pPr/>
-              <a:t>2018/4/22</a:t>
+              <a:t>2018/4/28</a:t>
             </a:fld>
             <a:endParaRPr lang="ja-JP" altLang="en-US" dirty="0"/>
           </a:p>
@@ -6270,7 +6359,7 @@
             <a:fld id="{5F1C1D98-9737-459D-9F09-105F0595AFC8}" type="datetime1">
               <a:rPr lang="ja-JP" altLang="en-US" smtClean="0"/>
               <a:pPr/>
-              <a:t>2018/4/22</a:t>
+              <a:t>2018/4/28</a:t>
             </a:fld>
             <a:endParaRPr lang="ja-JP" altLang="en-US" dirty="0"/>
           </a:p>
@@ -10679,7 +10768,7 @@
           <p:cNvPr id="2" name="タイトル 1">
             <a:extLst>
               <a:ext uri="{FF2B5EF4-FFF2-40B4-BE49-F238E27FC236}">
-                <a16:creationId xmlns:a16="http://schemas.microsoft.com/office/drawing/2014/main" id="{A0CB4772-8113-4F7D-B452-3F083E85DC8A}"/>
+                <a16:creationId xmlns:a16="http://schemas.microsoft.com/office/drawing/2014/main" id="{C7BE633C-F425-4B20-9BF3-2A7D00A5DCEF}"/>
               </a:ext>
             </a:extLst>
           </p:cNvPr>
@@ -10696,10 +10785,9 @@
           <a:lstStyle/>
           <a:p>
             <a:r>
-              <a:rPr lang="ja-JP" altLang="en-US" dirty="0"/>
-              <a:t>機能を満たすための画面を作成する</a:t>
-            </a:r>
-            <a:endParaRPr kumimoji="1" lang="ja-JP" altLang="en-US" dirty="0"/>
+              <a:rPr kumimoji="1" lang="ja-JP" altLang="en-US" dirty="0"/>
+              <a:t>作成する関数（１）</a:t>
+            </a:r>
           </a:p>
         </p:txBody>
       </p:sp>
@@ -10708,7 +10796,7 @@
           <p:cNvPr id="3" name="コンテンツ プレースホルダー 2">
             <a:extLst>
               <a:ext uri="{FF2B5EF4-FFF2-40B4-BE49-F238E27FC236}">
-                <a16:creationId xmlns:a16="http://schemas.microsoft.com/office/drawing/2014/main" id="{ABA27857-98F6-474C-9E3B-2A47CF4CE7BD}"/>
+                <a16:creationId xmlns:a16="http://schemas.microsoft.com/office/drawing/2014/main" id="{0566F08D-DEDA-4371-8889-5E81395020CD}"/>
               </a:ext>
             </a:extLst>
           </p:cNvPr>
@@ -10721,17 +10809,149 @@
         </p:nvSpPr>
         <p:spPr/>
         <p:txBody>
-          <a:bodyPr/>
+          <a:bodyPr>
+            <a:normAutofit/>
+          </a:bodyPr>
           <a:lstStyle/>
           <a:p>
-            <a:endParaRPr kumimoji="1" lang="ja-JP" altLang="en-US"/>
+            <a:r>
+              <a:rPr kumimoji="1" lang="ja-JP" altLang="en-US" dirty="0"/>
+              <a:t>初期化</a:t>
+            </a:r>
+            <a:endParaRPr kumimoji="1" lang="en-US" altLang="ja-JP" dirty="0"/>
+          </a:p>
+          <a:p>
+            <a:pPr lvl="1"/>
+            <a:r>
+              <a:rPr lang="ja-JP" altLang="en-US" dirty="0"/>
+              <a:t>接続文字列を使用して「</a:t>
+            </a:r>
+            <a:r>
+              <a:rPr lang="en-US" altLang="ja-JP" dirty="0" err="1"/>
+              <a:t>CloudStorageAccount</a:t>
+            </a:r>
+            <a:r>
+              <a:rPr lang="ja-JP" altLang="en-US" dirty="0"/>
+              <a:t>」を初期化</a:t>
+            </a:r>
+            <a:endParaRPr lang="en-US" altLang="ja-JP" dirty="0"/>
+          </a:p>
+          <a:p>
+            <a:pPr lvl="1"/>
+            <a:r>
+              <a:rPr lang="ja-JP" altLang="en-US" dirty="0"/>
+              <a:t>以後関数ごとに「</a:t>
+            </a:r>
+            <a:r>
+              <a:rPr lang="en-US" altLang="ja-JP" dirty="0" err="1"/>
+              <a:t>CloudStorageAccount</a:t>
+            </a:r>
+            <a:r>
+              <a:rPr lang="ja-JP" altLang="en-US" dirty="0"/>
+              <a:t>」から「</a:t>
+            </a:r>
+            <a:r>
+              <a:rPr lang="en-US" altLang="ja-JP" dirty="0" err="1"/>
+              <a:t>CloudBlobClient</a:t>
+            </a:r>
+            <a:r>
+              <a:rPr lang="ja-JP" altLang="en-US" dirty="0"/>
+              <a:t>」を作成</a:t>
+            </a:r>
+            <a:endParaRPr kumimoji="1" lang="en-US" altLang="ja-JP" dirty="0"/>
+          </a:p>
+          <a:p>
+            <a:r>
+              <a:rPr lang="en-US" altLang="ja-JP" dirty="0"/>
+              <a:t>Container</a:t>
+            </a:r>
+            <a:r>
+              <a:rPr lang="ja-JP" altLang="en-US" dirty="0"/>
+              <a:t>確認関数</a:t>
+            </a:r>
+            <a:endParaRPr kumimoji="1" lang="en-US" altLang="ja-JP" dirty="0"/>
+          </a:p>
+          <a:p>
+            <a:pPr lvl="1"/>
+            <a:r>
+              <a:rPr lang="ja-JP" altLang="en-US" dirty="0"/>
+              <a:t>「</a:t>
+            </a:r>
+            <a:r>
+              <a:rPr lang="en-US" altLang="ja-JP" dirty="0" err="1"/>
+              <a:t>CloudBlobClient</a:t>
+            </a:r>
+            <a:r>
+              <a:rPr lang="ja-JP" altLang="en-US" dirty="0"/>
+              <a:t>」へコンテナ名を引き渡し、「</a:t>
+            </a:r>
+            <a:r>
+              <a:rPr lang="en-US" altLang="ja-JP" dirty="0" err="1"/>
+              <a:t>CloudBlobContainer</a:t>
+            </a:r>
+            <a:r>
+              <a:rPr lang="ja-JP" altLang="en-US" dirty="0"/>
+              <a:t>」を作成</a:t>
+            </a:r>
+            <a:endParaRPr lang="en-US" altLang="ja-JP" dirty="0"/>
+          </a:p>
+          <a:p>
+            <a:pPr lvl="1"/>
+            <a:r>
+              <a:rPr lang="ja-JP" altLang="en-US" dirty="0"/>
+              <a:t>「</a:t>
+            </a:r>
+            <a:r>
+              <a:rPr lang="en-US" altLang="ja-JP" dirty="0" err="1"/>
+              <a:t>ExistsAsync</a:t>
+            </a:r>
+            <a:r>
+              <a:rPr lang="ja-JP" altLang="en-US" dirty="0"/>
+              <a:t>」で存在の有無を確認する</a:t>
+            </a:r>
+            <a:endParaRPr lang="en-US" altLang="ja-JP" dirty="0"/>
+          </a:p>
+          <a:p>
+            <a:r>
+              <a:rPr lang="en-US" altLang="ja-JP" dirty="0"/>
+              <a:t>Container</a:t>
+            </a:r>
+            <a:r>
+              <a:rPr lang="ja-JP" altLang="en-US" dirty="0"/>
+              <a:t>作成関数</a:t>
+            </a:r>
+            <a:endParaRPr lang="en-US" altLang="ja-JP" dirty="0"/>
+          </a:p>
+          <a:p>
+            <a:pPr lvl="1"/>
+            <a:r>
+              <a:rPr lang="ja-JP" altLang="en-US" dirty="0"/>
+              <a:t>「</a:t>
+            </a:r>
+            <a:r>
+              <a:rPr lang="en-US" altLang="ja-JP" dirty="0" err="1"/>
+              <a:t>CloudBlobContainer</a:t>
+            </a:r>
+            <a:r>
+              <a:rPr lang="ja-JP" altLang="en-US" dirty="0"/>
+              <a:t>」の「</a:t>
+            </a:r>
+            <a:r>
+              <a:rPr lang="en-US" altLang="ja-JP" dirty="0" err="1"/>
+              <a:t>CreateIfNotExistsAsync</a:t>
+            </a:r>
+            <a:r>
+              <a:rPr lang="ja-JP" altLang="en-US" dirty="0"/>
+              <a:t>」を呼び出し、存在しない場合は作成を行う</a:t>
+            </a:r>
+            <a:endParaRPr lang="en-US" altLang="ja-JP" dirty="0"/>
           </a:p>
         </p:txBody>
       </p:sp>
     </p:spTree>
     <p:extLst>
       <p:ext uri="{BB962C8B-B14F-4D97-AF65-F5344CB8AC3E}">
-        <p14:creationId xmlns:p14="http://schemas.microsoft.com/office/powerpoint/2010/main" val="3633967526"/>
+        <p14:creationId xmlns:p14="http://schemas.microsoft.com/office/powerpoint/2010/main" val="4290768518"/>
       </p:ext>
     </p:extLst>
   </p:cSld>
@@ -10775,7 +10995,7 @@
           <p:cNvPr id="2" name="タイトル 1">
             <a:extLst>
               <a:ext uri="{FF2B5EF4-FFF2-40B4-BE49-F238E27FC236}">
-                <a16:creationId xmlns:a16="http://schemas.microsoft.com/office/drawing/2014/main" id="{A0CB4772-8113-4F7D-B452-3F083E85DC8A}"/>
+                <a16:creationId xmlns:a16="http://schemas.microsoft.com/office/drawing/2014/main" id="{C7BE633C-F425-4B20-9BF3-2A7D00A5DCEF}"/>
               </a:ext>
             </a:extLst>
           </p:cNvPr>
@@ -10792,18 +11012,13 @@
           <a:lstStyle/>
           <a:p>
             <a:r>
-              <a:rPr lang="ja-JP" altLang="en-US" dirty="0"/>
-              <a:t>画面とバインドする</a:t>
-            </a:r>
-            <a:r>
-              <a:rPr lang="en-US" altLang="ja-JP" dirty="0"/>
-              <a:t>Model</a:t>
-            </a:r>
-            <a:r>
-              <a:rPr lang="ja-JP" altLang="en-US" dirty="0"/>
-              <a:t>を用意する</a:t>
-            </a:r>
-            <a:endParaRPr kumimoji="1" lang="ja-JP" altLang="en-US" dirty="0"/>
+              <a:rPr kumimoji="1" lang="ja-JP" altLang="en-US"/>
+              <a:t>作成する関数</a:t>
+            </a:r>
+            <a:r>
+              <a:rPr kumimoji="1" lang="ja-JP" altLang="en-US" dirty="0"/>
+              <a:t>（２）</a:t>
+            </a:r>
           </a:p>
         </p:txBody>
       </p:sp>
@@ -10812,7 +11027,7 @@
           <p:cNvPr id="3" name="コンテンツ プレースホルダー 2">
             <a:extLst>
               <a:ext uri="{FF2B5EF4-FFF2-40B4-BE49-F238E27FC236}">
-                <a16:creationId xmlns:a16="http://schemas.microsoft.com/office/drawing/2014/main" id="{ABA27857-98F6-474C-9E3B-2A47CF4CE7BD}"/>
+                <a16:creationId xmlns:a16="http://schemas.microsoft.com/office/drawing/2014/main" id="{0566F08D-DEDA-4371-8889-5E81395020CD}"/>
               </a:ext>
             </a:extLst>
           </p:cNvPr>
@@ -10825,17 +11040,141 @@
         </p:nvSpPr>
         <p:spPr/>
         <p:txBody>
-          <a:bodyPr/>
+          <a:bodyPr>
+            <a:normAutofit/>
+          </a:bodyPr>
           <a:lstStyle/>
           <a:p>
-            <a:endParaRPr kumimoji="1" lang="ja-JP" altLang="en-US"/>
+            <a:r>
+              <a:rPr kumimoji="1" lang="en-US" altLang="ja-JP" dirty="0"/>
+              <a:t>List</a:t>
+            </a:r>
+            <a:r>
+              <a:rPr kumimoji="1" lang="ja-JP" altLang="en-US" dirty="0"/>
+              <a:t>取得関数</a:t>
+            </a:r>
+            <a:endParaRPr kumimoji="1" lang="en-US" altLang="ja-JP" dirty="0"/>
+          </a:p>
+          <a:p>
+            <a:pPr lvl="1"/>
+            <a:r>
+              <a:rPr kumimoji="1" lang="ja-JP" altLang="en-US" dirty="0"/>
+              <a:t>「</a:t>
+            </a:r>
+            <a:r>
+              <a:rPr kumimoji="1" lang="en-US" altLang="ja-JP" dirty="0"/>
+              <a:t>do</a:t>
+            </a:r>
+            <a:r>
+              <a:rPr kumimoji="1" lang="ja-JP" altLang="en-US" dirty="0"/>
+              <a:t>～</a:t>
+            </a:r>
+            <a:r>
+              <a:rPr lang="en-US" altLang="ja-JP" dirty="0"/>
+              <a:t>while</a:t>
+            </a:r>
+            <a:r>
+              <a:rPr lang="ja-JP" altLang="en-US" dirty="0"/>
+              <a:t>（</a:t>
+            </a:r>
+            <a:r>
+              <a:rPr lang="en-US" altLang="ja-JP" dirty="0" err="1"/>
+              <a:t>BlobContinuationToken</a:t>
+            </a:r>
+            <a:r>
+              <a:rPr lang="ja-JP" altLang="en-US" dirty="0"/>
+              <a:t>）」ですべてのアイテムを取得するようにする</a:t>
+            </a:r>
+            <a:endParaRPr lang="en-US" altLang="ja-JP" dirty="0"/>
+          </a:p>
+          <a:p>
+            <a:pPr lvl="1"/>
+            <a:r>
+              <a:rPr lang="ja-JP" altLang="en-US" dirty="0"/>
+              <a:t>「</a:t>
+            </a:r>
+            <a:r>
+              <a:rPr lang="en-US" altLang="ja-JP" dirty="0" err="1"/>
+              <a:t>CloudBlobContainer</a:t>
+            </a:r>
+            <a:r>
+              <a:rPr lang="ja-JP" altLang="en-US" dirty="0"/>
+              <a:t>」の「</a:t>
+            </a:r>
+            <a:r>
+              <a:rPr lang="en-US" altLang="ja-JP" dirty="0" err="1"/>
+              <a:t>ListBlobsSegmentedAsync</a:t>
+            </a:r>
+            <a:r>
+              <a:rPr lang="ja-JP" altLang="en-US" dirty="0"/>
+              <a:t>」を呼び出し、継続トークンと</a:t>
+            </a:r>
+            <a:r>
+              <a:rPr lang="en-US" altLang="ja-JP" dirty="0"/>
+              <a:t>List</a:t>
+            </a:r>
+            <a:r>
+              <a:rPr lang="ja-JP" altLang="en-US" dirty="0"/>
+              <a:t>を取得し、「</a:t>
+            </a:r>
+            <a:r>
+              <a:rPr lang="en-US" altLang="ja-JP" dirty="0"/>
+              <a:t>foreach</a:t>
+            </a:r>
+            <a:r>
+              <a:rPr lang="ja-JP" altLang="en-US" dirty="0"/>
+              <a:t>」で各アイテムごとの情報を取得する。</a:t>
+            </a:r>
+            <a:endParaRPr kumimoji="1" lang="en-US" altLang="ja-JP" dirty="0"/>
+          </a:p>
+          <a:p>
+            <a:r>
+              <a:rPr lang="ja-JP" altLang="en-US" dirty="0"/>
+              <a:t>アップロード関数</a:t>
+            </a:r>
+            <a:endParaRPr kumimoji="1" lang="en-US" altLang="ja-JP" dirty="0"/>
+          </a:p>
+          <a:p>
+            <a:pPr lvl="1"/>
+            <a:r>
+              <a:rPr lang="ja-JP" altLang="en-US" dirty="0"/>
+              <a:t>「を確認する</a:t>
+            </a:r>
+            <a:endParaRPr lang="en-US" altLang="ja-JP" dirty="0"/>
+          </a:p>
+          <a:p>
+            <a:r>
+              <a:rPr lang="ja-JP" altLang="en-US" dirty="0"/>
+              <a:t>ダウンロード関数</a:t>
+            </a:r>
+            <a:endParaRPr lang="en-US" altLang="ja-JP" dirty="0"/>
+          </a:p>
+          <a:p>
+            <a:pPr lvl="1"/>
+            <a:r>
+              <a:rPr lang="ja-JP" altLang="en-US" dirty="0"/>
+              <a:t>「</a:t>
+            </a:r>
+            <a:r>
+              <a:rPr lang="en-US" altLang="ja-JP" dirty="0" err="1"/>
+              <a:t>CloudBlobContainer</a:t>
+            </a:r>
+            <a:r>
+              <a:rPr lang="ja-JP" altLang="en-US" dirty="0"/>
+              <a:t>」の「</a:t>
+            </a:r>
+            <a:r>
+              <a:rPr lang="en-US" altLang="ja-JP" dirty="0" err="1"/>
+              <a:t>Creat</a:t>
+            </a:r>
+            <a:endParaRPr lang="en-US" altLang="ja-JP" dirty="0"/>
           </a:p>
         </p:txBody>
       </p:sp>
     </p:spTree>
     <p:extLst>
       <p:ext uri="{BB962C8B-B14F-4D97-AF65-F5344CB8AC3E}">
-        <p14:creationId xmlns:p14="http://schemas.microsoft.com/office/powerpoint/2010/main" val="80202090"/>
+        <p14:creationId xmlns:p14="http://schemas.microsoft.com/office/powerpoint/2010/main" val="949209791"/>
       </p:ext>
     </p:extLst>
   </p:cSld>
@@ -10897,7 +11236,7 @@
           <a:p>
             <a:r>
               <a:rPr lang="ja-JP" altLang="en-US" dirty="0"/>
-              <a:t>各機能のクラス又はメソッドを用意する</a:t>
+              <a:t>機能を満たすための画面を作成する</a:t>
             </a:r>
             <a:endParaRPr kumimoji="1" lang="ja-JP" altLang="en-US" dirty="0"/>
           </a:p>
@@ -10924,14 +11263,103 @@
           <a:bodyPr/>
           <a:lstStyle/>
           <a:p>
-            <a:endParaRPr kumimoji="1" lang="ja-JP" altLang="en-US"/>
-          </a:p>
-        </p:txBody>
-      </p:sp>
+            <a:r>
+              <a:rPr kumimoji="1" lang="ja-JP" altLang="en-US" dirty="0"/>
+              <a:t>上部に</a:t>
+            </a:r>
+            <a:r>
+              <a:rPr kumimoji="1" lang="en-US" altLang="ja-JP" dirty="0" err="1"/>
+              <a:t>ListView</a:t>
+            </a:r>
+            <a:r>
+              <a:rPr kumimoji="1" lang="ja-JP" altLang="en-US" dirty="0"/>
+              <a:t>を配置</a:t>
+            </a:r>
+            <a:endParaRPr kumimoji="1" lang="en-US" altLang="ja-JP" dirty="0"/>
+          </a:p>
+          <a:p>
+            <a:r>
+              <a:rPr kumimoji="1" lang="ja-JP" altLang="en-US" dirty="0"/>
+              <a:t>下部に</a:t>
+            </a:r>
+            <a:r>
+              <a:rPr lang="ja-JP" altLang="en-US" dirty="0"/>
+              <a:t>コンテナ操作用</a:t>
+            </a:r>
+            <a:br>
+              <a:rPr lang="en-US" altLang="ja-JP" dirty="0"/>
+            </a:br>
+            <a:r>
+              <a:rPr lang="ja-JP" altLang="en-US" dirty="0"/>
+              <a:t>ファイル操作用を配置</a:t>
+            </a:r>
+            <a:endParaRPr lang="en-US" altLang="ja-JP" dirty="0"/>
+          </a:p>
+          <a:p>
+            <a:endParaRPr lang="en-US" altLang="ja-JP" dirty="0"/>
+          </a:p>
+          <a:p>
+            <a:endParaRPr lang="en-US" altLang="ja-JP" dirty="0"/>
+          </a:p>
+          <a:p>
+            <a:endParaRPr lang="en-US" altLang="ja-JP" dirty="0"/>
+          </a:p>
+          <a:p>
+            <a:endParaRPr lang="en-US" altLang="ja-JP" dirty="0"/>
+          </a:p>
+          <a:p>
+            <a:pPr marL="0" indent="0">
+              <a:buNone/>
+            </a:pPr>
+            <a:r>
+              <a:rPr lang="en-US" altLang="ja-JP" sz="2000" dirty="0"/>
+              <a:t>※</a:t>
+            </a:r>
+            <a:r>
+              <a:rPr lang="ja-JP" altLang="en-US" sz="2000" dirty="0"/>
+              <a:t>シンプルに構成しています</a:t>
+            </a:r>
+            <a:endParaRPr lang="en-US" altLang="ja-JP" sz="2000" dirty="0"/>
+          </a:p>
+          <a:p>
+            <a:endParaRPr kumimoji="1" lang="ja-JP" altLang="en-US" dirty="0"/>
+          </a:p>
+        </p:txBody>
+      </p:sp>
+      <p:pic>
+        <p:nvPicPr>
+          <p:cNvPr id="4" name="図 3">
+            <a:extLst>
+              <a:ext uri="{FF2B5EF4-FFF2-40B4-BE49-F238E27FC236}">
+                <a16:creationId xmlns:a16="http://schemas.microsoft.com/office/drawing/2014/main" id="{129D06A0-7856-4149-A038-8D4E7EA4006D}"/>
+              </a:ext>
+            </a:extLst>
+          </p:cNvPr>
+          <p:cNvPicPr>
+            <a:picLocks noChangeAspect="1"/>
+          </p:cNvPicPr>
+          <p:nvPr/>
+        </p:nvPicPr>
+        <p:blipFill>
+          <a:blip r:embed="rId3"/>
+          <a:stretch>
+            <a:fillRect/>
+          </a:stretch>
+        </p:blipFill>
+        <p:spPr>
+          <a:xfrm>
+            <a:off x="5230316" y="1772816"/>
+            <a:ext cx="6520126" cy="3527403"/>
+          </a:xfrm>
+          <a:prstGeom prst="rect">
+            <a:avLst/>
+          </a:prstGeom>
+        </p:spPr>
+      </p:pic>
     </p:spTree>
     <p:extLst>
       <p:ext uri="{BB962C8B-B14F-4D97-AF65-F5344CB8AC3E}">
-        <p14:creationId xmlns:p14="http://schemas.microsoft.com/office/powerpoint/2010/main" val="2645695781"/>
+        <p14:creationId xmlns:p14="http://schemas.microsoft.com/office/powerpoint/2010/main" val="3633967526"/>
       </p:ext>
     </p:extLst>
   </p:cSld>
@@ -10993,7 +11421,15 @@
           <a:p>
             <a:r>
               <a:rPr lang="ja-JP" altLang="en-US" dirty="0"/>
-              <a:t>ボタンインベントを作成し、機能を呼び出す</a:t>
+              <a:t>画面と連携する</a:t>
+            </a:r>
+            <a:r>
+              <a:rPr lang="en-US" altLang="ja-JP" dirty="0"/>
+              <a:t>Model</a:t>
+            </a:r>
+            <a:r>
+              <a:rPr lang="ja-JP" altLang="en-US" dirty="0"/>
+              <a:t>を用意する</a:t>
             </a:r>
             <a:endParaRPr kumimoji="1" lang="ja-JP" altLang="en-US" dirty="0"/>
           </a:p>
@@ -11020,14 +11456,69 @@
           <a:bodyPr/>
           <a:lstStyle/>
           <a:p>
-            <a:endParaRPr kumimoji="1" lang="ja-JP" altLang="en-US"/>
+            <a:r>
+              <a:rPr kumimoji="1" lang="en-US" altLang="ja-JP" dirty="0"/>
+              <a:t>UWP</a:t>
+            </a:r>
+            <a:r>
+              <a:rPr kumimoji="1" lang="ja-JP" altLang="en-US" dirty="0"/>
+              <a:t>アプリは</a:t>
+            </a:r>
+            <a:r>
+              <a:rPr kumimoji="1" lang="en-US" altLang="ja-JP" dirty="0"/>
+              <a:t>MVVM</a:t>
+            </a:r>
+            <a:r>
+              <a:rPr kumimoji="1" lang="ja-JP" altLang="en-US" dirty="0"/>
+              <a:t>で作成しますので、各項目と連携する</a:t>
+            </a:r>
+            <a:r>
+              <a:rPr kumimoji="1" lang="en-US" altLang="ja-JP" dirty="0"/>
+              <a:t>Model</a:t>
+            </a:r>
+            <a:r>
+              <a:rPr kumimoji="1" lang="ja-JP" altLang="en-US" dirty="0"/>
+              <a:t>を作成します。</a:t>
+            </a:r>
+            <a:endParaRPr kumimoji="1" lang="en-US" altLang="ja-JP" dirty="0"/>
+          </a:p>
+          <a:p>
+            <a:r>
+              <a:rPr lang="ja-JP" altLang="en-US" dirty="0"/>
+              <a:t>今回は「</a:t>
+            </a:r>
+            <a:r>
+              <a:rPr lang="en-US" altLang="ja-JP" dirty="0"/>
+              <a:t>Azure Blob Storage </a:t>
+            </a:r>
+            <a:r>
+              <a:rPr lang="ja-JP" altLang="en-US" dirty="0"/>
+              <a:t>クラスライブラリ」に作成した「</a:t>
+            </a:r>
+            <a:r>
+              <a:rPr lang="en-US" altLang="ja-JP" dirty="0" err="1"/>
+              <a:t>BlobListDataModel</a:t>
+            </a:r>
+            <a:r>
+              <a:rPr lang="ja-JP" altLang="en-US" dirty="0"/>
+              <a:t>」を</a:t>
+            </a:r>
+            <a:r>
+              <a:rPr lang="en-US" altLang="ja-JP" dirty="0" err="1"/>
+              <a:t>ModelView</a:t>
+            </a:r>
+            <a:r>
+              <a:rPr lang="ja-JP" altLang="en-US" dirty="0"/>
+              <a:t>として兼用させます。</a:t>
+            </a:r>
+            <a:endParaRPr lang="en-US" altLang="ja-JP" dirty="0"/>
           </a:p>
         </p:txBody>
       </p:sp>
     </p:spTree>
     <p:extLst>
       <p:ext uri="{BB962C8B-B14F-4D97-AF65-F5344CB8AC3E}">
-        <p14:creationId xmlns:p14="http://schemas.microsoft.com/office/powerpoint/2010/main" val="603394815"/>
+        <p14:creationId xmlns:p14="http://schemas.microsoft.com/office/powerpoint/2010/main" val="80202090"/>
       </p:ext>
     </p:extLst>
   </p:cSld>
@@ -11089,11 +11580,7 @@
           <a:p>
             <a:r>
               <a:rPr lang="ja-JP" altLang="en-US" dirty="0"/>
-              <a:t>こんな表示がされれば</a:t>
-            </a:r>
-            <a:r>
-              <a:rPr lang="en-US" altLang="ja-JP" dirty="0"/>
-              <a:t>OK</a:t>
+              <a:t>ボタンインベントを作成し、機能を呼び出す</a:t>
             </a:r>
             <a:endParaRPr kumimoji="1" lang="ja-JP" altLang="en-US" dirty="0"/>
           </a:p>
@@ -11127,7 +11614,7 @@
     </p:spTree>
     <p:extLst>
       <p:ext uri="{BB962C8B-B14F-4D97-AF65-F5344CB8AC3E}">
-        <p14:creationId xmlns:p14="http://schemas.microsoft.com/office/powerpoint/2010/main" val="981613289"/>
+        <p14:creationId xmlns:p14="http://schemas.microsoft.com/office/powerpoint/2010/main" val="603394815"/>
       </p:ext>
     </p:extLst>
   </p:cSld>
@@ -11171,7 +11658,7 @@
           <p:cNvPr id="2" name="タイトル 1">
             <a:extLst>
               <a:ext uri="{FF2B5EF4-FFF2-40B4-BE49-F238E27FC236}">
-                <a16:creationId xmlns:a16="http://schemas.microsoft.com/office/drawing/2014/main" id="{FCC4B855-2159-4EEA-9D01-324BA857EB49}"/>
+                <a16:creationId xmlns:a16="http://schemas.microsoft.com/office/drawing/2014/main" id="{A0CB4772-8113-4F7D-B452-3F083E85DC8A}"/>
               </a:ext>
             </a:extLst>
           </p:cNvPr>
@@ -11188,18 +11675,19 @@
           <a:lstStyle/>
           <a:p>
             <a:r>
-              <a:rPr kumimoji="1" lang="ja-JP" altLang="en-US" dirty="0"/>
-              <a:t>作成理由</a:t>
-            </a:r>
-          </a:p>
-        </p:txBody>
-      </p:sp>
-      <p:sp>
-        <p:nvSpPr>
-          <p:cNvPr id="3" name="テキスト プレースホルダー 2">
+              <a:rPr lang="ja-JP" altLang="en-US" dirty="0"/>
+              <a:t>各機能のクラス又はメソッドを用意する</a:t>
+            </a:r>
+            <a:endParaRPr kumimoji="1" lang="ja-JP" altLang="en-US" dirty="0"/>
+          </a:p>
+        </p:txBody>
+      </p:sp>
+      <p:sp>
+        <p:nvSpPr>
+          <p:cNvPr id="3" name="コンテンツ プレースホルダー 2">
             <a:extLst>
               <a:ext uri="{FF2B5EF4-FFF2-40B4-BE49-F238E27FC236}">
-                <a16:creationId xmlns:a16="http://schemas.microsoft.com/office/drawing/2014/main" id="{1E1DC116-99F9-49A4-9356-4DA90BF685C9}"/>
+                <a16:creationId xmlns:a16="http://schemas.microsoft.com/office/drawing/2014/main" id="{ABA27857-98F6-474C-9E3B-2A47CF4CE7BD}"/>
               </a:ext>
             </a:extLst>
           </p:cNvPr>
@@ -11207,7 +11695,7 @@
             <a:spLocks noGrp="1"/>
           </p:cNvSpPr>
           <p:nvPr>
-            <p:ph type="body" idx="1"/>
+            <p:ph idx="1"/>
           </p:nvPr>
         </p:nvSpPr>
         <p:spPr/>
@@ -11215,17 +11703,14 @@
           <a:bodyPr/>
           <a:lstStyle/>
           <a:p>
-            <a:r>
-              <a:rPr kumimoji="1" lang="ja-JP" altLang="en-US" dirty="0"/>
-              <a:t>ネタはネタとして</a:t>
-            </a:r>
+            <a:endParaRPr kumimoji="1" lang="ja-JP" altLang="en-US"/>
           </a:p>
         </p:txBody>
       </p:sp>
     </p:spTree>
     <p:extLst>
       <p:ext uri="{BB962C8B-B14F-4D97-AF65-F5344CB8AC3E}">
-        <p14:creationId xmlns:p14="http://schemas.microsoft.com/office/powerpoint/2010/main" val="855914954"/>
+        <p14:creationId xmlns:p14="http://schemas.microsoft.com/office/powerpoint/2010/main" val="2645695781"/>
       </p:ext>
     </p:extLst>
   </p:cSld>
@@ -11269,7 +11754,7 @@
           <p:cNvPr id="2" name="タイトル 1">
             <a:extLst>
               <a:ext uri="{FF2B5EF4-FFF2-40B4-BE49-F238E27FC236}">
-                <a16:creationId xmlns:a16="http://schemas.microsoft.com/office/drawing/2014/main" id="{25CEFAA4-1D37-469D-97CE-A0D285E2CC85}"/>
+                <a16:creationId xmlns:a16="http://schemas.microsoft.com/office/drawing/2014/main" id="{A0CB4772-8113-4F7D-B452-3F083E85DC8A}"/>
               </a:ext>
             </a:extLst>
           </p:cNvPr>
@@ -11286,9 +11771,14 @@
           <a:lstStyle/>
           <a:p>
             <a:r>
-              <a:rPr kumimoji="1" lang="ja-JP" altLang="en-US" dirty="0"/>
-              <a:t>なぜ？</a:t>
-            </a:r>
+              <a:rPr lang="ja-JP" altLang="en-US" dirty="0"/>
+              <a:t>こんな表示がされれば</a:t>
+            </a:r>
+            <a:r>
+              <a:rPr lang="en-US" altLang="ja-JP" dirty="0"/>
+              <a:t>OK</a:t>
+            </a:r>
+            <a:endParaRPr kumimoji="1" lang="ja-JP" altLang="en-US" dirty="0"/>
           </a:p>
         </p:txBody>
       </p:sp>
@@ -11297,7 +11787,7 @@
           <p:cNvPr id="3" name="コンテンツ プレースホルダー 2">
             <a:extLst>
               <a:ext uri="{FF2B5EF4-FFF2-40B4-BE49-F238E27FC236}">
-                <a16:creationId xmlns:a16="http://schemas.microsoft.com/office/drawing/2014/main" id="{F06E8C50-4ABA-4096-A450-E322DE225C68}"/>
+                <a16:creationId xmlns:a16="http://schemas.microsoft.com/office/drawing/2014/main" id="{ABA27857-98F6-474C-9E3B-2A47CF4CE7BD}"/>
               </a:ext>
             </a:extLst>
           </p:cNvPr>
@@ -11313,148 +11803,14 @@
           <a:bodyPr/>
           <a:lstStyle/>
           <a:p>
-            <a:r>
-              <a:rPr kumimoji="1" lang="ja-JP" altLang="en-US" dirty="0"/>
-              <a:t>お金かかるんでしょ？</a:t>
-            </a:r>
-            <a:endParaRPr kumimoji="1" lang="en-US" altLang="ja-JP" dirty="0"/>
-          </a:p>
-          <a:p>
-            <a:pPr lvl="1"/>
-            <a:r>
-              <a:rPr lang="ja-JP" altLang="en-US" dirty="0"/>
-              <a:t>まあ、これがよく言われるので、「</a:t>
-            </a:r>
-            <a:r>
-              <a:rPr lang="en-US" altLang="ja-JP" dirty="0"/>
-              <a:t>PC</a:t>
-            </a:r>
-            <a:r>
-              <a:rPr lang="ja-JP" altLang="en-US" dirty="0"/>
-              <a:t>とか通信費は除いて、無償環境で学習することはできるんです」を書きたかった。</a:t>
-            </a:r>
-            <a:endParaRPr lang="en-US" altLang="ja-JP" dirty="0"/>
-          </a:p>
-          <a:p>
-            <a:r>
-              <a:rPr kumimoji="1" lang="ja-JP" altLang="en-US" dirty="0"/>
-              <a:t>なんで</a:t>
-            </a:r>
-            <a:r>
-              <a:rPr kumimoji="1" lang="en-US" altLang="ja-JP" dirty="0"/>
-              <a:t>UWP</a:t>
-            </a:r>
-          </a:p>
-          <a:p>
-            <a:pPr lvl="1"/>
-            <a:r>
-              <a:rPr lang="en-US" altLang="ja-JP" dirty="0"/>
-              <a:t>HoloLens</a:t>
-            </a:r>
-            <a:r>
-              <a:rPr lang="ja-JP" altLang="en-US" dirty="0"/>
-              <a:t>も</a:t>
-            </a:r>
-            <a:r>
-              <a:rPr lang="en-US" altLang="ja-JP" dirty="0"/>
-              <a:t>UWP</a:t>
-            </a:r>
-            <a:r>
-              <a:rPr lang="ja-JP" altLang="en-US" dirty="0"/>
-              <a:t>でいけますし、</a:t>
-            </a:r>
-            <a:r>
-              <a:rPr lang="en-US" altLang="ja-JP" dirty="0" err="1"/>
-              <a:t>Xamarin.Foam</a:t>
-            </a:r>
-            <a:r>
-              <a:rPr lang="ja-JP" altLang="en-US" dirty="0"/>
-              <a:t>につながる技術もあるので、</a:t>
-            </a:r>
-            <a:r>
-              <a:rPr lang="en-US" altLang="ja-JP" dirty="0"/>
-              <a:t>UWP</a:t>
-            </a:r>
-            <a:r>
-              <a:rPr lang="ja-JP" altLang="en-US" dirty="0"/>
-              <a:t>を選択しています。</a:t>
-            </a:r>
-            <a:endParaRPr lang="en-US" altLang="ja-JP" dirty="0"/>
-          </a:p>
-          <a:p>
-            <a:pPr lvl="2"/>
-            <a:r>
-              <a:rPr kumimoji="1" lang="en-US" altLang="ja-JP" dirty="0">
-                <a:solidFill>
-                  <a:schemeClr val="tx2">
-                    <a:lumMod val="75000"/>
-                  </a:schemeClr>
-                </a:solidFill>
-              </a:rPr>
-              <a:t>Windows10 Mobile(Windows</a:t>
-            </a:r>
-            <a:r>
-              <a:rPr lang="ja-JP" altLang="en-US" dirty="0">
-                <a:solidFill>
-                  <a:schemeClr val="tx2">
-                    <a:lumMod val="75000"/>
-                  </a:schemeClr>
-                </a:solidFill>
-              </a:rPr>
-              <a:t> </a:t>
-            </a:r>
-            <a:r>
-              <a:rPr kumimoji="1" lang="en-US" altLang="ja-JP" dirty="0">
-                <a:solidFill>
-                  <a:schemeClr val="tx2">
-                    <a:lumMod val="75000"/>
-                  </a:schemeClr>
-                </a:solidFill>
-              </a:rPr>
-              <a:t>Phone)</a:t>
-            </a:r>
-            <a:r>
-              <a:rPr kumimoji="1" lang="ja-JP" altLang="en-US" dirty="0">
-                <a:solidFill>
-                  <a:schemeClr val="tx2">
-                    <a:lumMod val="75000"/>
-                  </a:schemeClr>
-                </a:solidFill>
-              </a:rPr>
-              <a:t>という裏テーマもあったりしますがー</a:t>
-            </a:r>
-            <a:endParaRPr kumimoji="1" lang="en-US" altLang="ja-JP" dirty="0">
-              <a:solidFill>
-                <a:schemeClr val="tx2">
-                  <a:lumMod val="75000"/>
-                </a:schemeClr>
-              </a:solidFill>
-            </a:endParaRPr>
-          </a:p>
-          <a:p>
-            <a:r>
-              <a:rPr lang="en-US" altLang="ja-JP" dirty="0"/>
-              <a:t>Azure</a:t>
-            </a:r>
-            <a:r>
-              <a:rPr lang="ja-JP" altLang="en-US" dirty="0"/>
-              <a:t>必要あった？</a:t>
-            </a:r>
-            <a:endParaRPr lang="en-US" altLang="ja-JP" dirty="0"/>
-          </a:p>
-          <a:p>
-            <a:pPr lvl="1"/>
-            <a:r>
-              <a:rPr kumimoji="1" lang="ja-JP" altLang="en-US" dirty="0"/>
-              <a:t>今後ネットワークやクラウドサービスと無縁というわけにはいかないので、何かしら絡めたかったんです。</a:t>
-            </a:r>
+            <a:endParaRPr kumimoji="1" lang="ja-JP" altLang="en-US"/>
           </a:p>
         </p:txBody>
       </p:sp>
     </p:spTree>
     <p:extLst>
       <p:ext uri="{BB962C8B-B14F-4D97-AF65-F5344CB8AC3E}">
-        <p14:creationId xmlns:p14="http://schemas.microsoft.com/office/powerpoint/2010/main" val="782790832"/>
+        <p14:creationId xmlns:p14="http://schemas.microsoft.com/office/powerpoint/2010/main" val="981613289"/>
       </p:ext>
     </p:extLst>
   </p:cSld>
@@ -11498,7 +11854,7 @@
           <p:cNvPr id="2" name="タイトル 1">
             <a:extLst>
               <a:ext uri="{FF2B5EF4-FFF2-40B4-BE49-F238E27FC236}">
-                <a16:creationId xmlns:a16="http://schemas.microsoft.com/office/drawing/2014/main" id="{A7E38D46-298C-479C-9D1A-93B10F41535A}"/>
+                <a16:creationId xmlns:a16="http://schemas.microsoft.com/office/drawing/2014/main" id="{FCC4B855-2159-4EEA-9D01-324BA857EB49}"/>
               </a:ext>
             </a:extLst>
           </p:cNvPr>
@@ -11516,7 +11872,7 @@
           <a:p>
             <a:r>
               <a:rPr kumimoji="1" lang="ja-JP" altLang="en-US" dirty="0"/>
-              <a:t>補足</a:t>
+              <a:t>作成理由</a:t>
             </a:r>
           </a:p>
         </p:txBody>
@@ -11526,7 +11882,7 @@
           <p:cNvPr id="3" name="テキスト プレースホルダー 2">
             <a:extLst>
               <a:ext uri="{FF2B5EF4-FFF2-40B4-BE49-F238E27FC236}">
-                <a16:creationId xmlns:a16="http://schemas.microsoft.com/office/drawing/2014/main" id="{5B28D3D4-8EE0-4145-BBE0-EDF710BBEB3E}"/>
+                <a16:creationId xmlns:a16="http://schemas.microsoft.com/office/drawing/2014/main" id="{1E1DC116-99F9-49A4-9356-4DA90BF685C9}"/>
               </a:ext>
             </a:extLst>
           </p:cNvPr>
@@ -11544,7 +11900,7 @@
           <a:p>
             <a:r>
               <a:rPr kumimoji="1" lang="ja-JP" altLang="en-US" dirty="0"/>
-              <a:t>細々したことあったかな？</a:t>
+              <a:t>ネタはネタとして</a:t>
             </a:r>
           </a:p>
         </p:txBody>
@@ -11552,7 +11908,7 @@
     </p:spTree>
     <p:extLst>
       <p:ext uri="{BB962C8B-B14F-4D97-AF65-F5344CB8AC3E}">
-        <p14:creationId xmlns:p14="http://schemas.microsoft.com/office/powerpoint/2010/main" val="1187447335"/>
+        <p14:creationId xmlns:p14="http://schemas.microsoft.com/office/powerpoint/2010/main" val="855914954"/>
       </p:ext>
     </p:extLst>
   </p:cSld>
@@ -11763,6 +12119,333 @@
           <p:cNvPr id="2" name="タイトル 1">
             <a:extLst>
               <a:ext uri="{FF2B5EF4-FFF2-40B4-BE49-F238E27FC236}">
+                <a16:creationId xmlns:a16="http://schemas.microsoft.com/office/drawing/2014/main" id="{25CEFAA4-1D37-469D-97CE-A0D285E2CC85}"/>
+              </a:ext>
+            </a:extLst>
+          </p:cNvPr>
+          <p:cNvSpPr>
+            <a:spLocks noGrp="1"/>
+          </p:cNvSpPr>
+          <p:nvPr>
+            <p:ph type="title"/>
+          </p:nvPr>
+        </p:nvSpPr>
+        <p:spPr/>
+        <p:txBody>
+          <a:bodyPr/>
+          <a:lstStyle/>
+          <a:p>
+            <a:r>
+              <a:rPr kumimoji="1" lang="ja-JP" altLang="en-US" dirty="0"/>
+              <a:t>なぜ？</a:t>
+            </a:r>
+          </a:p>
+        </p:txBody>
+      </p:sp>
+      <p:sp>
+        <p:nvSpPr>
+          <p:cNvPr id="3" name="コンテンツ プレースホルダー 2">
+            <a:extLst>
+              <a:ext uri="{FF2B5EF4-FFF2-40B4-BE49-F238E27FC236}">
+                <a16:creationId xmlns:a16="http://schemas.microsoft.com/office/drawing/2014/main" id="{F06E8C50-4ABA-4096-A450-E322DE225C68}"/>
+              </a:ext>
+            </a:extLst>
+          </p:cNvPr>
+          <p:cNvSpPr>
+            <a:spLocks noGrp="1"/>
+          </p:cNvSpPr>
+          <p:nvPr>
+            <p:ph idx="1"/>
+          </p:nvPr>
+        </p:nvSpPr>
+        <p:spPr/>
+        <p:txBody>
+          <a:bodyPr/>
+          <a:lstStyle/>
+          <a:p>
+            <a:r>
+              <a:rPr kumimoji="1" lang="ja-JP" altLang="en-US" dirty="0"/>
+              <a:t>お金かかるんでしょ？</a:t>
+            </a:r>
+            <a:endParaRPr kumimoji="1" lang="en-US" altLang="ja-JP" dirty="0"/>
+          </a:p>
+          <a:p>
+            <a:pPr lvl="1"/>
+            <a:r>
+              <a:rPr lang="ja-JP" altLang="en-US" dirty="0"/>
+              <a:t>まあ、これがよく言われるので、「</a:t>
+            </a:r>
+            <a:r>
+              <a:rPr lang="en-US" altLang="ja-JP" dirty="0"/>
+              <a:t>PC</a:t>
+            </a:r>
+            <a:r>
+              <a:rPr lang="ja-JP" altLang="en-US" dirty="0"/>
+              <a:t>とか通信費は除いて、無償環境で学習することはできるんです」を書きたかった。</a:t>
+            </a:r>
+            <a:endParaRPr lang="en-US" altLang="ja-JP" dirty="0"/>
+          </a:p>
+          <a:p>
+            <a:r>
+              <a:rPr kumimoji="1" lang="ja-JP" altLang="en-US" dirty="0"/>
+              <a:t>なんで</a:t>
+            </a:r>
+            <a:r>
+              <a:rPr kumimoji="1" lang="en-US" altLang="ja-JP" dirty="0"/>
+              <a:t>UWP</a:t>
+            </a:r>
+          </a:p>
+          <a:p>
+            <a:pPr lvl="1"/>
+            <a:r>
+              <a:rPr lang="en-US" altLang="ja-JP" dirty="0"/>
+              <a:t>HoloLens</a:t>
+            </a:r>
+            <a:r>
+              <a:rPr lang="ja-JP" altLang="en-US" dirty="0"/>
+              <a:t>も</a:t>
+            </a:r>
+            <a:r>
+              <a:rPr lang="en-US" altLang="ja-JP" dirty="0"/>
+              <a:t>UWP</a:t>
+            </a:r>
+            <a:r>
+              <a:rPr lang="ja-JP" altLang="en-US" dirty="0"/>
+              <a:t>でいけますし、</a:t>
+            </a:r>
+            <a:r>
+              <a:rPr lang="en-US" altLang="ja-JP" dirty="0" err="1"/>
+              <a:t>Xamarin.Foam</a:t>
+            </a:r>
+            <a:r>
+              <a:rPr lang="ja-JP" altLang="en-US" dirty="0"/>
+              <a:t>につながる技術もあるので、</a:t>
+            </a:r>
+            <a:r>
+              <a:rPr lang="en-US" altLang="ja-JP" dirty="0"/>
+              <a:t>UWP</a:t>
+            </a:r>
+            <a:r>
+              <a:rPr lang="ja-JP" altLang="en-US" dirty="0"/>
+              <a:t>を選択しています。</a:t>
+            </a:r>
+            <a:endParaRPr lang="en-US" altLang="ja-JP" dirty="0"/>
+          </a:p>
+          <a:p>
+            <a:pPr lvl="2"/>
+            <a:r>
+              <a:rPr kumimoji="1" lang="en-US" altLang="ja-JP" dirty="0">
+                <a:solidFill>
+                  <a:schemeClr val="tx2">
+                    <a:lumMod val="75000"/>
+                  </a:schemeClr>
+                </a:solidFill>
+              </a:rPr>
+              <a:t>Windows10 Mobile(Windows</a:t>
+            </a:r>
+            <a:r>
+              <a:rPr lang="ja-JP" altLang="en-US" dirty="0">
+                <a:solidFill>
+                  <a:schemeClr val="tx2">
+                    <a:lumMod val="75000"/>
+                  </a:schemeClr>
+                </a:solidFill>
+              </a:rPr>
+              <a:t> </a:t>
+            </a:r>
+            <a:r>
+              <a:rPr kumimoji="1" lang="en-US" altLang="ja-JP" dirty="0">
+                <a:solidFill>
+                  <a:schemeClr val="tx2">
+                    <a:lumMod val="75000"/>
+                  </a:schemeClr>
+                </a:solidFill>
+              </a:rPr>
+              <a:t>Phone)</a:t>
+            </a:r>
+            <a:r>
+              <a:rPr kumimoji="1" lang="ja-JP" altLang="en-US" dirty="0">
+                <a:solidFill>
+                  <a:schemeClr val="tx2">
+                    <a:lumMod val="75000"/>
+                  </a:schemeClr>
+                </a:solidFill>
+              </a:rPr>
+              <a:t>という裏テーマもあったりしますがー</a:t>
+            </a:r>
+            <a:endParaRPr kumimoji="1" lang="en-US" altLang="ja-JP" dirty="0">
+              <a:solidFill>
+                <a:schemeClr val="tx2">
+                  <a:lumMod val="75000"/>
+                </a:schemeClr>
+              </a:solidFill>
+            </a:endParaRPr>
+          </a:p>
+          <a:p>
+            <a:r>
+              <a:rPr lang="en-US" altLang="ja-JP" dirty="0"/>
+              <a:t>Azure</a:t>
+            </a:r>
+            <a:r>
+              <a:rPr lang="ja-JP" altLang="en-US" dirty="0"/>
+              <a:t>必要あった？</a:t>
+            </a:r>
+            <a:endParaRPr lang="en-US" altLang="ja-JP" dirty="0"/>
+          </a:p>
+          <a:p>
+            <a:pPr lvl="1"/>
+            <a:r>
+              <a:rPr kumimoji="1" lang="ja-JP" altLang="en-US" dirty="0"/>
+              <a:t>今後ネットワークやクラウドサービスと無縁というわけにはいかないので、何かしら絡めたかったんです。</a:t>
+            </a:r>
+          </a:p>
+        </p:txBody>
+      </p:sp>
+    </p:spTree>
+    <p:extLst>
+      <p:ext uri="{BB962C8B-B14F-4D97-AF65-F5344CB8AC3E}">
+        <p14:creationId xmlns:p14="http://schemas.microsoft.com/office/powerpoint/2010/main" val="782790832"/>
+      </p:ext>
+    </p:extLst>
+  </p:cSld>
+  <p:clrMapOvr>
+    <a:masterClrMapping/>
+  </p:clrMapOvr>
+  <mc:AlternateContent xmlns:mc="http://schemas.openxmlformats.org/markup-compatibility/2006" xmlns:p14="http://schemas.microsoft.com/office/powerpoint/2010/main">
+    <mc:Choice Requires="p14">
+      <p:transition spd="med" p14:dur="700">
+        <p:fade/>
+      </p:transition>
+    </mc:Choice>
+    <mc:Fallback xmlns="">
+      <p:transition spd="med">
+        <p:fade/>
+      </p:transition>
+    </mc:Fallback>
+  </mc:AlternateContent>
+</p:sld>
+</file>
+
+<file path=ppt/slides/slide31.xml><?xml version="1.0" encoding="utf-8"?>
+<p:sld xmlns:a="http://schemas.openxmlformats.org/drawingml/2006/main" xmlns:r="http://schemas.openxmlformats.org/officeDocument/2006/relationships" xmlns:p="http://schemas.openxmlformats.org/presentationml/2006/main">
+  <p:cSld>
+    <p:spTree>
+      <p:nvGrpSpPr>
+        <p:cNvPr id="1" name=""/>
+        <p:cNvGrpSpPr/>
+        <p:nvPr/>
+      </p:nvGrpSpPr>
+      <p:grpSpPr>
+        <a:xfrm>
+          <a:off x="0" y="0"/>
+          <a:ext cx="0" cy="0"/>
+          <a:chOff x="0" y="0"/>
+          <a:chExt cx="0" cy="0"/>
+        </a:xfrm>
+      </p:grpSpPr>
+      <p:sp>
+        <p:nvSpPr>
+          <p:cNvPr id="2" name="タイトル 1">
+            <a:extLst>
+              <a:ext uri="{FF2B5EF4-FFF2-40B4-BE49-F238E27FC236}">
+                <a16:creationId xmlns:a16="http://schemas.microsoft.com/office/drawing/2014/main" id="{A7E38D46-298C-479C-9D1A-93B10F41535A}"/>
+              </a:ext>
+            </a:extLst>
+          </p:cNvPr>
+          <p:cNvSpPr>
+            <a:spLocks noGrp="1"/>
+          </p:cNvSpPr>
+          <p:nvPr>
+            <p:ph type="title"/>
+          </p:nvPr>
+        </p:nvSpPr>
+        <p:spPr/>
+        <p:txBody>
+          <a:bodyPr/>
+          <a:lstStyle/>
+          <a:p>
+            <a:r>
+              <a:rPr kumimoji="1" lang="ja-JP" altLang="en-US" dirty="0"/>
+              <a:t>補足</a:t>
+            </a:r>
+          </a:p>
+        </p:txBody>
+      </p:sp>
+      <p:sp>
+        <p:nvSpPr>
+          <p:cNvPr id="3" name="テキスト プレースホルダー 2">
+            <a:extLst>
+              <a:ext uri="{FF2B5EF4-FFF2-40B4-BE49-F238E27FC236}">
+                <a16:creationId xmlns:a16="http://schemas.microsoft.com/office/drawing/2014/main" id="{5B28D3D4-8EE0-4145-BBE0-EDF710BBEB3E}"/>
+              </a:ext>
+            </a:extLst>
+          </p:cNvPr>
+          <p:cNvSpPr>
+            <a:spLocks noGrp="1"/>
+          </p:cNvSpPr>
+          <p:nvPr>
+            <p:ph type="body" idx="1"/>
+          </p:nvPr>
+        </p:nvSpPr>
+        <p:spPr/>
+        <p:txBody>
+          <a:bodyPr/>
+          <a:lstStyle/>
+          <a:p>
+            <a:r>
+              <a:rPr kumimoji="1" lang="ja-JP" altLang="en-US" dirty="0"/>
+              <a:t>細々したことあったかな？</a:t>
+            </a:r>
+          </a:p>
+        </p:txBody>
+      </p:sp>
+    </p:spTree>
+    <p:extLst>
+      <p:ext uri="{BB962C8B-B14F-4D97-AF65-F5344CB8AC3E}">
+        <p14:creationId xmlns:p14="http://schemas.microsoft.com/office/powerpoint/2010/main" val="1187447335"/>
+      </p:ext>
+    </p:extLst>
+  </p:cSld>
+  <p:clrMapOvr>
+    <a:masterClrMapping/>
+  </p:clrMapOvr>
+  <mc:AlternateContent xmlns:mc="http://schemas.openxmlformats.org/markup-compatibility/2006" xmlns:p14="http://schemas.microsoft.com/office/powerpoint/2010/main">
+    <mc:Choice Requires="p14">
+      <p:transition spd="med" p14:dur="700">
+        <p:fade/>
+      </p:transition>
+    </mc:Choice>
+    <mc:Fallback xmlns="">
+      <p:transition spd="med">
+        <p:fade/>
+      </p:transition>
+    </mc:Fallback>
+  </mc:AlternateContent>
+</p:sld>
+</file>
+
+<file path=ppt/slides/slide32.xml><?xml version="1.0" encoding="utf-8"?>
+<p:sld xmlns:a="http://schemas.openxmlformats.org/drawingml/2006/main" xmlns:r="http://schemas.openxmlformats.org/officeDocument/2006/relationships" xmlns:p="http://schemas.openxmlformats.org/presentationml/2006/main">
+  <p:cSld>
+    <p:spTree>
+      <p:nvGrpSpPr>
+        <p:cNvPr id="1" name=""/>
+        <p:cNvGrpSpPr/>
+        <p:nvPr/>
+      </p:nvGrpSpPr>
+      <p:grpSpPr>
+        <a:xfrm>
+          <a:off x="0" y="0"/>
+          <a:ext cx="0" cy="0"/>
+          <a:chOff x="0" y="0"/>
+          <a:chExt cx="0" cy="0"/>
+        </a:xfrm>
+      </p:grpSpPr>
+      <p:sp>
+        <p:nvSpPr>
+          <p:cNvPr id="2" name="タイトル 1">
+            <a:extLst>
+              <a:ext uri="{FF2B5EF4-FFF2-40B4-BE49-F238E27FC236}">
                 <a16:creationId xmlns:a16="http://schemas.microsoft.com/office/drawing/2014/main" id="{05771605-499F-4872-AD81-4BEE9BF86D7B}"/>
               </a:ext>
             </a:extLst>
@@ -11808,28 +12491,73 @@
           <a:lstStyle/>
           <a:p>
             <a:r>
-              <a:rPr lang="en-US" altLang="ja-JP" dirty="0"/>
-              <a:t>© 2018 Tomoyuki Sasaki</a:t>
-            </a:r>
-            <a:r>
               <a:rPr lang="ja-JP" altLang="en-US" dirty="0"/>
-              <a:t> </a:t>
-            </a:r>
-            <a:r>
-              <a:rPr lang="en-US" altLang="ja-JP" dirty="0"/>
-              <a:t>All rights reserved.</a:t>
+              <a:t>今回のプログラムは、かなり手抜きです。</a:t>
             </a:r>
             <a:br>
               <a:rPr lang="en-US" altLang="ja-JP" dirty="0"/>
             </a:br>
             <a:r>
               <a:rPr lang="ja-JP" altLang="en-US" dirty="0"/>
-              <a:t>本コンテンツの著作権、および本コンテンツ中に出てくる商標権、団体名、ロゴ、製品、サービスなどはそれぞれ、各権利保有者に帰属します。</a:t>
+              <a:t>実際にはもっとエラーハンドリングや</a:t>
+            </a:r>
+            <a:r>
+              <a:rPr lang="en-US" altLang="ja-JP" dirty="0"/>
+              <a:t>MVVM</a:t>
+            </a:r>
+            <a:r>
+              <a:rPr lang="ja-JP" altLang="en-US" dirty="0"/>
+              <a:t>らしい組み方が存在します。</a:t>
+            </a:r>
+            <a:br>
+              <a:rPr lang="en-US" altLang="ja-JP" dirty="0"/>
+            </a:br>
+            <a:r>
+              <a:rPr lang="ja-JP" altLang="en-US" dirty="0"/>
+              <a:t>ですが、まずは学習の入り口として参考になればと思います。</a:t>
             </a:r>
             <a:endParaRPr lang="en-US" altLang="ja-JP" dirty="0"/>
           </a:p>
           <a:p>
-            <a:endParaRPr kumimoji="1" lang="ja-JP" altLang="en-US" dirty="0"/>
+            <a:r>
+              <a:rPr lang="ja-JP" altLang="en-US" dirty="0"/>
+              <a:t>コード自体はほぼ</a:t>
+            </a:r>
+            <a:r>
+              <a:rPr lang="en-US" altLang="ja-JP" dirty="0"/>
+              <a:t>Microsoft</a:t>
+            </a:r>
+            <a:r>
+              <a:rPr lang="ja-JP" altLang="en-US" dirty="0"/>
+              <a:t>のサンプルコードと同等です。</a:t>
+            </a:r>
+            <a:endParaRPr lang="en-US" altLang="ja-JP" dirty="0"/>
+          </a:p>
+          <a:p>
+            <a:r>
+              <a:rPr lang="en-US" altLang="ja-JP" dirty="0"/>
+              <a:t>© 2018 Tomoyuki Sasaki</a:t>
+            </a:r>
+            <a:r>
+              <a:rPr lang="ja-JP" altLang="en-US" dirty="0"/>
+              <a:t> </a:t>
+            </a:r>
+            <a:r>
+              <a:rPr lang="en-US" altLang="ja-JP" dirty="0"/>
+              <a:t>All rights reserved.</a:t>
+            </a:r>
+            <a:br>
+              <a:rPr lang="en-US" altLang="ja-JP" dirty="0"/>
+            </a:br>
+            <a:r>
+              <a:rPr lang="ja-JP" altLang="en-US" dirty="0"/>
+              <a:t>本コンテンツの著作権、および本コンテンツ中に出てくる商標権、団体名、ロゴ、製品、サービスなどはそれぞれ、各権利保有者に帰属</a:t>
+            </a:r>
+            <a:r>
+              <a:rPr lang="ja-JP" altLang="en-US"/>
+              <a:t>します。</a:t>
+            </a:r>
+            <a:endParaRPr lang="en-US" altLang="ja-JP" dirty="0"/>
           </a:p>
         </p:txBody>
       </p:sp>
@@ -13968,6 +14696,151 @@
 </file>
 
 <file path=customXml/item1.xml><?xml version="1.0" encoding="utf-8"?>
+<?mso-contentType ?>
+<FormTemplates xmlns="http://schemas.microsoft.com/sharepoint/v3/contenttype/forms">
+  <Display>DocumentLibraryForm</Display>
+  <Edit>AssetEditForm</Edit>
+  <New>DocumentLibraryForm</New>
+</FormTemplates>
+</file>
+
+<file path=customXml/item2.xml><?xml version="1.0" encoding="utf-8"?>
+<p:properties xmlns:p="http://schemas.microsoft.com/office/2006/metadata/properties" xmlns:xsi="http://www.w3.org/2001/XMLSchema-instance" xmlns:pc="http://schemas.microsoft.com/office/infopath/2007/PartnerControls">
+  <documentManagement>
+    <LocPublishedLinkedAssetsLookup xmlns="4873beb7-5857-4685-be1f-d57550cc96cc" xsi:nil="true"/>
+    <ApprovalStatus xmlns="4873beb7-5857-4685-be1f-d57550cc96cc">InProgress</ApprovalStatus>
+    <MarketSpecific xmlns="4873beb7-5857-4685-be1f-d57550cc96cc">false</MarketSpecific>
+    <LocComments xmlns="4873beb7-5857-4685-be1f-d57550cc96cc" xsi:nil="true"/>
+    <LocLastLocAttemptVersionTypeLookup xmlns="4873beb7-5857-4685-be1f-d57550cc96cc" xsi:nil="true"/>
+    <DirectSourceMarket xmlns="4873beb7-5857-4685-be1f-d57550cc96cc" xsi:nil="true"/>
+    <ThumbnailAssetId xmlns="4873beb7-5857-4685-be1f-d57550cc96cc" xsi:nil="true"/>
+    <PrimaryImageGen xmlns="4873beb7-5857-4685-be1f-d57550cc96cc">false</PrimaryImageGen>
+    <LocNewPublishedVersionLookup xmlns="4873beb7-5857-4685-be1f-d57550cc96cc" xsi:nil="true"/>
+    <LegacyData xmlns="4873beb7-5857-4685-be1f-d57550cc96cc" xsi:nil="true"/>
+    <LocRecommendedHandoff xmlns="4873beb7-5857-4685-be1f-d57550cc96cc" xsi:nil="true"/>
+    <BusinessGroup xmlns="4873beb7-5857-4685-be1f-d57550cc96cc" xsi:nil="true"/>
+    <BlockPublish xmlns="4873beb7-5857-4685-be1f-d57550cc96cc">false</BlockPublish>
+    <TPFriendlyName xmlns="4873beb7-5857-4685-be1f-d57550cc96cc" xsi:nil="true"/>
+    <LocOverallPublishStatusLookup xmlns="4873beb7-5857-4685-be1f-d57550cc96cc" xsi:nil="true"/>
+    <NumericId xmlns="4873beb7-5857-4685-be1f-d57550cc96cc" xsi:nil="true"/>
+    <APEditor xmlns="4873beb7-5857-4685-be1f-d57550cc96cc">
+      <UserInfo>
+        <DisplayName/>
+        <AccountId xsi:nil="true"/>
+        <AccountType/>
+      </UserInfo>
+    </APEditor>
+    <SourceTitle xmlns="4873beb7-5857-4685-be1f-d57550cc96cc" xsi:nil="true"/>
+    <OpenTemplate xmlns="4873beb7-5857-4685-be1f-d57550cc96cc">true</OpenTemplate>
+    <LocOverallLocStatusLookup xmlns="4873beb7-5857-4685-be1f-d57550cc96cc" xsi:nil="true"/>
+    <UALocComments xmlns="4873beb7-5857-4685-be1f-d57550cc96cc" xsi:nil="true"/>
+    <ParentAssetId xmlns="4873beb7-5857-4685-be1f-d57550cc96cc" xsi:nil="true"/>
+    <IntlLangReviewDate xmlns="4873beb7-5857-4685-be1f-d57550cc96cc" xsi:nil="true"/>
+    <FeatureTagsTaxHTField0 xmlns="4873beb7-5857-4685-be1f-d57550cc96cc">
+      <Terms xmlns="http://schemas.microsoft.com/office/infopath/2007/PartnerControls"/>
+    </FeatureTagsTaxHTField0>
+    <PublishStatusLookup xmlns="4873beb7-5857-4685-be1f-d57550cc96cc">
+      <Value>1345093</Value>
+    </PublishStatusLookup>
+    <Providers xmlns="4873beb7-5857-4685-be1f-d57550cc96cc" xsi:nil="true"/>
+    <MachineTranslated xmlns="4873beb7-5857-4685-be1f-d57550cc96cc">false</MachineTranslated>
+    <OriginalSourceMarket xmlns="4873beb7-5857-4685-be1f-d57550cc96cc" xsi:nil="true"/>
+    <APDescription xmlns="4873beb7-5857-4685-be1f-d57550cc96cc">This simple template design works for technology and  businesses, but it's versatile enough to use in other contexts.  It features multiple slide layouts designed for widescreen (16x9 resolution) and includes a sample SmartArt list and chart that are easily editable.</APDescription>
+    <ClipArtFilename xmlns="4873beb7-5857-4685-be1f-d57550cc96cc" xsi:nil="true"/>
+    <ContentItem xmlns="4873beb7-5857-4685-be1f-d57550cc96cc" xsi:nil="true"/>
+    <TPInstallLocation xmlns="4873beb7-5857-4685-be1f-d57550cc96cc" xsi:nil="true"/>
+    <PublishTargets xmlns="4873beb7-5857-4685-be1f-d57550cc96cc">OfficeOnlineVNext</PublishTargets>
+    <TimesCloned xmlns="4873beb7-5857-4685-be1f-d57550cc96cc" xsi:nil="true"/>
+    <AssetStart xmlns="4873beb7-5857-4685-be1f-d57550cc96cc">2011-11-26T00:30:00+00:00</AssetStart>
+    <Provider xmlns="4873beb7-5857-4685-be1f-d57550cc96cc" xsi:nil="true"/>
+    <AcquiredFrom xmlns="4873beb7-5857-4685-be1f-d57550cc96cc">Internal MS</AcquiredFrom>
+    <FriendlyTitle xmlns="4873beb7-5857-4685-be1f-d57550cc96cc" xsi:nil="true"/>
+    <LastHandOff xmlns="4873beb7-5857-4685-be1f-d57550cc96cc" xsi:nil="true"/>
+    <TPClientViewer xmlns="4873beb7-5857-4685-be1f-d57550cc96cc" xsi:nil="true"/>
+    <TemplateStatus xmlns="4873beb7-5857-4685-be1f-d57550cc96cc">Complete</TemplateStatus>
+    <Downloads xmlns="4873beb7-5857-4685-be1f-d57550cc96cc">0</Downloads>
+    <OOCacheId xmlns="4873beb7-5857-4685-be1f-d57550cc96cc" xsi:nil="true"/>
+    <IsDeleted xmlns="4873beb7-5857-4685-be1f-d57550cc96cc">false</IsDeleted>
+    <LocPublishedDependentAssetsLookup xmlns="4873beb7-5857-4685-be1f-d57550cc96cc" xsi:nil="true"/>
+    <TPExecutable xmlns="4873beb7-5857-4685-be1f-d57550cc96cc" xsi:nil="true"/>
+    <EditorialTags xmlns="4873beb7-5857-4685-be1f-d57550cc96cc" xsi:nil="true"/>
+    <SubmitterId xmlns="4873beb7-5857-4685-be1f-d57550cc96cc" xsi:nil="true"/>
+    <ApprovalLog xmlns="4873beb7-5857-4685-be1f-d57550cc96cc" xsi:nil="true"/>
+    <AssetType xmlns="4873beb7-5857-4685-be1f-d57550cc96cc">TP</AssetType>
+    <BugNumber xmlns="4873beb7-5857-4685-be1f-d57550cc96cc" xsi:nil="true"/>
+    <CSXSubmissionDate xmlns="4873beb7-5857-4685-be1f-d57550cc96cc" xsi:nil="true"/>
+    <CSXUpdate xmlns="4873beb7-5857-4685-be1f-d57550cc96cc">false</CSXUpdate>
+    <Milestone xmlns="4873beb7-5857-4685-be1f-d57550cc96cc" xsi:nil="true"/>
+    <RecommendationsModifier xmlns="4873beb7-5857-4685-be1f-d57550cc96cc" xsi:nil="true"/>
+    <OriginAsset xmlns="4873beb7-5857-4685-be1f-d57550cc96cc" xsi:nil="true"/>
+    <TPComponent xmlns="4873beb7-5857-4685-be1f-d57550cc96cc" xsi:nil="true"/>
+    <AssetId xmlns="4873beb7-5857-4685-be1f-d57550cc96cc">TP102787989</AssetId>
+    <IntlLocPriority xmlns="4873beb7-5857-4685-be1f-d57550cc96cc" xsi:nil="true"/>
+    <PolicheckWords xmlns="4873beb7-5857-4685-be1f-d57550cc96cc" xsi:nil="true"/>
+    <TPLaunchHelpLink xmlns="4873beb7-5857-4685-be1f-d57550cc96cc" xsi:nil="true"/>
+    <TPApplication xmlns="4873beb7-5857-4685-be1f-d57550cc96cc" xsi:nil="true"/>
+    <CrawlForDependencies xmlns="4873beb7-5857-4685-be1f-d57550cc96cc">false</CrawlForDependencies>
+    <HandoffToMSDN xmlns="4873beb7-5857-4685-be1f-d57550cc96cc" xsi:nil="true"/>
+    <PlannedPubDate xmlns="4873beb7-5857-4685-be1f-d57550cc96cc" xsi:nil="true"/>
+    <IntlLangReviewer xmlns="4873beb7-5857-4685-be1f-d57550cc96cc" xsi:nil="true"/>
+    <TrustLevel xmlns="4873beb7-5857-4685-be1f-d57550cc96cc">1 Microsoft Managed Content</TrustLevel>
+    <LocLastLocAttemptVersionLookup xmlns="4873beb7-5857-4685-be1f-d57550cc96cc">694266</LocLastLocAttemptVersionLookup>
+    <LocProcessedForHandoffsLookup xmlns="4873beb7-5857-4685-be1f-d57550cc96cc" xsi:nil="true"/>
+    <IsSearchable xmlns="4873beb7-5857-4685-be1f-d57550cc96cc">true</IsSearchable>
+    <TemplateTemplateType xmlns="4873beb7-5857-4685-be1f-d57550cc96cc">PowerPoint Presentation Template</TemplateTemplateType>
+    <CampaignTagsTaxHTField0 xmlns="4873beb7-5857-4685-be1f-d57550cc96cc">
+      <Terms xmlns="http://schemas.microsoft.com/office/infopath/2007/PartnerControls"/>
+    </CampaignTagsTaxHTField0>
+    <TPNamespace xmlns="4873beb7-5857-4685-be1f-d57550cc96cc" xsi:nil="true"/>
+    <LocOverallPreviewStatusLookup xmlns="4873beb7-5857-4685-be1f-d57550cc96cc" xsi:nil="true"/>
+    <TaxCatchAll xmlns="4873beb7-5857-4685-be1f-d57550cc96cc"/>
+    <Markets xmlns="4873beb7-5857-4685-be1f-d57550cc96cc"/>
+    <UAProjectedTotalWords xmlns="4873beb7-5857-4685-be1f-d57550cc96cc" xsi:nil="true"/>
+    <IntlLangReview xmlns="4873beb7-5857-4685-be1f-d57550cc96cc" xsi:nil="true"/>
+    <OutputCachingOn xmlns="4873beb7-5857-4685-be1f-d57550cc96cc">false</OutputCachingOn>
+    <AverageRating xmlns="4873beb7-5857-4685-be1f-d57550cc96cc" xsi:nil="true"/>
+    <APAuthor xmlns="4873beb7-5857-4685-be1f-d57550cc96cc">
+      <UserInfo>
+        <DisplayName>REDMOND\kristaa</DisplayName>
+        <AccountId>136</AccountId>
+        <AccountType/>
+      </UserInfo>
+    </APAuthor>
+    <LocManualTestRequired xmlns="4873beb7-5857-4685-be1f-d57550cc96cc">false</LocManualTestRequired>
+    <TPCommandLine xmlns="4873beb7-5857-4685-be1f-d57550cc96cc" xsi:nil="true"/>
+    <TPAppVersion xmlns="4873beb7-5857-4685-be1f-d57550cc96cc" xsi:nil="true"/>
+    <EditorialStatus xmlns="4873beb7-5857-4685-be1f-d57550cc96cc">Complete</EditorialStatus>
+    <LastModifiedDateTime xmlns="4873beb7-5857-4685-be1f-d57550cc96cc" xsi:nil="true"/>
+    <ScenarioTagsTaxHTField0 xmlns="4873beb7-5857-4685-be1f-d57550cc96cc">
+      <Terms xmlns="http://schemas.microsoft.com/office/infopath/2007/PartnerControls"/>
+    </ScenarioTagsTaxHTField0>
+    <LocProcessedForMarketsLookup xmlns="4873beb7-5857-4685-be1f-d57550cc96cc" xsi:nil="true"/>
+    <TPLaunchHelpLinkType xmlns="4873beb7-5857-4685-be1f-d57550cc96cc">Template</TPLaunchHelpLinkType>
+    <OriginalRelease xmlns="4873beb7-5857-4685-be1f-d57550cc96cc">15</OriginalRelease>
+    <LocalizationTagsTaxHTField0 xmlns="4873beb7-5857-4685-be1f-d57550cc96cc">
+      <Terms xmlns="http://schemas.microsoft.com/office/infopath/2007/PartnerControls"/>
+    </LocalizationTagsTaxHTField0>
+    <UACurrentWords xmlns="4873beb7-5857-4685-be1f-d57550cc96cc" xsi:nil="true"/>
+    <ArtSampleDocs xmlns="4873beb7-5857-4685-be1f-d57550cc96cc" xsi:nil="true"/>
+    <UALocRecommendation xmlns="4873beb7-5857-4685-be1f-d57550cc96cc">Localize</UALocRecommendation>
+    <Manager xmlns="4873beb7-5857-4685-be1f-d57550cc96cc" xsi:nil="true"/>
+    <LocOverallHandbackStatusLookup xmlns="4873beb7-5857-4685-be1f-d57550cc96cc" xsi:nil="true"/>
+    <ShowIn xmlns="4873beb7-5857-4685-be1f-d57550cc96cc">Show everywhere</ShowIn>
+    <UANotes xmlns="4873beb7-5857-4685-be1f-d57550cc96cc" xsi:nil="true"/>
+    <InternalTagsTaxHTField0 xmlns="4873beb7-5857-4685-be1f-d57550cc96cc">
+      <Terms xmlns="http://schemas.microsoft.com/office/infopath/2007/PartnerControls"/>
+    </InternalTagsTaxHTField0>
+    <CSXHash xmlns="4873beb7-5857-4685-be1f-d57550cc96cc" xsi:nil="true"/>
+    <VoteCount xmlns="4873beb7-5857-4685-be1f-d57550cc96cc" xsi:nil="true"/>
+    <AssetExpire xmlns="4873beb7-5857-4685-be1f-d57550cc96cc">2029-05-12T07:00:00+00:00</AssetExpire>
+    <DSATActionTaken xmlns="4873beb7-5857-4685-be1f-d57550cc96cc" xsi:nil="true"/>
+    <CSXSubmissionMarket xmlns="4873beb7-5857-4685-be1f-d57550cc96cc" xsi:nil="true"/>
+    <LocMarketGroupTiers2 xmlns="4873beb7-5857-4685-be1f-d57550cc96cc" xsi:nil="true"/>
+  </documentManagement>
+</p:properties>
+</file>
+
+<file path=customXml/item3.xml><?xml version="1.0" encoding="utf-8"?>
 <ct:contentTypeSchema xmlns:ct="http://schemas.microsoft.com/office/2006/metadata/contentType" xmlns:ma="http://schemas.microsoft.com/office/2006/metadata/properties/metaAttributes" ct:_="" ma:_="" ma:contentTypeName="TemplateFile" ma:contentTypeID="0x0101006EDDDB5EE6D98C44930B742096920B300400F5B6D36B3EF94B4E9A635CDF2A18F5B8" ma:contentTypeVersion="72" ma:contentTypeDescription="Create a new document." ma:contentTypeScope="" ma:versionID="a23e56308344d904b51738559c3d67c9">
   <xsd:schema xmlns:xsd="http://www.w3.org/2001/XMLSchema" xmlns:xs="http://www.w3.org/2001/XMLSchema" xmlns:p="http://schemas.microsoft.com/office/2006/metadata/properties" xmlns:ns2="4873beb7-5857-4685-be1f-d57550cc96cc" targetNamespace="http://schemas.microsoft.com/office/2006/metadata/properties" ma:root="true" ma:fieldsID="cd0908cc4600e77bf5da051303e00c8d" ns2:_="">
     <xsd:import namespace="4873beb7-5857-4685-be1f-d57550cc96cc"/>
@@ -15007,165 +15880,10 @@
 </ct:contentTypeSchema>
 </file>
 
-<file path=customXml/item2.xml><?xml version="1.0" encoding="utf-8"?>
-<p:properties xmlns:p="http://schemas.microsoft.com/office/2006/metadata/properties" xmlns:xsi="http://www.w3.org/2001/XMLSchema-instance" xmlns:pc="http://schemas.microsoft.com/office/infopath/2007/PartnerControls">
-  <documentManagement>
-    <LocPublishedLinkedAssetsLookup xmlns="4873beb7-5857-4685-be1f-d57550cc96cc" xsi:nil="true"/>
-    <ApprovalStatus xmlns="4873beb7-5857-4685-be1f-d57550cc96cc">InProgress</ApprovalStatus>
-    <MarketSpecific xmlns="4873beb7-5857-4685-be1f-d57550cc96cc">false</MarketSpecific>
-    <LocComments xmlns="4873beb7-5857-4685-be1f-d57550cc96cc" xsi:nil="true"/>
-    <LocLastLocAttemptVersionTypeLookup xmlns="4873beb7-5857-4685-be1f-d57550cc96cc" xsi:nil="true"/>
-    <DirectSourceMarket xmlns="4873beb7-5857-4685-be1f-d57550cc96cc" xsi:nil="true"/>
-    <ThumbnailAssetId xmlns="4873beb7-5857-4685-be1f-d57550cc96cc" xsi:nil="true"/>
-    <PrimaryImageGen xmlns="4873beb7-5857-4685-be1f-d57550cc96cc">false</PrimaryImageGen>
-    <LocNewPublishedVersionLookup xmlns="4873beb7-5857-4685-be1f-d57550cc96cc" xsi:nil="true"/>
-    <LegacyData xmlns="4873beb7-5857-4685-be1f-d57550cc96cc" xsi:nil="true"/>
-    <LocRecommendedHandoff xmlns="4873beb7-5857-4685-be1f-d57550cc96cc" xsi:nil="true"/>
-    <BusinessGroup xmlns="4873beb7-5857-4685-be1f-d57550cc96cc" xsi:nil="true"/>
-    <BlockPublish xmlns="4873beb7-5857-4685-be1f-d57550cc96cc">false</BlockPublish>
-    <TPFriendlyName xmlns="4873beb7-5857-4685-be1f-d57550cc96cc" xsi:nil="true"/>
-    <LocOverallPublishStatusLookup xmlns="4873beb7-5857-4685-be1f-d57550cc96cc" xsi:nil="true"/>
-    <NumericId xmlns="4873beb7-5857-4685-be1f-d57550cc96cc" xsi:nil="true"/>
-    <APEditor xmlns="4873beb7-5857-4685-be1f-d57550cc96cc">
-      <UserInfo>
-        <DisplayName/>
-        <AccountId xsi:nil="true"/>
-        <AccountType/>
-      </UserInfo>
-    </APEditor>
-    <SourceTitle xmlns="4873beb7-5857-4685-be1f-d57550cc96cc" xsi:nil="true"/>
-    <OpenTemplate xmlns="4873beb7-5857-4685-be1f-d57550cc96cc">true</OpenTemplate>
-    <LocOverallLocStatusLookup xmlns="4873beb7-5857-4685-be1f-d57550cc96cc" xsi:nil="true"/>
-    <UALocComments xmlns="4873beb7-5857-4685-be1f-d57550cc96cc" xsi:nil="true"/>
-    <ParentAssetId xmlns="4873beb7-5857-4685-be1f-d57550cc96cc" xsi:nil="true"/>
-    <IntlLangReviewDate xmlns="4873beb7-5857-4685-be1f-d57550cc96cc" xsi:nil="true"/>
-    <FeatureTagsTaxHTField0 xmlns="4873beb7-5857-4685-be1f-d57550cc96cc">
-      <Terms xmlns="http://schemas.microsoft.com/office/infopath/2007/PartnerControls"/>
-    </FeatureTagsTaxHTField0>
-    <PublishStatusLookup xmlns="4873beb7-5857-4685-be1f-d57550cc96cc">
-      <Value>1345093</Value>
-    </PublishStatusLookup>
-    <Providers xmlns="4873beb7-5857-4685-be1f-d57550cc96cc" xsi:nil="true"/>
-    <MachineTranslated xmlns="4873beb7-5857-4685-be1f-d57550cc96cc">false</MachineTranslated>
-    <OriginalSourceMarket xmlns="4873beb7-5857-4685-be1f-d57550cc96cc" xsi:nil="true"/>
-    <APDescription xmlns="4873beb7-5857-4685-be1f-d57550cc96cc">This simple template design works for technology and  businesses, but it's versatile enough to use in other contexts.  It features multiple slide layouts designed for widescreen (16x9 resolution) and includes a sample SmartArt list and chart that are easily editable.</APDescription>
-    <ClipArtFilename xmlns="4873beb7-5857-4685-be1f-d57550cc96cc" xsi:nil="true"/>
-    <ContentItem xmlns="4873beb7-5857-4685-be1f-d57550cc96cc" xsi:nil="true"/>
-    <TPInstallLocation xmlns="4873beb7-5857-4685-be1f-d57550cc96cc" xsi:nil="true"/>
-    <PublishTargets xmlns="4873beb7-5857-4685-be1f-d57550cc96cc">OfficeOnlineVNext</PublishTargets>
-    <TimesCloned xmlns="4873beb7-5857-4685-be1f-d57550cc96cc" xsi:nil="true"/>
-    <AssetStart xmlns="4873beb7-5857-4685-be1f-d57550cc96cc">2011-11-26T00:30:00+00:00</AssetStart>
-    <Provider xmlns="4873beb7-5857-4685-be1f-d57550cc96cc" xsi:nil="true"/>
-    <AcquiredFrom xmlns="4873beb7-5857-4685-be1f-d57550cc96cc">Internal MS</AcquiredFrom>
-    <FriendlyTitle xmlns="4873beb7-5857-4685-be1f-d57550cc96cc" xsi:nil="true"/>
-    <LastHandOff xmlns="4873beb7-5857-4685-be1f-d57550cc96cc" xsi:nil="true"/>
-    <TPClientViewer xmlns="4873beb7-5857-4685-be1f-d57550cc96cc" xsi:nil="true"/>
-    <TemplateStatus xmlns="4873beb7-5857-4685-be1f-d57550cc96cc">Complete</TemplateStatus>
-    <Downloads xmlns="4873beb7-5857-4685-be1f-d57550cc96cc">0</Downloads>
-    <OOCacheId xmlns="4873beb7-5857-4685-be1f-d57550cc96cc" xsi:nil="true"/>
-    <IsDeleted xmlns="4873beb7-5857-4685-be1f-d57550cc96cc">false</IsDeleted>
-    <LocPublishedDependentAssetsLookup xmlns="4873beb7-5857-4685-be1f-d57550cc96cc" xsi:nil="true"/>
-    <TPExecutable xmlns="4873beb7-5857-4685-be1f-d57550cc96cc" xsi:nil="true"/>
-    <EditorialTags xmlns="4873beb7-5857-4685-be1f-d57550cc96cc" xsi:nil="true"/>
-    <SubmitterId xmlns="4873beb7-5857-4685-be1f-d57550cc96cc" xsi:nil="true"/>
-    <ApprovalLog xmlns="4873beb7-5857-4685-be1f-d57550cc96cc" xsi:nil="true"/>
-    <AssetType xmlns="4873beb7-5857-4685-be1f-d57550cc96cc">TP</AssetType>
-    <BugNumber xmlns="4873beb7-5857-4685-be1f-d57550cc96cc" xsi:nil="true"/>
-    <CSXSubmissionDate xmlns="4873beb7-5857-4685-be1f-d57550cc96cc" xsi:nil="true"/>
-    <CSXUpdate xmlns="4873beb7-5857-4685-be1f-d57550cc96cc">false</CSXUpdate>
-    <Milestone xmlns="4873beb7-5857-4685-be1f-d57550cc96cc" xsi:nil="true"/>
-    <RecommendationsModifier xmlns="4873beb7-5857-4685-be1f-d57550cc96cc" xsi:nil="true"/>
-    <OriginAsset xmlns="4873beb7-5857-4685-be1f-d57550cc96cc" xsi:nil="true"/>
-    <TPComponent xmlns="4873beb7-5857-4685-be1f-d57550cc96cc" xsi:nil="true"/>
-    <AssetId xmlns="4873beb7-5857-4685-be1f-d57550cc96cc">TP102787989</AssetId>
-    <IntlLocPriority xmlns="4873beb7-5857-4685-be1f-d57550cc96cc" xsi:nil="true"/>
-    <PolicheckWords xmlns="4873beb7-5857-4685-be1f-d57550cc96cc" xsi:nil="true"/>
-    <TPLaunchHelpLink xmlns="4873beb7-5857-4685-be1f-d57550cc96cc" xsi:nil="true"/>
-    <TPApplication xmlns="4873beb7-5857-4685-be1f-d57550cc96cc" xsi:nil="true"/>
-    <CrawlForDependencies xmlns="4873beb7-5857-4685-be1f-d57550cc96cc">false</CrawlForDependencies>
-    <HandoffToMSDN xmlns="4873beb7-5857-4685-be1f-d57550cc96cc" xsi:nil="true"/>
-    <PlannedPubDate xmlns="4873beb7-5857-4685-be1f-d57550cc96cc" xsi:nil="true"/>
-    <IntlLangReviewer xmlns="4873beb7-5857-4685-be1f-d57550cc96cc" xsi:nil="true"/>
-    <TrustLevel xmlns="4873beb7-5857-4685-be1f-d57550cc96cc">1 Microsoft Managed Content</TrustLevel>
-    <LocLastLocAttemptVersionLookup xmlns="4873beb7-5857-4685-be1f-d57550cc96cc">694266</LocLastLocAttemptVersionLookup>
-    <LocProcessedForHandoffsLookup xmlns="4873beb7-5857-4685-be1f-d57550cc96cc" xsi:nil="true"/>
-    <IsSearchable xmlns="4873beb7-5857-4685-be1f-d57550cc96cc">true</IsSearchable>
-    <TemplateTemplateType xmlns="4873beb7-5857-4685-be1f-d57550cc96cc">PowerPoint Presentation Template</TemplateTemplateType>
-    <CampaignTagsTaxHTField0 xmlns="4873beb7-5857-4685-be1f-d57550cc96cc">
-      <Terms xmlns="http://schemas.microsoft.com/office/infopath/2007/PartnerControls"/>
-    </CampaignTagsTaxHTField0>
-    <TPNamespace xmlns="4873beb7-5857-4685-be1f-d57550cc96cc" xsi:nil="true"/>
-    <LocOverallPreviewStatusLookup xmlns="4873beb7-5857-4685-be1f-d57550cc96cc" xsi:nil="true"/>
-    <TaxCatchAll xmlns="4873beb7-5857-4685-be1f-d57550cc96cc"/>
-    <Markets xmlns="4873beb7-5857-4685-be1f-d57550cc96cc"/>
-    <UAProjectedTotalWords xmlns="4873beb7-5857-4685-be1f-d57550cc96cc" xsi:nil="true"/>
-    <IntlLangReview xmlns="4873beb7-5857-4685-be1f-d57550cc96cc" xsi:nil="true"/>
-    <OutputCachingOn xmlns="4873beb7-5857-4685-be1f-d57550cc96cc">false</OutputCachingOn>
-    <AverageRating xmlns="4873beb7-5857-4685-be1f-d57550cc96cc" xsi:nil="true"/>
-    <APAuthor xmlns="4873beb7-5857-4685-be1f-d57550cc96cc">
-      <UserInfo>
-        <DisplayName>REDMOND\kristaa</DisplayName>
-        <AccountId>136</AccountId>
-        <AccountType/>
-      </UserInfo>
-    </APAuthor>
-    <LocManualTestRequired xmlns="4873beb7-5857-4685-be1f-d57550cc96cc">false</LocManualTestRequired>
-    <TPCommandLine xmlns="4873beb7-5857-4685-be1f-d57550cc96cc" xsi:nil="true"/>
-    <TPAppVersion xmlns="4873beb7-5857-4685-be1f-d57550cc96cc" xsi:nil="true"/>
-    <EditorialStatus xmlns="4873beb7-5857-4685-be1f-d57550cc96cc">Complete</EditorialStatus>
-    <LastModifiedDateTime xmlns="4873beb7-5857-4685-be1f-d57550cc96cc" xsi:nil="true"/>
-    <ScenarioTagsTaxHTField0 xmlns="4873beb7-5857-4685-be1f-d57550cc96cc">
-      <Terms xmlns="http://schemas.microsoft.com/office/infopath/2007/PartnerControls"/>
-    </ScenarioTagsTaxHTField0>
-    <LocProcessedForMarketsLookup xmlns="4873beb7-5857-4685-be1f-d57550cc96cc" xsi:nil="true"/>
-    <TPLaunchHelpLinkType xmlns="4873beb7-5857-4685-be1f-d57550cc96cc">Template</TPLaunchHelpLinkType>
-    <OriginalRelease xmlns="4873beb7-5857-4685-be1f-d57550cc96cc">15</OriginalRelease>
-    <LocalizationTagsTaxHTField0 xmlns="4873beb7-5857-4685-be1f-d57550cc96cc">
-      <Terms xmlns="http://schemas.microsoft.com/office/infopath/2007/PartnerControls"/>
-    </LocalizationTagsTaxHTField0>
-    <UACurrentWords xmlns="4873beb7-5857-4685-be1f-d57550cc96cc" xsi:nil="true"/>
-    <ArtSampleDocs xmlns="4873beb7-5857-4685-be1f-d57550cc96cc" xsi:nil="true"/>
-    <UALocRecommendation xmlns="4873beb7-5857-4685-be1f-d57550cc96cc">Localize</UALocRecommendation>
-    <Manager xmlns="4873beb7-5857-4685-be1f-d57550cc96cc" xsi:nil="true"/>
-    <LocOverallHandbackStatusLookup xmlns="4873beb7-5857-4685-be1f-d57550cc96cc" xsi:nil="true"/>
-    <ShowIn xmlns="4873beb7-5857-4685-be1f-d57550cc96cc">Show everywhere</ShowIn>
-    <UANotes xmlns="4873beb7-5857-4685-be1f-d57550cc96cc" xsi:nil="true"/>
-    <InternalTagsTaxHTField0 xmlns="4873beb7-5857-4685-be1f-d57550cc96cc">
-      <Terms xmlns="http://schemas.microsoft.com/office/infopath/2007/PartnerControls"/>
-    </InternalTagsTaxHTField0>
-    <CSXHash xmlns="4873beb7-5857-4685-be1f-d57550cc96cc" xsi:nil="true"/>
-    <VoteCount xmlns="4873beb7-5857-4685-be1f-d57550cc96cc" xsi:nil="true"/>
-    <AssetExpire xmlns="4873beb7-5857-4685-be1f-d57550cc96cc">2029-05-12T07:00:00+00:00</AssetExpire>
-    <DSATActionTaken xmlns="4873beb7-5857-4685-be1f-d57550cc96cc" xsi:nil="true"/>
-    <CSXSubmissionMarket xmlns="4873beb7-5857-4685-be1f-d57550cc96cc" xsi:nil="true"/>
-    <LocMarketGroupTiers2 xmlns="4873beb7-5857-4685-be1f-d57550cc96cc" xsi:nil="true"/>
-  </documentManagement>
-</p:properties>
-</file>
-
-<file path=customXml/item3.xml><?xml version="1.0" encoding="utf-8"?>
-<?mso-contentType ?>
-<FormTemplates xmlns="http://schemas.microsoft.com/sharepoint/v3/contenttype/forms">
-  <Display>DocumentLibraryForm</Display>
-  <Edit>AssetEditForm</Edit>
-  <New>DocumentLibraryForm</New>
-</FormTemplates>
-</file>
-
 <file path=customXml/itemProps1.xml><?xml version="1.0" encoding="utf-8"?>
-<ds:datastoreItem xmlns:ds="http://schemas.openxmlformats.org/officeDocument/2006/customXml" ds:itemID="{A09BF4D4-EF60-4196-BFC3-9462D607978C}">
+<ds:datastoreItem xmlns:ds="http://schemas.openxmlformats.org/officeDocument/2006/customXml" ds:itemID="{3836F65B-1B07-41EE-A0E8-BC6EF3855225}">
   <ds:schemaRefs>
-    <ds:schemaRef ds:uri="http://schemas.microsoft.com/office/2006/metadata/contentType"/>
-    <ds:schemaRef ds:uri="http://schemas.microsoft.com/office/2006/metadata/properties/metaAttributes"/>
-    <ds:schemaRef ds:uri="http://www.w3.org/2001/XMLSchema"/>
-    <ds:schemaRef ds:uri="http://schemas.microsoft.com/office/2006/metadata/properties"/>
-    <ds:schemaRef ds:uri="4873beb7-5857-4685-be1f-d57550cc96cc"/>
-    <ds:schemaRef ds:uri="http://schemas.microsoft.com/office/2006/documentManagement/types"/>
-    <ds:schemaRef ds:uri="http://schemas.microsoft.com/office/infopath/2007/PartnerControls"/>
-    <ds:schemaRef ds:uri="http://schemas.openxmlformats.org/package/2006/metadata/core-properties"/>
-    <ds:schemaRef ds:uri="http://purl.org/dc/elements/1.1/"/>
-    <ds:schemaRef ds:uri="http://purl.org/dc/terms/"/>
-    <ds:schemaRef ds:uri="http://schemas.microsoft.com/internal/obd"/>
+    <ds:schemaRef ds:uri="http://schemas.microsoft.com/sharepoint/v3/contenttype/forms"/>
   </ds:schemaRefs>
 </ds:datastoreItem>
 </file>
@@ -15187,9 +15905,19 @@
 </file>
 
 <file path=customXml/itemProps3.xml><?xml version="1.0" encoding="utf-8"?>
-<ds:datastoreItem xmlns:ds="http://schemas.openxmlformats.org/officeDocument/2006/customXml" ds:itemID="{3836F65B-1B07-41EE-A0E8-BC6EF3855225}">
+<ds:datastoreItem xmlns:ds="http://schemas.openxmlformats.org/officeDocument/2006/customXml" ds:itemID="{A09BF4D4-EF60-4196-BFC3-9462D607978C}">
   <ds:schemaRefs>
-    <ds:schemaRef ds:uri="http://schemas.microsoft.com/sharepoint/v3/contenttype/forms"/>
+    <ds:schemaRef ds:uri="http://schemas.microsoft.com/office/2006/metadata/contentType"/>
+    <ds:schemaRef ds:uri="http://schemas.microsoft.com/office/2006/metadata/properties/metaAttributes"/>
+    <ds:schemaRef ds:uri="http://www.w3.org/2001/XMLSchema"/>
+    <ds:schemaRef ds:uri="http://schemas.microsoft.com/office/2006/metadata/properties"/>
+    <ds:schemaRef ds:uri="4873beb7-5857-4685-be1f-d57550cc96cc"/>
+    <ds:schemaRef ds:uri="http://schemas.microsoft.com/office/2006/documentManagement/types"/>
+    <ds:schemaRef ds:uri="http://schemas.microsoft.com/office/infopath/2007/PartnerControls"/>
+    <ds:schemaRef ds:uri="http://schemas.openxmlformats.org/package/2006/metadata/core-properties"/>
+    <ds:schemaRef ds:uri="http://purl.org/dc/elements/1.1/"/>
+    <ds:schemaRef ds:uri="http://purl.org/dc/terms/"/>
+    <ds:schemaRef ds:uri="http://schemas.microsoft.com/internal/obd"/>
   </ds:schemaRefs>
 </ds:datastoreItem>
 </file>
--- a/チュートリアルなど.pptx
+++ b/チュートリアルなど.pptx
@@ -324,7 +324,7 @@
                 <a:latin typeface="ＭＳ Ｐゴシック" panose="020B0600070205080204" pitchFamily="50" charset="-128"/>
                 <a:ea typeface="ＭＳ Ｐゴシック" panose="020B0600070205080204" pitchFamily="50" charset="-128"/>
               </a:rPr>
-              <a:t>2018/4/28</a:t>
+              <a:t>2018/5/2</a:t>
             </a:fld>
             <a:endParaRPr lang="ja-JP" altLang="en-US" dirty="0">
               <a:latin typeface="ＭＳ Ｐゴシック" panose="020B0600070205080204" pitchFamily="50" charset="-128"/>
@@ -511,7 +511,7 @@
             <a:fld id="{37165343-859F-4143-8972-D138C517BA87}" type="datetime1">
               <a:rPr lang="ja-JP" altLang="en-US" smtClean="0"/>
               <a:pPr/>
-              <a:t>2018/4/28</a:t>
+              <a:t>2018/5/2</a:t>
             </a:fld>
             <a:endParaRPr lang="ja-JP" altLang="en-US" dirty="0"/>
           </a:p>
@@ -2716,7 +2716,7 @@
             <a:fld id="{8B8BDBCF-2245-4FCB-9DDE-432CD8FA8E0A}" type="datetime1">
               <a:rPr lang="ja-JP" altLang="en-US" smtClean="0"/>
               <a:pPr/>
-              <a:t>2018/4/28</a:t>
+              <a:t>2018/5/2</a:t>
             </a:fld>
             <a:endParaRPr lang="ja-JP" altLang="en-US" dirty="0"/>
           </a:p>
@@ -2958,7 +2958,7 @@
             <a:fld id="{0E2695C8-689F-41E2-801C-EC2626087B1A}" type="datetime1">
               <a:rPr lang="ja-JP" altLang="en-US" smtClean="0"/>
               <a:pPr/>
-              <a:t>2018/4/28</a:t>
+              <a:t>2018/5/2</a:t>
             </a:fld>
             <a:endParaRPr lang="ja-JP" altLang="en-US" dirty="0"/>
           </a:p>
@@ -3210,7 +3210,7 @@
             <a:fld id="{061217A4-CAA8-44F2-8FF7-C615B184E281}" type="datetime1">
               <a:rPr lang="ja-JP" altLang="en-US" smtClean="0"/>
               <a:pPr/>
-              <a:t>2018/4/28</a:t>
+              <a:t>2018/5/2</a:t>
             </a:fld>
             <a:endParaRPr lang="ja-JP" altLang="en-US" dirty="0"/>
           </a:p>
@@ -3449,7 +3449,7 @@
             <a:fld id="{CCBF1506-F1B8-4806-9D73-EF91A452CC85}" type="datetime1">
               <a:rPr lang="ja-JP" altLang="en-US" smtClean="0"/>
               <a:pPr/>
-              <a:t>2018/4/28</a:t>
+              <a:t>2018/5/2</a:t>
             </a:fld>
             <a:endParaRPr lang="ja-JP" altLang="en-US" dirty="0"/>
           </a:p>
@@ -3890,7 +3890,7 @@
             <a:fld id="{2428F437-7555-47DD-B668-A6054E2B6526}" type="datetime1">
               <a:rPr lang="ja-JP" altLang="en-US" smtClean="0"/>
               <a:pPr/>
-              <a:t>2018/4/28</a:t>
+              <a:t>2018/5/2</a:t>
             </a:fld>
             <a:endParaRPr lang="ja-JP" altLang="en-US" dirty="0"/>
           </a:p>
@@ -4267,7 +4267,7 @@
             <a:fld id="{BAFA1F1E-07BA-4BD1-9D0B-52CCAAB6E57E}" type="datetime1">
               <a:rPr lang="ja-JP" altLang="en-US" smtClean="0"/>
               <a:pPr/>
-              <a:t>2018/4/28</a:t>
+              <a:t>2018/5/2</a:t>
             </a:fld>
             <a:endParaRPr lang="ja-JP" altLang="en-US" dirty="0"/>
           </a:p>
@@ -4796,7 +4796,7 @@
             <a:fld id="{427E2E48-3F71-4060-AD47-6D35A162C236}" type="datetime1">
               <a:rPr lang="ja-JP" altLang="en-US" smtClean="0"/>
               <a:pPr/>
-              <a:t>2018/4/28</a:t>
+              <a:t>2018/5/2</a:t>
             </a:fld>
             <a:endParaRPr lang="ja-JP" altLang="en-US" dirty="0"/>
           </a:p>
@@ -4935,7 +4935,7 @@
             <a:fld id="{46800D23-6458-42C6-B818-E75CC448B4DB}" type="datetime1">
               <a:rPr lang="ja-JP" altLang="en-US" smtClean="0"/>
               <a:pPr/>
-              <a:t>2018/4/28</a:t>
+              <a:t>2018/5/2</a:t>
             </a:fld>
             <a:endParaRPr lang="ja-JP" altLang="en-US" dirty="0"/>
           </a:p>
@@ -5050,7 +5050,7 @@
             <a:fld id="{C89347AB-B18F-4EC7-9B2B-0B9F65F4923C}" type="datetime1">
               <a:rPr lang="ja-JP" altLang="en-US" smtClean="0"/>
               <a:pPr/>
-              <a:t>2018/4/28</a:t>
+              <a:t>2018/5/2</a:t>
             </a:fld>
             <a:endParaRPr lang="ja-JP" altLang="en-US" dirty="0"/>
           </a:p>
@@ -5390,7 +5390,7 @@
             <a:fld id="{F746CB98-8F1C-469F-A210-693DC87B2CEB}" type="datetime1">
               <a:rPr lang="ja-JP" altLang="en-US" smtClean="0"/>
               <a:pPr/>
-              <a:t>2018/4/28</a:t>
+              <a:t>2018/5/2</a:t>
             </a:fld>
             <a:endParaRPr lang="ja-JP" altLang="en-US" dirty="0"/>
           </a:p>
@@ -5688,7 +5688,7 @@
             <a:fld id="{4A88E3EC-CE02-4F26-BBD8-264DBE926D7A}" type="datetime1">
               <a:rPr lang="ja-JP" altLang="en-US" smtClean="0"/>
               <a:pPr/>
-              <a:t>2018/4/28</a:t>
+              <a:t>2018/5/2</a:t>
             </a:fld>
             <a:endParaRPr lang="ja-JP" altLang="en-US" dirty="0"/>
           </a:p>
@@ -6359,7 +6359,7 @@
             <a:fld id="{5F1C1D98-9737-459D-9F09-105F0595AFC8}" type="datetime1">
               <a:rPr lang="ja-JP" altLang="en-US" smtClean="0"/>
               <a:pPr/>
-              <a:t>2018/4/28</a:t>
+              <a:t>2018/5/2</a:t>
             </a:fld>
             <a:endParaRPr lang="ja-JP" altLang="en-US" dirty="0"/>
           </a:p>
@@ -10257,7 +10257,7 @@
         <p:spPr/>
         <p:txBody>
           <a:bodyPr>
-            <a:normAutofit fontScale="92500" lnSpcReduction="20000"/>
+            <a:normAutofit fontScale="85000" lnSpcReduction="20000"/>
           </a:bodyPr>
           <a:lstStyle/>
           <a:p>
@@ -10346,50 +10346,56 @@
             </a:r>
           </a:p>
           <a:p>
-            <a:endParaRPr kumimoji="1" lang="en-US" altLang="ja-JP" dirty="0"/>
-          </a:p>
-          <a:p>
             <a:r>
               <a:rPr lang="ja-JP" altLang="en-US" dirty="0"/>
               <a:t>所属：株式会社イメージア・ソリューション</a:t>
             </a:r>
             <a:endParaRPr lang="en-US" altLang="ja-JP" dirty="0"/>
+          </a:p>
+          <a:p>
+            <a:pPr>
+              <a:lnSpc>
+                <a:spcPct val="120000"/>
+              </a:lnSpc>
+            </a:pPr>
+            <a:r>
+              <a:rPr lang="en-US" altLang="ja-JP" sz="2600" dirty="0"/>
+              <a:t>© 2018 Tomoyuki Sasaki</a:t>
+            </a:r>
+            <a:r>
+              <a:rPr lang="ja-JP" altLang="en-US" sz="2600" dirty="0"/>
+              <a:t> </a:t>
+            </a:r>
+            <a:r>
+              <a:rPr lang="en-US" altLang="ja-JP" sz="2600" dirty="0"/>
+              <a:t>All rights reserved.</a:t>
+            </a:r>
+            <a:br>
+              <a:rPr lang="en-US" altLang="ja-JP" sz="2600" dirty="0"/>
+            </a:br>
+            <a:r>
+              <a:rPr lang="ja-JP" altLang="en-US" sz="2600" dirty="0"/>
+              <a:t>本コンテンツの著作権、および本コンテンツ中に出てくる商標権、団体名、ロゴ、製品、サービスなどはそれぞれ、各権利保有者に帰属します。</a:t>
+            </a:r>
+            <a:endParaRPr lang="en-US" altLang="ja-JP" sz="2600" dirty="0"/>
           </a:p>
           <a:p>
             <a:pPr marL="0" indent="0">
               <a:buNone/>
             </a:pPr>
-            <a:br>
-              <a:rPr lang="en-US" altLang="ja-JP" dirty="0"/>
-            </a:br>
-            <a:r>
-              <a:rPr lang="ja-JP" altLang="en-US" dirty="0"/>
+            <a:r>
+              <a:rPr lang="ja-JP" altLang="en-US" sz="3300" dirty="0"/>
               <a:t>　</a:t>
             </a:r>
             <a:r>
-              <a:rPr lang="en-US" altLang="ja-JP" dirty="0">
-                <a:solidFill>
-                  <a:srgbClr val="0070C0"/>
-                </a:solidFill>
-              </a:rPr>
+              <a:rPr lang="en-US" altLang="ja-JP" sz="2100" dirty="0"/>
               <a:t>※</a:t>
             </a:r>
             <a:r>
-              <a:rPr lang="ja-JP" altLang="en-US" dirty="0">
-                <a:solidFill>
-                  <a:srgbClr val="0070C0"/>
-                </a:solidFill>
-              </a:rPr>
+              <a:rPr lang="ja-JP" altLang="en-US" sz="2100" dirty="0"/>
               <a:t>発言、発表内容は個人的なものであり、所属する団体、企業を代表するものではありません。</a:t>
             </a:r>
-            <a:endParaRPr lang="en-US" altLang="ja-JP" dirty="0">
-              <a:solidFill>
-                <a:srgbClr val="0070C0"/>
-              </a:solidFill>
-            </a:endParaRPr>
-          </a:p>
-          <a:p>
-            <a:endParaRPr kumimoji="1" lang="ja-JP" altLang="en-US" dirty="0"/>
+            <a:endParaRPr lang="en-US" altLang="ja-JP" dirty="0"/>
           </a:p>
         </p:txBody>
       </p:sp>
@@ -11041,7 +11047,7 @@
         <p:spPr/>
         <p:txBody>
           <a:bodyPr>
-            <a:normAutofit/>
+            <a:normAutofit lnSpcReduction="10000"/>
           </a:bodyPr>
           <a:lstStyle/>
           <a:p>
@@ -11138,7 +11144,31 @@
             <a:pPr lvl="1"/>
             <a:r>
               <a:rPr lang="ja-JP" altLang="en-US" dirty="0"/>
-              <a:t>「を確認する</a:t>
+              <a:t>「</a:t>
+            </a:r>
+            <a:r>
+              <a:rPr lang="en-US" altLang="ja-JP" dirty="0" err="1"/>
+              <a:t>CloudBlobContainer</a:t>
+            </a:r>
+            <a:r>
+              <a:rPr lang="ja-JP" altLang="en-US" dirty="0"/>
+              <a:t>」 から「</a:t>
+            </a:r>
+            <a:r>
+              <a:rPr lang="en-US" altLang="ja-JP" dirty="0" err="1"/>
+              <a:t>CloudBlockBlob</a:t>
+            </a:r>
+            <a:r>
+              <a:rPr lang="ja-JP" altLang="en-US" dirty="0"/>
+              <a:t>」を作成し、 引数で渡したバイナリデータを「</a:t>
+            </a:r>
+            <a:r>
+              <a:rPr lang="en-US" altLang="ja-JP" dirty="0" err="1"/>
+              <a:t>UploadFromStreamAsync</a:t>
+            </a:r>
+            <a:r>
+              <a:rPr lang="ja-JP" altLang="en-US" dirty="0"/>
+              <a:t>」でアップロードを行う。</a:t>
             </a:r>
             <a:endParaRPr lang="en-US" altLang="ja-JP" dirty="0"/>
           </a:p>
@@ -11161,11 +11191,39 @@
             </a:r>
             <a:r>
               <a:rPr lang="ja-JP" altLang="en-US" dirty="0"/>
-              <a:t>」の「</a:t>
+              <a:t>」から「</a:t>
             </a:r>
             <a:r>
               <a:rPr lang="en-US" altLang="ja-JP" dirty="0" err="1"/>
-              <a:t>Creat</a:t>
+              <a:t>CloudBlockBlob</a:t>
+            </a:r>
+            <a:r>
+              <a:rPr lang="ja-JP" altLang="en-US" dirty="0"/>
+              <a:t>」を作成し、「</a:t>
+            </a:r>
+            <a:r>
+              <a:rPr lang="en-US" altLang="ja-JP" dirty="0"/>
+              <a:t> </a:t>
+            </a:r>
+            <a:r>
+              <a:rPr lang="en-US" altLang="ja-JP" dirty="0" err="1"/>
+              <a:t>DownloadToStreamAsync</a:t>
+            </a:r>
+            <a:r>
+              <a:rPr lang="en-US" altLang="ja-JP" dirty="0"/>
+              <a:t> </a:t>
+            </a:r>
+            <a:r>
+              <a:rPr lang="ja-JP" altLang="en-US" dirty="0"/>
+              <a:t>」で</a:t>
+            </a:r>
+            <a:r>
+              <a:rPr lang="en-US" altLang="ja-JP" dirty="0"/>
+              <a:t>Blob</a:t>
+            </a:r>
+            <a:r>
+              <a:rPr lang="ja-JP" altLang="en-US" dirty="0"/>
+              <a:t>からバイナリデータをダウンロードする。</a:t>
             </a:r>
             <a:endParaRPr lang="en-US" altLang="ja-JP" dirty="0"/>
           </a:p>
@@ -11284,14 +11342,7 @@
             </a:r>
             <a:r>
               <a:rPr lang="ja-JP" altLang="en-US" dirty="0"/>
-              <a:t>コンテナ操作用</a:t>
-            </a:r>
-            <a:br>
-              <a:rPr lang="en-US" altLang="ja-JP" dirty="0"/>
-            </a:br>
-            <a:r>
-              <a:rPr lang="ja-JP" altLang="en-US" dirty="0"/>
-              <a:t>ファイル操作用を配置</a:t>
+              <a:t>コンテナ操作用とファイル操作用を配置</a:t>
             </a:r>
             <a:endParaRPr lang="en-US" altLang="ja-JP" dirty="0"/>
           </a:p>
@@ -11306,20 +11357,6 @@
           </a:p>
           <a:p>
             <a:endParaRPr lang="en-US" altLang="ja-JP" dirty="0"/>
-          </a:p>
-          <a:p>
-            <a:pPr marL="0" indent="0">
-              <a:buNone/>
-            </a:pPr>
-            <a:r>
-              <a:rPr lang="en-US" altLang="ja-JP" sz="2000" dirty="0"/>
-              <a:t>※</a:t>
-            </a:r>
-            <a:r>
-              <a:rPr lang="ja-JP" altLang="en-US" sz="2000" dirty="0"/>
-              <a:t>シンプルに構成しています</a:t>
-            </a:r>
-            <a:endParaRPr lang="en-US" altLang="ja-JP" sz="2000" dirty="0"/>
           </a:p>
           <a:p>
             <a:endParaRPr kumimoji="1" lang="ja-JP" altLang="en-US" dirty="0"/>
@@ -11328,10 +11365,10 @@
       </p:sp>
       <p:pic>
         <p:nvPicPr>
-          <p:cNvPr id="4" name="図 3">
+          <p:cNvPr id="5" name="図 4">
             <a:extLst>
               <a:ext uri="{FF2B5EF4-FFF2-40B4-BE49-F238E27FC236}">
-                <a16:creationId xmlns:a16="http://schemas.microsoft.com/office/drawing/2014/main" id="{129D06A0-7856-4149-A038-8D4E7EA4006D}"/>
+                <a16:creationId xmlns:a16="http://schemas.microsoft.com/office/drawing/2014/main" id="{C958594C-CCB7-49FC-9BA6-E83F8170C740}"/>
               </a:ext>
             </a:extLst>
           </p:cNvPr>
@@ -11348,8 +11385,8 @@
         </p:blipFill>
         <p:spPr>
           <a:xfrm>
-            <a:off x="5230316" y="1772816"/>
-            <a:ext cx="6520126" cy="3527403"/>
+            <a:off x="2566020" y="2852936"/>
+            <a:ext cx="7335325" cy="3311133"/>
           </a:xfrm>
           <a:prstGeom prst="rect">
             <a:avLst/>
@@ -11453,7 +11490,9 @@
         </p:nvSpPr>
         <p:spPr/>
         <p:txBody>
-          <a:bodyPr/>
+          <a:bodyPr>
+            <a:normAutofit lnSpcReduction="10000"/>
+          </a:bodyPr>
           <a:lstStyle/>
           <a:p>
             <a:r>
@@ -11473,8 +11512,8 @@
               <a:t>で作成しますので、各項目と連携する</a:t>
             </a:r>
             <a:r>
-              <a:rPr kumimoji="1" lang="en-US" altLang="ja-JP" dirty="0"/>
-              <a:t>Model</a:t>
+              <a:rPr kumimoji="1" lang="en-US" altLang="ja-JP" dirty="0" err="1"/>
+              <a:t>ModelView</a:t>
             </a:r>
             <a:r>
               <a:rPr kumimoji="1" lang="ja-JP" altLang="en-US" dirty="0"/>
@@ -11510,6 +11549,59 @@
             <a:r>
               <a:rPr lang="ja-JP" altLang="en-US" dirty="0"/>
               <a:t>として兼用させます。</a:t>
+            </a:r>
+            <a:endParaRPr lang="en-US" altLang="ja-JP" dirty="0"/>
+          </a:p>
+          <a:p>
+            <a:r>
+              <a:rPr lang="en-US" altLang="ja-JP" dirty="0"/>
+              <a:t>XAML</a:t>
+            </a:r>
+            <a:r>
+              <a:rPr lang="ja-JP" altLang="en-US" dirty="0"/>
+              <a:t>に「</a:t>
+            </a:r>
+            <a:r>
+              <a:rPr lang="en-US" altLang="ja-JP" dirty="0" err="1"/>
+              <a:t>xmlns:viewModels</a:t>
+            </a:r>
+            <a:r>
+              <a:rPr lang="en-US" altLang="ja-JP" dirty="0"/>
+              <a:t>=“</a:t>
+            </a:r>
+            <a:r>
+              <a:rPr lang="en-US" altLang="ja-JP" dirty="0" err="1"/>
+              <a:t>using:AzureStorageClassLibrary.Models</a:t>
+            </a:r>
+            <a:r>
+              <a:rPr lang="en-US" altLang="ja-JP" dirty="0"/>
+              <a:t>”</a:t>
+            </a:r>
+            <a:r>
+              <a:rPr lang="ja-JP" altLang="en-US" dirty="0"/>
+              <a:t>」を宣言し、バインド可能な状態とします。</a:t>
+            </a:r>
+            <a:endParaRPr lang="en-US" altLang="ja-JP" dirty="0"/>
+          </a:p>
+          <a:p>
+            <a:r>
+              <a:rPr lang="ja-JP" altLang="en-US" dirty="0"/>
+              <a:t>画面スタイルなどにバインドし、データを受け入れる準備をします。</a:t>
+            </a:r>
+            <a:endParaRPr lang="en-US" altLang="ja-JP" dirty="0"/>
+          </a:p>
+          <a:p>
+            <a:r>
+              <a:rPr lang="ja-JP" altLang="en-US" dirty="0"/>
+              <a:t>本来は</a:t>
+            </a:r>
+            <a:r>
+              <a:rPr lang="en-US" altLang="ja-JP" dirty="0" err="1"/>
+              <a:t>ItemSource</a:t>
+            </a:r>
+            <a:r>
+              <a:rPr lang="ja-JP" altLang="en-US" dirty="0"/>
+              <a:t>や画面の各項目にもバインドするのですが、省いています。</a:t>
             </a:r>
             <a:endParaRPr lang="en-US" altLang="ja-JP" dirty="0"/>
           </a:p>
@@ -11607,7 +11699,58 @@
           <a:bodyPr/>
           <a:lstStyle/>
           <a:p>
-            <a:endParaRPr kumimoji="1" lang="ja-JP" altLang="en-US"/>
+            <a:r>
+              <a:rPr lang="en-US" altLang="ja-JP" dirty="0"/>
+              <a:t>Button</a:t>
+            </a:r>
+            <a:r>
+              <a:rPr lang="ja-JP" altLang="en-US" dirty="0"/>
+              <a:t>プロパティの</a:t>
+            </a:r>
+            <a:r>
+              <a:rPr lang="en-US" altLang="ja-JP" dirty="0" err="1"/>
+              <a:t>ClickEvent</a:t>
+            </a:r>
+            <a:r>
+              <a:rPr lang="ja-JP" altLang="en-US" dirty="0"/>
+              <a:t>をダブルクリックし、自動生成します。</a:t>
+            </a:r>
+            <a:endParaRPr lang="en-US" altLang="ja-JP" dirty="0"/>
+          </a:p>
+          <a:p>
+            <a:r>
+              <a:rPr kumimoji="1" lang="ja-JP" altLang="en-US" dirty="0"/>
+              <a:t>ファイルの選択やダウンロード先への保存へは「</a:t>
+            </a:r>
+            <a:r>
+              <a:rPr lang="en-US" altLang="ja-JP" dirty="0" err="1"/>
+              <a:t>FileOpenPicker</a:t>
+            </a:r>
+            <a:r>
+              <a:rPr kumimoji="1" lang="ja-JP" altLang="en-US" dirty="0"/>
+              <a:t>」「</a:t>
+            </a:r>
+            <a:r>
+              <a:rPr lang="en-US" altLang="ja-JP" dirty="0" err="1"/>
+              <a:t>FileSavePicker</a:t>
+            </a:r>
+            <a:r>
+              <a:rPr kumimoji="1" lang="ja-JP" altLang="en-US" dirty="0"/>
+              <a:t>」を使用し、</a:t>
+            </a:r>
+            <a:r>
+              <a:rPr kumimoji="1" lang="en-US" altLang="ja-JP" dirty="0"/>
+              <a:t>UWP</a:t>
+            </a:r>
+            <a:r>
+              <a:rPr kumimoji="1" lang="ja-JP" altLang="en-US" dirty="0" err="1"/>
+              <a:t>での</a:t>
+            </a:r>
+            <a:r>
+              <a:rPr kumimoji="1" lang="ja-JP" altLang="en-US" dirty="0"/>
+              <a:t>ファイル操作を行います。</a:t>
+            </a:r>
+            <a:endParaRPr kumimoji="1" lang="en-US" altLang="ja-JP" dirty="0"/>
           </a:p>
         </p:txBody>
       </p:sp>
@@ -11676,7 +11819,7 @@
           <a:p>
             <a:r>
               <a:rPr lang="ja-JP" altLang="en-US" dirty="0"/>
-              <a:t>各機能のクラス又はメソッドを用意する</a:t>
+              <a:t>アップロード実行</a:t>
             </a:r>
             <a:endParaRPr kumimoji="1" lang="ja-JP" altLang="en-US" dirty="0"/>
           </a:p>
@@ -11703,10 +11846,55 @@
           <a:bodyPr/>
           <a:lstStyle/>
           <a:p>
-            <a:endParaRPr kumimoji="1" lang="ja-JP" altLang="en-US"/>
-          </a:p>
-        </p:txBody>
-      </p:sp>
+            <a:r>
+              <a:rPr kumimoji="1" lang="en-US" altLang="ja-JP" dirty="0" err="1"/>
+              <a:t>FilePicker</a:t>
+            </a:r>
+            <a:r>
+              <a:rPr kumimoji="1" lang="ja-JP" altLang="en-US" dirty="0"/>
+              <a:t>が表示され、アップロードするファイルを選択できます。</a:t>
+            </a:r>
+            <a:endParaRPr kumimoji="1" lang="en-US" altLang="ja-JP" dirty="0"/>
+          </a:p>
+          <a:p>
+            <a:r>
+              <a:rPr lang="ja-JP" altLang="en-US" dirty="0"/>
+              <a:t>実行後「一覧取」得をクリックすると、アップロード結果が見れます</a:t>
+            </a:r>
+            <a:endParaRPr kumimoji="1" lang="ja-JP" altLang="en-US" dirty="0"/>
+          </a:p>
+        </p:txBody>
+      </p:sp>
+      <p:pic>
+        <p:nvPicPr>
+          <p:cNvPr id="4" name="図 3">
+            <a:extLst>
+              <a:ext uri="{FF2B5EF4-FFF2-40B4-BE49-F238E27FC236}">
+                <a16:creationId xmlns:a16="http://schemas.microsoft.com/office/drawing/2014/main" id="{0B72B7E5-69C9-4F33-8FDB-8067E2B60F92}"/>
+              </a:ext>
+            </a:extLst>
+          </p:cNvPr>
+          <p:cNvPicPr>
+            <a:picLocks noChangeAspect="1"/>
+          </p:cNvPicPr>
+          <p:nvPr/>
+        </p:nvPicPr>
+        <p:blipFill>
+          <a:blip r:embed="rId2"/>
+          <a:stretch>
+            <a:fillRect/>
+          </a:stretch>
+        </p:blipFill>
+        <p:spPr>
+          <a:xfrm>
+            <a:off x="2530016" y="2823822"/>
+            <a:ext cx="7128792" cy="3572653"/>
+          </a:xfrm>
+          <a:prstGeom prst="rect">
+            <a:avLst/>
+          </a:prstGeom>
+        </p:spPr>
+      </p:pic>
     </p:spTree>
     <p:extLst>
       <p:ext uri="{BB962C8B-B14F-4D97-AF65-F5344CB8AC3E}">
@@ -11772,7 +11960,7 @@
           <a:p>
             <a:r>
               <a:rPr lang="ja-JP" altLang="en-US" dirty="0"/>
-              <a:t>こんな表示がされれば</a:t>
+              <a:t>一覧取得で、こんな表示がされれば</a:t>
             </a:r>
             <a:r>
               <a:rPr lang="en-US" altLang="ja-JP" dirty="0"/>
@@ -11807,6 +11995,36 @@
           </a:p>
         </p:txBody>
       </p:sp>
+      <p:pic>
+        <p:nvPicPr>
+          <p:cNvPr id="6" name="図 5">
+            <a:extLst>
+              <a:ext uri="{FF2B5EF4-FFF2-40B4-BE49-F238E27FC236}">
+                <a16:creationId xmlns:a16="http://schemas.microsoft.com/office/drawing/2014/main" id="{88C6F4A1-CCC9-4069-B092-2E4E783A6025}"/>
+              </a:ext>
+            </a:extLst>
+          </p:cNvPr>
+          <p:cNvPicPr>
+            <a:picLocks noChangeAspect="1"/>
+          </p:cNvPicPr>
+          <p:nvPr/>
+        </p:nvPicPr>
+        <p:blipFill>
+          <a:blip r:embed="rId2"/>
+          <a:stretch>
+            <a:fillRect/>
+          </a:stretch>
+        </p:blipFill>
+        <p:spPr>
+          <a:xfrm>
+            <a:off x="1557908" y="1696844"/>
+            <a:ext cx="9896475" cy="4467225"/>
+          </a:xfrm>
+          <a:prstGeom prst="rect">
+            <a:avLst/>
+          </a:prstGeom>
+        </p:spPr>
+      </p:pic>
     </p:spTree>
     <p:extLst>
       <p:ext uri="{BB962C8B-B14F-4D97-AF65-F5344CB8AC3E}">
@@ -12521,7 +12739,7 @@
           <a:p>
             <a:r>
               <a:rPr lang="ja-JP" altLang="en-US" dirty="0"/>
-              <a:t>コード自体はほぼ</a:t>
+              <a:t>コード自体は、ほぼ</a:t>
             </a:r>
             <a:r>
               <a:rPr lang="en-US" altLang="ja-JP" dirty="0"/>
@@ -12530,32 +12748,6 @@
             <a:r>
               <a:rPr lang="ja-JP" altLang="en-US" dirty="0"/>
               <a:t>のサンプルコードと同等です。</a:t>
-            </a:r>
-            <a:endParaRPr lang="en-US" altLang="ja-JP" dirty="0"/>
-          </a:p>
-          <a:p>
-            <a:r>
-              <a:rPr lang="en-US" altLang="ja-JP" dirty="0"/>
-              <a:t>© 2018 Tomoyuki Sasaki</a:t>
-            </a:r>
-            <a:r>
-              <a:rPr lang="ja-JP" altLang="en-US" dirty="0"/>
-              <a:t> </a:t>
-            </a:r>
-            <a:r>
-              <a:rPr lang="en-US" altLang="ja-JP" dirty="0"/>
-              <a:t>All rights reserved.</a:t>
-            </a:r>
-            <a:br>
-              <a:rPr lang="en-US" altLang="ja-JP" dirty="0"/>
-            </a:br>
-            <a:r>
-              <a:rPr lang="ja-JP" altLang="en-US" dirty="0"/>
-              <a:t>本コンテンツの著作権、および本コンテンツ中に出てくる商標権、団体名、ロゴ、製品、サービスなどはそれぞれ、各権利保有者に帰属</a:t>
-            </a:r>
-            <a:r>
-              <a:rPr lang="ja-JP" altLang="en-US"/>
-              <a:t>します。</a:t>
             </a:r>
             <a:endParaRPr lang="en-US" altLang="ja-JP" dirty="0"/>
           </a:p>
@@ -13330,7 +13522,7 @@
             </a:r>
             <a:r>
               <a:rPr lang="en-US" altLang="ja-JP" dirty="0"/>
-              <a:t>MVP</a:t>
+              <a:t>Microsoft MVP</a:t>
             </a:r>
             <a:r>
               <a:rPr lang="ja-JP" altLang="en-US" dirty="0"/>
@@ -14696,151 +14888,6 @@
 </file>
 
 <file path=customXml/item1.xml><?xml version="1.0" encoding="utf-8"?>
-<?mso-contentType ?>
-<FormTemplates xmlns="http://schemas.microsoft.com/sharepoint/v3/contenttype/forms">
-  <Display>DocumentLibraryForm</Display>
-  <Edit>AssetEditForm</Edit>
-  <New>DocumentLibraryForm</New>
-</FormTemplates>
-</file>
-
-<file path=customXml/item2.xml><?xml version="1.0" encoding="utf-8"?>
-<p:properties xmlns:p="http://schemas.microsoft.com/office/2006/metadata/properties" xmlns:xsi="http://www.w3.org/2001/XMLSchema-instance" xmlns:pc="http://schemas.microsoft.com/office/infopath/2007/PartnerControls">
-  <documentManagement>
-    <LocPublishedLinkedAssetsLookup xmlns="4873beb7-5857-4685-be1f-d57550cc96cc" xsi:nil="true"/>
-    <ApprovalStatus xmlns="4873beb7-5857-4685-be1f-d57550cc96cc">InProgress</ApprovalStatus>
-    <MarketSpecific xmlns="4873beb7-5857-4685-be1f-d57550cc96cc">false</MarketSpecific>
-    <LocComments xmlns="4873beb7-5857-4685-be1f-d57550cc96cc" xsi:nil="true"/>
-    <LocLastLocAttemptVersionTypeLookup xmlns="4873beb7-5857-4685-be1f-d57550cc96cc" xsi:nil="true"/>
-    <DirectSourceMarket xmlns="4873beb7-5857-4685-be1f-d57550cc96cc" xsi:nil="true"/>
-    <ThumbnailAssetId xmlns="4873beb7-5857-4685-be1f-d57550cc96cc" xsi:nil="true"/>
-    <PrimaryImageGen xmlns="4873beb7-5857-4685-be1f-d57550cc96cc">false</PrimaryImageGen>
-    <LocNewPublishedVersionLookup xmlns="4873beb7-5857-4685-be1f-d57550cc96cc" xsi:nil="true"/>
-    <LegacyData xmlns="4873beb7-5857-4685-be1f-d57550cc96cc" xsi:nil="true"/>
-    <LocRecommendedHandoff xmlns="4873beb7-5857-4685-be1f-d57550cc96cc" xsi:nil="true"/>
-    <BusinessGroup xmlns="4873beb7-5857-4685-be1f-d57550cc96cc" xsi:nil="true"/>
-    <BlockPublish xmlns="4873beb7-5857-4685-be1f-d57550cc96cc">false</BlockPublish>
-    <TPFriendlyName xmlns="4873beb7-5857-4685-be1f-d57550cc96cc" xsi:nil="true"/>
-    <LocOverallPublishStatusLookup xmlns="4873beb7-5857-4685-be1f-d57550cc96cc" xsi:nil="true"/>
-    <NumericId xmlns="4873beb7-5857-4685-be1f-d57550cc96cc" xsi:nil="true"/>
-    <APEditor xmlns="4873beb7-5857-4685-be1f-d57550cc96cc">
-      <UserInfo>
-        <DisplayName/>
-        <AccountId xsi:nil="true"/>
-        <AccountType/>
-      </UserInfo>
-    </APEditor>
-    <SourceTitle xmlns="4873beb7-5857-4685-be1f-d57550cc96cc" xsi:nil="true"/>
-    <OpenTemplate xmlns="4873beb7-5857-4685-be1f-d57550cc96cc">true</OpenTemplate>
-    <LocOverallLocStatusLookup xmlns="4873beb7-5857-4685-be1f-d57550cc96cc" xsi:nil="true"/>
-    <UALocComments xmlns="4873beb7-5857-4685-be1f-d57550cc96cc" xsi:nil="true"/>
-    <ParentAssetId xmlns="4873beb7-5857-4685-be1f-d57550cc96cc" xsi:nil="true"/>
-    <IntlLangReviewDate xmlns="4873beb7-5857-4685-be1f-d57550cc96cc" xsi:nil="true"/>
-    <FeatureTagsTaxHTField0 xmlns="4873beb7-5857-4685-be1f-d57550cc96cc">
-      <Terms xmlns="http://schemas.microsoft.com/office/infopath/2007/PartnerControls"/>
-    </FeatureTagsTaxHTField0>
-    <PublishStatusLookup xmlns="4873beb7-5857-4685-be1f-d57550cc96cc">
-      <Value>1345093</Value>
-    </PublishStatusLookup>
-    <Providers xmlns="4873beb7-5857-4685-be1f-d57550cc96cc" xsi:nil="true"/>
-    <MachineTranslated xmlns="4873beb7-5857-4685-be1f-d57550cc96cc">false</MachineTranslated>
-    <OriginalSourceMarket xmlns="4873beb7-5857-4685-be1f-d57550cc96cc" xsi:nil="true"/>
-    <APDescription xmlns="4873beb7-5857-4685-be1f-d57550cc96cc">This simple template design works for technology and  businesses, but it's versatile enough to use in other contexts.  It features multiple slide layouts designed for widescreen (16x9 resolution) and includes a sample SmartArt list and chart that are easily editable.</APDescription>
-    <ClipArtFilename xmlns="4873beb7-5857-4685-be1f-d57550cc96cc" xsi:nil="true"/>
-    <ContentItem xmlns="4873beb7-5857-4685-be1f-d57550cc96cc" xsi:nil="true"/>
-    <TPInstallLocation xmlns="4873beb7-5857-4685-be1f-d57550cc96cc" xsi:nil="true"/>
-    <PublishTargets xmlns="4873beb7-5857-4685-be1f-d57550cc96cc">OfficeOnlineVNext</PublishTargets>
-    <TimesCloned xmlns="4873beb7-5857-4685-be1f-d57550cc96cc" xsi:nil="true"/>
-    <AssetStart xmlns="4873beb7-5857-4685-be1f-d57550cc96cc">2011-11-26T00:30:00+00:00</AssetStart>
-    <Provider xmlns="4873beb7-5857-4685-be1f-d57550cc96cc" xsi:nil="true"/>
-    <AcquiredFrom xmlns="4873beb7-5857-4685-be1f-d57550cc96cc">Internal MS</AcquiredFrom>
-    <FriendlyTitle xmlns="4873beb7-5857-4685-be1f-d57550cc96cc" xsi:nil="true"/>
-    <LastHandOff xmlns="4873beb7-5857-4685-be1f-d57550cc96cc" xsi:nil="true"/>
-    <TPClientViewer xmlns="4873beb7-5857-4685-be1f-d57550cc96cc" xsi:nil="true"/>
-    <TemplateStatus xmlns="4873beb7-5857-4685-be1f-d57550cc96cc">Complete</TemplateStatus>
-    <Downloads xmlns="4873beb7-5857-4685-be1f-d57550cc96cc">0</Downloads>
-    <OOCacheId xmlns="4873beb7-5857-4685-be1f-d57550cc96cc" xsi:nil="true"/>
-    <IsDeleted xmlns="4873beb7-5857-4685-be1f-d57550cc96cc">false</IsDeleted>
-    <LocPublishedDependentAssetsLookup xmlns="4873beb7-5857-4685-be1f-d57550cc96cc" xsi:nil="true"/>
-    <TPExecutable xmlns="4873beb7-5857-4685-be1f-d57550cc96cc" xsi:nil="true"/>
-    <EditorialTags xmlns="4873beb7-5857-4685-be1f-d57550cc96cc" xsi:nil="true"/>
-    <SubmitterId xmlns="4873beb7-5857-4685-be1f-d57550cc96cc" xsi:nil="true"/>
-    <ApprovalLog xmlns="4873beb7-5857-4685-be1f-d57550cc96cc" xsi:nil="true"/>
-    <AssetType xmlns="4873beb7-5857-4685-be1f-d57550cc96cc">TP</AssetType>
-    <BugNumber xmlns="4873beb7-5857-4685-be1f-d57550cc96cc" xsi:nil="true"/>
-    <CSXSubmissionDate xmlns="4873beb7-5857-4685-be1f-d57550cc96cc" xsi:nil="true"/>
-    <CSXUpdate xmlns="4873beb7-5857-4685-be1f-d57550cc96cc">false</CSXUpdate>
-    <Milestone xmlns="4873beb7-5857-4685-be1f-d57550cc96cc" xsi:nil="true"/>
-    <RecommendationsModifier xmlns="4873beb7-5857-4685-be1f-d57550cc96cc" xsi:nil="true"/>
-    <OriginAsset xmlns="4873beb7-5857-4685-be1f-d57550cc96cc" xsi:nil="true"/>
-    <TPComponent xmlns="4873beb7-5857-4685-be1f-d57550cc96cc" xsi:nil="true"/>
-    <AssetId xmlns="4873beb7-5857-4685-be1f-d57550cc96cc">TP102787989</AssetId>
-    <IntlLocPriority xmlns="4873beb7-5857-4685-be1f-d57550cc96cc" xsi:nil="true"/>
-    <PolicheckWords xmlns="4873beb7-5857-4685-be1f-d57550cc96cc" xsi:nil="true"/>
-    <TPLaunchHelpLink xmlns="4873beb7-5857-4685-be1f-d57550cc96cc" xsi:nil="true"/>
-    <TPApplication xmlns="4873beb7-5857-4685-be1f-d57550cc96cc" xsi:nil="true"/>
-    <CrawlForDependencies xmlns="4873beb7-5857-4685-be1f-d57550cc96cc">false</CrawlForDependencies>
-    <HandoffToMSDN xmlns="4873beb7-5857-4685-be1f-d57550cc96cc" xsi:nil="true"/>
-    <PlannedPubDate xmlns="4873beb7-5857-4685-be1f-d57550cc96cc" xsi:nil="true"/>
-    <IntlLangReviewer xmlns="4873beb7-5857-4685-be1f-d57550cc96cc" xsi:nil="true"/>
-    <TrustLevel xmlns="4873beb7-5857-4685-be1f-d57550cc96cc">1 Microsoft Managed Content</TrustLevel>
-    <LocLastLocAttemptVersionLookup xmlns="4873beb7-5857-4685-be1f-d57550cc96cc">694266</LocLastLocAttemptVersionLookup>
-    <LocProcessedForHandoffsLookup xmlns="4873beb7-5857-4685-be1f-d57550cc96cc" xsi:nil="true"/>
-    <IsSearchable xmlns="4873beb7-5857-4685-be1f-d57550cc96cc">true</IsSearchable>
-    <TemplateTemplateType xmlns="4873beb7-5857-4685-be1f-d57550cc96cc">PowerPoint Presentation Template</TemplateTemplateType>
-    <CampaignTagsTaxHTField0 xmlns="4873beb7-5857-4685-be1f-d57550cc96cc">
-      <Terms xmlns="http://schemas.microsoft.com/office/infopath/2007/PartnerControls"/>
-    </CampaignTagsTaxHTField0>
-    <TPNamespace xmlns="4873beb7-5857-4685-be1f-d57550cc96cc" xsi:nil="true"/>
-    <LocOverallPreviewStatusLookup xmlns="4873beb7-5857-4685-be1f-d57550cc96cc" xsi:nil="true"/>
-    <TaxCatchAll xmlns="4873beb7-5857-4685-be1f-d57550cc96cc"/>
-    <Markets xmlns="4873beb7-5857-4685-be1f-d57550cc96cc"/>
-    <UAProjectedTotalWords xmlns="4873beb7-5857-4685-be1f-d57550cc96cc" xsi:nil="true"/>
-    <IntlLangReview xmlns="4873beb7-5857-4685-be1f-d57550cc96cc" xsi:nil="true"/>
-    <OutputCachingOn xmlns="4873beb7-5857-4685-be1f-d57550cc96cc">false</OutputCachingOn>
-    <AverageRating xmlns="4873beb7-5857-4685-be1f-d57550cc96cc" xsi:nil="true"/>
-    <APAuthor xmlns="4873beb7-5857-4685-be1f-d57550cc96cc">
-      <UserInfo>
-        <DisplayName>REDMOND\kristaa</DisplayName>
-        <AccountId>136</AccountId>
-        <AccountType/>
-      </UserInfo>
-    </APAuthor>
-    <LocManualTestRequired xmlns="4873beb7-5857-4685-be1f-d57550cc96cc">false</LocManualTestRequired>
-    <TPCommandLine xmlns="4873beb7-5857-4685-be1f-d57550cc96cc" xsi:nil="true"/>
-    <TPAppVersion xmlns="4873beb7-5857-4685-be1f-d57550cc96cc" xsi:nil="true"/>
-    <EditorialStatus xmlns="4873beb7-5857-4685-be1f-d57550cc96cc">Complete</EditorialStatus>
-    <LastModifiedDateTime xmlns="4873beb7-5857-4685-be1f-d57550cc96cc" xsi:nil="true"/>
-    <ScenarioTagsTaxHTField0 xmlns="4873beb7-5857-4685-be1f-d57550cc96cc">
-      <Terms xmlns="http://schemas.microsoft.com/office/infopath/2007/PartnerControls"/>
-    </ScenarioTagsTaxHTField0>
-    <LocProcessedForMarketsLookup xmlns="4873beb7-5857-4685-be1f-d57550cc96cc" xsi:nil="true"/>
-    <TPLaunchHelpLinkType xmlns="4873beb7-5857-4685-be1f-d57550cc96cc">Template</TPLaunchHelpLinkType>
-    <OriginalRelease xmlns="4873beb7-5857-4685-be1f-d57550cc96cc">15</OriginalRelease>
-    <LocalizationTagsTaxHTField0 xmlns="4873beb7-5857-4685-be1f-d57550cc96cc">
-      <Terms xmlns="http://schemas.microsoft.com/office/infopath/2007/PartnerControls"/>
-    </LocalizationTagsTaxHTField0>
-    <UACurrentWords xmlns="4873beb7-5857-4685-be1f-d57550cc96cc" xsi:nil="true"/>
-    <ArtSampleDocs xmlns="4873beb7-5857-4685-be1f-d57550cc96cc" xsi:nil="true"/>
-    <UALocRecommendation xmlns="4873beb7-5857-4685-be1f-d57550cc96cc">Localize</UALocRecommendation>
-    <Manager xmlns="4873beb7-5857-4685-be1f-d57550cc96cc" xsi:nil="true"/>
-    <LocOverallHandbackStatusLookup xmlns="4873beb7-5857-4685-be1f-d57550cc96cc" xsi:nil="true"/>
-    <ShowIn xmlns="4873beb7-5857-4685-be1f-d57550cc96cc">Show everywhere</ShowIn>
-    <UANotes xmlns="4873beb7-5857-4685-be1f-d57550cc96cc" xsi:nil="true"/>
-    <InternalTagsTaxHTField0 xmlns="4873beb7-5857-4685-be1f-d57550cc96cc">
-      <Terms xmlns="http://schemas.microsoft.com/office/infopath/2007/PartnerControls"/>
-    </InternalTagsTaxHTField0>
-    <CSXHash xmlns="4873beb7-5857-4685-be1f-d57550cc96cc" xsi:nil="true"/>
-    <VoteCount xmlns="4873beb7-5857-4685-be1f-d57550cc96cc" xsi:nil="true"/>
-    <AssetExpire xmlns="4873beb7-5857-4685-be1f-d57550cc96cc">2029-05-12T07:00:00+00:00</AssetExpire>
-    <DSATActionTaken xmlns="4873beb7-5857-4685-be1f-d57550cc96cc" xsi:nil="true"/>
-    <CSXSubmissionMarket xmlns="4873beb7-5857-4685-be1f-d57550cc96cc" xsi:nil="true"/>
-    <LocMarketGroupTiers2 xmlns="4873beb7-5857-4685-be1f-d57550cc96cc" xsi:nil="true"/>
-  </documentManagement>
-</p:properties>
-</file>
-
-<file path=customXml/item3.xml><?xml version="1.0" encoding="utf-8"?>
 <ct:contentTypeSchema xmlns:ct="http://schemas.microsoft.com/office/2006/metadata/contentType" xmlns:ma="http://schemas.microsoft.com/office/2006/metadata/properties/metaAttributes" ct:_="" ma:_="" ma:contentTypeName="TemplateFile" ma:contentTypeID="0x0101006EDDDB5EE6D98C44930B742096920B300400F5B6D36B3EF94B4E9A635CDF2A18F5B8" ma:contentTypeVersion="72" ma:contentTypeDescription="Create a new document." ma:contentTypeScope="" ma:versionID="a23e56308344d904b51738559c3d67c9">
   <xsd:schema xmlns:xsd="http://www.w3.org/2001/XMLSchema" xmlns:xs="http://www.w3.org/2001/XMLSchema" xmlns:p="http://schemas.microsoft.com/office/2006/metadata/properties" xmlns:ns2="4873beb7-5857-4685-be1f-d57550cc96cc" targetNamespace="http://schemas.microsoft.com/office/2006/metadata/properties" ma:root="true" ma:fieldsID="cd0908cc4600e77bf5da051303e00c8d" ns2:_="">
     <xsd:import namespace="4873beb7-5857-4685-be1f-d57550cc96cc"/>
@@ -15880,10 +15927,165 @@
 </ct:contentTypeSchema>
 </file>
 
+<file path=customXml/item2.xml><?xml version="1.0" encoding="utf-8"?>
+<p:properties xmlns:p="http://schemas.microsoft.com/office/2006/metadata/properties" xmlns:xsi="http://www.w3.org/2001/XMLSchema-instance" xmlns:pc="http://schemas.microsoft.com/office/infopath/2007/PartnerControls">
+  <documentManagement>
+    <LocPublishedLinkedAssetsLookup xmlns="4873beb7-5857-4685-be1f-d57550cc96cc" xsi:nil="true"/>
+    <ApprovalStatus xmlns="4873beb7-5857-4685-be1f-d57550cc96cc">InProgress</ApprovalStatus>
+    <MarketSpecific xmlns="4873beb7-5857-4685-be1f-d57550cc96cc">false</MarketSpecific>
+    <LocComments xmlns="4873beb7-5857-4685-be1f-d57550cc96cc" xsi:nil="true"/>
+    <LocLastLocAttemptVersionTypeLookup xmlns="4873beb7-5857-4685-be1f-d57550cc96cc" xsi:nil="true"/>
+    <DirectSourceMarket xmlns="4873beb7-5857-4685-be1f-d57550cc96cc" xsi:nil="true"/>
+    <ThumbnailAssetId xmlns="4873beb7-5857-4685-be1f-d57550cc96cc" xsi:nil="true"/>
+    <PrimaryImageGen xmlns="4873beb7-5857-4685-be1f-d57550cc96cc">false</PrimaryImageGen>
+    <LocNewPublishedVersionLookup xmlns="4873beb7-5857-4685-be1f-d57550cc96cc" xsi:nil="true"/>
+    <LegacyData xmlns="4873beb7-5857-4685-be1f-d57550cc96cc" xsi:nil="true"/>
+    <LocRecommendedHandoff xmlns="4873beb7-5857-4685-be1f-d57550cc96cc" xsi:nil="true"/>
+    <BusinessGroup xmlns="4873beb7-5857-4685-be1f-d57550cc96cc" xsi:nil="true"/>
+    <BlockPublish xmlns="4873beb7-5857-4685-be1f-d57550cc96cc">false</BlockPublish>
+    <TPFriendlyName xmlns="4873beb7-5857-4685-be1f-d57550cc96cc" xsi:nil="true"/>
+    <LocOverallPublishStatusLookup xmlns="4873beb7-5857-4685-be1f-d57550cc96cc" xsi:nil="true"/>
+    <NumericId xmlns="4873beb7-5857-4685-be1f-d57550cc96cc" xsi:nil="true"/>
+    <APEditor xmlns="4873beb7-5857-4685-be1f-d57550cc96cc">
+      <UserInfo>
+        <DisplayName/>
+        <AccountId xsi:nil="true"/>
+        <AccountType/>
+      </UserInfo>
+    </APEditor>
+    <SourceTitle xmlns="4873beb7-5857-4685-be1f-d57550cc96cc" xsi:nil="true"/>
+    <OpenTemplate xmlns="4873beb7-5857-4685-be1f-d57550cc96cc">true</OpenTemplate>
+    <LocOverallLocStatusLookup xmlns="4873beb7-5857-4685-be1f-d57550cc96cc" xsi:nil="true"/>
+    <UALocComments xmlns="4873beb7-5857-4685-be1f-d57550cc96cc" xsi:nil="true"/>
+    <ParentAssetId xmlns="4873beb7-5857-4685-be1f-d57550cc96cc" xsi:nil="true"/>
+    <IntlLangReviewDate xmlns="4873beb7-5857-4685-be1f-d57550cc96cc" xsi:nil="true"/>
+    <FeatureTagsTaxHTField0 xmlns="4873beb7-5857-4685-be1f-d57550cc96cc">
+      <Terms xmlns="http://schemas.microsoft.com/office/infopath/2007/PartnerControls"/>
+    </FeatureTagsTaxHTField0>
+    <PublishStatusLookup xmlns="4873beb7-5857-4685-be1f-d57550cc96cc">
+      <Value>1345093</Value>
+    </PublishStatusLookup>
+    <Providers xmlns="4873beb7-5857-4685-be1f-d57550cc96cc" xsi:nil="true"/>
+    <MachineTranslated xmlns="4873beb7-5857-4685-be1f-d57550cc96cc">false</MachineTranslated>
+    <OriginalSourceMarket xmlns="4873beb7-5857-4685-be1f-d57550cc96cc" xsi:nil="true"/>
+    <APDescription xmlns="4873beb7-5857-4685-be1f-d57550cc96cc">This simple template design works for technology and  businesses, but it's versatile enough to use in other contexts.  It features multiple slide layouts designed for widescreen (16x9 resolution) and includes a sample SmartArt list and chart that are easily editable.</APDescription>
+    <ClipArtFilename xmlns="4873beb7-5857-4685-be1f-d57550cc96cc" xsi:nil="true"/>
+    <ContentItem xmlns="4873beb7-5857-4685-be1f-d57550cc96cc" xsi:nil="true"/>
+    <TPInstallLocation xmlns="4873beb7-5857-4685-be1f-d57550cc96cc" xsi:nil="true"/>
+    <PublishTargets xmlns="4873beb7-5857-4685-be1f-d57550cc96cc">OfficeOnlineVNext</PublishTargets>
+    <TimesCloned xmlns="4873beb7-5857-4685-be1f-d57550cc96cc" xsi:nil="true"/>
+    <AssetStart xmlns="4873beb7-5857-4685-be1f-d57550cc96cc">2011-11-26T00:30:00+00:00</AssetStart>
+    <Provider xmlns="4873beb7-5857-4685-be1f-d57550cc96cc" xsi:nil="true"/>
+    <AcquiredFrom xmlns="4873beb7-5857-4685-be1f-d57550cc96cc">Internal MS</AcquiredFrom>
+    <FriendlyTitle xmlns="4873beb7-5857-4685-be1f-d57550cc96cc" xsi:nil="true"/>
+    <LastHandOff xmlns="4873beb7-5857-4685-be1f-d57550cc96cc" xsi:nil="true"/>
+    <TPClientViewer xmlns="4873beb7-5857-4685-be1f-d57550cc96cc" xsi:nil="true"/>
+    <TemplateStatus xmlns="4873beb7-5857-4685-be1f-d57550cc96cc">Complete</TemplateStatus>
+    <Downloads xmlns="4873beb7-5857-4685-be1f-d57550cc96cc">0</Downloads>
+    <OOCacheId xmlns="4873beb7-5857-4685-be1f-d57550cc96cc" xsi:nil="true"/>
+    <IsDeleted xmlns="4873beb7-5857-4685-be1f-d57550cc96cc">false</IsDeleted>
+    <LocPublishedDependentAssetsLookup xmlns="4873beb7-5857-4685-be1f-d57550cc96cc" xsi:nil="true"/>
+    <TPExecutable xmlns="4873beb7-5857-4685-be1f-d57550cc96cc" xsi:nil="true"/>
+    <EditorialTags xmlns="4873beb7-5857-4685-be1f-d57550cc96cc" xsi:nil="true"/>
+    <SubmitterId xmlns="4873beb7-5857-4685-be1f-d57550cc96cc" xsi:nil="true"/>
+    <ApprovalLog xmlns="4873beb7-5857-4685-be1f-d57550cc96cc" xsi:nil="true"/>
+    <AssetType xmlns="4873beb7-5857-4685-be1f-d57550cc96cc">TP</AssetType>
+    <BugNumber xmlns="4873beb7-5857-4685-be1f-d57550cc96cc" xsi:nil="true"/>
+    <CSXSubmissionDate xmlns="4873beb7-5857-4685-be1f-d57550cc96cc" xsi:nil="true"/>
+    <CSXUpdate xmlns="4873beb7-5857-4685-be1f-d57550cc96cc">false</CSXUpdate>
+    <Milestone xmlns="4873beb7-5857-4685-be1f-d57550cc96cc" xsi:nil="true"/>
+    <RecommendationsModifier xmlns="4873beb7-5857-4685-be1f-d57550cc96cc" xsi:nil="true"/>
+    <OriginAsset xmlns="4873beb7-5857-4685-be1f-d57550cc96cc" xsi:nil="true"/>
+    <TPComponent xmlns="4873beb7-5857-4685-be1f-d57550cc96cc" xsi:nil="true"/>
+    <AssetId xmlns="4873beb7-5857-4685-be1f-d57550cc96cc">TP102787989</AssetId>
+    <IntlLocPriority xmlns="4873beb7-5857-4685-be1f-d57550cc96cc" xsi:nil="true"/>
+    <PolicheckWords xmlns="4873beb7-5857-4685-be1f-d57550cc96cc" xsi:nil="true"/>
+    <TPLaunchHelpLink xmlns="4873beb7-5857-4685-be1f-d57550cc96cc" xsi:nil="true"/>
+    <TPApplication xmlns="4873beb7-5857-4685-be1f-d57550cc96cc" xsi:nil="true"/>
+    <CrawlForDependencies xmlns="4873beb7-5857-4685-be1f-d57550cc96cc">false</CrawlForDependencies>
+    <HandoffToMSDN xmlns="4873beb7-5857-4685-be1f-d57550cc96cc" xsi:nil="true"/>
+    <PlannedPubDate xmlns="4873beb7-5857-4685-be1f-d57550cc96cc" xsi:nil="true"/>
+    <IntlLangReviewer xmlns="4873beb7-5857-4685-be1f-d57550cc96cc" xsi:nil="true"/>
+    <TrustLevel xmlns="4873beb7-5857-4685-be1f-d57550cc96cc">1 Microsoft Managed Content</TrustLevel>
+    <LocLastLocAttemptVersionLookup xmlns="4873beb7-5857-4685-be1f-d57550cc96cc">694266</LocLastLocAttemptVersionLookup>
+    <LocProcessedForHandoffsLookup xmlns="4873beb7-5857-4685-be1f-d57550cc96cc" xsi:nil="true"/>
+    <IsSearchable xmlns="4873beb7-5857-4685-be1f-d57550cc96cc">true</IsSearchable>
+    <TemplateTemplateType xmlns="4873beb7-5857-4685-be1f-d57550cc96cc">PowerPoint Presentation Template</TemplateTemplateType>
+    <CampaignTagsTaxHTField0 xmlns="4873beb7-5857-4685-be1f-d57550cc96cc">
+      <Terms xmlns="http://schemas.microsoft.com/office/infopath/2007/PartnerControls"/>
+    </CampaignTagsTaxHTField0>
+    <TPNamespace xmlns="4873beb7-5857-4685-be1f-d57550cc96cc" xsi:nil="true"/>
+    <LocOverallPreviewStatusLookup xmlns="4873beb7-5857-4685-be1f-d57550cc96cc" xsi:nil="true"/>
+    <TaxCatchAll xmlns="4873beb7-5857-4685-be1f-d57550cc96cc"/>
+    <Markets xmlns="4873beb7-5857-4685-be1f-d57550cc96cc"/>
+    <UAProjectedTotalWords xmlns="4873beb7-5857-4685-be1f-d57550cc96cc" xsi:nil="true"/>
+    <IntlLangReview xmlns="4873beb7-5857-4685-be1f-d57550cc96cc" xsi:nil="true"/>
+    <OutputCachingOn xmlns="4873beb7-5857-4685-be1f-d57550cc96cc">false</OutputCachingOn>
+    <AverageRating xmlns="4873beb7-5857-4685-be1f-d57550cc96cc" xsi:nil="true"/>
+    <APAuthor xmlns="4873beb7-5857-4685-be1f-d57550cc96cc">
+      <UserInfo>
+        <DisplayName>REDMOND\kristaa</DisplayName>
+        <AccountId>136</AccountId>
+        <AccountType/>
+      </UserInfo>
+    </APAuthor>
+    <LocManualTestRequired xmlns="4873beb7-5857-4685-be1f-d57550cc96cc">false</LocManualTestRequired>
+    <TPCommandLine xmlns="4873beb7-5857-4685-be1f-d57550cc96cc" xsi:nil="true"/>
+    <TPAppVersion xmlns="4873beb7-5857-4685-be1f-d57550cc96cc" xsi:nil="true"/>
+    <EditorialStatus xmlns="4873beb7-5857-4685-be1f-d57550cc96cc">Complete</EditorialStatus>
+    <LastModifiedDateTime xmlns="4873beb7-5857-4685-be1f-d57550cc96cc" xsi:nil="true"/>
+    <ScenarioTagsTaxHTField0 xmlns="4873beb7-5857-4685-be1f-d57550cc96cc">
+      <Terms xmlns="http://schemas.microsoft.com/office/infopath/2007/PartnerControls"/>
+    </ScenarioTagsTaxHTField0>
+    <LocProcessedForMarketsLookup xmlns="4873beb7-5857-4685-be1f-d57550cc96cc" xsi:nil="true"/>
+    <TPLaunchHelpLinkType xmlns="4873beb7-5857-4685-be1f-d57550cc96cc">Template</TPLaunchHelpLinkType>
+    <OriginalRelease xmlns="4873beb7-5857-4685-be1f-d57550cc96cc">15</OriginalRelease>
+    <LocalizationTagsTaxHTField0 xmlns="4873beb7-5857-4685-be1f-d57550cc96cc">
+      <Terms xmlns="http://schemas.microsoft.com/office/infopath/2007/PartnerControls"/>
+    </LocalizationTagsTaxHTField0>
+    <UACurrentWords xmlns="4873beb7-5857-4685-be1f-d57550cc96cc" xsi:nil="true"/>
+    <ArtSampleDocs xmlns="4873beb7-5857-4685-be1f-d57550cc96cc" xsi:nil="true"/>
+    <UALocRecommendation xmlns="4873beb7-5857-4685-be1f-d57550cc96cc">Localize</UALocRecommendation>
+    <Manager xmlns="4873beb7-5857-4685-be1f-d57550cc96cc" xsi:nil="true"/>
+    <LocOverallHandbackStatusLookup xmlns="4873beb7-5857-4685-be1f-d57550cc96cc" xsi:nil="true"/>
+    <ShowIn xmlns="4873beb7-5857-4685-be1f-d57550cc96cc">Show everywhere</ShowIn>
+    <UANotes xmlns="4873beb7-5857-4685-be1f-d57550cc96cc" xsi:nil="true"/>
+    <InternalTagsTaxHTField0 xmlns="4873beb7-5857-4685-be1f-d57550cc96cc">
+      <Terms xmlns="http://schemas.microsoft.com/office/infopath/2007/PartnerControls"/>
+    </InternalTagsTaxHTField0>
+    <CSXHash xmlns="4873beb7-5857-4685-be1f-d57550cc96cc" xsi:nil="true"/>
+    <VoteCount xmlns="4873beb7-5857-4685-be1f-d57550cc96cc" xsi:nil="true"/>
+    <AssetExpire xmlns="4873beb7-5857-4685-be1f-d57550cc96cc">2029-05-12T07:00:00+00:00</AssetExpire>
+    <DSATActionTaken xmlns="4873beb7-5857-4685-be1f-d57550cc96cc" xsi:nil="true"/>
+    <CSXSubmissionMarket xmlns="4873beb7-5857-4685-be1f-d57550cc96cc" xsi:nil="true"/>
+    <LocMarketGroupTiers2 xmlns="4873beb7-5857-4685-be1f-d57550cc96cc" xsi:nil="true"/>
+  </documentManagement>
+</p:properties>
+</file>
+
+<file path=customXml/item3.xml><?xml version="1.0" encoding="utf-8"?>
+<?mso-contentType ?>
+<FormTemplates xmlns="http://schemas.microsoft.com/sharepoint/v3/contenttype/forms">
+  <Display>DocumentLibraryForm</Display>
+  <Edit>AssetEditForm</Edit>
+  <New>DocumentLibraryForm</New>
+</FormTemplates>
+</file>
+
 <file path=customXml/itemProps1.xml><?xml version="1.0" encoding="utf-8"?>
-<ds:datastoreItem xmlns:ds="http://schemas.openxmlformats.org/officeDocument/2006/customXml" ds:itemID="{3836F65B-1B07-41EE-A0E8-BC6EF3855225}">
+<ds:datastoreItem xmlns:ds="http://schemas.openxmlformats.org/officeDocument/2006/customXml" ds:itemID="{A09BF4D4-EF60-4196-BFC3-9462D607978C}">
   <ds:schemaRefs>
-    <ds:schemaRef ds:uri="http://schemas.microsoft.com/sharepoint/v3/contenttype/forms"/>
+    <ds:schemaRef ds:uri="http://schemas.microsoft.com/office/2006/metadata/contentType"/>
+    <ds:schemaRef ds:uri="http://schemas.microsoft.com/office/2006/metadata/properties/metaAttributes"/>
+    <ds:schemaRef ds:uri="http://www.w3.org/2001/XMLSchema"/>
+    <ds:schemaRef ds:uri="http://schemas.microsoft.com/office/2006/metadata/properties"/>
+    <ds:schemaRef ds:uri="4873beb7-5857-4685-be1f-d57550cc96cc"/>
+    <ds:schemaRef ds:uri="http://schemas.microsoft.com/office/2006/documentManagement/types"/>
+    <ds:schemaRef ds:uri="http://schemas.microsoft.com/office/infopath/2007/PartnerControls"/>
+    <ds:schemaRef ds:uri="http://schemas.openxmlformats.org/package/2006/metadata/core-properties"/>
+    <ds:schemaRef ds:uri="http://purl.org/dc/elements/1.1/"/>
+    <ds:schemaRef ds:uri="http://purl.org/dc/terms/"/>
+    <ds:schemaRef ds:uri="http://schemas.microsoft.com/internal/obd"/>
   </ds:schemaRefs>
 </ds:datastoreItem>
 </file>
@@ -15905,19 +16107,9 @@
 </file>
 
 <file path=customXml/itemProps3.xml><?xml version="1.0" encoding="utf-8"?>
-<ds:datastoreItem xmlns:ds="http://schemas.openxmlformats.org/officeDocument/2006/customXml" ds:itemID="{A09BF4D4-EF60-4196-BFC3-9462D607978C}">
+<ds:datastoreItem xmlns:ds="http://schemas.openxmlformats.org/officeDocument/2006/customXml" ds:itemID="{3836F65B-1B07-41EE-A0E8-BC6EF3855225}">
   <ds:schemaRefs>
-    <ds:schemaRef ds:uri="http://schemas.microsoft.com/office/2006/metadata/contentType"/>
-    <ds:schemaRef ds:uri="http://schemas.microsoft.com/office/2006/metadata/properties/metaAttributes"/>
-    <ds:schemaRef ds:uri="http://www.w3.org/2001/XMLSchema"/>
-    <ds:schemaRef ds:uri="http://schemas.microsoft.com/office/2006/metadata/properties"/>
-    <ds:schemaRef ds:uri="4873beb7-5857-4685-be1f-d57550cc96cc"/>
-    <ds:schemaRef ds:uri="http://schemas.microsoft.com/office/2006/documentManagement/types"/>
-    <ds:schemaRef ds:uri="http://schemas.microsoft.com/office/infopath/2007/PartnerControls"/>
-    <ds:schemaRef ds:uri="http://schemas.openxmlformats.org/package/2006/metadata/core-properties"/>
-    <ds:schemaRef ds:uri="http://purl.org/dc/elements/1.1/"/>
-    <ds:schemaRef ds:uri="http://purl.org/dc/terms/"/>
-    <ds:schemaRef ds:uri="http://schemas.microsoft.com/internal/obd"/>
+    <ds:schemaRef ds:uri="http://schemas.microsoft.com/sharepoint/v3/contenttype/forms"/>
   </ds:schemaRefs>
 </ds:datastoreItem>
 </file>